--- a/0_Report/SchemaBlock.pptx
+++ b/0_Report/SchemaBlock.pptx
@@ -252,7 +252,7 @@
           <a:p>
             <a:fld id="{8A4BC5C4-3B83-4D40-A2F2-85A6DFEA9E29}" type="datetimeFigureOut">
               <a:rPr lang="en-GB" smtClean="0"/>
-              <a:t>08/07/2017</a:t>
+              <a:t>23/07/2017</a:t>
             </a:fld>
             <a:endParaRPr lang="en-GB"/>
           </a:p>
@@ -422,7 +422,7 @@
           <a:p>
             <a:fld id="{8A4BC5C4-3B83-4D40-A2F2-85A6DFEA9E29}" type="datetimeFigureOut">
               <a:rPr lang="en-GB" smtClean="0"/>
-              <a:t>08/07/2017</a:t>
+              <a:t>23/07/2017</a:t>
             </a:fld>
             <a:endParaRPr lang="en-GB"/>
           </a:p>
@@ -602,7 +602,7 @@
           <a:p>
             <a:fld id="{8A4BC5C4-3B83-4D40-A2F2-85A6DFEA9E29}" type="datetimeFigureOut">
               <a:rPr lang="en-GB" smtClean="0"/>
-              <a:t>08/07/2017</a:t>
+              <a:t>23/07/2017</a:t>
             </a:fld>
             <a:endParaRPr lang="en-GB"/>
           </a:p>
@@ -772,7 +772,7 @@
           <a:p>
             <a:fld id="{8A4BC5C4-3B83-4D40-A2F2-85A6DFEA9E29}" type="datetimeFigureOut">
               <a:rPr lang="en-GB" smtClean="0"/>
-              <a:t>08/07/2017</a:t>
+              <a:t>23/07/2017</a:t>
             </a:fld>
             <a:endParaRPr lang="en-GB"/>
           </a:p>
@@ -1018,7 +1018,7 @@
           <a:p>
             <a:fld id="{8A4BC5C4-3B83-4D40-A2F2-85A6DFEA9E29}" type="datetimeFigureOut">
               <a:rPr lang="en-GB" smtClean="0"/>
-              <a:t>08/07/2017</a:t>
+              <a:t>23/07/2017</a:t>
             </a:fld>
             <a:endParaRPr lang="en-GB"/>
           </a:p>
@@ -1250,7 +1250,7 @@
           <a:p>
             <a:fld id="{8A4BC5C4-3B83-4D40-A2F2-85A6DFEA9E29}" type="datetimeFigureOut">
               <a:rPr lang="en-GB" smtClean="0"/>
-              <a:t>08/07/2017</a:t>
+              <a:t>23/07/2017</a:t>
             </a:fld>
             <a:endParaRPr lang="en-GB"/>
           </a:p>
@@ -1617,7 +1617,7 @@
           <a:p>
             <a:fld id="{8A4BC5C4-3B83-4D40-A2F2-85A6DFEA9E29}" type="datetimeFigureOut">
               <a:rPr lang="en-GB" smtClean="0"/>
-              <a:t>08/07/2017</a:t>
+              <a:t>23/07/2017</a:t>
             </a:fld>
             <a:endParaRPr lang="en-GB"/>
           </a:p>
@@ -1735,7 +1735,7 @@
           <a:p>
             <a:fld id="{8A4BC5C4-3B83-4D40-A2F2-85A6DFEA9E29}" type="datetimeFigureOut">
               <a:rPr lang="en-GB" smtClean="0"/>
-              <a:t>08/07/2017</a:t>
+              <a:t>23/07/2017</a:t>
             </a:fld>
             <a:endParaRPr lang="en-GB"/>
           </a:p>
@@ -1830,7 +1830,7 @@
           <a:p>
             <a:fld id="{8A4BC5C4-3B83-4D40-A2F2-85A6DFEA9E29}" type="datetimeFigureOut">
               <a:rPr lang="en-GB" smtClean="0"/>
-              <a:t>08/07/2017</a:t>
+              <a:t>23/07/2017</a:t>
             </a:fld>
             <a:endParaRPr lang="en-GB"/>
           </a:p>
@@ -2107,7 +2107,7 @@
           <a:p>
             <a:fld id="{8A4BC5C4-3B83-4D40-A2F2-85A6DFEA9E29}" type="datetimeFigureOut">
               <a:rPr lang="en-GB" smtClean="0"/>
-              <a:t>08/07/2017</a:t>
+              <a:t>23/07/2017</a:t>
             </a:fld>
             <a:endParaRPr lang="en-GB"/>
           </a:p>
@@ -2360,7 +2360,7 @@
           <a:p>
             <a:fld id="{8A4BC5C4-3B83-4D40-A2F2-85A6DFEA9E29}" type="datetimeFigureOut">
               <a:rPr lang="en-GB" smtClean="0"/>
-              <a:t>08/07/2017</a:t>
+              <a:t>23/07/2017</a:t>
             </a:fld>
             <a:endParaRPr lang="en-GB"/>
           </a:p>
@@ -2573,7 +2573,7 @@
           <a:p>
             <a:fld id="{8A4BC5C4-3B83-4D40-A2F2-85A6DFEA9E29}" type="datetimeFigureOut">
               <a:rPr lang="en-GB" smtClean="0"/>
-              <a:t>08/07/2017</a:t>
+              <a:t>23/07/2017</a:t>
             </a:fld>
             <a:endParaRPr lang="en-GB"/>
           </a:p>
@@ -2986,8 +2986,8 @@
         </p:nvSpPr>
         <p:spPr>
           <a:xfrm>
-            <a:off x="8579404" y="1637996"/>
-            <a:ext cx="3068456" cy="4348003"/>
+            <a:off x="8589376" y="3621751"/>
+            <a:ext cx="3068456" cy="2276796"/>
           </a:xfrm>
           <a:prstGeom prst="roundRect">
             <a:avLst/>
@@ -3018,20 +3018,8 @@
                   <a:schemeClr val="accent1"/>
                 </a:solidFill>
               </a:rPr>
-              <a:t>Central PC</a:t>
-            </a:r>
-          </a:p>
-          <a:p>
-            <a:endParaRPr lang="en-GB" dirty="0"/>
-          </a:p>
-          <a:p>
-            <a:endParaRPr lang="en-GB" dirty="0"/>
-          </a:p>
-          <a:p>
-            <a:endParaRPr lang="en-GB" dirty="0"/>
-          </a:p>
-          <a:p>
-            <a:endParaRPr lang="en-GB" dirty="0"/>
+              <a:t>PC</a:t>
+            </a:r>
           </a:p>
           <a:p>
             <a:endParaRPr lang="en-GB" dirty="0"/>
@@ -3173,7 +3161,7 @@
             </a:pPr>
             <a:r>
               <a:rPr lang="en-GB" dirty="0"/>
-              <a:t>Bare metal</a:t>
+              <a:t>Bare Metal</a:t>
             </a:r>
           </a:p>
           <a:p>
@@ -3193,133 +3181,13 @@
       </p:sp>
       <p:sp>
         <p:nvSpPr>
-          <p:cNvPr id="6" name="Ellipse 5"/>
-          <p:cNvSpPr/>
-          <p:nvPr/>
-        </p:nvSpPr>
-        <p:spPr>
-          <a:xfrm>
-            <a:off x="162374" y="3267009"/>
-            <a:ext cx="1163970" cy="658744"/>
-          </a:xfrm>
-          <a:prstGeom prst="ellipse">
-            <a:avLst/>
-          </a:prstGeom>
-        </p:spPr>
-        <p:style>
-          <a:lnRef idx="1">
-            <a:schemeClr val="accent1"/>
-          </a:lnRef>
-          <a:fillRef idx="2">
-            <a:schemeClr val="accent1"/>
-          </a:fillRef>
-          <a:effectRef idx="1">
-            <a:schemeClr val="accent1"/>
-          </a:effectRef>
-          <a:fontRef idx="minor">
-            <a:schemeClr val="dk1"/>
-          </a:fontRef>
-        </p:style>
-        <p:txBody>
-          <a:bodyPr rtlCol="0" anchor="ctr"/>
-          <a:lstStyle/>
-          <a:p>
-            <a:pPr algn="ctr"/>
-            <a:r>
-              <a:rPr lang="en-GB" dirty="0"/>
-              <a:t>Sensor</a:t>
-            </a:r>
-          </a:p>
-        </p:txBody>
-      </p:sp>
-      <p:sp>
-        <p:nvSpPr>
-          <p:cNvPr id="8" name="Ellipse 7"/>
-          <p:cNvSpPr/>
-          <p:nvPr/>
-        </p:nvSpPr>
-        <p:spPr>
-          <a:xfrm>
-            <a:off x="7130838" y="3267009"/>
-            <a:ext cx="1293353" cy="718018"/>
-          </a:xfrm>
-          <a:prstGeom prst="ellipse">
-            <a:avLst/>
-          </a:prstGeom>
-        </p:spPr>
-        <p:style>
-          <a:lnRef idx="1">
-            <a:schemeClr val="accent1"/>
-          </a:lnRef>
-          <a:fillRef idx="2">
-            <a:schemeClr val="accent1"/>
-          </a:fillRef>
-          <a:effectRef idx="1">
-            <a:schemeClr val="accent1"/>
-          </a:effectRef>
-          <a:fontRef idx="minor">
-            <a:schemeClr val="dk1"/>
-          </a:fontRef>
-        </p:style>
-        <p:txBody>
-          <a:bodyPr rtlCol="0" anchor="ctr"/>
-          <a:lstStyle/>
-          <a:p>
-            <a:pPr algn="ctr"/>
-            <a:r>
-              <a:rPr lang="en-GB" dirty="0" err="1"/>
-              <a:t>nRF</a:t>
-            </a:r>
-            <a:r>
-              <a:rPr lang="en-GB" dirty="0"/>
-              <a:t> KIT</a:t>
-            </a:r>
-          </a:p>
-        </p:txBody>
-      </p:sp>
-      <p:cxnSp>
-        <p:nvCxnSpPr>
-          <p:cNvPr id="14" name="Connecteur droit 13"/>
-          <p:cNvCxnSpPr>
-            <a:cxnSpLocks/>
-            <a:endCxn id="6" idx="6"/>
-          </p:cNvCxnSpPr>
-          <p:nvPr/>
-        </p:nvCxnSpPr>
-        <p:spPr>
-          <a:xfrm flipH="1" flipV="1">
-            <a:off x="1326344" y="3596381"/>
-            <a:ext cx="210699" cy="5161"/>
-          </a:xfrm>
-          <a:prstGeom prst="line">
-            <a:avLst/>
-          </a:prstGeom>
-          <a:ln w="38100"/>
-        </p:spPr>
-        <p:style>
-          <a:lnRef idx="1">
-            <a:schemeClr val="accent1"/>
-          </a:lnRef>
-          <a:fillRef idx="0">
-            <a:schemeClr val="accent1"/>
-          </a:fillRef>
-          <a:effectRef idx="0">
-            <a:schemeClr val="accent1"/>
-          </a:effectRef>
-          <a:fontRef idx="minor">
-            <a:schemeClr val="tx1"/>
-          </a:fontRef>
-        </p:style>
-      </p:cxnSp>
-      <p:sp>
-        <p:nvSpPr>
           <p:cNvPr id="41" name="ZoneTexte 40"/>
           <p:cNvSpPr txBox="1"/>
           <p:nvPr/>
         </p:nvSpPr>
         <p:spPr>
-          <a:xfrm>
-            <a:off x="4927941" y="3251525"/>
+          <a:xfrm rot="1223626">
+            <a:off x="5921556" y="3462379"/>
             <a:ext cx="2282420" cy="369332"/>
           </a:xfrm>
           <a:prstGeom prst="rect">
@@ -3353,9 +3221,9 @@
           <p:nvPr/>
         </p:nvCxnSpPr>
         <p:spPr>
-          <a:xfrm flipH="1">
-            <a:off x="4917969" y="3620857"/>
-            <a:ext cx="2212869" cy="0"/>
+          <a:xfrm flipH="1" flipV="1">
+            <a:off x="4947885" y="3114804"/>
+            <a:ext cx="3641491" cy="1377495"/>
           </a:xfrm>
           <a:prstGeom prst="straightConnector1">
             <a:avLst/>
@@ -3380,40 +3248,6 @@
           </a:fontRef>
         </p:style>
       </p:cxnSp>
-      <p:cxnSp>
-        <p:nvCxnSpPr>
-          <p:cNvPr id="53" name="Connecteur droit 52"/>
-          <p:cNvCxnSpPr>
-            <a:cxnSpLocks/>
-            <a:stCxn id="8" idx="6"/>
-          </p:cNvCxnSpPr>
-          <p:nvPr/>
-        </p:nvCxnSpPr>
-        <p:spPr>
-          <a:xfrm>
-            <a:off x="8424191" y="3626018"/>
-            <a:ext cx="145241" cy="1"/>
-          </a:xfrm>
-          <a:prstGeom prst="line">
-            <a:avLst/>
-          </a:prstGeom>
-          <a:ln w="38100"/>
-        </p:spPr>
-        <p:style>
-          <a:lnRef idx="1">
-            <a:schemeClr val="accent1"/>
-          </a:lnRef>
-          <a:fillRef idx="0">
-            <a:schemeClr val="accent1"/>
-          </a:fillRef>
-          <a:effectRef idx="0">
-            <a:schemeClr val="accent1"/>
-          </a:effectRef>
-          <a:fontRef idx="minor">
-            <a:schemeClr val="tx1"/>
-          </a:fontRef>
-        </p:style>
-      </p:cxnSp>
       <p:sp>
         <p:nvSpPr>
           <p:cNvPr id="2" name="Left-Right Arrow 1"/>
@@ -3422,8 +3256,8 @@
         </p:nvSpPr>
         <p:spPr>
           <a:xfrm>
-            <a:off x="4917969" y="4170764"/>
-            <a:ext cx="3641491" cy="588937"/>
+            <a:off x="4947885" y="4999247"/>
+            <a:ext cx="3611575" cy="588937"/>
           </a:xfrm>
           <a:prstGeom prst="leftRightArrow">
             <a:avLst/>
@@ -3448,16 +3282,13 @@
           <a:lstStyle/>
           <a:p>
             <a:pPr algn="ctr"/>
-            <a:r>
-              <a:rPr lang="nb-NO" b="1" dirty="0">
-                <a:solidFill>
-                  <a:schemeClr val="accent2">
-                    <a:lumMod val="75000"/>
-                  </a:schemeClr>
-                </a:solidFill>
-              </a:rPr>
-              <a:t>Segger RTT</a:t>
-            </a:r>
+            <a:endParaRPr lang="nb-NO" b="1" dirty="0">
+              <a:solidFill>
+                <a:schemeClr val="accent2">
+                  <a:lumMod val="75000"/>
+                </a:schemeClr>
+              </a:solidFill>
+            </a:endParaRPr>
           </a:p>
         </p:txBody>
       </p:sp>
@@ -3483,7 +3314,7 @@
         </p:blipFill>
         <p:spPr>
           <a:xfrm>
-            <a:off x="8724645" y="3412905"/>
+            <a:off x="8734617" y="4217813"/>
             <a:ext cx="415904" cy="415904"/>
           </a:xfrm>
           <a:prstGeom prst="rect">
@@ -3491,6 +3322,192 @@
           </a:prstGeom>
         </p:spPr>
       </p:pic>
+      <p:sp>
+        <p:nvSpPr>
+          <p:cNvPr id="8" name="Rectangle : coins arrondis 7">
+            <a:extLst>
+              <a:ext uri="{FF2B5EF4-FFF2-40B4-BE49-F238E27FC236}">
+                <a16:creationId xmlns:a16="http://schemas.microsoft.com/office/drawing/2014/main" id="{9EB44BB2-D073-4AEA-A7B1-1CC86E17B706}"/>
+              </a:ext>
+            </a:extLst>
+          </p:cNvPr>
+          <p:cNvSpPr/>
+          <p:nvPr/>
+        </p:nvSpPr>
+        <p:spPr>
+          <a:xfrm>
+            <a:off x="8589376" y="304374"/>
+            <a:ext cx="3068456" cy="2276796"/>
+          </a:xfrm>
+          <a:prstGeom prst="roundRect">
+            <a:avLst/>
+          </a:prstGeom>
+          <a:ln w="57150"/>
+        </p:spPr>
+        <p:style>
+          <a:lnRef idx="2">
+            <a:schemeClr val="accent1"/>
+          </a:lnRef>
+          <a:fillRef idx="1">
+            <a:schemeClr val="lt1"/>
+          </a:fillRef>
+          <a:effectRef idx="0">
+            <a:schemeClr val="accent1"/>
+          </a:effectRef>
+          <a:fontRef idx="minor">
+            <a:schemeClr val="dk1"/>
+          </a:fontRef>
+        </p:style>
+        <p:txBody>
+          <a:bodyPr rtlCol="0" anchor="t"/>
+          <a:lstStyle/>
+          <a:p>
+            <a:r>
+              <a:rPr lang="en-GB" b="1" dirty="0">
+                <a:solidFill>
+                  <a:schemeClr val="accent1"/>
+                </a:solidFill>
+              </a:rPr>
+              <a:t>Central</a:t>
+            </a:r>
+          </a:p>
+          <a:p>
+            <a:endParaRPr lang="en-GB" dirty="0"/>
+          </a:p>
+        </p:txBody>
+      </p:sp>
+      <p:cxnSp>
+        <p:nvCxnSpPr>
+          <p:cNvPr id="10" name="Connecteur droit avec flèche 9">
+            <a:extLst>
+              <a:ext uri="{FF2B5EF4-FFF2-40B4-BE49-F238E27FC236}">
+                <a16:creationId xmlns:a16="http://schemas.microsoft.com/office/drawing/2014/main" id="{E7F95707-D33E-4173-90C9-6A9C6DEF2348}"/>
+              </a:ext>
+            </a:extLst>
+          </p:cNvPr>
+          <p:cNvCxnSpPr>
+            <a:cxnSpLocks/>
+            <a:stCxn id="8" idx="1"/>
+          </p:cNvCxnSpPr>
+          <p:nvPr/>
+        </p:nvCxnSpPr>
+        <p:spPr>
+          <a:xfrm flipH="1">
+            <a:off x="4947885" y="1442772"/>
+            <a:ext cx="3641491" cy="1672032"/>
+          </a:xfrm>
+          <a:prstGeom prst="straightConnector1">
+            <a:avLst/>
+          </a:prstGeom>
+          <a:ln w="38100">
+            <a:headEnd type="triangle"/>
+            <a:tailEnd type="triangle"/>
+          </a:ln>
+        </p:spPr>
+        <p:style>
+          <a:lnRef idx="1">
+            <a:schemeClr val="accent1"/>
+          </a:lnRef>
+          <a:fillRef idx="0">
+            <a:schemeClr val="accent1"/>
+          </a:fillRef>
+          <a:effectRef idx="0">
+            <a:schemeClr val="accent1"/>
+          </a:effectRef>
+          <a:fontRef idx="minor">
+            <a:schemeClr val="tx1"/>
+          </a:fontRef>
+        </p:style>
+      </p:cxnSp>
+      <p:sp>
+        <p:nvSpPr>
+          <p:cNvPr id="14" name="Left-Right Arrow 1">
+            <a:extLst>
+              <a:ext uri="{FF2B5EF4-FFF2-40B4-BE49-F238E27FC236}">
+                <a16:creationId xmlns:a16="http://schemas.microsoft.com/office/drawing/2014/main" id="{163CF0EC-D8E9-47AE-A3CB-6FBF6718265C}"/>
+              </a:ext>
+            </a:extLst>
+          </p:cNvPr>
+          <p:cNvSpPr/>
+          <p:nvPr/>
+        </p:nvSpPr>
+        <p:spPr>
+          <a:xfrm rot="5400000">
+            <a:off x="9582981" y="2816577"/>
+            <a:ext cx="1021412" cy="588937"/>
+          </a:xfrm>
+          <a:prstGeom prst="leftRightArrow">
+            <a:avLst/>
+          </a:prstGeom>
+        </p:spPr>
+        <p:style>
+          <a:lnRef idx="1">
+            <a:schemeClr val="accent2"/>
+          </a:lnRef>
+          <a:fillRef idx="2">
+            <a:schemeClr val="accent2"/>
+          </a:fillRef>
+          <a:effectRef idx="1">
+            <a:schemeClr val="accent2"/>
+          </a:effectRef>
+          <a:fontRef idx="minor">
+            <a:schemeClr val="dk1"/>
+          </a:fontRef>
+        </p:style>
+        <p:txBody>
+          <a:bodyPr rtlCol="0" anchor="ctr"/>
+          <a:lstStyle/>
+          <a:p>
+            <a:pPr algn="ctr"/>
+            <a:endParaRPr lang="nb-NO" b="1" dirty="0">
+              <a:solidFill>
+                <a:schemeClr val="accent2">
+                  <a:lumMod val="75000"/>
+                </a:schemeClr>
+              </a:solidFill>
+            </a:endParaRPr>
+          </a:p>
+        </p:txBody>
+      </p:sp>
+      <p:sp>
+        <p:nvSpPr>
+          <p:cNvPr id="15" name="ZoneTexte 14">
+            <a:extLst>
+              <a:ext uri="{FF2B5EF4-FFF2-40B4-BE49-F238E27FC236}">
+                <a16:creationId xmlns:a16="http://schemas.microsoft.com/office/drawing/2014/main" id="{E0D694A5-7DD1-42CE-B19C-1A4EAD191525}"/>
+              </a:ext>
+            </a:extLst>
+          </p:cNvPr>
+          <p:cNvSpPr txBox="1"/>
+          <p:nvPr/>
+        </p:nvSpPr>
+        <p:spPr>
+          <a:xfrm rot="20094926">
+            <a:off x="5627421" y="1788600"/>
+            <a:ext cx="2282420" cy="369332"/>
+          </a:xfrm>
+          <a:prstGeom prst="rect">
+            <a:avLst/>
+          </a:prstGeom>
+          <a:noFill/>
+        </p:spPr>
+        <p:txBody>
+          <a:bodyPr wrap="none" rtlCol="0">
+            <a:spAutoFit/>
+          </a:bodyPr>
+          <a:lstStyle/>
+          <a:p>
+            <a:r>
+              <a:rPr lang="en-GB" b="1" dirty="0">
+                <a:solidFill>
+                  <a:schemeClr val="accent1"/>
+                </a:solidFill>
+              </a:rPr>
+              <a:t>Bluetooth Low Energy</a:t>
+            </a:r>
+          </a:p>
+        </p:txBody>
+      </p:sp>
     </p:spTree>
     <p:extLst>
       <p:ext uri="{BB962C8B-B14F-4D97-AF65-F5344CB8AC3E}">
@@ -8408,8 +8425,8 @@
         </p:nvSpPr>
         <p:spPr>
           <a:xfrm>
-            <a:off x="205468" y="206374"/>
-            <a:ext cx="7784646" cy="3488418"/>
+            <a:off x="223879" y="181826"/>
+            <a:ext cx="4139466" cy="3488418"/>
           </a:xfrm>
           <a:prstGeom prst="rect">
             <a:avLst/>
@@ -8459,7 +8476,7 @@
         <p:spPr>
           <a:xfrm>
             <a:off x="402318" y="593724"/>
-            <a:ext cx="7377340" cy="2934154"/>
+            <a:ext cx="3789193" cy="2934154"/>
           </a:xfrm>
           <a:prstGeom prst="rect">
             <a:avLst/>
@@ -8853,291 +8870,6 @@
             <a:r>
               <a:rPr lang="en-GB" dirty="0"/>
               <a:t>R | NOTIFY</a:t>
-            </a:r>
-          </a:p>
-        </p:txBody>
-      </p:sp>
-      <p:sp>
-        <p:nvSpPr>
-          <p:cNvPr id="74" name="Rectangle 73">
-            <a:extLst>
-              <a:ext uri="{FF2B5EF4-FFF2-40B4-BE49-F238E27FC236}">
-                <a16:creationId xmlns:a16="http://schemas.microsoft.com/office/drawing/2014/main" id="{2B6E87A7-632E-4EA0-A397-7016E68A1C24}"/>
-              </a:ext>
-            </a:extLst>
-          </p:cNvPr>
-          <p:cNvSpPr/>
-          <p:nvPr/>
-        </p:nvSpPr>
-        <p:spPr>
-          <a:xfrm>
-            <a:off x="4152449" y="1387474"/>
-            <a:ext cx="3460750" cy="1952625"/>
-          </a:xfrm>
-          <a:prstGeom prst="rect">
-            <a:avLst/>
-          </a:prstGeom>
-          <a:solidFill>
-            <a:schemeClr val="accent1">
-              <a:lumMod val="20000"/>
-              <a:lumOff val="80000"/>
-            </a:schemeClr>
-          </a:solidFill>
-          <a:ln w="9525" cap="flat" cmpd="sng" algn="ctr">
-            <a:noFill/>
-            <a:prstDash val="solid"/>
-            <a:round/>
-            <a:headEnd type="none" w="med" len="med"/>
-            <a:tailEnd type="none" w="med" len="med"/>
-          </a:ln>
-        </p:spPr>
-        <p:style>
-          <a:lnRef idx="0">
-            <a:scrgbClr r="0" g="0" b="0"/>
-          </a:lnRef>
-          <a:fillRef idx="0">
-            <a:scrgbClr r="0" g="0" b="0"/>
-          </a:fillRef>
-          <a:effectRef idx="0">
-            <a:scrgbClr r="0" g="0" b="0"/>
-          </a:effectRef>
-          <a:fontRef idx="minor">
-            <a:schemeClr val="dk1"/>
-          </a:fontRef>
-        </p:style>
-        <p:txBody>
-          <a:bodyPr rtlCol="0" anchor="t"/>
-          <a:lstStyle/>
-          <a:p>
-            <a:r>
-              <a:rPr lang="en-GB" dirty="0"/>
-              <a:t>Characteristic </a:t>
-            </a:r>
-            <a:r>
-              <a:rPr lang="en-GB" b="1" dirty="0"/>
-              <a:t>SLEEP</a:t>
-            </a:r>
-          </a:p>
-        </p:txBody>
-      </p:sp>
-      <p:sp>
-        <p:nvSpPr>
-          <p:cNvPr id="75" name="Rectangle 74">
-            <a:extLst>
-              <a:ext uri="{FF2B5EF4-FFF2-40B4-BE49-F238E27FC236}">
-                <a16:creationId xmlns:a16="http://schemas.microsoft.com/office/drawing/2014/main" id="{316318F6-AA81-40E0-9449-FE4EECA57CAE}"/>
-              </a:ext>
-            </a:extLst>
-          </p:cNvPr>
-          <p:cNvSpPr/>
-          <p:nvPr/>
-        </p:nvSpPr>
-        <p:spPr>
-          <a:xfrm>
-            <a:off x="4250874" y="1791624"/>
-            <a:ext cx="3251200" cy="288000"/>
-          </a:xfrm>
-          <a:prstGeom prst="rect">
-            <a:avLst/>
-          </a:prstGeom>
-          <a:ln>
-            <a:noFill/>
-            <a:headEnd type="none" w="med" len="med"/>
-            <a:tailEnd type="none" w="med" len="med"/>
-          </a:ln>
-        </p:spPr>
-        <p:style>
-          <a:lnRef idx="2">
-            <a:schemeClr val="dk1"/>
-          </a:lnRef>
-          <a:fillRef idx="1">
-            <a:schemeClr val="lt1"/>
-          </a:fillRef>
-          <a:effectRef idx="0">
-            <a:schemeClr val="dk1"/>
-          </a:effectRef>
-          <a:fontRef idx="minor">
-            <a:schemeClr val="dk1"/>
-          </a:fontRef>
-        </p:style>
-        <p:txBody>
-          <a:bodyPr rtlCol="0" anchor="ctr"/>
-          <a:lstStyle/>
-          <a:p>
-            <a:r>
-              <a:rPr lang="en-GB" b="1"/>
-              <a:t>UUID</a:t>
-            </a:r>
-            <a:r>
-              <a:rPr lang="en-GB"/>
-              <a:t> 0x2AC</a:t>
-            </a:r>
-            <a:endParaRPr lang="en-GB" dirty="0"/>
-          </a:p>
-        </p:txBody>
-      </p:sp>
-      <p:sp>
-        <p:nvSpPr>
-          <p:cNvPr id="76" name="Rectangle 75">
-            <a:extLst>
-              <a:ext uri="{FF2B5EF4-FFF2-40B4-BE49-F238E27FC236}">
-                <a16:creationId xmlns:a16="http://schemas.microsoft.com/office/drawing/2014/main" id="{D785081D-1770-469A-8E97-7A0B3F7E4D5C}"/>
-              </a:ext>
-            </a:extLst>
-          </p:cNvPr>
-          <p:cNvSpPr/>
-          <p:nvPr/>
-        </p:nvSpPr>
-        <p:spPr>
-          <a:xfrm>
-            <a:off x="4257224" y="2178974"/>
-            <a:ext cx="3251200" cy="288000"/>
-          </a:xfrm>
-          <a:prstGeom prst="rect">
-            <a:avLst/>
-          </a:prstGeom>
-          <a:ln>
-            <a:noFill/>
-            <a:headEnd type="none" w="med" len="med"/>
-            <a:tailEnd type="none" w="med" len="med"/>
-          </a:ln>
-        </p:spPr>
-        <p:style>
-          <a:lnRef idx="2">
-            <a:schemeClr val="dk1"/>
-          </a:lnRef>
-          <a:fillRef idx="1">
-            <a:schemeClr val="lt1"/>
-          </a:fillRef>
-          <a:effectRef idx="0">
-            <a:schemeClr val="dk1"/>
-          </a:effectRef>
-          <a:fontRef idx="minor">
-            <a:schemeClr val="dk1"/>
-          </a:fontRef>
-        </p:style>
-        <p:txBody>
-          <a:bodyPr rtlCol="0" anchor="ctr"/>
-          <a:lstStyle/>
-          <a:p>
-            <a:r>
-              <a:rPr lang="en-GB" b="1" dirty="0"/>
-              <a:t>Value </a:t>
-            </a:r>
-            <a:r>
-              <a:rPr lang="en-GB" dirty="0"/>
-              <a:t>Sleep</a:t>
-            </a:r>
-          </a:p>
-        </p:txBody>
-      </p:sp>
-      <p:sp>
-        <p:nvSpPr>
-          <p:cNvPr id="77" name="Rectangle 76">
-            <a:extLst>
-              <a:ext uri="{FF2B5EF4-FFF2-40B4-BE49-F238E27FC236}">
-                <a16:creationId xmlns:a16="http://schemas.microsoft.com/office/drawing/2014/main" id="{54DE3A70-3D52-4459-8F55-0C147CD73E02}"/>
-              </a:ext>
-            </a:extLst>
-          </p:cNvPr>
-          <p:cNvSpPr/>
-          <p:nvPr/>
-        </p:nvSpPr>
-        <p:spPr>
-          <a:xfrm>
-            <a:off x="4257224" y="2566324"/>
-            <a:ext cx="3251200" cy="288000"/>
-          </a:xfrm>
-          <a:prstGeom prst="rect">
-            <a:avLst/>
-          </a:prstGeom>
-          <a:ln>
-            <a:noFill/>
-            <a:headEnd type="none" w="med" len="med"/>
-            <a:tailEnd type="none" w="med" len="med"/>
-          </a:ln>
-        </p:spPr>
-        <p:style>
-          <a:lnRef idx="2">
-            <a:schemeClr val="dk1"/>
-          </a:lnRef>
-          <a:fillRef idx="1">
-            <a:schemeClr val="lt1"/>
-          </a:fillRef>
-          <a:effectRef idx="0">
-            <a:schemeClr val="dk1"/>
-          </a:effectRef>
-          <a:fontRef idx="minor">
-            <a:schemeClr val="dk1"/>
-          </a:fontRef>
-        </p:style>
-        <p:txBody>
-          <a:bodyPr rtlCol="0" anchor="ctr"/>
-          <a:lstStyle/>
-          <a:p>
-            <a:r>
-              <a:rPr lang="en-GB" b="1" dirty="0"/>
-              <a:t>Value type </a:t>
-            </a:r>
-            <a:r>
-              <a:rPr lang="en-GB" dirty="0"/>
-              <a:t>Boolean</a:t>
-            </a:r>
-            <a:endParaRPr lang="en-GB" b="1" dirty="0"/>
-          </a:p>
-        </p:txBody>
-      </p:sp>
-      <p:sp>
-        <p:nvSpPr>
-          <p:cNvPr id="78" name="Rectangle 77">
-            <a:extLst>
-              <a:ext uri="{FF2B5EF4-FFF2-40B4-BE49-F238E27FC236}">
-                <a16:creationId xmlns:a16="http://schemas.microsoft.com/office/drawing/2014/main" id="{1534C298-8A90-4E07-929B-D9C61FAB2395}"/>
-              </a:ext>
-            </a:extLst>
-          </p:cNvPr>
-          <p:cNvSpPr/>
-          <p:nvPr/>
-        </p:nvSpPr>
-        <p:spPr>
-          <a:xfrm>
-            <a:off x="4257224" y="2953674"/>
-            <a:ext cx="3251200" cy="288000"/>
-          </a:xfrm>
-          <a:prstGeom prst="rect">
-            <a:avLst/>
-          </a:prstGeom>
-          <a:ln>
-            <a:noFill/>
-            <a:headEnd type="none" w="med" len="med"/>
-            <a:tailEnd type="none" w="med" len="med"/>
-          </a:ln>
-        </p:spPr>
-        <p:style>
-          <a:lnRef idx="2">
-            <a:schemeClr val="dk1"/>
-          </a:lnRef>
-          <a:fillRef idx="1">
-            <a:schemeClr val="lt1"/>
-          </a:fillRef>
-          <a:effectRef idx="0">
-            <a:schemeClr val="dk1"/>
-          </a:effectRef>
-          <a:fontRef idx="minor">
-            <a:schemeClr val="dk1"/>
-          </a:fontRef>
-        </p:style>
-        <p:txBody>
-          <a:bodyPr rtlCol="0" anchor="ctr"/>
-          <a:lstStyle/>
-          <a:p>
-            <a:r>
-              <a:rPr lang="en-GB" b="1" dirty="0"/>
-              <a:t>Properties </a:t>
-            </a:r>
-            <a:r>
-              <a:rPr lang="en-GB" dirty="0"/>
-              <a:t>W | R | NOTIFY</a:t>
             </a:r>
           </a:p>
         </p:txBody>

--- a/0_Report/SchemaBlock.pptx
+++ b/0_Report/SchemaBlock.pptx
@@ -252,7 +252,7 @@
           <a:p>
             <a:fld id="{8A4BC5C4-3B83-4D40-A2F2-85A6DFEA9E29}" type="datetimeFigureOut">
               <a:rPr lang="en-GB" smtClean="0"/>
-              <a:t>23/07/2017</a:t>
+              <a:t>25/07/2017</a:t>
             </a:fld>
             <a:endParaRPr lang="en-GB"/>
           </a:p>
@@ -422,7 +422,7 @@
           <a:p>
             <a:fld id="{8A4BC5C4-3B83-4D40-A2F2-85A6DFEA9E29}" type="datetimeFigureOut">
               <a:rPr lang="en-GB" smtClean="0"/>
-              <a:t>23/07/2017</a:t>
+              <a:t>25/07/2017</a:t>
             </a:fld>
             <a:endParaRPr lang="en-GB"/>
           </a:p>
@@ -602,7 +602,7 @@
           <a:p>
             <a:fld id="{8A4BC5C4-3B83-4D40-A2F2-85A6DFEA9E29}" type="datetimeFigureOut">
               <a:rPr lang="en-GB" smtClean="0"/>
-              <a:t>23/07/2017</a:t>
+              <a:t>25/07/2017</a:t>
             </a:fld>
             <a:endParaRPr lang="en-GB"/>
           </a:p>
@@ -772,7 +772,7 @@
           <a:p>
             <a:fld id="{8A4BC5C4-3B83-4D40-A2F2-85A6DFEA9E29}" type="datetimeFigureOut">
               <a:rPr lang="en-GB" smtClean="0"/>
-              <a:t>23/07/2017</a:t>
+              <a:t>25/07/2017</a:t>
             </a:fld>
             <a:endParaRPr lang="en-GB"/>
           </a:p>
@@ -1018,7 +1018,7 @@
           <a:p>
             <a:fld id="{8A4BC5C4-3B83-4D40-A2F2-85A6DFEA9E29}" type="datetimeFigureOut">
               <a:rPr lang="en-GB" smtClean="0"/>
-              <a:t>23/07/2017</a:t>
+              <a:t>25/07/2017</a:t>
             </a:fld>
             <a:endParaRPr lang="en-GB"/>
           </a:p>
@@ -1250,7 +1250,7 @@
           <a:p>
             <a:fld id="{8A4BC5C4-3B83-4D40-A2F2-85A6DFEA9E29}" type="datetimeFigureOut">
               <a:rPr lang="en-GB" smtClean="0"/>
-              <a:t>23/07/2017</a:t>
+              <a:t>25/07/2017</a:t>
             </a:fld>
             <a:endParaRPr lang="en-GB"/>
           </a:p>
@@ -1617,7 +1617,7 @@
           <a:p>
             <a:fld id="{8A4BC5C4-3B83-4D40-A2F2-85A6DFEA9E29}" type="datetimeFigureOut">
               <a:rPr lang="en-GB" smtClean="0"/>
-              <a:t>23/07/2017</a:t>
+              <a:t>25/07/2017</a:t>
             </a:fld>
             <a:endParaRPr lang="en-GB"/>
           </a:p>
@@ -1735,7 +1735,7 @@
           <a:p>
             <a:fld id="{8A4BC5C4-3B83-4D40-A2F2-85A6DFEA9E29}" type="datetimeFigureOut">
               <a:rPr lang="en-GB" smtClean="0"/>
-              <a:t>23/07/2017</a:t>
+              <a:t>25/07/2017</a:t>
             </a:fld>
             <a:endParaRPr lang="en-GB"/>
           </a:p>
@@ -1830,7 +1830,7 @@
           <a:p>
             <a:fld id="{8A4BC5C4-3B83-4D40-A2F2-85A6DFEA9E29}" type="datetimeFigureOut">
               <a:rPr lang="en-GB" smtClean="0"/>
-              <a:t>23/07/2017</a:t>
+              <a:t>25/07/2017</a:t>
             </a:fld>
             <a:endParaRPr lang="en-GB"/>
           </a:p>
@@ -2107,7 +2107,7 @@
           <a:p>
             <a:fld id="{8A4BC5C4-3B83-4D40-A2F2-85A6DFEA9E29}" type="datetimeFigureOut">
               <a:rPr lang="en-GB" smtClean="0"/>
-              <a:t>23/07/2017</a:t>
+              <a:t>25/07/2017</a:t>
             </a:fld>
             <a:endParaRPr lang="en-GB"/>
           </a:p>
@@ -2360,7 +2360,7 @@
           <a:p>
             <a:fld id="{8A4BC5C4-3B83-4D40-A2F2-85A6DFEA9E29}" type="datetimeFigureOut">
               <a:rPr lang="en-GB" smtClean="0"/>
-              <a:t>23/07/2017</a:t>
+              <a:t>25/07/2017</a:t>
             </a:fld>
             <a:endParaRPr lang="en-GB"/>
           </a:p>
@@ -2573,7 +2573,7 @@
           <a:p>
             <a:fld id="{8A4BC5C4-3B83-4D40-A2F2-85A6DFEA9E29}" type="datetimeFigureOut">
               <a:rPr lang="en-GB" smtClean="0"/>
-              <a:t>23/07/2017</a:t>
+              <a:t>25/07/2017</a:t>
             </a:fld>
             <a:endParaRPr lang="en-GB"/>
           </a:p>
@@ -6472,7 +6472,7 @@
                   <a:schemeClr val="bg1"/>
                 </a:solidFill>
               </a:rPr>
-              <a:t>Nordic SD / SDK</a:t>
+              <a:t>Nordic SoftDevice / Software Development Kit</a:t>
             </a:r>
           </a:p>
         </p:txBody>
@@ -8425,8 +8425,8 @@
         </p:nvSpPr>
         <p:spPr>
           <a:xfrm>
-            <a:off x="223879" y="181826"/>
-            <a:ext cx="4139466" cy="3488418"/>
+            <a:off x="223878" y="181826"/>
+            <a:ext cx="7812889" cy="3488418"/>
           </a:xfrm>
           <a:prstGeom prst="rect">
             <a:avLst/>
@@ -8476,7 +8476,7 @@
         <p:spPr>
           <a:xfrm>
             <a:off x="402318" y="593724"/>
-            <a:ext cx="3789193" cy="2934154"/>
+            <a:ext cx="7454058" cy="2934154"/>
           </a:xfrm>
           <a:prstGeom prst="rect">
             <a:avLst/>
@@ -8834,6 +8834,290 @@
         <p:spPr>
           <a:xfrm>
             <a:off x="651783" y="2953674"/>
+            <a:ext cx="3251200" cy="288000"/>
+          </a:xfrm>
+          <a:prstGeom prst="rect">
+            <a:avLst/>
+          </a:prstGeom>
+          <a:ln>
+            <a:noFill/>
+            <a:headEnd type="none" w="med" len="med"/>
+            <a:tailEnd type="none" w="med" len="med"/>
+          </a:ln>
+        </p:spPr>
+        <p:style>
+          <a:lnRef idx="2">
+            <a:schemeClr val="dk1"/>
+          </a:lnRef>
+          <a:fillRef idx="1">
+            <a:schemeClr val="lt1"/>
+          </a:fillRef>
+          <a:effectRef idx="0">
+            <a:schemeClr val="dk1"/>
+          </a:effectRef>
+          <a:fontRef idx="minor">
+            <a:schemeClr val="dk1"/>
+          </a:fontRef>
+        </p:style>
+        <p:txBody>
+          <a:bodyPr rtlCol="0" anchor="ctr"/>
+          <a:lstStyle/>
+          <a:p>
+            <a:r>
+              <a:rPr lang="en-GB" b="1" dirty="0"/>
+              <a:t>Properties </a:t>
+            </a:r>
+            <a:r>
+              <a:rPr lang="en-GB" dirty="0"/>
+              <a:t>R | NOTIFY</a:t>
+            </a:r>
+          </a:p>
+        </p:txBody>
+      </p:sp>
+      <p:sp>
+        <p:nvSpPr>
+          <p:cNvPr id="10" name="Rectangle 9">
+            <a:extLst>
+              <a:ext uri="{FF2B5EF4-FFF2-40B4-BE49-F238E27FC236}">
+                <a16:creationId xmlns:a16="http://schemas.microsoft.com/office/drawing/2014/main" id="{E2E269DD-A6B0-4031-82F6-E495118BB017}"/>
+              </a:ext>
+            </a:extLst>
+          </p:cNvPr>
+          <p:cNvSpPr/>
+          <p:nvPr/>
+        </p:nvSpPr>
+        <p:spPr>
+          <a:xfrm>
+            <a:off x="4233894" y="1387474"/>
+            <a:ext cx="3460750" cy="1952625"/>
+          </a:xfrm>
+          <a:prstGeom prst="rect">
+            <a:avLst/>
+          </a:prstGeom>
+          <a:solidFill>
+            <a:schemeClr val="accent1">
+              <a:lumMod val="20000"/>
+              <a:lumOff val="80000"/>
+            </a:schemeClr>
+          </a:solidFill>
+          <a:ln w="9525" cap="flat" cmpd="sng" algn="ctr">
+            <a:noFill/>
+            <a:prstDash val="solid"/>
+            <a:round/>
+            <a:headEnd type="none" w="med" len="med"/>
+            <a:tailEnd type="none" w="med" len="med"/>
+          </a:ln>
+        </p:spPr>
+        <p:style>
+          <a:lnRef idx="0">
+            <a:scrgbClr r="0" g="0" b="0"/>
+          </a:lnRef>
+          <a:fillRef idx="0">
+            <a:scrgbClr r="0" g="0" b="0"/>
+          </a:fillRef>
+          <a:effectRef idx="0">
+            <a:scrgbClr r="0" g="0" b="0"/>
+          </a:effectRef>
+          <a:fontRef idx="minor">
+            <a:schemeClr val="dk1"/>
+          </a:fontRef>
+        </p:style>
+        <p:txBody>
+          <a:bodyPr rtlCol="0" anchor="t"/>
+          <a:lstStyle/>
+          <a:p>
+            <a:r>
+              <a:rPr lang="en-GB" dirty="0"/>
+              <a:t>Characteristic </a:t>
+            </a:r>
+            <a:r>
+              <a:rPr lang="en-GB" b="1" dirty="0"/>
+              <a:t>SLEEP</a:t>
+            </a:r>
+          </a:p>
+        </p:txBody>
+      </p:sp>
+      <p:sp>
+        <p:nvSpPr>
+          <p:cNvPr id="11" name="Rectangle 10">
+            <a:extLst>
+              <a:ext uri="{FF2B5EF4-FFF2-40B4-BE49-F238E27FC236}">
+                <a16:creationId xmlns:a16="http://schemas.microsoft.com/office/drawing/2014/main" id="{1EE8F6D3-E9CC-4DEA-B8BF-839ECECE702E}"/>
+              </a:ext>
+            </a:extLst>
+          </p:cNvPr>
+          <p:cNvSpPr/>
+          <p:nvPr/>
+        </p:nvSpPr>
+        <p:spPr>
+          <a:xfrm>
+            <a:off x="4332319" y="1791624"/>
+            <a:ext cx="3251200" cy="288000"/>
+          </a:xfrm>
+          <a:prstGeom prst="rect">
+            <a:avLst/>
+          </a:prstGeom>
+          <a:ln>
+            <a:noFill/>
+            <a:headEnd type="none" w="med" len="med"/>
+            <a:tailEnd type="none" w="med" len="med"/>
+          </a:ln>
+        </p:spPr>
+        <p:style>
+          <a:lnRef idx="2">
+            <a:schemeClr val="dk1"/>
+          </a:lnRef>
+          <a:fillRef idx="1">
+            <a:schemeClr val="lt1"/>
+          </a:fillRef>
+          <a:effectRef idx="0">
+            <a:schemeClr val="dk1"/>
+          </a:effectRef>
+          <a:fontRef idx="minor">
+            <a:schemeClr val="dk1"/>
+          </a:fontRef>
+        </p:style>
+        <p:txBody>
+          <a:bodyPr rtlCol="0" anchor="ctr"/>
+          <a:lstStyle/>
+          <a:p>
+            <a:r>
+              <a:rPr lang="en-GB" b="1" dirty="0"/>
+              <a:t>UUID</a:t>
+            </a:r>
+            <a:r>
+              <a:rPr lang="en-GB" dirty="0"/>
+              <a:t> 0x2ADC</a:t>
+            </a:r>
+          </a:p>
+        </p:txBody>
+      </p:sp>
+      <p:sp>
+        <p:nvSpPr>
+          <p:cNvPr id="12" name="Rectangle 11">
+            <a:extLst>
+              <a:ext uri="{FF2B5EF4-FFF2-40B4-BE49-F238E27FC236}">
+                <a16:creationId xmlns:a16="http://schemas.microsoft.com/office/drawing/2014/main" id="{747D75B2-CEFD-48D8-8BD4-A020E29DF0B9}"/>
+              </a:ext>
+            </a:extLst>
+          </p:cNvPr>
+          <p:cNvSpPr/>
+          <p:nvPr/>
+        </p:nvSpPr>
+        <p:spPr>
+          <a:xfrm>
+            <a:off x="4338669" y="2178974"/>
+            <a:ext cx="3251200" cy="288000"/>
+          </a:xfrm>
+          <a:prstGeom prst="rect">
+            <a:avLst/>
+          </a:prstGeom>
+          <a:ln>
+            <a:noFill/>
+            <a:headEnd type="none" w="med" len="med"/>
+            <a:tailEnd type="none" w="med" len="med"/>
+          </a:ln>
+        </p:spPr>
+        <p:style>
+          <a:lnRef idx="2">
+            <a:schemeClr val="dk1"/>
+          </a:lnRef>
+          <a:fillRef idx="1">
+            <a:schemeClr val="lt1"/>
+          </a:fillRef>
+          <a:effectRef idx="0">
+            <a:schemeClr val="dk1"/>
+          </a:effectRef>
+          <a:fontRef idx="minor">
+            <a:schemeClr val="dk1"/>
+          </a:fontRef>
+        </p:style>
+        <p:txBody>
+          <a:bodyPr rtlCol="0" anchor="ctr"/>
+          <a:lstStyle/>
+          <a:p>
+            <a:r>
+              <a:rPr lang="en-GB" b="1" dirty="0"/>
+              <a:t>Value </a:t>
+            </a:r>
+            <a:r>
+              <a:rPr lang="en-GB" dirty="0"/>
+              <a:t>Sleep</a:t>
+            </a:r>
+          </a:p>
+        </p:txBody>
+      </p:sp>
+      <p:sp>
+        <p:nvSpPr>
+          <p:cNvPr id="13" name="Rectangle 12">
+            <a:extLst>
+              <a:ext uri="{FF2B5EF4-FFF2-40B4-BE49-F238E27FC236}">
+                <a16:creationId xmlns:a16="http://schemas.microsoft.com/office/drawing/2014/main" id="{3BCA9220-7C5A-42C1-AD93-082B73BD4353}"/>
+              </a:ext>
+            </a:extLst>
+          </p:cNvPr>
+          <p:cNvSpPr/>
+          <p:nvPr/>
+        </p:nvSpPr>
+        <p:spPr>
+          <a:xfrm>
+            <a:off x="4338669" y="2566324"/>
+            <a:ext cx="3251200" cy="288000"/>
+          </a:xfrm>
+          <a:prstGeom prst="rect">
+            <a:avLst/>
+          </a:prstGeom>
+          <a:ln>
+            <a:noFill/>
+            <a:headEnd type="none" w="med" len="med"/>
+            <a:tailEnd type="none" w="med" len="med"/>
+          </a:ln>
+        </p:spPr>
+        <p:style>
+          <a:lnRef idx="2">
+            <a:schemeClr val="dk1"/>
+          </a:lnRef>
+          <a:fillRef idx="1">
+            <a:schemeClr val="lt1"/>
+          </a:fillRef>
+          <a:effectRef idx="0">
+            <a:schemeClr val="dk1"/>
+          </a:effectRef>
+          <a:fontRef idx="minor">
+            <a:schemeClr val="dk1"/>
+          </a:fontRef>
+        </p:style>
+        <p:txBody>
+          <a:bodyPr rtlCol="0" anchor="ctr"/>
+          <a:lstStyle/>
+          <a:p>
+            <a:r>
+              <a:rPr lang="en-GB" b="1" dirty="0"/>
+              <a:t>Value type </a:t>
+            </a:r>
+            <a:r>
+              <a:rPr lang="en-GB" dirty="0"/>
+              <a:t>Boolean</a:t>
+            </a:r>
+            <a:endParaRPr lang="en-GB" b="1" dirty="0"/>
+          </a:p>
+        </p:txBody>
+      </p:sp>
+      <p:sp>
+        <p:nvSpPr>
+          <p:cNvPr id="14" name="Rectangle 13">
+            <a:extLst>
+              <a:ext uri="{FF2B5EF4-FFF2-40B4-BE49-F238E27FC236}">
+                <a16:creationId xmlns:a16="http://schemas.microsoft.com/office/drawing/2014/main" id="{A9715A47-A181-4DC7-A4CF-EC1C3170C2B4}"/>
+              </a:ext>
+            </a:extLst>
+          </p:cNvPr>
+          <p:cNvSpPr/>
+          <p:nvPr/>
+        </p:nvSpPr>
+        <p:spPr>
+          <a:xfrm>
+            <a:off x="4338669" y="2953674"/>
             <a:ext cx="3251200" cy="288000"/>
           </a:xfrm>
           <a:prstGeom prst="rect">
@@ -8918,8 +9202,8 @@
         </p:nvSpPr>
         <p:spPr>
           <a:xfrm>
-            <a:off x="203653" y="140153"/>
-            <a:ext cx="7946168" cy="5571218"/>
+            <a:off x="203652" y="140153"/>
+            <a:ext cx="11509377" cy="5571218"/>
           </a:xfrm>
           <a:prstGeom prst="rect">
             <a:avLst/>
@@ -8968,8 +9252,8 @@
         </p:nvSpPr>
         <p:spPr>
           <a:xfrm>
-            <a:off x="400503" y="527503"/>
-            <a:ext cx="7516114" cy="4995183"/>
+            <a:off x="400502" y="527503"/>
+            <a:ext cx="11138355" cy="4995183"/>
           </a:xfrm>
           <a:prstGeom prst="rect">
             <a:avLst/>
@@ -10189,6 +10473,290 @@
         <p:spPr>
           <a:xfrm>
             <a:off x="690335" y="4989986"/>
+            <a:ext cx="3251200" cy="288000"/>
+          </a:xfrm>
+          <a:prstGeom prst="rect">
+            <a:avLst/>
+          </a:prstGeom>
+          <a:ln>
+            <a:noFill/>
+            <a:headEnd type="none" w="med" len="med"/>
+            <a:tailEnd type="none" w="med" len="med"/>
+          </a:ln>
+        </p:spPr>
+        <p:style>
+          <a:lnRef idx="2">
+            <a:schemeClr val="dk1"/>
+          </a:lnRef>
+          <a:fillRef idx="1">
+            <a:schemeClr val="lt1"/>
+          </a:fillRef>
+          <a:effectRef idx="0">
+            <a:schemeClr val="dk1"/>
+          </a:effectRef>
+          <a:fontRef idx="minor">
+            <a:schemeClr val="dk1"/>
+          </a:fontRef>
+        </p:style>
+        <p:txBody>
+          <a:bodyPr rtlCol="0" anchor="ctr"/>
+          <a:lstStyle/>
+          <a:p>
+            <a:r>
+              <a:rPr lang="en-GB" b="1" dirty="0"/>
+              <a:t>Properties </a:t>
+            </a:r>
+            <a:r>
+              <a:rPr lang="en-GB" dirty="0"/>
+              <a:t>R | NOTIFY</a:t>
+            </a:r>
+          </a:p>
+        </p:txBody>
+      </p:sp>
+      <p:sp>
+        <p:nvSpPr>
+          <p:cNvPr id="25" name="Rectangle 24">
+            <a:extLst>
+              <a:ext uri="{FF2B5EF4-FFF2-40B4-BE49-F238E27FC236}">
+                <a16:creationId xmlns:a16="http://schemas.microsoft.com/office/drawing/2014/main" id="{631A6D4F-BDB9-416B-9B91-B6DCBF1BE09A}"/>
+              </a:ext>
+            </a:extLst>
+          </p:cNvPr>
+          <p:cNvSpPr/>
+          <p:nvPr/>
+        </p:nvSpPr>
+        <p:spPr>
+          <a:xfrm>
+            <a:off x="7900762" y="1321253"/>
+            <a:ext cx="3460750" cy="1952625"/>
+          </a:xfrm>
+          <a:prstGeom prst="rect">
+            <a:avLst/>
+          </a:prstGeom>
+          <a:solidFill>
+            <a:schemeClr val="accent1">
+              <a:lumMod val="20000"/>
+              <a:lumOff val="80000"/>
+            </a:schemeClr>
+          </a:solidFill>
+          <a:ln w="9525" cap="flat" cmpd="sng" algn="ctr">
+            <a:noFill/>
+            <a:prstDash val="solid"/>
+            <a:round/>
+            <a:headEnd type="none" w="med" len="med"/>
+            <a:tailEnd type="none" w="med" len="med"/>
+          </a:ln>
+        </p:spPr>
+        <p:style>
+          <a:lnRef idx="0">
+            <a:scrgbClr r="0" g="0" b="0"/>
+          </a:lnRef>
+          <a:fillRef idx="0">
+            <a:scrgbClr r="0" g="0" b="0"/>
+          </a:fillRef>
+          <a:effectRef idx="0">
+            <a:scrgbClr r="0" g="0" b="0"/>
+          </a:effectRef>
+          <a:fontRef idx="minor">
+            <a:schemeClr val="dk1"/>
+          </a:fontRef>
+        </p:style>
+        <p:txBody>
+          <a:bodyPr rtlCol="0" anchor="t"/>
+          <a:lstStyle/>
+          <a:p>
+            <a:r>
+              <a:rPr lang="en-GB" dirty="0"/>
+              <a:t>Characteristic </a:t>
+            </a:r>
+            <a:r>
+              <a:rPr lang="en-GB" b="1" dirty="0"/>
+              <a:t>SLEEP</a:t>
+            </a:r>
+          </a:p>
+        </p:txBody>
+      </p:sp>
+      <p:sp>
+        <p:nvSpPr>
+          <p:cNvPr id="26" name="Rectangle 25">
+            <a:extLst>
+              <a:ext uri="{FF2B5EF4-FFF2-40B4-BE49-F238E27FC236}">
+                <a16:creationId xmlns:a16="http://schemas.microsoft.com/office/drawing/2014/main" id="{E2954E85-782A-4612-B92F-E23DC369B426}"/>
+              </a:ext>
+            </a:extLst>
+          </p:cNvPr>
+          <p:cNvSpPr/>
+          <p:nvPr/>
+        </p:nvSpPr>
+        <p:spPr>
+          <a:xfrm>
+            <a:off x="7999187" y="1725403"/>
+            <a:ext cx="3251200" cy="288000"/>
+          </a:xfrm>
+          <a:prstGeom prst="rect">
+            <a:avLst/>
+          </a:prstGeom>
+          <a:ln>
+            <a:noFill/>
+            <a:headEnd type="none" w="med" len="med"/>
+            <a:tailEnd type="none" w="med" len="med"/>
+          </a:ln>
+        </p:spPr>
+        <p:style>
+          <a:lnRef idx="2">
+            <a:schemeClr val="dk1"/>
+          </a:lnRef>
+          <a:fillRef idx="1">
+            <a:schemeClr val="lt1"/>
+          </a:fillRef>
+          <a:effectRef idx="0">
+            <a:schemeClr val="dk1"/>
+          </a:effectRef>
+          <a:fontRef idx="minor">
+            <a:schemeClr val="dk1"/>
+          </a:fontRef>
+        </p:style>
+        <p:txBody>
+          <a:bodyPr rtlCol="0" anchor="ctr"/>
+          <a:lstStyle/>
+          <a:p>
+            <a:r>
+              <a:rPr lang="en-GB" b="1" dirty="0"/>
+              <a:t>UUID</a:t>
+            </a:r>
+            <a:r>
+              <a:rPr lang="en-GB" dirty="0"/>
+              <a:t> 0x5ACC</a:t>
+            </a:r>
+          </a:p>
+        </p:txBody>
+      </p:sp>
+      <p:sp>
+        <p:nvSpPr>
+          <p:cNvPr id="27" name="Rectangle 26">
+            <a:extLst>
+              <a:ext uri="{FF2B5EF4-FFF2-40B4-BE49-F238E27FC236}">
+                <a16:creationId xmlns:a16="http://schemas.microsoft.com/office/drawing/2014/main" id="{76214DFB-ADEA-40B6-9FDF-98F39A2DE7A6}"/>
+              </a:ext>
+            </a:extLst>
+          </p:cNvPr>
+          <p:cNvSpPr/>
+          <p:nvPr/>
+        </p:nvSpPr>
+        <p:spPr>
+          <a:xfrm>
+            <a:off x="8005537" y="2112753"/>
+            <a:ext cx="3251200" cy="288000"/>
+          </a:xfrm>
+          <a:prstGeom prst="rect">
+            <a:avLst/>
+          </a:prstGeom>
+          <a:ln>
+            <a:noFill/>
+            <a:headEnd type="none" w="med" len="med"/>
+            <a:tailEnd type="none" w="med" len="med"/>
+          </a:ln>
+        </p:spPr>
+        <p:style>
+          <a:lnRef idx="2">
+            <a:schemeClr val="dk1"/>
+          </a:lnRef>
+          <a:fillRef idx="1">
+            <a:schemeClr val="lt1"/>
+          </a:fillRef>
+          <a:effectRef idx="0">
+            <a:schemeClr val="dk1"/>
+          </a:effectRef>
+          <a:fontRef idx="minor">
+            <a:schemeClr val="dk1"/>
+          </a:fontRef>
+        </p:style>
+        <p:txBody>
+          <a:bodyPr rtlCol="0" anchor="ctr"/>
+          <a:lstStyle/>
+          <a:p>
+            <a:r>
+              <a:rPr lang="en-GB" b="1" dirty="0"/>
+              <a:t>Value </a:t>
+            </a:r>
+            <a:r>
+              <a:rPr lang="en-GB" dirty="0"/>
+              <a:t>Sleep</a:t>
+            </a:r>
+          </a:p>
+        </p:txBody>
+      </p:sp>
+      <p:sp>
+        <p:nvSpPr>
+          <p:cNvPr id="33" name="Rectangle 32">
+            <a:extLst>
+              <a:ext uri="{FF2B5EF4-FFF2-40B4-BE49-F238E27FC236}">
+                <a16:creationId xmlns:a16="http://schemas.microsoft.com/office/drawing/2014/main" id="{3CEDB082-4BDE-4E01-B295-35391384F1A3}"/>
+              </a:ext>
+            </a:extLst>
+          </p:cNvPr>
+          <p:cNvSpPr/>
+          <p:nvPr/>
+        </p:nvSpPr>
+        <p:spPr>
+          <a:xfrm>
+            <a:off x="8005537" y="2500103"/>
+            <a:ext cx="3251200" cy="288000"/>
+          </a:xfrm>
+          <a:prstGeom prst="rect">
+            <a:avLst/>
+          </a:prstGeom>
+          <a:ln>
+            <a:noFill/>
+            <a:headEnd type="none" w="med" len="med"/>
+            <a:tailEnd type="none" w="med" len="med"/>
+          </a:ln>
+        </p:spPr>
+        <p:style>
+          <a:lnRef idx="2">
+            <a:schemeClr val="dk1"/>
+          </a:lnRef>
+          <a:fillRef idx="1">
+            <a:schemeClr val="lt1"/>
+          </a:fillRef>
+          <a:effectRef idx="0">
+            <a:schemeClr val="dk1"/>
+          </a:effectRef>
+          <a:fontRef idx="minor">
+            <a:schemeClr val="dk1"/>
+          </a:fontRef>
+        </p:style>
+        <p:txBody>
+          <a:bodyPr rtlCol="0" anchor="ctr"/>
+          <a:lstStyle/>
+          <a:p>
+            <a:r>
+              <a:rPr lang="en-GB" b="1" dirty="0"/>
+              <a:t>Value type </a:t>
+            </a:r>
+            <a:r>
+              <a:rPr lang="en-GB" dirty="0"/>
+              <a:t>Boolean</a:t>
+            </a:r>
+            <a:endParaRPr lang="en-GB" b="1" dirty="0"/>
+          </a:p>
+        </p:txBody>
+      </p:sp>
+      <p:sp>
+        <p:nvSpPr>
+          <p:cNvPr id="34" name="Rectangle 33">
+            <a:extLst>
+              <a:ext uri="{FF2B5EF4-FFF2-40B4-BE49-F238E27FC236}">
+                <a16:creationId xmlns:a16="http://schemas.microsoft.com/office/drawing/2014/main" id="{AA6A75AD-CF70-4D4A-9EFD-6599008DB162}"/>
+              </a:ext>
+            </a:extLst>
+          </p:cNvPr>
+          <p:cNvSpPr/>
+          <p:nvPr/>
+        </p:nvSpPr>
+        <p:spPr>
+          <a:xfrm>
+            <a:off x="8005537" y="2887453"/>
             <a:ext cx="3251200" cy="288000"/>
           </a:xfrm>
           <a:prstGeom prst="rect">

--- a/0_Report/SchemaBlock.pptx
+++ b/0_Report/SchemaBlock.pptx
@@ -6,11 +6,13 @@
   </p:sldMasterIdLst>
   <p:sldIdLst>
     <p:sldId id="256" r:id="rId2"/>
-    <p:sldId id="257" r:id="rId3"/>
-    <p:sldId id="258" r:id="rId4"/>
-    <p:sldId id="259" r:id="rId5"/>
-    <p:sldId id="260" r:id="rId6"/>
-    <p:sldId id="261" r:id="rId7"/>
+    <p:sldId id="262" r:id="rId3"/>
+    <p:sldId id="257" r:id="rId4"/>
+    <p:sldId id="258" r:id="rId5"/>
+    <p:sldId id="259" r:id="rId6"/>
+    <p:sldId id="260" r:id="rId7"/>
+    <p:sldId id="261" r:id="rId8"/>
+    <p:sldId id="263" r:id="rId9"/>
   </p:sldIdLst>
   <p:sldSz cx="12192000" cy="6858000"/>
   <p:notesSz cx="6858000" cy="9144000"/>
@@ -252,7 +254,7 @@
           <a:p>
             <a:fld id="{8A4BC5C4-3B83-4D40-A2F2-85A6DFEA9E29}" type="datetimeFigureOut">
               <a:rPr lang="en-GB" smtClean="0"/>
-              <a:t>25/07/2017</a:t>
+              <a:t>31/07/2017</a:t>
             </a:fld>
             <a:endParaRPr lang="en-GB"/>
           </a:p>
@@ -422,7 +424,7 @@
           <a:p>
             <a:fld id="{8A4BC5C4-3B83-4D40-A2F2-85A6DFEA9E29}" type="datetimeFigureOut">
               <a:rPr lang="en-GB" smtClean="0"/>
-              <a:t>25/07/2017</a:t>
+              <a:t>31/07/2017</a:t>
             </a:fld>
             <a:endParaRPr lang="en-GB"/>
           </a:p>
@@ -602,7 +604,7 @@
           <a:p>
             <a:fld id="{8A4BC5C4-3B83-4D40-A2F2-85A6DFEA9E29}" type="datetimeFigureOut">
               <a:rPr lang="en-GB" smtClean="0"/>
-              <a:t>25/07/2017</a:t>
+              <a:t>31/07/2017</a:t>
             </a:fld>
             <a:endParaRPr lang="en-GB"/>
           </a:p>
@@ -772,7 +774,7 @@
           <a:p>
             <a:fld id="{8A4BC5C4-3B83-4D40-A2F2-85A6DFEA9E29}" type="datetimeFigureOut">
               <a:rPr lang="en-GB" smtClean="0"/>
-              <a:t>25/07/2017</a:t>
+              <a:t>31/07/2017</a:t>
             </a:fld>
             <a:endParaRPr lang="en-GB"/>
           </a:p>
@@ -1018,7 +1020,7 @@
           <a:p>
             <a:fld id="{8A4BC5C4-3B83-4D40-A2F2-85A6DFEA9E29}" type="datetimeFigureOut">
               <a:rPr lang="en-GB" smtClean="0"/>
-              <a:t>25/07/2017</a:t>
+              <a:t>31/07/2017</a:t>
             </a:fld>
             <a:endParaRPr lang="en-GB"/>
           </a:p>
@@ -1250,7 +1252,7 @@
           <a:p>
             <a:fld id="{8A4BC5C4-3B83-4D40-A2F2-85A6DFEA9E29}" type="datetimeFigureOut">
               <a:rPr lang="en-GB" smtClean="0"/>
-              <a:t>25/07/2017</a:t>
+              <a:t>31/07/2017</a:t>
             </a:fld>
             <a:endParaRPr lang="en-GB"/>
           </a:p>
@@ -1617,7 +1619,7 @@
           <a:p>
             <a:fld id="{8A4BC5C4-3B83-4D40-A2F2-85A6DFEA9E29}" type="datetimeFigureOut">
               <a:rPr lang="en-GB" smtClean="0"/>
-              <a:t>25/07/2017</a:t>
+              <a:t>31/07/2017</a:t>
             </a:fld>
             <a:endParaRPr lang="en-GB"/>
           </a:p>
@@ -1735,7 +1737,7 @@
           <a:p>
             <a:fld id="{8A4BC5C4-3B83-4D40-A2F2-85A6DFEA9E29}" type="datetimeFigureOut">
               <a:rPr lang="en-GB" smtClean="0"/>
-              <a:t>25/07/2017</a:t>
+              <a:t>31/07/2017</a:t>
             </a:fld>
             <a:endParaRPr lang="en-GB"/>
           </a:p>
@@ -1830,7 +1832,7 @@
           <a:p>
             <a:fld id="{8A4BC5C4-3B83-4D40-A2F2-85A6DFEA9E29}" type="datetimeFigureOut">
               <a:rPr lang="en-GB" smtClean="0"/>
-              <a:t>25/07/2017</a:t>
+              <a:t>31/07/2017</a:t>
             </a:fld>
             <a:endParaRPr lang="en-GB"/>
           </a:p>
@@ -2107,7 +2109,7 @@
           <a:p>
             <a:fld id="{8A4BC5C4-3B83-4D40-A2F2-85A6DFEA9E29}" type="datetimeFigureOut">
               <a:rPr lang="en-GB" smtClean="0"/>
-              <a:t>25/07/2017</a:t>
+              <a:t>31/07/2017</a:t>
             </a:fld>
             <a:endParaRPr lang="en-GB"/>
           </a:p>
@@ -2360,7 +2362,7 @@
           <a:p>
             <a:fld id="{8A4BC5C4-3B83-4D40-A2F2-85A6DFEA9E29}" type="datetimeFigureOut">
               <a:rPr lang="en-GB" smtClean="0"/>
-              <a:t>25/07/2017</a:t>
+              <a:t>31/07/2017</a:t>
             </a:fld>
             <a:endParaRPr lang="en-GB"/>
           </a:p>
@@ -2573,7 +2575,7 @@
           <a:p>
             <a:fld id="{8A4BC5C4-3B83-4D40-A2F2-85A6DFEA9E29}" type="datetimeFigureOut">
               <a:rPr lang="en-GB" smtClean="0"/>
-              <a:t>25/07/2017</a:t>
+              <a:t>31/07/2017</a:t>
             </a:fld>
             <a:endParaRPr lang="en-GB"/>
           </a:p>
@@ -2986,8 +2988,8 @@
         </p:nvSpPr>
         <p:spPr>
           <a:xfrm>
-            <a:off x="8589376" y="3621751"/>
-            <a:ext cx="3068456" cy="2276796"/>
+            <a:off x="7818046" y="2204418"/>
+            <a:ext cx="3068456" cy="1714440"/>
           </a:xfrm>
           <a:prstGeom prst="roundRect">
             <a:avLst/>
@@ -3018,7 +3020,7 @@
                   <a:schemeClr val="accent1"/>
                 </a:solidFill>
               </a:rPr>
-              <a:t>PC</a:t>
+              <a:t>Central</a:t>
             </a:r>
           </a:p>
           <a:p>
@@ -3040,12 +3042,6 @@
           <a:p>
             <a:endParaRPr lang="en-GB" dirty="0"/>
           </a:p>
-          <a:p>
-            <a:r>
-              <a:rPr lang="en-GB" b="1" dirty="0"/>
-              <a:t>Desktop application</a:t>
-            </a:r>
-          </a:p>
         </p:txBody>
       </p:sp>
       <p:sp>
@@ -3056,7 +3052,7 @@
         </p:nvSpPr>
         <p:spPr>
           <a:xfrm>
-            <a:off x="1534229" y="1725446"/>
+            <a:off x="762899" y="2204417"/>
             <a:ext cx="3393712" cy="4173101"/>
           </a:xfrm>
           <a:prstGeom prst="roundRect">
@@ -3094,7 +3090,26 @@
           <a:p>
             <a:r>
               <a:rPr lang="en-GB" b="1" dirty="0"/>
-              <a:t>Hardware</a:t>
+              <a:t>nRF52x Development Kit</a:t>
+            </a:r>
+          </a:p>
+          <a:p>
+            <a:r>
+              <a:rPr lang="en-GB" b="1" dirty="0"/>
+              <a:t>Nordic Power Profiler Kit</a:t>
+            </a:r>
+          </a:p>
+          <a:p>
+            <a:endParaRPr lang="en-GB" b="1" dirty="0">
+              <a:solidFill>
+                <a:schemeClr val="accent1"/>
+              </a:solidFill>
+            </a:endParaRPr>
+          </a:p>
+          <a:p>
+            <a:r>
+              <a:rPr lang="en-GB" b="1" dirty="0"/>
+              <a:t>Extension board</a:t>
             </a:r>
           </a:p>
           <a:p>
@@ -3104,7 +3119,7 @@
             </a:pPr>
             <a:r>
               <a:rPr lang="en-GB" dirty="0"/>
-              <a:t>nRF52x Development Kit</a:t>
+              <a:t>Accelerometer</a:t>
             </a:r>
           </a:p>
           <a:p>
@@ -3114,7 +3129,7 @@
             </a:pPr>
             <a:r>
               <a:rPr lang="en-GB" dirty="0"/>
-              <a:t>Nordic Power Profiler Kit</a:t>
+              <a:t>A/D Converter</a:t>
             </a:r>
           </a:p>
           <a:p>
@@ -3124,25 +3139,7 @@
             </a:pPr>
             <a:r>
               <a:rPr lang="en-GB" dirty="0"/>
-              <a:t>Extension board</a:t>
-            </a:r>
-          </a:p>
-          <a:p>
-            <a:r>
-              <a:rPr lang="en-GB" dirty="0"/>
-              <a:t>	Accelerometer</a:t>
-            </a:r>
-          </a:p>
-          <a:p>
-            <a:r>
-              <a:rPr lang="en-GB" dirty="0"/>
-              <a:t>	A/D Converter</a:t>
-            </a:r>
-          </a:p>
-          <a:p>
-            <a:r>
-              <a:rPr lang="en-GB" dirty="0"/>
-              <a:t>	Interrupt generator</a:t>
+              <a:t>Interrupt generator</a:t>
             </a:r>
           </a:p>
           <a:p>
@@ -3161,7 +3158,7 @@
             </a:pPr>
             <a:r>
               <a:rPr lang="en-GB" dirty="0"/>
-              <a:t>Bare Metal</a:t>
+              <a:t>Nordic SDK + SD</a:t>
             </a:r>
           </a:p>
           <a:p>
@@ -3186,8 +3183,8 @@
           <p:nvPr/>
         </p:nvSpPr>
         <p:spPr>
-          <a:xfrm rot="1223626">
-            <a:off x="5921556" y="3462379"/>
+          <a:xfrm>
+            <a:off x="4846118" y="2733032"/>
             <a:ext cx="2282420" cy="369332"/>
           </a:xfrm>
           <a:prstGeom prst="rect">
@@ -3221,9 +3218,9 @@
           <p:nvPr/>
         </p:nvCxnSpPr>
         <p:spPr>
-          <a:xfrm flipH="1" flipV="1">
-            <a:off x="4947885" y="3114804"/>
-            <a:ext cx="3641491" cy="1377495"/>
+          <a:xfrm flipH="1">
+            <a:off x="4176556" y="3102364"/>
+            <a:ext cx="3611574" cy="0"/>
           </a:xfrm>
           <a:prstGeom prst="straightConnector1">
             <a:avLst/>
@@ -3256,8 +3253,8 @@
         </p:nvSpPr>
         <p:spPr>
           <a:xfrm>
-            <a:off x="4947885" y="4999247"/>
-            <a:ext cx="3611575" cy="588937"/>
+            <a:off x="4156611" y="4853718"/>
+            <a:ext cx="3631519" cy="588937"/>
           </a:xfrm>
           <a:prstGeom prst="leftRightArrow">
             <a:avLst/>
@@ -3314,7 +3311,7 @@
         </p:blipFill>
         <p:spPr>
           <a:xfrm>
-            <a:off x="8734617" y="4217813"/>
+            <a:off x="7924932" y="2846276"/>
             <a:ext cx="415904" cy="415904"/>
           </a:xfrm>
           <a:prstGeom prst="rect">
@@ -3324,10 +3321,10 @@
       </p:pic>
       <p:sp>
         <p:nvSpPr>
-          <p:cNvPr id="8" name="Rectangle : coins arrondis 7">
+          <p:cNvPr id="16" name="Rectangle : coins arrondis 15">
             <a:extLst>
               <a:ext uri="{FF2B5EF4-FFF2-40B4-BE49-F238E27FC236}">
-                <a16:creationId xmlns:a16="http://schemas.microsoft.com/office/drawing/2014/main" id="{9EB44BB2-D073-4AEA-A7B1-1CC86E17B706}"/>
+                <a16:creationId xmlns:a16="http://schemas.microsoft.com/office/drawing/2014/main" id="{C64BEDF1-4043-47DA-AF01-03F361BD4AA3}"/>
               </a:ext>
             </a:extLst>
           </p:cNvPr>
@@ -3336,8 +3333,8 @@
         </p:nvSpPr>
         <p:spPr>
           <a:xfrm>
-            <a:off x="8589376" y="304374"/>
-            <a:ext cx="3068456" cy="2276796"/>
+            <a:off x="7818045" y="4290967"/>
+            <a:ext cx="3919865" cy="1714440"/>
           </a:xfrm>
           <a:prstGeom prst="roundRect">
             <a:avLst/>
@@ -3368,143 +3365,20 @@
                   <a:schemeClr val="accent1"/>
                 </a:solidFill>
               </a:rPr>
-              <a:t>Central</a:t>
+              <a:t>PC</a:t>
             </a:r>
           </a:p>
           <a:p>
             <a:endParaRPr lang="en-GB" dirty="0"/>
           </a:p>
-        </p:txBody>
-      </p:sp>
-      <p:cxnSp>
-        <p:nvCxnSpPr>
-          <p:cNvPr id="10" name="Connecteur droit avec flèche 9">
-            <a:extLst>
-              <a:ext uri="{FF2B5EF4-FFF2-40B4-BE49-F238E27FC236}">
-                <a16:creationId xmlns:a16="http://schemas.microsoft.com/office/drawing/2014/main" id="{E7F95707-D33E-4173-90C9-6A9C6DEF2348}"/>
-              </a:ext>
-            </a:extLst>
-          </p:cNvPr>
-          <p:cNvCxnSpPr>
-            <a:cxnSpLocks/>
-            <a:stCxn id="8" idx="1"/>
-          </p:cNvCxnSpPr>
-          <p:nvPr/>
-        </p:nvCxnSpPr>
-        <p:spPr>
-          <a:xfrm flipH="1">
-            <a:off x="4947885" y="1442772"/>
-            <a:ext cx="3641491" cy="1672032"/>
-          </a:xfrm>
-          <a:prstGeom prst="straightConnector1">
-            <a:avLst/>
-          </a:prstGeom>
-          <a:ln w="38100">
-            <a:headEnd type="triangle"/>
-            <a:tailEnd type="triangle"/>
-          </a:ln>
-        </p:spPr>
-        <p:style>
-          <a:lnRef idx="1">
-            <a:schemeClr val="accent1"/>
-          </a:lnRef>
-          <a:fillRef idx="0">
-            <a:schemeClr val="accent1"/>
-          </a:fillRef>
-          <a:effectRef idx="0">
-            <a:schemeClr val="accent1"/>
-          </a:effectRef>
-          <a:fontRef idx="minor">
-            <a:schemeClr val="tx1"/>
-          </a:fontRef>
-        </p:style>
-      </p:cxnSp>
-      <p:sp>
-        <p:nvSpPr>
-          <p:cNvPr id="14" name="Left-Right Arrow 1">
-            <a:extLst>
-              <a:ext uri="{FF2B5EF4-FFF2-40B4-BE49-F238E27FC236}">
-                <a16:creationId xmlns:a16="http://schemas.microsoft.com/office/drawing/2014/main" id="{163CF0EC-D8E9-47AE-A3CB-6FBF6718265C}"/>
-              </a:ext>
-            </a:extLst>
-          </p:cNvPr>
-          <p:cNvSpPr/>
-          <p:nvPr/>
-        </p:nvSpPr>
-        <p:spPr>
-          <a:xfrm rot="5400000">
-            <a:off x="9582981" y="2816577"/>
-            <a:ext cx="1021412" cy="588937"/>
-          </a:xfrm>
-          <a:prstGeom prst="leftRightArrow">
-            <a:avLst/>
-          </a:prstGeom>
-        </p:spPr>
-        <p:style>
-          <a:lnRef idx="1">
-            <a:schemeClr val="accent2"/>
-          </a:lnRef>
-          <a:fillRef idx="2">
-            <a:schemeClr val="accent2"/>
-          </a:fillRef>
-          <a:effectRef idx="1">
-            <a:schemeClr val="accent2"/>
-          </a:effectRef>
-          <a:fontRef idx="minor">
-            <a:schemeClr val="dk1"/>
-          </a:fontRef>
-        </p:style>
-        <p:txBody>
-          <a:bodyPr rtlCol="0" anchor="ctr"/>
-          <a:lstStyle/>
-          <a:p>
-            <a:pPr algn="ctr"/>
-            <a:endParaRPr lang="nb-NO" b="1" dirty="0">
-              <a:solidFill>
-                <a:schemeClr val="accent2">
-                  <a:lumMod val="75000"/>
-                </a:schemeClr>
-              </a:solidFill>
-            </a:endParaRPr>
-          </a:p>
-        </p:txBody>
-      </p:sp>
-      <p:sp>
-        <p:nvSpPr>
-          <p:cNvPr id="15" name="ZoneTexte 14">
-            <a:extLst>
-              <a:ext uri="{FF2B5EF4-FFF2-40B4-BE49-F238E27FC236}">
-                <a16:creationId xmlns:a16="http://schemas.microsoft.com/office/drawing/2014/main" id="{E0D694A5-7DD1-42CE-B19C-1A4EAD191525}"/>
-              </a:ext>
-            </a:extLst>
-          </p:cNvPr>
-          <p:cNvSpPr txBox="1"/>
-          <p:nvPr/>
-        </p:nvSpPr>
-        <p:spPr>
-          <a:xfrm rot="20094926">
-            <a:off x="5627421" y="1788600"/>
-            <a:ext cx="2282420" cy="369332"/>
-          </a:xfrm>
-          <a:prstGeom prst="rect">
-            <a:avLst/>
-          </a:prstGeom>
-          <a:noFill/>
-        </p:spPr>
-        <p:txBody>
-          <a:bodyPr wrap="none" rtlCol="0">
-            <a:spAutoFit/>
-          </a:bodyPr>
-          <a:lstStyle/>
-          <a:p>
-            <a:r>
-              <a:rPr lang="en-GB" b="1" dirty="0">
-                <a:solidFill>
-                  <a:schemeClr val="accent1"/>
-                </a:solidFill>
-              </a:rPr>
-              <a:t>Bluetooth Low Energy</a:t>
-            </a:r>
+          <a:p>
+            <a:r>
+              <a:rPr lang="en-GB" b="1" dirty="0"/>
+              <a:t>Power Profiler Kit Desktop Application</a:t>
+            </a:r>
+          </a:p>
+          <a:p>
+            <a:endParaRPr lang="en-GB" dirty="0"/>
           </a:p>
         </p:txBody>
       </p:sp>
@@ -3546,22 +3420,169 @@
         </p:nvSpPr>
         <p:spPr>
           <a:xfrm>
-            <a:off x="4945224" y="2805404"/>
-            <a:ext cx="2021632" cy="995266"/>
+            <a:off x="4266835" y="1463753"/>
+            <a:ext cx="3068456" cy="2320078"/>
           </a:xfrm>
           <a:prstGeom prst="roundRect">
             <a:avLst/>
           </a:prstGeom>
+          <a:ln w="57150"/>
+        </p:spPr>
+        <p:style>
+          <a:lnRef idx="2">
+            <a:schemeClr val="accent1"/>
+          </a:lnRef>
+          <a:fillRef idx="1">
+            <a:schemeClr val="lt1"/>
+          </a:fillRef>
+          <a:effectRef idx="0">
+            <a:schemeClr val="accent1"/>
+          </a:effectRef>
+          <a:fontRef idx="minor">
+            <a:schemeClr val="dk1"/>
+          </a:fontRef>
+        </p:style>
+        <p:txBody>
+          <a:bodyPr rtlCol="0" anchor="t"/>
+          <a:lstStyle/>
+          <a:p>
+            <a:r>
+              <a:rPr lang="en-GB" b="1" dirty="0">
+                <a:solidFill>
+                  <a:schemeClr val="accent1"/>
+                </a:solidFill>
+              </a:rPr>
+              <a:t>Central</a:t>
+            </a:r>
+          </a:p>
+          <a:p>
+            <a:r>
+              <a:rPr lang="en-GB" b="1" dirty="0"/>
+              <a:t>nRF52x Development Kit</a:t>
+            </a:r>
+          </a:p>
+          <a:p>
+            <a:r>
+              <a:rPr lang="en-GB" b="1" dirty="0"/>
+              <a:t>Nordic Power Profiler Kit</a:t>
+            </a:r>
+          </a:p>
+          <a:p>
+            <a:endParaRPr lang="en-GB" dirty="0"/>
+          </a:p>
+          <a:p>
+            <a:r>
+              <a:rPr lang="en-GB" b="1" dirty="0"/>
+              <a:t>Software</a:t>
+            </a:r>
+          </a:p>
+          <a:p>
+            <a:pPr marL="285750" indent="-285750">
+              <a:buFont typeface="Arial" panose="020B0604020202020204" pitchFamily="34" charset="0"/>
+              <a:buChar char="•"/>
+            </a:pPr>
+            <a:r>
+              <a:rPr lang="en-GB" dirty="0"/>
+              <a:t>Nordic SDK + SD</a:t>
+            </a:r>
+          </a:p>
+          <a:p>
+            <a:pPr marL="285750" indent="-285750">
+              <a:buFont typeface="Arial" panose="020B0604020202020204" pitchFamily="34" charset="0"/>
+              <a:buChar char="•"/>
+            </a:pPr>
+            <a:r>
+              <a:rPr lang="en-GB" dirty="0"/>
+              <a:t>Zephyr RTOS</a:t>
+            </a:r>
+          </a:p>
+          <a:p>
+            <a:endParaRPr lang="en-GB" dirty="0"/>
+          </a:p>
+          <a:p>
+            <a:r>
+              <a:rPr lang="en-GB" dirty="0"/>
+              <a:t>       </a:t>
+            </a:r>
+          </a:p>
+          <a:p>
+            <a:endParaRPr lang="en-GB" dirty="0"/>
+          </a:p>
+        </p:txBody>
+      </p:sp>
+      <p:sp>
+        <p:nvSpPr>
+          <p:cNvPr id="5" name="Rectangle : coins arrondis 4"/>
+          <p:cNvSpPr/>
+          <p:nvPr/>
+        </p:nvSpPr>
+        <p:spPr>
+          <a:xfrm>
+            <a:off x="9000755" y="316246"/>
+            <a:ext cx="2422987" cy="857221"/>
+          </a:xfrm>
+          <a:prstGeom prst="roundRect">
+            <a:avLst/>
+          </a:prstGeom>
+          <a:ln w="57150"/>
+        </p:spPr>
+        <p:style>
+          <a:lnRef idx="2">
+            <a:schemeClr val="accent1"/>
+          </a:lnRef>
+          <a:fillRef idx="1">
+            <a:schemeClr val="lt1"/>
+          </a:fillRef>
+          <a:effectRef idx="0">
+            <a:schemeClr val="accent1"/>
+          </a:effectRef>
+          <a:fontRef idx="minor">
+            <a:schemeClr val="dk1"/>
+          </a:fontRef>
+        </p:style>
+        <p:txBody>
+          <a:bodyPr rtlCol="0" anchor="ctr"/>
+          <a:lstStyle/>
+          <a:p>
+            <a:pPr algn="ctr"/>
+            <a:r>
+              <a:rPr lang="en-GB" b="1" dirty="0">
+                <a:solidFill>
+                  <a:schemeClr val="accent1"/>
+                </a:solidFill>
+              </a:rPr>
+              <a:t>Peripheral</a:t>
+            </a:r>
+          </a:p>
+          <a:p>
+            <a:endParaRPr lang="en-GB" dirty="0"/>
+          </a:p>
+        </p:txBody>
+      </p:sp>
+      <p:sp>
+        <p:nvSpPr>
+          <p:cNvPr id="2" name="Left-Right Arrow 1"/>
+          <p:cNvSpPr/>
+          <p:nvPr/>
+        </p:nvSpPr>
+        <p:spPr>
+          <a:xfrm rot="5400000">
+            <a:off x="5381869" y="3947894"/>
+            <a:ext cx="887142" cy="588937"/>
+          </a:xfrm>
+          <a:prstGeom prst="leftRightArrow">
+            <a:avLst/>
+          </a:prstGeom>
         </p:spPr>
         <p:style>
           <a:lnRef idx="1">
-            <a:schemeClr val="accent1"/>
+            <a:schemeClr val="accent2"/>
           </a:lnRef>
           <a:fillRef idx="2">
-            <a:schemeClr val="accent1"/>
+            <a:schemeClr val="accent2"/>
           </a:fillRef>
           <a:effectRef idx="1">
-            <a:schemeClr val="accent1"/>
+            <a:schemeClr val="accent2"/>
           </a:effectRef>
           <a:fontRef idx="minor">
             <a:schemeClr val="dk1"/>
@@ -3572,44 +3593,165 @@
           <a:lstStyle/>
           <a:p>
             <a:pPr algn="ctr"/>
-            <a:r>
-              <a:rPr lang="en-GB" dirty="0"/>
-              <a:t>Central</a:t>
-            </a:r>
-          </a:p>
+            <a:endParaRPr lang="nb-NO" b="1" dirty="0">
+              <a:solidFill>
+                <a:schemeClr val="accent2">
+                  <a:lumMod val="75000"/>
+                </a:schemeClr>
+              </a:solidFill>
+            </a:endParaRPr>
+          </a:p>
+        </p:txBody>
+      </p:sp>
+      <p:sp>
+        <p:nvSpPr>
+          <p:cNvPr id="16" name="Rectangle : coins arrondis 15">
+            <a:extLst>
+              <a:ext uri="{FF2B5EF4-FFF2-40B4-BE49-F238E27FC236}">
+                <a16:creationId xmlns:a16="http://schemas.microsoft.com/office/drawing/2014/main" id="{C64BEDF1-4043-47DA-AF01-03F361BD4AA3}"/>
+              </a:ext>
+            </a:extLst>
+          </p:cNvPr>
+          <p:cNvSpPr/>
+          <p:nvPr/>
+        </p:nvSpPr>
+        <p:spPr>
+          <a:xfrm>
+            <a:off x="3865507" y="4670971"/>
+            <a:ext cx="3919865" cy="1714440"/>
+          </a:xfrm>
+          <a:prstGeom prst="roundRect">
+            <a:avLst/>
+          </a:prstGeom>
+          <a:ln w="57150"/>
+        </p:spPr>
+        <p:style>
+          <a:lnRef idx="2">
+            <a:schemeClr val="accent1"/>
+          </a:lnRef>
+          <a:fillRef idx="1">
+            <a:schemeClr val="lt1"/>
+          </a:fillRef>
+          <a:effectRef idx="0">
+            <a:schemeClr val="accent1"/>
+          </a:effectRef>
+          <a:fontRef idx="minor">
+            <a:schemeClr val="dk1"/>
+          </a:fontRef>
+        </p:style>
+        <p:txBody>
+          <a:bodyPr rtlCol="0" anchor="t"/>
+          <a:lstStyle/>
+          <a:p>
+            <a:r>
+              <a:rPr lang="en-GB" b="1" dirty="0">
+                <a:solidFill>
+                  <a:schemeClr val="accent1"/>
+                </a:solidFill>
+              </a:rPr>
+              <a:t>PC</a:t>
+            </a:r>
+          </a:p>
+          <a:p>
+            <a:endParaRPr lang="en-GB" dirty="0"/>
+          </a:p>
+          <a:p>
+            <a:r>
+              <a:rPr lang="en-GB" b="1" dirty="0"/>
+              <a:t>Power Profiler Kit Desktop Application</a:t>
+            </a:r>
+          </a:p>
+          <a:p>
+            <a:endParaRPr lang="en-GB" dirty="0"/>
+          </a:p>
+        </p:txBody>
+      </p:sp>
+      <p:sp>
+        <p:nvSpPr>
+          <p:cNvPr id="9" name="Rectangle : coins arrondis 8">
+            <a:extLst>
+              <a:ext uri="{FF2B5EF4-FFF2-40B4-BE49-F238E27FC236}">
+                <a16:creationId xmlns:a16="http://schemas.microsoft.com/office/drawing/2014/main" id="{7BDDC70A-4463-44BA-8876-5042A3AC444F}"/>
+              </a:ext>
+            </a:extLst>
+          </p:cNvPr>
+          <p:cNvSpPr/>
+          <p:nvPr/>
+        </p:nvSpPr>
+        <p:spPr>
+          <a:xfrm>
+            <a:off x="9000755" y="1528189"/>
+            <a:ext cx="2422987" cy="857221"/>
+          </a:xfrm>
+          <a:prstGeom prst="roundRect">
+            <a:avLst/>
+          </a:prstGeom>
+          <a:ln w="57150"/>
+        </p:spPr>
+        <p:style>
+          <a:lnRef idx="2">
+            <a:schemeClr val="accent1"/>
+          </a:lnRef>
+          <a:fillRef idx="1">
+            <a:schemeClr val="lt1"/>
+          </a:fillRef>
+          <a:effectRef idx="0">
+            <a:schemeClr val="accent1"/>
+          </a:effectRef>
+          <a:fontRef idx="minor">
+            <a:schemeClr val="dk1"/>
+          </a:fontRef>
+        </p:style>
+        <p:txBody>
+          <a:bodyPr rtlCol="0" anchor="ctr"/>
+          <a:lstStyle/>
           <a:p>
             <a:pPr algn="ctr"/>
             <a:r>
-              <a:rPr lang="en-GB" dirty="0"/>
-              <a:t>PC</a:t>
-            </a:r>
-          </a:p>
-        </p:txBody>
-      </p:sp>
-      <p:sp>
-        <p:nvSpPr>
-          <p:cNvPr id="5" name="Ellipse 4"/>
+              <a:rPr lang="en-GB" b="1" dirty="0">
+                <a:solidFill>
+                  <a:schemeClr val="accent1"/>
+                </a:solidFill>
+              </a:rPr>
+              <a:t>Peripheral</a:t>
+            </a:r>
+          </a:p>
+          <a:p>
+            <a:endParaRPr lang="en-GB" dirty="0"/>
+          </a:p>
+        </p:txBody>
+      </p:sp>
+      <p:sp>
+        <p:nvSpPr>
+          <p:cNvPr id="10" name="Rectangle : coins arrondis 9">
+            <a:extLst>
+              <a:ext uri="{FF2B5EF4-FFF2-40B4-BE49-F238E27FC236}">
+                <a16:creationId xmlns:a16="http://schemas.microsoft.com/office/drawing/2014/main" id="{6EAD901E-E2A1-49D0-B25A-9EBB52B91BDA}"/>
+              </a:ext>
+            </a:extLst>
+          </p:cNvPr>
           <p:cNvSpPr/>
           <p:nvPr/>
         </p:nvSpPr>
         <p:spPr>
           <a:xfrm>
-            <a:off x="8204719" y="2929813"/>
-            <a:ext cx="2506825" cy="746448"/>
-          </a:xfrm>
-          <a:prstGeom prst="ellipse">
-            <a:avLst/>
-          </a:prstGeom>
-        </p:spPr>
-        <p:style>
-          <a:lnRef idx="1">
-            <a:schemeClr val="accent5"/>
-          </a:lnRef>
-          <a:fillRef idx="2">
-            <a:schemeClr val="accent5"/>
-          </a:fillRef>
-          <a:effectRef idx="1">
-            <a:schemeClr val="accent5"/>
+            <a:off x="9000754" y="2740132"/>
+            <a:ext cx="2422987" cy="857221"/>
+          </a:xfrm>
+          <a:prstGeom prst="roundRect">
+            <a:avLst/>
+          </a:prstGeom>
+          <a:ln w="57150"/>
+        </p:spPr>
+        <p:style>
+          <a:lnRef idx="2">
+            <a:schemeClr val="accent1"/>
+          </a:lnRef>
+          <a:fillRef idx="1">
+            <a:schemeClr val="lt1"/>
+          </a:fillRef>
+          <a:effectRef idx="0">
+            <a:schemeClr val="accent1"/>
           </a:effectRef>
           <a:fontRef idx="minor">
             <a:schemeClr val="dk1"/>
@@ -3621,43 +3763,105 @@
           <a:p>
             <a:pPr algn="ctr"/>
             <a:r>
-              <a:rPr lang="en-GB" dirty="0"/>
+              <a:rPr lang="en-GB" b="1" dirty="0">
+                <a:solidFill>
+                  <a:schemeClr val="accent1"/>
+                </a:solidFill>
+              </a:rPr>
               <a:t>Peripheral</a:t>
             </a:r>
           </a:p>
           <a:p>
+            <a:endParaRPr lang="en-GB" dirty="0"/>
+          </a:p>
+        </p:txBody>
+      </p:sp>
+      <p:sp>
+        <p:nvSpPr>
+          <p:cNvPr id="11" name="Rectangle : coins arrondis 10">
+            <a:extLst>
+              <a:ext uri="{FF2B5EF4-FFF2-40B4-BE49-F238E27FC236}">
+                <a16:creationId xmlns:a16="http://schemas.microsoft.com/office/drawing/2014/main" id="{0358AB5A-628E-444E-9F80-0795702A6BDB}"/>
+              </a:ext>
+            </a:extLst>
+          </p:cNvPr>
+          <p:cNvSpPr/>
+          <p:nvPr/>
+        </p:nvSpPr>
+        <p:spPr>
+          <a:xfrm>
+            <a:off x="9000754" y="3952075"/>
+            <a:ext cx="2422987" cy="857221"/>
+          </a:xfrm>
+          <a:prstGeom prst="roundRect">
+            <a:avLst/>
+          </a:prstGeom>
+          <a:ln w="57150"/>
+        </p:spPr>
+        <p:style>
+          <a:lnRef idx="2">
+            <a:schemeClr val="accent1"/>
+          </a:lnRef>
+          <a:fillRef idx="1">
+            <a:schemeClr val="lt1"/>
+          </a:fillRef>
+          <a:effectRef idx="0">
+            <a:schemeClr val="accent1"/>
+          </a:effectRef>
+          <a:fontRef idx="minor">
+            <a:schemeClr val="dk1"/>
+          </a:fontRef>
+        </p:style>
+        <p:txBody>
+          <a:bodyPr rtlCol="0" anchor="ctr"/>
+          <a:lstStyle/>
+          <a:p>
             <a:pPr algn="ctr"/>
             <a:r>
-              <a:rPr lang="en-GB" dirty="0"/>
-              <a:t>Sensor</a:t>
-            </a:r>
-          </a:p>
-        </p:txBody>
-      </p:sp>
-      <p:sp>
-        <p:nvSpPr>
-          <p:cNvPr id="6" name="Ellipse 5"/>
+              <a:rPr lang="en-GB" b="1" dirty="0">
+                <a:solidFill>
+                  <a:schemeClr val="accent1"/>
+                </a:solidFill>
+              </a:rPr>
+              <a:t>Peripheral</a:t>
+            </a:r>
+          </a:p>
+          <a:p>
+            <a:endParaRPr lang="en-GB" dirty="0"/>
+          </a:p>
+        </p:txBody>
+      </p:sp>
+      <p:sp>
+        <p:nvSpPr>
+          <p:cNvPr id="12" name="Rectangle : coins arrondis 11">
+            <a:extLst>
+              <a:ext uri="{FF2B5EF4-FFF2-40B4-BE49-F238E27FC236}">
+                <a16:creationId xmlns:a16="http://schemas.microsoft.com/office/drawing/2014/main" id="{9C11DBA5-823C-4742-8175-C7A355190617}"/>
+              </a:ext>
+            </a:extLst>
+          </p:cNvPr>
           <p:cNvSpPr/>
           <p:nvPr/>
         </p:nvSpPr>
         <p:spPr>
           <a:xfrm>
-            <a:off x="8204718" y="1300066"/>
-            <a:ext cx="2506825" cy="746448"/>
-          </a:xfrm>
-          <a:prstGeom prst="ellipse">
-            <a:avLst/>
-          </a:prstGeom>
-        </p:spPr>
-        <p:style>
-          <a:lnRef idx="1">
-            <a:schemeClr val="accent5"/>
-          </a:lnRef>
-          <a:fillRef idx="2">
-            <a:schemeClr val="accent5"/>
-          </a:fillRef>
-          <a:effectRef idx="1">
-            <a:schemeClr val="accent5"/>
+            <a:off x="231027" y="316246"/>
+            <a:ext cx="2422987" cy="857221"/>
+          </a:xfrm>
+          <a:prstGeom prst="roundRect">
+            <a:avLst/>
+          </a:prstGeom>
+          <a:ln w="57150"/>
+        </p:spPr>
+        <p:style>
+          <a:lnRef idx="2">
+            <a:schemeClr val="accent1"/>
+          </a:lnRef>
+          <a:fillRef idx="1">
+            <a:schemeClr val="lt1"/>
+          </a:fillRef>
+          <a:effectRef idx="0">
+            <a:schemeClr val="accent1"/>
           </a:effectRef>
           <a:fontRef idx="minor">
             <a:schemeClr val="dk1"/>
@@ -3669,43 +3873,105 @@
           <a:p>
             <a:pPr algn="ctr"/>
             <a:r>
-              <a:rPr lang="en-GB" dirty="0"/>
+              <a:rPr lang="en-GB" b="1" dirty="0">
+                <a:solidFill>
+                  <a:schemeClr val="accent1"/>
+                </a:solidFill>
+              </a:rPr>
               <a:t>Peripheral</a:t>
             </a:r>
           </a:p>
           <a:p>
+            <a:endParaRPr lang="en-GB" dirty="0"/>
+          </a:p>
+        </p:txBody>
+      </p:sp>
+      <p:sp>
+        <p:nvSpPr>
+          <p:cNvPr id="13" name="Rectangle : coins arrondis 12">
+            <a:extLst>
+              <a:ext uri="{FF2B5EF4-FFF2-40B4-BE49-F238E27FC236}">
+                <a16:creationId xmlns:a16="http://schemas.microsoft.com/office/drawing/2014/main" id="{FCCAA927-3461-42BD-A79E-2E452AD40484}"/>
+              </a:ext>
+            </a:extLst>
+          </p:cNvPr>
+          <p:cNvSpPr/>
+          <p:nvPr/>
+        </p:nvSpPr>
+        <p:spPr>
+          <a:xfrm>
+            <a:off x="231027" y="1528189"/>
+            <a:ext cx="2422987" cy="857221"/>
+          </a:xfrm>
+          <a:prstGeom prst="roundRect">
+            <a:avLst/>
+          </a:prstGeom>
+          <a:ln w="57150"/>
+        </p:spPr>
+        <p:style>
+          <a:lnRef idx="2">
+            <a:schemeClr val="accent1"/>
+          </a:lnRef>
+          <a:fillRef idx="1">
+            <a:schemeClr val="lt1"/>
+          </a:fillRef>
+          <a:effectRef idx="0">
+            <a:schemeClr val="accent1"/>
+          </a:effectRef>
+          <a:fontRef idx="minor">
+            <a:schemeClr val="dk1"/>
+          </a:fontRef>
+        </p:style>
+        <p:txBody>
+          <a:bodyPr rtlCol="0" anchor="ctr"/>
+          <a:lstStyle/>
+          <a:p>
             <a:pPr algn="ctr"/>
             <a:r>
-              <a:rPr lang="en-GB" dirty="0"/>
-              <a:t>Sensor</a:t>
-            </a:r>
-          </a:p>
-        </p:txBody>
-      </p:sp>
-      <p:sp>
-        <p:nvSpPr>
-          <p:cNvPr id="7" name="Ellipse 6"/>
+              <a:rPr lang="en-GB" b="1" dirty="0">
+                <a:solidFill>
+                  <a:schemeClr val="accent1"/>
+                </a:solidFill>
+              </a:rPr>
+              <a:t>Peripheral</a:t>
+            </a:r>
+          </a:p>
+          <a:p>
+            <a:endParaRPr lang="en-GB" dirty="0"/>
+          </a:p>
+        </p:txBody>
+      </p:sp>
+      <p:sp>
+        <p:nvSpPr>
+          <p:cNvPr id="14" name="Rectangle : coins arrondis 13">
+            <a:extLst>
+              <a:ext uri="{FF2B5EF4-FFF2-40B4-BE49-F238E27FC236}">
+                <a16:creationId xmlns:a16="http://schemas.microsoft.com/office/drawing/2014/main" id="{09F09604-6E22-42CC-B43C-5CD06800EAB4}"/>
+              </a:ext>
+            </a:extLst>
+          </p:cNvPr>
           <p:cNvSpPr/>
           <p:nvPr/>
         </p:nvSpPr>
         <p:spPr>
           <a:xfrm>
-            <a:off x="1200536" y="1300066"/>
-            <a:ext cx="2506825" cy="746448"/>
-          </a:xfrm>
-          <a:prstGeom prst="ellipse">
-            <a:avLst/>
-          </a:prstGeom>
-        </p:spPr>
-        <p:style>
-          <a:lnRef idx="1">
-            <a:schemeClr val="accent5"/>
-          </a:lnRef>
-          <a:fillRef idx="2">
-            <a:schemeClr val="accent5"/>
-          </a:fillRef>
-          <a:effectRef idx="1">
-            <a:schemeClr val="accent5"/>
+            <a:off x="231026" y="2740132"/>
+            <a:ext cx="2422987" cy="857221"/>
+          </a:xfrm>
+          <a:prstGeom prst="roundRect">
+            <a:avLst/>
+          </a:prstGeom>
+          <a:ln w="57150"/>
+        </p:spPr>
+        <p:style>
+          <a:lnRef idx="2">
+            <a:schemeClr val="accent1"/>
+          </a:lnRef>
+          <a:fillRef idx="1">
+            <a:schemeClr val="lt1"/>
+          </a:fillRef>
+          <a:effectRef idx="0">
+            <a:schemeClr val="accent1"/>
           </a:effectRef>
           <a:fontRef idx="minor">
             <a:schemeClr val="dk1"/>
@@ -3717,273 +3983,95 @@
           <a:p>
             <a:pPr algn="ctr"/>
             <a:r>
-              <a:rPr lang="en-GB" dirty="0"/>
+              <a:rPr lang="en-GB" b="1" dirty="0">
+                <a:solidFill>
+                  <a:schemeClr val="accent1"/>
+                </a:solidFill>
+              </a:rPr>
               <a:t>Peripheral</a:t>
             </a:r>
           </a:p>
           <a:p>
+            <a:endParaRPr lang="en-GB" dirty="0"/>
+          </a:p>
+        </p:txBody>
+      </p:sp>
+      <p:sp>
+        <p:nvSpPr>
+          <p:cNvPr id="15" name="Rectangle : coins arrondis 14">
+            <a:extLst>
+              <a:ext uri="{FF2B5EF4-FFF2-40B4-BE49-F238E27FC236}">
+                <a16:creationId xmlns:a16="http://schemas.microsoft.com/office/drawing/2014/main" id="{958AC44E-DDAC-4367-89AD-894B582DAC6F}"/>
+              </a:ext>
+            </a:extLst>
+          </p:cNvPr>
+          <p:cNvSpPr/>
+          <p:nvPr/>
+        </p:nvSpPr>
+        <p:spPr>
+          <a:xfrm>
+            <a:off x="231026" y="3952075"/>
+            <a:ext cx="2422987" cy="857221"/>
+          </a:xfrm>
+          <a:prstGeom prst="roundRect">
+            <a:avLst/>
+          </a:prstGeom>
+          <a:ln w="57150"/>
+        </p:spPr>
+        <p:style>
+          <a:lnRef idx="2">
+            <a:schemeClr val="accent1"/>
+          </a:lnRef>
+          <a:fillRef idx="1">
+            <a:schemeClr val="lt1"/>
+          </a:fillRef>
+          <a:effectRef idx="0">
+            <a:schemeClr val="accent1"/>
+          </a:effectRef>
+          <a:fontRef idx="minor">
+            <a:schemeClr val="dk1"/>
+          </a:fontRef>
+        </p:style>
+        <p:txBody>
+          <a:bodyPr rtlCol="0" anchor="ctr"/>
+          <a:lstStyle/>
+          <a:p>
             <a:pPr algn="ctr"/>
             <a:r>
-              <a:rPr lang="en-GB" dirty="0"/>
-              <a:t>Sensor</a:t>
-            </a:r>
-          </a:p>
-        </p:txBody>
-      </p:sp>
-      <p:sp>
-        <p:nvSpPr>
-          <p:cNvPr id="8" name="Ellipse 7"/>
-          <p:cNvSpPr/>
-          <p:nvPr/>
-        </p:nvSpPr>
-        <p:spPr>
-          <a:xfrm>
-            <a:off x="1200536" y="2929813"/>
-            <a:ext cx="2506825" cy="746448"/>
-          </a:xfrm>
-          <a:prstGeom prst="ellipse">
-            <a:avLst/>
-          </a:prstGeom>
-        </p:spPr>
-        <p:style>
-          <a:lnRef idx="1">
-            <a:schemeClr val="accent5"/>
-          </a:lnRef>
-          <a:fillRef idx="2">
-            <a:schemeClr val="accent5"/>
-          </a:fillRef>
-          <a:effectRef idx="1">
-            <a:schemeClr val="accent5"/>
-          </a:effectRef>
-          <a:fontRef idx="minor">
-            <a:schemeClr val="dk1"/>
-          </a:fontRef>
-        </p:style>
-        <p:txBody>
-          <a:bodyPr rtlCol="0" anchor="ctr"/>
-          <a:lstStyle/>
-          <a:p>
-            <a:pPr algn="ctr"/>
-            <a:r>
-              <a:rPr lang="en-GB" dirty="0"/>
+              <a:rPr lang="en-GB" b="1" dirty="0">
+                <a:solidFill>
+                  <a:schemeClr val="accent1"/>
+                </a:solidFill>
+              </a:rPr>
               <a:t>Peripheral</a:t>
             </a:r>
           </a:p>
           <a:p>
-            <a:pPr algn="ctr"/>
-            <a:r>
-              <a:rPr lang="en-GB" dirty="0"/>
-              <a:t>Sensor</a:t>
-            </a:r>
-          </a:p>
-        </p:txBody>
-      </p:sp>
-      <p:sp>
-        <p:nvSpPr>
-          <p:cNvPr id="9" name="Ellipse 8"/>
-          <p:cNvSpPr/>
-          <p:nvPr/>
-        </p:nvSpPr>
-        <p:spPr>
-          <a:xfrm>
-            <a:off x="1200535" y="4559560"/>
-            <a:ext cx="2506825" cy="746448"/>
-          </a:xfrm>
-          <a:prstGeom prst="ellipse">
-            <a:avLst/>
-          </a:prstGeom>
-        </p:spPr>
-        <p:style>
-          <a:lnRef idx="1">
-            <a:schemeClr val="accent5"/>
-          </a:lnRef>
-          <a:fillRef idx="2">
-            <a:schemeClr val="accent5"/>
-          </a:fillRef>
-          <a:effectRef idx="1">
-            <a:schemeClr val="accent5"/>
-          </a:effectRef>
-          <a:fontRef idx="minor">
-            <a:schemeClr val="dk1"/>
-          </a:fontRef>
-        </p:style>
-        <p:txBody>
-          <a:bodyPr rtlCol="0" anchor="ctr"/>
-          <a:lstStyle/>
-          <a:p>
-            <a:pPr algn="ctr"/>
-            <a:r>
-              <a:rPr lang="en-GB" dirty="0"/>
-              <a:t>Peripheral</a:t>
-            </a:r>
-          </a:p>
-          <a:p>
-            <a:pPr algn="ctr"/>
-            <a:r>
-              <a:rPr lang="en-GB" dirty="0"/>
-              <a:t>Sensor</a:t>
-            </a:r>
-          </a:p>
-        </p:txBody>
-      </p:sp>
-      <p:sp>
-        <p:nvSpPr>
-          <p:cNvPr id="10" name="Ellipse 9"/>
-          <p:cNvSpPr/>
-          <p:nvPr/>
-        </p:nvSpPr>
-        <p:spPr>
-          <a:xfrm>
-            <a:off x="8204717" y="4559560"/>
-            <a:ext cx="2506825" cy="746448"/>
-          </a:xfrm>
-          <a:prstGeom prst="ellipse">
-            <a:avLst/>
-          </a:prstGeom>
-        </p:spPr>
-        <p:style>
-          <a:lnRef idx="1">
-            <a:schemeClr val="accent5"/>
-          </a:lnRef>
-          <a:fillRef idx="2">
-            <a:schemeClr val="accent5"/>
-          </a:fillRef>
-          <a:effectRef idx="1">
-            <a:schemeClr val="accent5"/>
-          </a:effectRef>
-          <a:fontRef idx="minor">
-            <a:schemeClr val="dk1"/>
-          </a:fontRef>
-        </p:style>
-        <p:txBody>
-          <a:bodyPr rtlCol="0" anchor="ctr"/>
-          <a:lstStyle/>
-          <a:p>
-            <a:pPr algn="ctr"/>
-            <a:r>
-              <a:rPr lang="en-GB" dirty="0"/>
-              <a:t>Peripheral</a:t>
-            </a:r>
-          </a:p>
-          <a:p>
-            <a:pPr algn="ctr"/>
-            <a:r>
-              <a:rPr lang="en-GB" dirty="0"/>
-              <a:t>Sensor</a:t>
-            </a:r>
-          </a:p>
-        </p:txBody>
-      </p:sp>
-      <p:sp>
-        <p:nvSpPr>
-          <p:cNvPr id="11" name="Ellipse 10"/>
-          <p:cNvSpPr/>
-          <p:nvPr/>
-        </p:nvSpPr>
-        <p:spPr>
-          <a:xfrm>
-            <a:off x="4702627" y="4559560"/>
-            <a:ext cx="2506825" cy="746448"/>
-          </a:xfrm>
-          <a:prstGeom prst="ellipse">
-            <a:avLst/>
-          </a:prstGeom>
-        </p:spPr>
-        <p:style>
-          <a:lnRef idx="1">
-            <a:schemeClr val="accent5"/>
-          </a:lnRef>
-          <a:fillRef idx="2">
-            <a:schemeClr val="accent5"/>
-          </a:fillRef>
-          <a:effectRef idx="1">
-            <a:schemeClr val="accent5"/>
-          </a:effectRef>
-          <a:fontRef idx="minor">
-            <a:schemeClr val="dk1"/>
-          </a:fontRef>
-        </p:style>
-        <p:txBody>
-          <a:bodyPr rtlCol="0" anchor="ctr"/>
-          <a:lstStyle/>
-          <a:p>
-            <a:pPr algn="ctr"/>
-            <a:r>
-              <a:rPr lang="en-GB" dirty="0"/>
-              <a:t>Peripheral</a:t>
-            </a:r>
-          </a:p>
-          <a:p>
-            <a:pPr algn="ctr"/>
-            <a:r>
-              <a:rPr lang="en-GB" dirty="0"/>
-              <a:t>Sensor</a:t>
-            </a:r>
-          </a:p>
-        </p:txBody>
-      </p:sp>
-      <p:sp>
-        <p:nvSpPr>
-          <p:cNvPr id="12" name="Ellipse 11"/>
-          <p:cNvSpPr/>
-          <p:nvPr/>
-        </p:nvSpPr>
-        <p:spPr>
-          <a:xfrm>
-            <a:off x="4702627" y="1300066"/>
-            <a:ext cx="2506825" cy="746448"/>
-          </a:xfrm>
-          <a:prstGeom prst="ellipse">
-            <a:avLst/>
-          </a:prstGeom>
-        </p:spPr>
-        <p:style>
-          <a:lnRef idx="1">
-            <a:schemeClr val="accent5"/>
-          </a:lnRef>
-          <a:fillRef idx="2">
-            <a:schemeClr val="accent5"/>
-          </a:fillRef>
-          <a:effectRef idx="1">
-            <a:schemeClr val="accent5"/>
-          </a:effectRef>
-          <a:fontRef idx="minor">
-            <a:schemeClr val="dk1"/>
-          </a:fontRef>
-        </p:style>
-        <p:txBody>
-          <a:bodyPr rtlCol="0" anchor="ctr"/>
-          <a:lstStyle/>
-          <a:p>
-            <a:pPr algn="ctr"/>
-            <a:r>
-              <a:rPr lang="en-GB" dirty="0"/>
-              <a:t>Peripheral</a:t>
-            </a:r>
-          </a:p>
-          <a:p>
-            <a:pPr algn="ctr"/>
-            <a:r>
-              <a:rPr lang="en-GB" dirty="0"/>
-              <a:t>Sensor</a:t>
-            </a:r>
+            <a:endParaRPr lang="en-GB" dirty="0"/>
           </a:p>
         </p:txBody>
       </p:sp>
       <p:cxnSp>
         <p:nvCxnSpPr>
-          <p:cNvPr id="14" name="Connecteur droit avec flèche 13"/>
+          <p:cNvPr id="70" name="Connecteur : en angle 69">
+            <a:extLst>
+              <a:ext uri="{FF2B5EF4-FFF2-40B4-BE49-F238E27FC236}">
+                <a16:creationId xmlns:a16="http://schemas.microsoft.com/office/drawing/2014/main" id="{9FD7B58A-6109-4D00-BD85-D79E18526E16}"/>
+              </a:ext>
+            </a:extLst>
+          </p:cNvPr>
           <p:cNvCxnSpPr>
-            <a:cxnSpLocks/>
+            <a:stCxn id="4" idx="1"/>
+            <a:endCxn id="15" idx="3"/>
           </p:cNvCxnSpPr>
           <p:nvPr/>
         </p:nvCxnSpPr>
         <p:spPr>
-          <a:xfrm flipV="1">
-            <a:off x="5956039" y="2046514"/>
-            <a:ext cx="0" cy="758890"/>
-          </a:xfrm>
-          <a:prstGeom prst="straightConnector1">
+          <a:xfrm rot="10800000" flipV="1">
+            <a:off x="2654013" y="2623792"/>
+            <a:ext cx="1612822" cy="1756894"/>
+          </a:xfrm>
+          <a:prstGeom prst="bentConnector3">
             <a:avLst/>
           </a:prstGeom>
           <a:ln w="28575">
@@ -4008,20 +4096,25 @@
       </p:cxnSp>
       <p:cxnSp>
         <p:nvCxnSpPr>
-          <p:cNvPr id="17" name="Connecteur droit avec flèche 16"/>
+          <p:cNvPr id="72" name="Connecteur : en angle 71">
+            <a:extLst>
+              <a:ext uri="{FF2B5EF4-FFF2-40B4-BE49-F238E27FC236}">
+                <a16:creationId xmlns:a16="http://schemas.microsoft.com/office/drawing/2014/main" id="{E7F8B891-1682-4327-A152-17E70CB08FF2}"/>
+              </a:ext>
+            </a:extLst>
+          </p:cNvPr>
           <p:cNvCxnSpPr>
-            <a:cxnSpLocks/>
-            <a:stCxn id="4" idx="3"/>
-            <a:endCxn id="5" idx="2"/>
+            <a:stCxn id="4" idx="1"/>
+            <a:endCxn id="14" idx="3"/>
           </p:cNvCxnSpPr>
           <p:nvPr/>
         </p:nvCxnSpPr>
         <p:spPr>
-          <a:xfrm>
-            <a:off x="6966856" y="3303037"/>
-            <a:ext cx="1237863" cy="0"/>
-          </a:xfrm>
-          <a:prstGeom prst="straightConnector1">
+          <a:xfrm rot="10800000" flipV="1">
+            <a:off x="2654013" y="2623791"/>
+            <a:ext cx="1612822" cy="544951"/>
+          </a:xfrm>
+          <a:prstGeom prst="bentConnector3">
             <a:avLst/>
           </a:prstGeom>
           <a:ln w="28575">
@@ -4046,20 +4139,25 @@
       </p:cxnSp>
       <p:cxnSp>
         <p:nvCxnSpPr>
-          <p:cNvPr id="20" name="Connecteur droit avec flèche 19"/>
+          <p:cNvPr id="74" name="Connecteur : en angle 73">
+            <a:extLst>
+              <a:ext uri="{FF2B5EF4-FFF2-40B4-BE49-F238E27FC236}">
+                <a16:creationId xmlns:a16="http://schemas.microsoft.com/office/drawing/2014/main" id="{C79443A3-AFF5-4304-8BD6-E4896E16AD08}"/>
+              </a:ext>
+            </a:extLst>
+          </p:cNvPr>
           <p:cNvCxnSpPr>
-            <a:cxnSpLocks/>
-            <a:stCxn id="4" idx="2"/>
-            <a:endCxn id="11" idx="0"/>
+            <a:stCxn id="4" idx="1"/>
+            <a:endCxn id="13" idx="3"/>
           </p:cNvCxnSpPr>
           <p:nvPr/>
         </p:nvCxnSpPr>
         <p:spPr>
-          <a:xfrm>
-            <a:off x="5956040" y="3800670"/>
-            <a:ext cx="0" cy="758890"/>
-          </a:xfrm>
-          <a:prstGeom prst="straightConnector1">
+          <a:xfrm rot="10800000">
+            <a:off x="2654015" y="1956800"/>
+            <a:ext cx="1612821" cy="666992"/>
+          </a:xfrm>
+          <a:prstGeom prst="bentConnector3">
             <a:avLst/>
           </a:prstGeom>
           <a:ln w="28575">
@@ -4084,20 +4182,25 @@
       </p:cxnSp>
       <p:cxnSp>
         <p:nvCxnSpPr>
-          <p:cNvPr id="23" name="Connecteur droit avec flèche 22"/>
+          <p:cNvPr id="76" name="Connecteur : en angle 75">
+            <a:extLst>
+              <a:ext uri="{FF2B5EF4-FFF2-40B4-BE49-F238E27FC236}">
+                <a16:creationId xmlns:a16="http://schemas.microsoft.com/office/drawing/2014/main" id="{BB8ED2B7-C0AE-4878-8A74-4A1F2C42193F}"/>
+              </a:ext>
+            </a:extLst>
+          </p:cNvPr>
           <p:cNvCxnSpPr>
-            <a:cxnSpLocks/>
-            <a:stCxn id="8" idx="6"/>
-            <a:endCxn id="4" idx="1"/>
+            <a:stCxn id="4" idx="1"/>
+            <a:endCxn id="12" idx="3"/>
           </p:cNvCxnSpPr>
           <p:nvPr/>
         </p:nvCxnSpPr>
         <p:spPr>
-          <a:xfrm>
-            <a:off x="3707361" y="3303037"/>
-            <a:ext cx="1237863" cy="0"/>
-          </a:xfrm>
-          <a:prstGeom prst="straightConnector1">
+          <a:xfrm rot="10800000">
+            <a:off x="2654015" y="744858"/>
+            <a:ext cx="1612821" cy="1878935"/>
+          </a:xfrm>
+          <a:prstGeom prst="bentConnector3">
             <a:avLst/>
           </a:prstGeom>
           <a:ln w="28575">
@@ -4122,19 +4225,25 @@
       </p:cxnSp>
       <p:cxnSp>
         <p:nvCxnSpPr>
-          <p:cNvPr id="26" name="Connecteur droit avec flèche 25"/>
+          <p:cNvPr id="80" name="Connecteur : en angle 79">
+            <a:extLst>
+              <a:ext uri="{FF2B5EF4-FFF2-40B4-BE49-F238E27FC236}">
+                <a16:creationId xmlns:a16="http://schemas.microsoft.com/office/drawing/2014/main" id="{3D5D5194-7CA8-48FB-BE2A-1D39D788DBD7}"/>
+              </a:ext>
+            </a:extLst>
+          </p:cNvPr>
           <p:cNvCxnSpPr>
-            <a:cxnSpLocks/>
-            <a:stCxn id="7" idx="5"/>
+            <a:stCxn id="4" idx="3"/>
+            <a:endCxn id="5" idx="1"/>
           </p:cNvCxnSpPr>
           <p:nvPr/>
         </p:nvCxnSpPr>
         <p:spPr>
-          <a:xfrm>
-            <a:off x="3340245" y="1937199"/>
-            <a:ext cx="1660380" cy="904823"/>
-          </a:xfrm>
-          <a:prstGeom prst="straightConnector1">
+          <a:xfrm flipV="1">
+            <a:off x="7335291" y="744857"/>
+            <a:ext cx="1665464" cy="1878935"/>
+          </a:xfrm>
+          <a:prstGeom prst="bentConnector3">
             <a:avLst/>
           </a:prstGeom>
           <a:ln w="28575">
@@ -4159,19 +4268,25 @@
       </p:cxnSp>
       <p:cxnSp>
         <p:nvCxnSpPr>
-          <p:cNvPr id="30" name="Connecteur droit avec flèche 29"/>
+          <p:cNvPr id="82" name="Connecteur : en angle 81">
+            <a:extLst>
+              <a:ext uri="{FF2B5EF4-FFF2-40B4-BE49-F238E27FC236}">
+                <a16:creationId xmlns:a16="http://schemas.microsoft.com/office/drawing/2014/main" id="{4D4BE8FE-1FBE-448D-9C92-5CD530AF43C9}"/>
+              </a:ext>
+            </a:extLst>
+          </p:cNvPr>
           <p:cNvCxnSpPr>
-            <a:cxnSpLocks/>
-            <a:endCxn id="10" idx="1"/>
+            <a:stCxn id="4" idx="3"/>
+            <a:endCxn id="9" idx="1"/>
           </p:cNvCxnSpPr>
           <p:nvPr/>
         </p:nvCxnSpPr>
         <p:spPr>
-          <a:xfrm>
-            <a:off x="6927004" y="3736084"/>
-            <a:ext cx="1644829" cy="932791"/>
-          </a:xfrm>
-          <a:prstGeom prst="straightConnector1">
+          <a:xfrm flipV="1">
+            <a:off x="7335291" y="1956800"/>
+            <a:ext cx="1665464" cy="666992"/>
+          </a:xfrm>
+          <a:prstGeom prst="bentConnector3">
             <a:avLst/>
           </a:prstGeom>
           <a:ln w="28575">
@@ -4196,19 +4311,25 @@
       </p:cxnSp>
       <p:cxnSp>
         <p:nvCxnSpPr>
-          <p:cNvPr id="31" name="Connecteur droit avec flèche 30"/>
+          <p:cNvPr id="84" name="Connecteur : en angle 83">
+            <a:extLst>
+              <a:ext uri="{FF2B5EF4-FFF2-40B4-BE49-F238E27FC236}">
+                <a16:creationId xmlns:a16="http://schemas.microsoft.com/office/drawing/2014/main" id="{5622AAF8-3D09-4F9C-BF45-2B87E3702383}"/>
+              </a:ext>
+            </a:extLst>
+          </p:cNvPr>
           <p:cNvCxnSpPr>
-            <a:cxnSpLocks/>
-            <a:stCxn id="6" idx="3"/>
+            <a:stCxn id="4" idx="3"/>
+            <a:endCxn id="10" idx="1"/>
           </p:cNvCxnSpPr>
           <p:nvPr/>
         </p:nvCxnSpPr>
         <p:spPr>
-          <a:xfrm flipH="1">
-            <a:off x="6927004" y="1937199"/>
-            <a:ext cx="1644830" cy="932791"/>
-          </a:xfrm>
-          <a:prstGeom prst="straightConnector1">
+          <a:xfrm>
+            <a:off x="7335291" y="2623792"/>
+            <a:ext cx="1665463" cy="544951"/>
+          </a:xfrm>
+          <a:prstGeom prst="bentConnector3">
             <a:avLst/>
           </a:prstGeom>
           <a:ln w="28575">
@@ -4233,19 +4354,25 @@
       </p:cxnSp>
       <p:cxnSp>
         <p:nvCxnSpPr>
-          <p:cNvPr id="39" name="Connecteur droit avec flèche 38"/>
+          <p:cNvPr id="86" name="Connecteur : en angle 85">
+            <a:extLst>
+              <a:ext uri="{FF2B5EF4-FFF2-40B4-BE49-F238E27FC236}">
+                <a16:creationId xmlns:a16="http://schemas.microsoft.com/office/drawing/2014/main" id="{12388A91-B0F2-4EF3-9613-FB64AE5117EA}"/>
+              </a:ext>
+            </a:extLst>
+          </p:cNvPr>
           <p:cNvCxnSpPr>
-            <a:cxnSpLocks/>
-            <a:endCxn id="9" idx="7"/>
+            <a:stCxn id="4" idx="3"/>
+            <a:endCxn id="11" idx="1"/>
           </p:cNvCxnSpPr>
           <p:nvPr/>
         </p:nvCxnSpPr>
         <p:spPr>
-          <a:xfrm flipH="1">
-            <a:off x="3340244" y="3764052"/>
-            <a:ext cx="1644833" cy="904823"/>
-          </a:xfrm>
-          <a:prstGeom prst="straightConnector1">
+          <a:xfrm>
+            <a:off x="7335291" y="2623792"/>
+            <a:ext cx="1665463" cy="1756894"/>
+          </a:xfrm>
+          <a:prstGeom prst="bentConnector3">
             <a:avLst/>
           </a:prstGeom>
           <a:ln w="28575">
@@ -4271,7 +4398,7 @@
     </p:spTree>
     <p:extLst>
       <p:ext uri="{BB962C8B-B14F-4D97-AF65-F5344CB8AC3E}">
-        <p14:creationId xmlns:p14="http://schemas.microsoft.com/office/powerpoint/2010/main" val="4059077200"/>
+        <p14:creationId xmlns:p14="http://schemas.microsoft.com/office/powerpoint/2010/main" val="1964989894"/>
       </p:ext>
     </p:extLst>
   </p:cSld>
@@ -4300,6 +4427,766 @@
       </p:grpSpPr>
       <p:sp>
         <p:nvSpPr>
+          <p:cNvPr id="4" name="Rectangle : coins arrondis 3"/>
+          <p:cNvSpPr/>
+          <p:nvPr/>
+        </p:nvSpPr>
+        <p:spPr>
+          <a:xfrm>
+            <a:off x="4945224" y="2805404"/>
+            <a:ext cx="2021632" cy="995266"/>
+          </a:xfrm>
+          <a:prstGeom prst="roundRect">
+            <a:avLst/>
+          </a:prstGeom>
+        </p:spPr>
+        <p:style>
+          <a:lnRef idx="1">
+            <a:schemeClr val="accent1"/>
+          </a:lnRef>
+          <a:fillRef idx="2">
+            <a:schemeClr val="accent1"/>
+          </a:fillRef>
+          <a:effectRef idx="1">
+            <a:schemeClr val="accent1"/>
+          </a:effectRef>
+          <a:fontRef idx="minor">
+            <a:schemeClr val="dk1"/>
+          </a:fontRef>
+        </p:style>
+        <p:txBody>
+          <a:bodyPr rtlCol="0" anchor="ctr"/>
+          <a:lstStyle/>
+          <a:p>
+            <a:pPr algn="ctr"/>
+            <a:r>
+              <a:rPr lang="en-GB" dirty="0"/>
+              <a:t>Central</a:t>
+            </a:r>
+          </a:p>
+          <a:p>
+            <a:pPr algn="ctr"/>
+            <a:r>
+              <a:rPr lang="en-GB" dirty="0"/>
+              <a:t>PC</a:t>
+            </a:r>
+          </a:p>
+        </p:txBody>
+      </p:sp>
+      <p:sp>
+        <p:nvSpPr>
+          <p:cNvPr id="5" name="Ellipse 4"/>
+          <p:cNvSpPr/>
+          <p:nvPr/>
+        </p:nvSpPr>
+        <p:spPr>
+          <a:xfrm>
+            <a:off x="8204719" y="2929813"/>
+            <a:ext cx="2506825" cy="746448"/>
+          </a:xfrm>
+          <a:prstGeom prst="ellipse">
+            <a:avLst/>
+          </a:prstGeom>
+        </p:spPr>
+        <p:style>
+          <a:lnRef idx="1">
+            <a:schemeClr val="accent5"/>
+          </a:lnRef>
+          <a:fillRef idx="2">
+            <a:schemeClr val="accent5"/>
+          </a:fillRef>
+          <a:effectRef idx="1">
+            <a:schemeClr val="accent5"/>
+          </a:effectRef>
+          <a:fontRef idx="minor">
+            <a:schemeClr val="dk1"/>
+          </a:fontRef>
+        </p:style>
+        <p:txBody>
+          <a:bodyPr rtlCol="0" anchor="ctr"/>
+          <a:lstStyle/>
+          <a:p>
+            <a:pPr algn="ctr"/>
+            <a:r>
+              <a:rPr lang="en-GB" dirty="0"/>
+              <a:t>Peripheral</a:t>
+            </a:r>
+          </a:p>
+          <a:p>
+            <a:pPr algn="ctr"/>
+            <a:r>
+              <a:rPr lang="en-GB" dirty="0"/>
+              <a:t>Sensor</a:t>
+            </a:r>
+          </a:p>
+        </p:txBody>
+      </p:sp>
+      <p:sp>
+        <p:nvSpPr>
+          <p:cNvPr id="6" name="Ellipse 5"/>
+          <p:cNvSpPr/>
+          <p:nvPr/>
+        </p:nvSpPr>
+        <p:spPr>
+          <a:xfrm>
+            <a:off x="8204718" y="1300066"/>
+            <a:ext cx="2506825" cy="746448"/>
+          </a:xfrm>
+          <a:prstGeom prst="ellipse">
+            <a:avLst/>
+          </a:prstGeom>
+        </p:spPr>
+        <p:style>
+          <a:lnRef idx="1">
+            <a:schemeClr val="accent5"/>
+          </a:lnRef>
+          <a:fillRef idx="2">
+            <a:schemeClr val="accent5"/>
+          </a:fillRef>
+          <a:effectRef idx="1">
+            <a:schemeClr val="accent5"/>
+          </a:effectRef>
+          <a:fontRef idx="minor">
+            <a:schemeClr val="dk1"/>
+          </a:fontRef>
+        </p:style>
+        <p:txBody>
+          <a:bodyPr rtlCol="0" anchor="ctr"/>
+          <a:lstStyle/>
+          <a:p>
+            <a:pPr algn="ctr"/>
+            <a:r>
+              <a:rPr lang="en-GB" dirty="0"/>
+              <a:t>Peripheral</a:t>
+            </a:r>
+          </a:p>
+          <a:p>
+            <a:pPr algn="ctr"/>
+            <a:r>
+              <a:rPr lang="en-GB" dirty="0"/>
+              <a:t>Sensor</a:t>
+            </a:r>
+          </a:p>
+        </p:txBody>
+      </p:sp>
+      <p:sp>
+        <p:nvSpPr>
+          <p:cNvPr id="7" name="Ellipse 6"/>
+          <p:cNvSpPr/>
+          <p:nvPr/>
+        </p:nvSpPr>
+        <p:spPr>
+          <a:xfrm>
+            <a:off x="1200536" y="1300066"/>
+            <a:ext cx="2506825" cy="746448"/>
+          </a:xfrm>
+          <a:prstGeom prst="ellipse">
+            <a:avLst/>
+          </a:prstGeom>
+        </p:spPr>
+        <p:style>
+          <a:lnRef idx="1">
+            <a:schemeClr val="accent5"/>
+          </a:lnRef>
+          <a:fillRef idx="2">
+            <a:schemeClr val="accent5"/>
+          </a:fillRef>
+          <a:effectRef idx="1">
+            <a:schemeClr val="accent5"/>
+          </a:effectRef>
+          <a:fontRef idx="minor">
+            <a:schemeClr val="dk1"/>
+          </a:fontRef>
+        </p:style>
+        <p:txBody>
+          <a:bodyPr rtlCol="0" anchor="ctr"/>
+          <a:lstStyle/>
+          <a:p>
+            <a:pPr algn="ctr"/>
+            <a:r>
+              <a:rPr lang="en-GB" dirty="0"/>
+              <a:t>Peripheral</a:t>
+            </a:r>
+          </a:p>
+          <a:p>
+            <a:pPr algn="ctr"/>
+            <a:r>
+              <a:rPr lang="en-GB" dirty="0"/>
+              <a:t>Sensor</a:t>
+            </a:r>
+          </a:p>
+        </p:txBody>
+      </p:sp>
+      <p:sp>
+        <p:nvSpPr>
+          <p:cNvPr id="8" name="Ellipse 7"/>
+          <p:cNvSpPr/>
+          <p:nvPr/>
+        </p:nvSpPr>
+        <p:spPr>
+          <a:xfrm>
+            <a:off x="1200536" y="2929813"/>
+            <a:ext cx="2506825" cy="746448"/>
+          </a:xfrm>
+          <a:prstGeom prst="ellipse">
+            <a:avLst/>
+          </a:prstGeom>
+        </p:spPr>
+        <p:style>
+          <a:lnRef idx="1">
+            <a:schemeClr val="accent5"/>
+          </a:lnRef>
+          <a:fillRef idx="2">
+            <a:schemeClr val="accent5"/>
+          </a:fillRef>
+          <a:effectRef idx="1">
+            <a:schemeClr val="accent5"/>
+          </a:effectRef>
+          <a:fontRef idx="minor">
+            <a:schemeClr val="dk1"/>
+          </a:fontRef>
+        </p:style>
+        <p:txBody>
+          <a:bodyPr rtlCol="0" anchor="ctr"/>
+          <a:lstStyle/>
+          <a:p>
+            <a:pPr algn="ctr"/>
+            <a:r>
+              <a:rPr lang="en-GB" dirty="0"/>
+              <a:t>Peripheral</a:t>
+            </a:r>
+          </a:p>
+          <a:p>
+            <a:pPr algn="ctr"/>
+            <a:r>
+              <a:rPr lang="en-GB" dirty="0"/>
+              <a:t>Sensor</a:t>
+            </a:r>
+          </a:p>
+        </p:txBody>
+      </p:sp>
+      <p:sp>
+        <p:nvSpPr>
+          <p:cNvPr id="9" name="Ellipse 8"/>
+          <p:cNvSpPr/>
+          <p:nvPr/>
+        </p:nvSpPr>
+        <p:spPr>
+          <a:xfrm>
+            <a:off x="1200535" y="4559560"/>
+            <a:ext cx="2506825" cy="746448"/>
+          </a:xfrm>
+          <a:prstGeom prst="ellipse">
+            <a:avLst/>
+          </a:prstGeom>
+        </p:spPr>
+        <p:style>
+          <a:lnRef idx="1">
+            <a:schemeClr val="accent5"/>
+          </a:lnRef>
+          <a:fillRef idx="2">
+            <a:schemeClr val="accent5"/>
+          </a:fillRef>
+          <a:effectRef idx="1">
+            <a:schemeClr val="accent5"/>
+          </a:effectRef>
+          <a:fontRef idx="minor">
+            <a:schemeClr val="dk1"/>
+          </a:fontRef>
+        </p:style>
+        <p:txBody>
+          <a:bodyPr rtlCol="0" anchor="ctr"/>
+          <a:lstStyle/>
+          <a:p>
+            <a:pPr algn="ctr"/>
+            <a:r>
+              <a:rPr lang="en-GB" dirty="0"/>
+              <a:t>Peripheral</a:t>
+            </a:r>
+          </a:p>
+          <a:p>
+            <a:pPr algn="ctr"/>
+            <a:r>
+              <a:rPr lang="en-GB" dirty="0"/>
+              <a:t>Sensor</a:t>
+            </a:r>
+          </a:p>
+        </p:txBody>
+      </p:sp>
+      <p:sp>
+        <p:nvSpPr>
+          <p:cNvPr id="10" name="Ellipse 9"/>
+          <p:cNvSpPr/>
+          <p:nvPr/>
+        </p:nvSpPr>
+        <p:spPr>
+          <a:xfrm>
+            <a:off x="8204717" y="4559560"/>
+            <a:ext cx="2506825" cy="746448"/>
+          </a:xfrm>
+          <a:prstGeom prst="ellipse">
+            <a:avLst/>
+          </a:prstGeom>
+        </p:spPr>
+        <p:style>
+          <a:lnRef idx="1">
+            <a:schemeClr val="accent5"/>
+          </a:lnRef>
+          <a:fillRef idx="2">
+            <a:schemeClr val="accent5"/>
+          </a:fillRef>
+          <a:effectRef idx="1">
+            <a:schemeClr val="accent5"/>
+          </a:effectRef>
+          <a:fontRef idx="minor">
+            <a:schemeClr val="dk1"/>
+          </a:fontRef>
+        </p:style>
+        <p:txBody>
+          <a:bodyPr rtlCol="0" anchor="ctr"/>
+          <a:lstStyle/>
+          <a:p>
+            <a:pPr algn="ctr"/>
+            <a:r>
+              <a:rPr lang="en-GB" dirty="0"/>
+              <a:t>Peripheral</a:t>
+            </a:r>
+          </a:p>
+          <a:p>
+            <a:pPr algn="ctr"/>
+            <a:r>
+              <a:rPr lang="en-GB" dirty="0"/>
+              <a:t>Sensor</a:t>
+            </a:r>
+          </a:p>
+        </p:txBody>
+      </p:sp>
+      <p:sp>
+        <p:nvSpPr>
+          <p:cNvPr id="11" name="Ellipse 10"/>
+          <p:cNvSpPr/>
+          <p:nvPr/>
+        </p:nvSpPr>
+        <p:spPr>
+          <a:xfrm>
+            <a:off x="4702627" y="4559560"/>
+            <a:ext cx="2506825" cy="746448"/>
+          </a:xfrm>
+          <a:prstGeom prst="ellipse">
+            <a:avLst/>
+          </a:prstGeom>
+        </p:spPr>
+        <p:style>
+          <a:lnRef idx="1">
+            <a:schemeClr val="accent5"/>
+          </a:lnRef>
+          <a:fillRef idx="2">
+            <a:schemeClr val="accent5"/>
+          </a:fillRef>
+          <a:effectRef idx="1">
+            <a:schemeClr val="accent5"/>
+          </a:effectRef>
+          <a:fontRef idx="minor">
+            <a:schemeClr val="dk1"/>
+          </a:fontRef>
+        </p:style>
+        <p:txBody>
+          <a:bodyPr rtlCol="0" anchor="ctr"/>
+          <a:lstStyle/>
+          <a:p>
+            <a:pPr algn="ctr"/>
+            <a:r>
+              <a:rPr lang="en-GB" dirty="0"/>
+              <a:t>Peripheral</a:t>
+            </a:r>
+          </a:p>
+          <a:p>
+            <a:pPr algn="ctr"/>
+            <a:r>
+              <a:rPr lang="en-GB" dirty="0"/>
+              <a:t>Sensor</a:t>
+            </a:r>
+          </a:p>
+        </p:txBody>
+      </p:sp>
+      <p:sp>
+        <p:nvSpPr>
+          <p:cNvPr id="12" name="Ellipse 11"/>
+          <p:cNvSpPr/>
+          <p:nvPr/>
+        </p:nvSpPr>
+        <p:spPr>
+          <a:xfrm>
+            <a:off x="4702627" y="1300066"/>
+            <a:ext cx="2506825" cy="746448"/>
+          </a:xfrm>
+          <a:prstGeom prst="ellipse">
+            <a:avLst/>
+          </a:prstGeom>
+        </p:spPr>
+        <p:style>
+          <a:lnRef idx="1">
+            <a:schemeClr val="accent5"/>
+          </a:lnRef>
+          <a:fillRef idx="2">
+            <a:schemeClr val="accent5"/>
+          </a:fillRef>
+          <a:effectRef idx="1">
+            <a:schemeClr val="accent5"/>
+          </a:effectRef>
+          <a:fontRef idx="minor">
+            <a:schemeClr val="dk1"/>
+          </a:fontRef>
+        </p:style>
+        <p:txBody>
+          <a:bodyPr rtlCol="0" anchor="ctr"/>
+          <a:lstStyle/>
+          <a:p>
+            <a:pPr algn="ctr"/>
+            <a:r>
+              <a:rPr lang="en-GB" dirty="0"/>
+              <a:t>Peripheral</a:t>
+            </a:r>
+          </a:p>
+          <a:p>
+            <a:pPr algn="ctr"/>
+            <a:r>
+              <a:rPr lang="en-GB" dirty="0"/>
+              <a:t>Sensor</a:t>
+            </a:r>
+          </a:p>
+        </p:txBody>
+      </p:sp>
+      <p:cxnSp>
+        <p:nvCxnSpPr>
+          <p:cNvPr id="14" name="Connecteur droit avec flèche 13"/>
+          <p:cNvCxnSpPr>
+            <a:cxnSpLocks/>
+          </p:cNvCxnSpPr>
+          <p:nvPr/>
+        </p:nvCxnSpPr>
+        <p:spPr>
+          <a:xfrm flipV="1">
+            <a:off x="5956039" y="2046514"/>
+            <a:ext cx="0" cy="758890"/>
+          </a:xfrm>
+          <a:prstGeom prst="straightConnector1">
+            <a:avLst/>
+          </a:prstGeom>
+          <a:ln w="28575">
+            <a:headEnd type="triangle"/>
+            <a:tailEnd type="triangle"/>
+          </a:ln>
+        </p:spPr>
+        <p:style>
+          <a:lnRef idx="1">
+            <a:schemeClr val="accent1"/>
+          </a:lnRef>
+          <a:fillRef idx="0">
+            <a:schemeClr val="accent1"/>
+          </a:fillRef>
+          <a:effectRef idx="0">
+            <a:schemeClr val="accent1"/>
+          </a:effectRef>
+          <a:fontRef idx="minor">
+            <a:schemeClr val="tx1"/>
+          </a:fontRef>
+        </p:style>
+      </p:cxnSp>
+      <p:cxnSp>
+        <p:nvCxnSpPr>
+          <p:cNvPr id="17" name="Connecteur droit avec flèche 16"/>
+          <p:cNvCxnSpPr>
+            <a:cxnSpLocks/>
+            <a:stCxn id="4" idx="3"/>
+            <a:endCxn id="5" idx="2"/>
+          </p:cNvCxnSpPr>
+          <p:nvPr/>
+        </p:nvCxnSpPr>
+        <p:spPr>
+          <a:xfrm>
+            <a:off x="6966856" y="3303037"/>
+            <a:ext cx="1237863" cy="0"/>
+          </a:xfrm>
+          <a:prstGeom prst="straightConnector1">
+            <a:avLst/>
+          </a:prstGeom>
+          <a:ln w="28575">
+            <a:headEnd type="triangle"/>
+            <a:tailEnd type="triangle"/>
+          </a:ln>
+        </p:spPr>
+        <p:style>
+          <a:lnRef idx="1">
+            <a:schemeClr val="accent1"/>
+          </a:lnRef>
+          <a:fillRef idx="0">
+            <a:schemeClr val="accent1"/>
+          </a:fillRef>
+          <a:effectRef idx="0">
+            <a:schemeClr val="accent1"/>
+          </a:effectRef>
+          <a:fontRef idx="minor">
+            <a:schemeClr val="tx1"/>
+          </a:fontRef>
+        </p:style>
+      </p:cxnSp>
+      <p:cxnSp>
+        <p:nvCxnSpPr>
+          <p:cNvPr id="20" name="Connecteur droit avec flèche 19"/>
+          <p:cNvCxnSpPr>
+            <a:cxnSpLocks/>
+            <a:stCxn id="4" idx="2"/>
+            <a:endCxn id="11" idx="0"/>
+          </p:cNvCxnSpPr>
+          <p:nvPr/>
+        </p:nvCxnSpPr>
+        <p:spPr>
+          <a:xfrm>
+            <a:off x="5956040" y="3800670"/>
+            <a:ext cx="0" cy="758890"/>
+          </a:xfrm>
+          <a:prstGeom prst="straightConnector1">
+            <a:avLst/>
+          </a:prstGeom>
+          <a:ln w="28575">
+            <a:headEnd type="triangle"/>
+            <a:tailEnd type="triangle"/>
+          </a:ln>
+        </p:spPr>
+        <p:style>
+          <a:lnRef idx="1">
+            <a:schemeClr val="accent1"/>
+          </a:lnRef>
+          <a:fillRef idx="0">
+            <a:schemeClr val="accent1"/>
+          </a:fillRef>
+          <a:effectRef idx="0">
+            <a:schemeClr val="accent1"/>
+          </a:effectRef>
+          <a:fontRef idx="minor">
+            <a:schemeClr val="tx1"/>
+          </a:fontRef>
+        </p:style>
+      </p:cxnSp>
+      <p:cxnSp>
+        <p:nvCxnSpPr>
+          <p:cNvPr id="23" name="Connecteur droit avec flèche 22"/>
+          <p:cNvCxnSpPr>
+            <a:cxnSpLocks/>
+            <a:stCxn id="8" idx="6"/>
+            <a:endCxn id="4" idx="1"/>
+          </p:cNvCxnSpPr>
+          <p:nvPr/>
+        </p:nvCxnSpPr>
+        <p:spPr>
+          <a:xfrm>
+            <a:off x="3707361" y="3303037"/>
+            <a:ext cx="1237863" cy="0"/>
+          </a:xfrm>
+          <a:prstGeom prst="straightConnector1">
+            <a:avLst/>
+          </a:prstGeom>
+          <a:ln w="28575">
+            <a:headEnd type="triangle"/>
+            <a:tailEnd type="triangle"/>
+          </a:ln>
+        </p:spPr>
+        <p:style>
+          <a:lnRef idx="1">
+            <a:schemeClr val="accent1"/>
+          </a:lnRef>
+          <a:fillRef idx="0">
+            <a:schemeClr val="accent1"/>
+          </a:fillRef>
+          <a:effectRef idx="0">
+            <a:schemeClr val="accent1"/>
+          </a:effectRef>
+          <a:fontRef idx="minor">
+            <a:schemeClr val="tx1"/>
+          </a:fontRef>
+        </p:style>
+      </p:cxnSp>
+      <p:cxnSp>
+        <p:nvCxnSpPr>
+          <p:cNvPr id="26" name="Connecteur droit avec flèche 25"/>
+          <p:cNvCxnSpPr>
+            <a:cxnSpLocks/>
+            <a:stCxn id="7" idx="5"/>
+          </p:cNvCxnSpPr>
+          <p:nvPr/>
+        </p:nvCxnSpPr>
+        <p:spPr>
+          <a:xfrm>
+            <a:off x="3340245" y="1937199"/>
+            <a:ext cx="1660380" cy="904823"/>
+          </a:xfrm>
+          <a:prstGeom prst="straightConnector1">
+            <a:avLst/>
+          </a:prstGeom>
+          <a:ln w="28575">
+            <a:headEnd type="triangle"/>
+            <a:tailEnd type="triangle"/>
+          </a:ln>
+        </p:spPr>
+        <p:style>
+          <a:lnRef idx="1">
+            <a:schemeClr val="accent1"/>
+          </a:lnRef>
+          <a:fillRef idx="0">
+            <a:schemeClr val="accent1"/>
+          </a:fillRef>
+          <a:effectRef idx="0">
+            <a:schemeClr val="accent1"/>
+          </a:effectRef>
+          <a:fontRef idx="minor">
+            <a:schemeClr val="tx1"/>
+          </a:fontRef>
+        </p:style>
+      </p:cxnSp>
+      <p:cxnSp>
+        <p:nvCxnSpPr>
+          <p:cNvPr id="30" name="Connecteur droit avec flèche 29"/>
+          <p:cNvCxnSpPr>
+            <a:cxnSpLocks/>
+            <a:endCxn id="10" idx="1"/>
+          </p:cNvCxnSpPr>
+          <p:nvPr/>
+        </p:nvCxnSpPr>
+        <p:spPr>
+          <a:xfrm>
+            <a:off x="6927004" y="3736084"/>
+            <a:ext cx="1644829" cy="932791"/>
+          </a:xfrm>
+          <a:prstGeom prst="straightConnector1">
+            <a:avLst/>
+          </a:prstGeom>
+          <a:ln w="28575">
+            <a:headEnd type="triangle"/>
+            <a:tailEnd type="triangle"/>
+          </a:ln>
+        </p:spPr>
+        <p:style>
+          <a:lnRef idx="1">
+            <a:schemeClr val="accent1"/>
+          </a:lnRef>
+          <a:fillRef idx="0">
+            <a:schemeClr val="accent1"/>
+          </a:fillRef>
+          <a:effectRef idx="0">
+            <a:schemeClr val="accent1"/>
+          </a:effectRef>
+          <a:fontRef idx="minor">
+            <a:schemeClr val="tx1"/>
+          </a:fontRef>
+        </p:style>
+      </p:cxnSp>
+      <p:cxnSp>
+        <p:nvCxnSpPr>
+          <p:cNvPr id="31" name="Connecteur droit avec flèche 30"/>
+          <p:cNvCxnSpPr>
+            <a:cxnSpLocks/>
+            <a:stCxn id="6" idx="3"/>
+          </p:cNvCxnSpPr>
+          <p:nvPr/>
+        </p:nvCxnSpPr>
+        <p:spPr>
+          <a:xfrm flipH="1">
+            <a:off x="6927004" y="1937199"/>
+            <a:ext cx="1644830" cy="932791"/>
+          </a:xfrm>
+          <a:prstGeom prst="straightConnector1">
+            <a:avLst/>
+          </a:prstGeom>
+          <a:ln w="28575">
+            <a:headEnd type="triangle"/>
+            <a:tailEnd type="triangle"/>
+          </a:ln>
+        </p:spPr>
+        <p:style>
+          <a:lnRef idx="1">
+            <a:schemeClr val="accent1"/>
+          </a:lnRef>
+          <a:fillRef idx="0">
+            <a:schemeClr val="accent1"/>
+          </a:fillRef>
+          <a:effectRef idx="0">
+            <a:schemeClr val="accent1"/>
+          </a:effectRef>
+          <a:fontRef idx="minor">
+            <a:schemeClr val="tx1"/>
+          </a:fontRef>
+        </p:style>
+      </p:cxnSp>
+      <p:cxnSp>
+        <p:nvCxnSpPr>
+          <p:cNvPr id="39" name="Connecteur droit avec flèche 38"/>
+          <p:cNvCxnSpPr>
+            <a:cxnSpLocks/>
+            <a:endCxn id="9" idx="7"/>
+          </p:cNvCxnSpPr>
+          <p:nvPr/>
+        </p:nvCxnSpPr>
+        <p:spPr>
+          <a:xfrm flipH="1">
+            <a:off x="3340244" y="3764052"/>
+            <a:ext cx="1644833" cy="904823"/>
+          </a:xfrm>
+          <a:prstGeom prst="straightConnector1">
+            <a:avLst/>
+          </a:prstGeom>
+          <a:ln w="28575">
+            <a:headEnd type="triangle"/>
+            <a:tailEnd type="triangle"/>
+          </a:ln>
+        </p:spPr>
+        <p:style>
+          <a:lnRef idx="1">
+            <a:schemeClr val="accent1"/>
+          </a:lnRef>
+          <a:fillRef idx="0">
+            <a:schemeClr val="accent1"/>
+          </a:fillRef>
+          <a:effectRef idx="0">
+            <a:schemeClr val="accent1"/>
+          </a:effectRef>
+          <a:fontRef idx="minor">
+            <a:schemeClr val="tx1"/>
+          </a:fontRef>
+        </p:style>
+      </p:cxnSp>
+    </p:spTree>
+    <p:extLst>
+      <p:ext uri="{BB962C8B-B14F-4D97-AF65-F5344CB8AC3E}">
+        <p14:creationId xmlns:p14="http://schemas.microsoft.com/office/powerpoint/2010/main" val="4059077200"/>
+      </p:ext>
+    </p:extLst>
+  </p:cSld>
+  <p:clrMapOvr>
+    <a:masterClrMapping/>
+  </p:clrMapOvr>
+</p:sld>
+</file>
+
+<file path=ppt/slides/slide4.xml><?xml version="1.0" encoding="utf-8"?>
+<p:sld xmlns:a="http://schemas.openxmlformats.org/drawingml/2006/main" xmlns:r="http://schemas.openxmlformats.org/officeDocument/2006/relationships" xmlns:p="http://schemas.openxmlformats.org/presentationml/2006/main">
+  <p:cSld>
+    <p:spTree>
+      <p:nvGrpSpPr>
+        <p:cNvPr id="1" name=""/>
+        <p:cNvGrpSpPr/>
+        <p:nvPr/>
+      </p:nvGrpSpPr>
+      <p:grpSpPr>
+        <a:xfrm>
+          <a:off x="0" y="0"/>
+          <a:ext cx="0" cy="0"/>
+          <a:chOff x="0" y="0"/>
+          <a:chExt cx="0" cy="0"/>
+        </a:xfrm>
+      </p:grpSpPr>
+      <p:sp>
+        <p:nvSpPr>
           <p:cNvPr id="5" name="Rectangle : coins arrondis 4"/>
           <p:cNvSpPr/>
           <p:nvPr/>
@@ -6379,7 +7266,7 @@
 </p:sld>
 </file>
 
-<file path=ppt/slides/slide4.xml><?xml version="1.0" encoding="utf-8"?>
+<file path=ppt/slides/slide5.xml><?xml version="1.0" encoding="utf-8"?>
 <p:sld xmlns:a="http://schemas.openxmlformats.org/drawingml/2006/main" xmlns:r="http://schemas.openxmlformats.org/officeDocument/2006/relationships" xmlns:p="http://schemas.openxmlformats.org/presentationml/2006/main">
   <p:cSld>
     <p:spTree>
@@ -8394,783 +9281,6 @@
 </p:sld>
 </file>
 
-<file path=ppt/slides/slide5.xml><?xml version="1.0" encoding="utf-8"?>
-<p:sld xmlns:a="http://schemas.openxmlformats.org/drawingml/2006/main" xmlns:r="http://schemas.openxmlformats.org/officeDocument/2006/relationships" xmlns:p="http://schemas.openxmlformats.org/presentationml/2006/main">
-  <p:cSld>
-    <p:spTree>
-      <p:nvGrpSpPr>
-        <p:cNvPr id="1" name=""/>
-        <p:cNvGrpSpPr/>
-        <p:nvPr/>
-      </p:nvGrpSpPr>
-      <p:grpSpPr>
-        <a:xfrm>
-          <a:off x="0" y="0"/>
-          <a:ext cx="0" cy="0"/>
-          <a:chOff x="0" y="0"/>
-          <a:chExt cx="0" cy="0"/>
-        </a:xfrm>
-      </p:grpSpPr>
-      <p:sp>
-        <p:nvSpPr>
-          <p:cNvPr id="42" name="Rectangle 41">
-            <a:extLst>
-              <a:ext uri="{FF2B5EF4-FFF2-40B4-BE49-F238E27FC236}">
-                <a16:creationId xmlns:a16="http://schemas.microsoft.com/office/drawing/2014/main" id="{F76BE44E-D1D0-4FD5-954F-15497990FD7E}"/>
-              </a:ext>
-            </a:extLst>
-          </p:cNvPr>
-          <p:cNvSpPr/>
-          <p:nvPr/>
-        </p:nvSpPr>
-        <p:spPr>
-          <a:xfrm>
-            <a:off x="223878" y="181826"/>
-            <a:ext cx="7812889" cy="3488418"/>
-          </a:xfrm>
-          <a:prstGeom prst="rect">
-            <a:avLst/>
-          </a:prstGeom>
-          <a:ln>
-            <a:headEnd type="none" w="med" len="med"/>
-            <a:tailEnd type="none" w="med" len="med"/>
-          </a:ln>
-        </p:spPr>
-        <p:style>
-          <a:lnRef idx="0">
-            <a:schemeClr val="accent1"/>
-          </a:lnRef>
-          <a:fillRef idx="3">
-            <a:schemeClr val="accent1"/>
-          </a:fillRef>
-          <a:effectRef idx="3">
-            <a:schemeClr val="accent1"/>
-          </a:effectRef>
-          <a:fontRef idx="minor">
-            <a:schemeClr val="lt1"/>
-          </a:fontRef>
-        </p:style>
-        <p:txBody>
-          <a:bodyPr rtlCol="0" anchor="t"/>
-          <a:lstStyle/>
-          <a:p>
-            <a:r>
-              <a:rPr lang="en-GB" b="1" dirty="0"/>
-              <a:t>A/D CONVERTER</a:t>
-            </a:r>
-          </a:p>
-        </p:txBody>
-      </p:sp>
-      <p:sp>
-        <p:nvSpPr>
-          <p:cNvPr id="43" name="Rectangle 42">
-            <a:extLst>
-              <a:ext uri="{FF2B5EF4-FFF2-40B4-BE49-F238E27FC236}">
-                <a16:creationId xmlns:a16="http://schemas.microsoft.com/office/drawing/2014/main" id="{BC0E1AEC-D7B4-48E4-B5DE-E550D87B4FB3}"/>
-              </a:ext>
-            </a:extLst>
-          </p:cNvPr>
-          <p:cNvSpPr/>
-          <p:nvPr/>
-        </p:nvSpPr>
-        <p:spPr>
-          <a:xfrm>
-            <a:off x="402318" y="593724"/>
-            <a:ext cx="7454058" cy="2934154"/>
-          </a:xfrm>
-          <a:prstGeom prst="rect">
-            <a:avLst/>
-          </a:prstGeom>
-          <a:solidFill>
-            <a:schemeClr val="accent1">
-              <a:lumMod val="60000"/>
-              <a:lumOff val="40000"/>
-            </a:schemeClr>
-          </a:solidFill>
-          <a:ln>
-            <a:noFill/>
-            <a:headEnd type="none" w="med" len="med"/>
-            <a:tailEnd type="none" w="med" len="med"/>
-          </a:ln>
-        </p:spPr>
-        <p:style>
-          <a:lnRef idx="2">
-            <a:schemeClr val="dk1"/>
-          </a:lnRef>
-          <a:fillRef idx="1">
-            <a:schemeClr val="lt1"/>
-          </a:fillRef>
-          <a:effectRef idx="0">
-            <a:schemeClr val="dk1"/>
-          </a:effectRef>
-          <a:fontRef idx="minor">
-            <a:schemeClr val="dk1"/>
-          </a:fontRef>
-        </p:style>
-        <p:txBody>
-          <a:bodyPr rtlCol="0" anchor="t"/>
-          <a:lstStyle/>
-          <a:p>
-            <a:r>
-              <a:rPr lang="en-GB" dirty="0"/>
-              <a:t>Service  </a:t>
-            </a:r>
-            <a:r>
-              <a:rPr lang="en-GB" b="1" dirty="0"/>
-              <a:t>ADC</a:t>
-            </a:r>
-          </a:p>
-        </p:txBody>
-      </p:sp>
-      <p:sp>
-        <p:nvSpPr>
-          <p:cNvPr id="44" name="Rectangle 43">
-            <a:extLst>
-              <a:ext uri="{FF2B5EF4-FFF2-40B4-BE49-F238E27FC236}">
-                <a16:creationId xmlns:a16="http://schemas.microsoft.com/office/drawing/2014/main" id="{12E4A3E9-CFDF-47A4-9E6C-0E8A86A3C266}"/>
-              </a:ext>
-            </a:extLst>
-          </p:cNvPr>
-          <p:cNvSpPr/>
-          <p:nvPr/>
-        </p:nvSpPr>
-        <p:spPr>
-          <a:xfrm>
-            <a:off x="547008" y="1387474"/>
-            <a:ext cx="3460750" cy="1952625"/>
-          </a:xfrm>
-          <a:prstGeom prst="rect">
-            <a:avLst/>
-          </a:prstGeom>
-          <a:solidFill>
-            <a:schemeClr val="accent1">
-              <a:lumMod val="20000"/>
-              <a:lumOff val="80000"/>
-            </a:schemeClr>
-          </a:solidFill>
-          <a:ln w="9525" cap="flat" cmpd="sng" algn="ctr">
-            <a:noFill/>
-            <a:prstDash val="solid"/>
-            <a:round/>
-            <a:headEnd type="none" w="med" len="med"/>
-            <a:tailEnd type="none" w="med" len="med"/>
-          </a:ln>
-        </p:spPr>
-        <p:style>
-          <a:lnRef idx="0">
-            <a:scrgbClr r="0" g="0" b="0"/>
-          </a:lnRef>
-          <a:fillRef idx="0">
-            <a:scrgbClr r="0" g="0" b="0"/>
-          </a:fillRef>
-          <a:effectRef idx="0">
-            <a:scrgbClr r="0" g="0" b="0"/>
-          </a:effectRef>
-          <a:fontRef idx="minor">
-            <a:schemeClr val="dk1"/>
-          </a:fontRef>
-        </p:style>
-        <p:txBody>
-          <a:bodyPr rtlCol="0" anchor="t"/>
-          <a:lstStyle/>
-          <a:p>
-            <a:r>
-              <a:rPr lang="en-GB" dirty="0"/>
-              <a:t>Characteristic </a:t>
-            </a:r>
-            <a:r>
-              <a:rPr lang="en-GB" b="1" dirty="0"/>
-              <a:t>VALUE</a:t>
-            </a:r>
-          </a:p>
-        </p:txBody>
-      </p:sp>
-      <p:sp>
-        <p:nvSpPr>
-          <p:cNvPr id="45" name="Rectangle 44">
-            <a:extLst>
-              <a:ext uri="{FF2B5EF4-FFF2-40B4-BE49-F238E27FC236}">
-                <a16:creationId xmlns:a16="http://schemas.microsoft.com/office/drawing/2014/main" id="{1AE7D02F-A009-4771-8716-377246F8CE57}"/>
-              </a:ext>
-            </a:extLst>
-          </p:cNvPr>
-          <p:cNvSpPr/>
-          <p:nvPr/>
-        </p:nvSpPr>
-        <p:spPr>
-          <a:xfrm>
-            <a:off x="547008" y="981074"/>
-            <a:ext cx="3460750" cy="288000"/>
-          </a:xfrm>
-          <a:prstGeom prst="rect">
-            <a:avLst/>
-          </a:prstGeom>
-          <a:solidFill>
-            <a:schemeClr val="accent1">
-              <a:lumMod val="20000"/>
-              <a:lumOff val="80000"/>
-            </a:schemeClr>
-          </a:solidFill>
-          <a:ln w="9525" cap="flat" cmpd="sng" algn="ctr">
-            <a:noFill/>
-            <a:prstDash val="solid"/>
-            <a:round/>
-            <a:headEnd type="none" w="med" len="med"/>
-            <a:tailEnd type="none" w="med" len="med"/>
-          </a:ln>
-        </p:spPr>
-        <p:style>
-          <a:lnRef idx="0">
-            <a:scrgbClr r="0" g="0" b="0"/>
-          </a:lnRef>
-          <a:fillRef idx="0">
-            <a:scrgbClr r="0" g="0" b="0"/>
-          </a:fillRef>
-          <a:effectRef idx="0">
-            <a:scrgbClr r="0" g="0" b="0"/>
-          </a:effectRef>
-          <a:fontRef idx="minor">
-            <a:schemeClr val="dk1"/>
-          </a:fontRef>
-        </p:style>
-        <p:txBody>
-          <a:bodyPr rtlCol="0" anchor="ctr"/>
-          <a:lstStyle/>
-          <a:p>
-            <a:r>
-              <a:rPr lang="en-GB" b="1" dirty="0"/>
-              <a:t>UUID</a:t>
-            </a:r>
-            <a:r>
-              <a:rPr lang="en-GB" dirty="0"/>
-              <a:t> 0x0ADC</a:t>
-            </a:r>
-          </a:p>
-        </p:txBody>
-      </p:sp>
-      <p:sp>
-        <p:nvSpPr>
-          <p:cNvPr id="46" name="Rectangle 45">
-            <a:extLst>
-              <a:ext uri="{FF2B5EF4-FFF2-40B4-BE49-F238E27FC236}">
-                <a16:creationId xmlns:a16="http://schemas.microsoft.com/office/drawing/2014/main" id="{1F3A179A-ECA9-48A4-9DA2-1A2305A22E5F}"/>
-              </a:ext>
-            </a:extLst>
-          </p:cNvPr>
-          <p:cNvSpPr/>
-          <p:nvPr/>
-        </p:nvSpPr>
-        <p:spPr>
-          <a:xfrm>
-            <a:off x="645433" y="1791624"/>
-            <a:ext cx="3251200" cy="288000"/>
-          </a:xfrm>
-          <a:prstGeom prst="rect">
-            <a:avLst/>
-          </a:prstGeom>
-          <a:ln>
-            <a:noFill/>
-            <a:headEnd type="none" w="med" len="med"/>
-            <a:tailEnd type="none" w="med" len="med"/>
-          </a:ln>
-        </p:spPr>
-        <p:style>
-          <a:lnRef idx="2">
-            <a:schemeClr val="dk1"/>
-          </a:lnRef>
-          <a:fillRef idx="1">
-            <a:schemeClr val="lt1"/>
-          </a:fillRef>
-          <a:effectRef idx="0">
-            <a:schemeClr val="dk1"/>
-          </a:effectRef>
-          <a:fontRef idx="minor">
-            <a:schemeClr val="dk1"/>
-          </a:fontRef>
-        </p:style>
-        <p:txBody>
-          <a:bodyPr rtlCol="0" anchor="ctr"/>
-          <a:lstStyle/>
-          <a:p>
-            <a:r>
-              <a:rPr lang="en-GB" b="1" dirty="0"/>
-              <a:t>UUID</a:t>
-            </a:r>
-            <a:r>
-              <a:rPr lang="en-GB" dirty="0"/>
-              <a:t> 0x1ADC</a:t>
-            </a:r>
-          </a:p>
-        </p:txBody>
-      </p:sp>
-      <p:sp>
-        <p:nvSpPr>
-          <p:cNvPr id="47" name="Rectangle 46">
-            <a:extLst>
-              <a:ext uri="{FF2B5EF4-FFF2-40B4-BE49-F238E27FC236}">
-                <a16:creationId xmlns:a16="http://schemas.microsoft.com/office/drawing/2014/main" id="{95982184-F1BC-48EE-ACB7-196E458ACA41}"/>
-              </a:ext>
-            </a:extLst>
-          </p:cNvPr>
-          <p:cNvSpPr/>
-          <p:nvPr/>
-        </p:nvSpPr>
-        <p:spPr>
-          <a:xfrm>
-            <a:off x="651783" y="2178974"/>
-            <a:ext cx="3251200" cy="288000"/>
-          </a:xfrm>
-          <a:prstGeom prst="rect">
-            <a:avLst/>
-          </a:prstGeom>
-          <a:ln>
-            <a:noFill/>
-            <a:headEnd type="none" w="med" len="med"/>
-            <a:tailEnd type="none" w="med" len="med"/>
-          </a:ln>
-        </p:spPr>
-        <p:style>
-          <a:lnRef idx="2">
-            <a:schemeClr val="dk1"/>
-          </a:lnRef>
-          <a:fillRef idx="1">
-            <a:schemeClr val="lt1"/>
-          </a:fillRef>
-          <a:effectRef idx="0">
-            <a:schemeClr val="dk1"/>
-          </a:effectRef>
-          <a:fontRef idx="minor">
-            <a:schemeClr val="dk1"/>
-          </a:fontRef>
-        </p:style>
-        <p:txBody>
-          <a:bodyPr rtlCol="0" anchor="ctr"/>
-          <a:lstStyle/>
-          <a:p>
-            <a:r>
-              <a:rPr lang="en-GB" b="1" dirty="0"/>
-              <a:t>Value </a:t>
-            </a:r>
-            <a:r>
-              <a:rPr lang="en-GB" dirty="0"/>
-              <a:t>A/D output</a:t>
-            </a:r>
-            <a:r>
-              <a:rPr lang="en-GB" b="1" dirty="0"/>
-              <a:t> </a:t>
-            </a:r>
-            <a:endParaRPr lang="en-GB" dirty="0"/>
-          </a:p>
-        </p:txBody>
-      </p:sp>
-      <p:sp>
-        <p:nvSpPr>
-          <p:cNvPr id="48" name="Rectangle 47">
-            <a:extLst>
-              <a:ext uri="{FF2B5EF4-FFF2-40B4-BE49-F238E27FC236}">
-                <a16:creationId xmlns:a16="http://schemas.microsoft.com/office/drawing/2014/main" id="{20736580-055E-441C-A269-2E52BDF6B606}"/>
-              </a:ext>
-            </a:extLst>
-          </p:cNvPr>
-          <p:cNvSpPr/>
-          <p:nvPr/>
-        </p:nvSpPr>
-        <p:spPr>
-          <a:xfrm>
-            <a:off x="651783" y="2566324"/>
-            <a:ext cx="3251200" cy="288000"/>
-          </a:xfrm>
-          <a:prstGeom prst="rect">
-            <a:avLst/>
-          </a:prstGeom>
-          <a:ln>
-            <a:noFill/>
-            <a:headEnd type="none" w="med" len="med"/>
-            <a:tailEnd type="none" w="med" len="med"/>
-          </a:ln>
-        </p:spPr>
-        <p:style>
-          <a:lnRef idx="2">
-            <a:schemeClr val="dk1"/>
-          </a:lnRef>
-          <a:fillRef idx="1">
-            <a:schemeClr val="lt1"/>
-          </a:fillRef>
-          <a:effectRef idx="0">
-            <a:schemeClr val="dk1"/>
-          </a:effectRef>
-          <a:fontRef idx="minor">
-            <a:schemeClr val="dk1"/>
-          </a:fontRef>
-        </p:style>
-        <p:txBody>
-          <a:bodyPr rtlCol="0" anchor="ctr"/>
-          <a:lstStyle/>
-          <a:p>
-            <a:r>
-              <a:rPr lang="en-GB" b="1" dirty="0"/>
-              <a:t>Value type </a:t>
-            </a:r>
-            <a:r>
-              <a:rPr lang="en-GB" dirty="0"/>
-              <a:t>Integer</a:t>
-            </a:r>
-            <a:endParaRPr lang="en-GB" b="1" dirty="0"/>
-          </a:p>
-        </p:txBody>
-      </p:sp>
-      <p:sp>
-        <p:nvSpPr>
-          <p:cNvPr id="49" name="Rectangle 48">
-            <a:extLst>
-              <a:ext uri="{FF2B5EF4-FFF2-40B4-BE49-F238E27FC236}">
-                <a16:creationId xmlns:a16="http://schemas.microsoft.com/office/drawing/2014/main" id="{F5F80629-605E-4AE7-9D79-5E1678C68F2C}"/>
-              </a:ext>
-            </a:extLst>
-          </p:cNvPr>
-          <p:cNvSpPr/>
-          <p:nvPr/>
-        </p:nvSpPr>
-        <p:spPr>
-          <a:xfrm>
-            <a:off x="651783" y="2953674"/>
-            <a:ext cx="3251200" cy="288000"/>
-          </a:xfrm>
-          <a:prstGeom prst="rect">
-            <a:avLst/>
-          </a:prstGeom>
-          <a:ln>
-            <a:noFill/>
-            <a:headEnd type="none" w="med" len="med"/>
-            <a:tailEnd type="none" w="med" len="med"/>
-          </a:ln>
-        </p:spPr>
-        <p:style>
-          <a:lnRef idx="2">
-            <a:schemeClr val="dk1"/>
-          </a:lnRef>
-          <a:fillRef idx="1">
-            <a:schemeClr val="lt1"/>
-          </a:fillRef>
-          <a:effectRef idx="0">
-            <a:schemeClr val="dk1"/>
-          </a:effectRef>
-          <a:fontRef idx="minor">
-            <a:schemeClr val="dk1"/>
-          </a:fontRef>
-        </p:style>
-        <p:txBody>
-          <a:bodyPr rtlCol="0" anchor="ctr"/>
-          <a:lstStyle/>
-          <a:p>
-            <a:r>
-              <a:rPr lang="en-GB" b="1" dirty="0"/>
-              <a:t>Properties </a:t>
-            </a:r>
-            <a:r>
-              <a:rPr lang="en-GB" dirty="0"/>
-              <a:t>R | NOTIFY</a:t>
-            </a:r>
-          </a:p>
-        </p:txBody>
-      </p:sp>
-      <p:sp>
-        <p:nvSpPr>
-          <p:cNvPr id="10" name="Rectangle 9">
-            <a:extLst>
-              <a:ext uri="{FF2B5EF4-FFF2-40B4-BE49-F238E27FC236}">
-                <a16:creationId xmlns:a16="http://schemas.microsoft.com/office/drawing/2014/main" id="{E2E269DD-A6B0-4031-82F6-E495118BB017}"/>
-              </a:ext>
-            </a:extLst>
-          </p:cNvPr>
-          <p:cNvSpPr/>
-          <p:nvPr/>
-        </p:nvSpPr>
-        <p:spPr>
-          <a:xfrm>
-            <a:off x="4233894" y="1387474"/>
-            <a:ext cx="3460750" cy="1952625"/>
-          </a:xfrm>
-          <a:prstGeom prst="rect">
-            <a:avLst/>
-          </a:prstGeom>
-          <a:solidFill>
-            <a:schemeClr val="accent1">
-              <a:lumMod val="20000"/>
-              <a:lumOff val="80000"/>
-            </a:schemeClr>
-          </a:solidFill>
-          <a:ln w="9525" cap="flat" cmpd="sng" algn="ctr">
-            <a:noFill/>
-            <a:prstDash val="solid"/>
-            <a:round/>
-            <a:headEnd type="none" w="med" len="med"/>
-            <a:tailEnd type="none" w="med" len="med"/>
-          </a:ln>
-        </p:spPr>
-        <p:style>
-          <a:lnRef idx="0">
-            <a:scrgbClr r="0" g="0" b="0"/>
-          </a:lnRef>
-          <a:fillRef idx="0">
-            <a:scrgbClr r="0" g="0" b="0"/>
-          </a:fillRef>
-          <a:effectRef idx="0">
-            <a:scrgbClr r="0" g="0" b="0"/>
-          </a:effectRef>
-          <a:fontRef idx="minor">
-            <a:schemeClr val="dk1"/>
-          </a:fontRef>
-        </p:style>
-        <p:txBody>
-          <a:bodyPr rtlCol="0" anchor="t"/>
-          <a:lstStyle/>
-          <a:p>
-            <a:r>
-              <a:rPr lang="en-GB" dirty="0"/>
-              <a:t>Characteristic </a:t>
-            </a:r>
-            <a:r>
-              <a:rPr lang="en-GB" b="1" dirty="0"/>
-              <a:t>SLEEP</a:t>
-            </a:r>
-          </a:p>
-        </p:txBody>
-      </p:sp>
-      <p:sp>
-        <p:nvSpPr>
-          <p:cNvPr id="11" name="Rectangle 10">
-            <a:extLst>
-              <a:ext uri="{FF2B5EF4-FFF2-40B4-BE49-F238E27FC236}">
-                <a16:creationId xmlns:a16="http://schemas.microsoft.com/office/drawing/2014/main" id="{1EE8F6D3-E9CC-4DEA-B8BF-839ECECE702E}"/>
-              </a:ext>
-            </a:extLst>
-          </p:cNvPr>
-          <p:cNvSpPr/>
-          <p:nvPr/>
-        </p:nvSpPr>
-        <p:spPr>
-          <a:xfrm>
-            <a:off x="4332319" y="1791624"/>
-            <a:ext cx="3251200" cy="288000"/>
-          </a:xfrm>
-          <a:prstGeom prst="rect">
-            <a:avLst/>
-          </a:prstGeom>
-          <a:ln>
-            <a:noFill/>
-            <a:headEnd type="none" w="med" len="med"/>
-            <a:tailEnd type="none" w="med" len="med"/>
-          </a:ln>
-        </p:spPr>
-        <p:style>
-          <a:lnRef idx="2">
-            <a:schemeClr val="dk1"/>
-          </a:lnRef>
-          <a:fillRef idx="1">
-            <a:schemeClr val="lt1"/>
-          </a:fillRef>
-          <a:effectRef idx="0">
-            <a:schemeClr val="dk1"/>
-          </a:effectRef>
-          <a:fontRef idx="minor">
-            <a:schemeClr val="dk1"/>
-          </a:fontRef>
-        </p:style>
-        <p:txBody>
-          <a:bodyPr rtlCol="0" anchor="ctr"/>
-          <a:lstStyle/>
-          <a:p>
-            <a:r>
-              <a:rPr lang="en-GB" b="1" dirty="0"/>
-              <a:t>UUID</a:t>
-            </a:r>
-            <a:r>
-              <a:rPr lang="en-GB" dirty="0"/>
-              <a:t> 0x2ADC</a:t>
-            </a:r>
-          </a:p>
-        </p:txBody>
-      </p:sp>
-      <p:sp>
-        <p:nvSpPr>
-          <p:cNvPr id="12" name="Rectangle 11">
-            <a:extLst>
-              <a:ext uri="{FF2B5EF4-FFF2-40B4-BE49-F238E27FC236}">
-                <a16:creationId xmlns:a16="http://schemas.microsoft.com/office/drawing/2014/main" id="{747D75B2-CEFD-48D8-8BD4-A020E29DF0B9}"/>
-              </a:ext>
-            </a:extLst>
-          </p:cNvPr>
-          <p:cNvSpPr/>
-          <p:nvPr/>
-        </p:nvSpPr>
-        <p:spPr>
-          <a:xfrm>
-            <a:off x="4338669" y="2178974"/>
-            <a:ext cx="3251200" cy="288000"/>
-          </a:xfrm>
-          <a:prstGeom prst="rect">
-            <a:avLst/>
-          </a:prstGeom>
-          <a:ln>
-            <a:noFill/>
-            <a:headEnd type="none" w="med" len="med"/>
-            <a:tailEnd type="none" w="med" len="med"/>
-          </a:ln>
-        </p:spPr>
-        <p:style>
-          <a:lnRef idx="2">
-            <a:schemeClr val="dk1"/>
-          </a:lnRef>
-          <a:fillRef idx="1">
-            <a:schemeClr val="lt1"/>
-          </a:fillRef>
-          <a:effectRef idx="0">
-            <a:schemeClr val="dk1"/>
-          </a:effectRef>
-          <a:fontRef idx="minor">
-            <a:schemeClr val="dk1"/>
-          </a:fontRef>
-        </p:style>
-        <p:txBody>
-          <a:bodyPr rtlCol="0" anchor="ctr"/>
-          <a:lstStyle/>
-          <a:p>
-            <a:r>
-              <a:rPr lang="en-GB" b="1" dirty="0"/>
-              <a:t>Value </a:t>
-            </a:r>
-            <a:r>
-              <a:rPr lang="en-GB" dirty="0"/>
-              <a:t>Sleep</a:t>
-            </a:r>
-          </a:p>
-        </p:txBody>
-      </p:sp>
-      <p:sp>
-        <p:nvSpPr>
-          <p:cNvPr id="13" name="Rectangle 12">
-            <a:extLst>
-              <a:ext uri="{FF2B5EF4-FFF2-40B4-BE49-F238E27FC236}">
-                <a16:creationId xmlns:a16="http://schemas.microsoft.com/office/drawing/2014/main" id="{3BCA9220-7C5A-42C1-AD93-082B73BD4353}"/>
-              </a:ext>
-            </a:extLst>
-          </p:cNvPr>
-          <p:cNvSpPr/>
-          <p:nvPr/>
-        </p:nvSpPr>
-        <p:spPr>
-          <a:xfrm>
-            <a:off x="4338669" y="2566324"/>
-            <a:ext cx="3251200" cy="288000"/>
-          </a:xfrm>
-          <a:prstGeom prst="rect">
-            <a:avLst/>
-          </a:prstGeom>
-          <a:ln>
-            <a:noFill/>
-            <a:headEnd type="none" w="med" len="med"/>
-            <a:tailEnd type="none" w="med" len="med"/>
-          </a:ln>
-        </p:spPr>
-        <p:style>
-          <a:lnRef idx="2">
-            <a:schemeClr val="dk1"/>
-          </a:lnRef>
-          <a:fillRef idx="1">
-            <a:schemeClr val="lt1"/>
-          </a:fillRef>
-          <a:effectRef idx="0">
-            <a:schemeClr val="dk1"/>
-          </a:effectRef>
-          <a:fontRef idx="minor">
-            <a:schemeClr val="dk1"/>
-          </a:fontRef>
-        </p:style>
-        <p:txBody>
-          <a:bodyPr rtlCol="0" anchor="ctr"/>
-          <a:lstStyle/>
-          <a:p>
-            <a:r>
-              <a:rPr lang="en-GB" b="1" dirty="0"/>
-              <a:t>Value type </a:t>
-            </a:r>
-            <a:r>
-              <a:rPr lang="en-GB" dirty="0"/>
-              <a:t>Boolean</a:t>
-            </a:r>
-            <a:endParaRPr lang="en-GB" b="1" dirty="0"/>
-          </a:p>
-        </p:txBody>
-      </p:sp>
-      <p:sp>
-        <p:nvSpPr>
-          <p:cNvPr id="14" name="Rectangle 13">
-            <a:extLst>
-              <a:ext uri="{FF2B5EF4-FFF2-40B4-BE49-F238E27FC236}">
-                <a16:creationId xmlns:a16="http://schemas.microsoft.com/office/drawing/2014/main" id="{A9715A47-A181-4DC7-A4CF-EC1C3170C2B4}"/>
-              </a:ext>
-            </a:extLst>
-          </p:cNvPr>
-          <p:cNvSpPr/>
-          <p:nvPr/>
-        </p:nvSpPr>
-        <p:spPr>
-          <a:xfrm>
-            <a:off x="4338669" y="2953674"/>
-            <a:ext cx="3251200" cy="288000"/>
-          </a:xfrm>
-          <a:prstGeom prst="rect">
-            <a:avLst/>
-          </a:prstGeom>
-          <a:ln>
-            <a:noFill/>
-            <a:headEnd type="none" w="med" len="med"/>
-            <a:tailEnd type="none" w="med" len="med"/>
-          </a:ln>
-        </p:spPr>
-        <p:style>
-          <a:lnRef idx="2">
-            <a:schemeClr val="dk1"/>
-          </a:lnRef>
-          <a:fillRef idx="1">
-            <a:schemeClr val="lt1"/>
-          </a:fillRef>
-          <a:effectRef idx="0">
-            <a:schemeClr val="dk1"/>
-          </a:effectRef>
-          <a:fontRef idx="minor">
-            <a:schemeClr val="dk1"/>
-          </a:fontRef>
-        </p:style>
-        <p:txBody>
-          <a:bodyPr rtlCol="0" anchor="ctr"/>
-          <a:lstStyle/>
-          <a:p>
-            <a:r>
-              <a:rPr lang="en-GB" b="1" dirty="0"/>
-              <a:t>Properties </a:t>
-            </a:r>
-            <a:r>
-              <a:rPr lang="en-GB" dirty="0"/>
-              <a:t>R | NOTIFY</a:t>
-            </a:r>
-          </a:p>
-        </p:txBody>
-      </p:sp>
-    </p:spTree>
-    <p:extLst>
-      <p:ext uri="{BB962C8B-B14F-4D97-AF65-F5344CB8AC3E}">
-        <p14:creationId xmlns:p14="http://schemas.microsoft.com/office/powerpoint/2010/main" val="482507622"/>
-      </p:ext>
-    </p:extLst>
-  </p:cSld>
-  <p:clrMapOvr>
-    <a:masterClrMapping/>
-  </p:clrMapOvr>
-</p:sld>
-</file>
-
 <file path=ppt/slides/slide6.xml><?xml version="1.0" encoding="utf-8"?>
 <p:sld xmlns:a="http://schemas.openxmlformats.org/drawingml/2006/main" xmlns:r="http://schemas.openxmlformats.org/officeDocument/2006/relationships" xmlns:p="http://schemas.openxmlformats.org/presentationml/2006/main">
   <p:cSld>
@@ -9190,10 +9300,10 @@
       </p:grpSpPr>
       <p:sp>
         <p:nvSpPr>
-          <p:cNvPr id="4" name="Rectangle 3">
+          <p:cNvPr id="42" name="Rectangle 41">
             <a:extLst>
               <a:ext uri="{FF2B5EF4-FFF2-40B4-BE49-F238E27FC236}">
-                <a16:creationId xmlns:a16="http://schemas.microsoft.com/office/drawing/2014/main" id="{E7952A56-BBF3-442D-9F55-8199822357F1}"/>
+                <a16:creationId xmlns:a16="http://schemas.microsoft.com/office/drawing/2014/main" id="{F76BE44E-D1D0-4FD5-954F-15497990FD7E}"/>
               </a:ext>
             </a:extLst>
           </p:cNvPr>
@@ -9202,8 +9312,8 @@
         </p:nvSpPr>
         <p:spPr>
           <a:xfrm>
-            <a:off x="203652" y="140153"/>
-            <a:ext cx="11509377" cy="5571218"/>
+            <a:off x="223879" y="181826"/>
+            <a:ext cx="4208422" cy="3488418"/>
           </a:xfrm>
           <a:prstGeom prst="rect">
             <a:avLst/>
@@ -9233,17 +9343,17 @@
           <a:p>
             <a:r>
               <a:rPr lang="en-GB" b="1" dirty="0"/>
-              <a:t>ACCELEROMETER</a:t>
-            </a:r>
-          </a:p>
-        </p:txBody>
-      </p:sp>
-      <p:sp>
-        <p:nvSpPr>
-          <p:cNvPr id="5" name="Rectangle 4">
+              <a:t>A/D CONVERTER</a:t>
+            </a:r>
+          </a:p>
+        </p:txBody>
+      </p:sp>
+      <p:sp>
+        <p:nvSpPr>
+          <p:cNvPr id="43" name="Rectangle 42">
             <a:extLst>
               <a:ext uri="{FF2B5EF4-FFF2-40B4-BE49-F238E27FC236}">
-                <a16:creationId xmlns:a16="http://schemas.microsoft.com/office/drawing/2014/main" id="{2BE87F0C-A5CB-4017-8A8E-EB0F6534576A}"/>
+                <a16:creationId xmlns:a16="http://schemas.microsoft.com/office/drawing/2014/main" id="{BC0E1AEC-D7B4-48E4-B5DE-E550D87B4FB3}"/>
               </a:ext>
             </a:extLst>
           </p:cNvPr>
@@ -9252,8 +9362,8 @@
         </p:nvSpPr>
         <p:spPr>
           <a:xfrm>
-            <a:off x="400502" y="527503"/>
-            <a:ext cx="11138355" cy="4995183"/>
+            <a:off x="402318" y="593724"/>
+            <a:ext cx="3807732" cy="2934154"/>
           </a:xfrm>
           <a:prstGeom prst="rect">
             <a:avLst/>
@@ -9294,17 +9404,17 @@
             </a:r>
             <a:r>
               <a:rPr lang="en-GB" b="1" dirty="0"/>
-              <a:t>ACC</a:t>
-            </a:r>
-          </a:p>
-        </p:txBody>
-      </p:sp>
-      <p:sp>
-        <p:nvSpPr>
-          <p:cNvPr id="6" name="Rectangle 5">
+              <a:t>ADC</a:t>
+            </a:r>
+          </a:p>
+        </p:txBody>
+      </p:sp>
+      <p:sp>
+        <p:nvSpPr>
+          <p:cNvPr id="44" name="Rectangle 43">
             <a:extLst>
               <a:ext uri="{FF2B5EF4-FFF2-40B4-BE49-F238E27FC236}">
-                <a16:creationId xmlns:a16="http://schemas.microsoft.com/office/drawing/2014/main" id="{12940A19-02E4-44F9-A22D-785FC7E9FA39}"/>
+                <a16:creationId xmlns:a16="http://schemas.microsoft.com/office/drawing/2014/main" id="{12E4A3E9-CFDF-47A4-9E6C-0E8A86A3C266}"/>
               </a:ext>
             </a:extLst>
           </p:cNvPr>
@@ -9313,7 +9423,7 @@
         </p:nvSpPr>
         <p:spPr>
           <a:xfrm>
-            <a:off x="585560" y="1321253"/>
+            <a:off x="547008" y="1387474"/>
             <a:ext cx="3460750" cy="1952625"/>
           </a:xfrm>
           <a:prstGeom prst="rect">
@@ -9357,17 +9467,17 @@
             </a:r>
             <a:r>
               <a:rPr lang="en-GB" b="1" dirty="0"/>
-              <a:t>AXIS X</a:t>
-            </a:r>
-          </a:p>
-        </p:txBody>
-      </p:sp>
-      <p:sp>
-        <p:nvSpPr>
-          <p:cNvPr id="7" name="Rectangle 6">
+              <a:t>VALUE</a:t>
+            </a:r>
+          </a:p>
+        </p:txBody>
+      </p:sp>
+      <p:sp>
+        <p:nvSpPr>
+          <p:cNvPr id="45" name="Rectangle 44">
             <a:extLst>
               <a:ext uri="{FF2B5EF4-FFF2-40B4-BE49-F238E27FC236}">
-                <a16:creationId xmlns:a16="http://schemas.microsoft.com/office/drawing/2014/main" id="{1CAD6519-48F5-4C0F-844A-FC274B468F4C}"/>
+                <a16:creationId xmlns:a16="http://schemas.microsoft.com/office/drawing/2014/main" id="{1AE7D02F-A009-4771-8716-377246F8CE57}"/>
               </a:ext>
             </a:extLst>
           </p:cNvPr>
@@ -9376,7 +9486,7 @@
         </p:nvSpPr>
         <p:spPr>
           <a:xfrm>
-            <a:off x="585560" y="914853"/>
+            <a:off x="547008" y="981074"/>
             <a:ext cx="3460750" cy="288000"/>
           </a:xfrm>
           <a:prstGeom prst="rect">
@@ -9420,17 +9530,17 @@
             </a:r>
             <a:r>
               <a:rPr lang="en-GB" dirty="0"/>
-              <a:t> 0x0ACC</a:t>
-            </a:r>
-          </a:p>
-        </p:txBody>
-      </p:sp>
-      <p:sp>
-        <p:nvSpPr>
-          <p:cNvPr id="8" name="Rectangle 7">
+              <a:t> 0x0ADC</a:t>
+            </a:r>
+          </a:p>
+        </p:txBody>
+      </p:sp>
+      <p:sp>
+        <p:nvSpPr>
+          <p:cNvPr id="46" name="Rectangle 45">
             <a:extLst>
               <a:ext uri="{FF2B5EF4-FFF2-40B4-BE49-F238E27FC236}">
-                <a16:creationId xmlns:a16="http://schemas.microsoft.com/office/drawing/2014/main" id="{31CA1297-75F5-4E9D-A7A6-E9A227907AC7}"/>
+                <a16:creationId xmlns:a16="http://schemas.microsoft.com/office/drawing/2014/main" id="{1F3A179A-ECA9-48A4-9DA2-1A2305A22E5F}"/>
               </a:ext>
             </a:extLst>
           </p:cNvPr>
@@ -9439,7 +9549,7 @@
         </p:nvSpPr>
         <p:spPr>
           <a:xfrm>
-            <a:off x="683985" y="1725403"/>
+            <a:off x="645433" y="1791624"/>
             <a:ext cx="3251200" cy="288000"/>
           </a:xfrm>
           <a:prstGeom prst="rect">
@@ -9475,17 +9585,17 @@
             </a:r>
             <a:r>
               <a:rPr lang="en-GB" dirty="0"/>
-              <a:t> 0x1ACC</a:t>
-            </a:r>
-          </a:p>
-        </p:txBody>
-      </p:sp>
-      <p:sp>
-        <p:nvSpPr>
-          <p:cNvPr id="9" name="Rectangle 8">
+              <a:t> 0x1ADC</a:t>
+            </a:r>
+          </a:p>
+        </p:txBody>
+      </p:sp>
+      <p:sp>
+        <p:nvSpPr>
+          <p:cNvPr id="47" name="Rectangle 46">
             <a:extLst>
               <a:ext uri="{FF2B5EF4-FFF2-40B4-BE49-F238E27FC236}">
-                <a16:creationId xmlns:a16="http://schemas.microsoft.com/office/drawing/2014/main" id="{AC6853EB-97DA-40F5-8F4D-B41EBBD50E2D}"/>
+                <a16:creationId xmlns:a16="http://schemas.microsoft.com/office/drawing/2014/main" id="{95982184-F1BC-48EE-ACB7-196E458ACA41}"/>
               </a:ext>
             </a:extLst>
           </p:cNvPr>
@@ -9494,7 +9604,7 @@
         </p:nvSpPr>
         <p:spPr>
           <a:xfrm>
-            <a:off x="690335" y="2112753"/>
+            <a:off x="651783" y="2178974"/>
             <a:ext cx="3251200" cy="288000"/>
           </a:xfrm>
           <a:prstGeom prst="rect">
@@ -9530,7 +9640,7 @@
             </a:r>
             <a:r>
               <a:rPr lang="en-GB" dirty="0"/>
-              <a:t>Axis X</a:t>
+              <a:t>A/D output</a:t>
             </a:r>
             <a:r>
               <a:rPr lang="en-GB" b="1" dirty="0"/>
@@ -9542,10 +9652,10 @@
       </p:sp>
       <p:sp>
         <p:nvSpPr>
-          <p:cNvPr id="10" name="Rectangle 9">
+          <p:cNvPr id="48" name="Rectangle 47">
             <a:extLst>
               <a:ext uri="{FF2B5EF4-FFF2-40B4-BE49-F238E27FC236}">
-                <a16:creationId xmlns:a16="http://schemas.microsoft.com/office/drawing/2014/main" id="{B1E5C8FD-C826-4D74-9C8D-C668B2313FE4}"/>
+                <a16:creationId xmlns:a16="http://schemas.microsoft.com/office/drawing/2014/main" id="{20736580-055E-441C-A269-2E52BDF6B606}"/>
               </a:ext>
             </a:extLst>
           </p:cNvPr>
@@ -9554,7 +9664,7 @@
         </p:nvSpPr>
         <p:spPr>
           <a:xfrm>
-            <a:off x="690335" y="2500103"/>
+            <a:off x="651783" y="2566324"/>
             <a:ext cx="3251200" cy="288000"/>
           </a:xfrm>
           <a:prstGeom prst="rect">
@@ -9598,10 +9708,10 @@
       </p:sp>
       <p:sp>
         <p:nvSpPr>
-          <p:cNvPr id="11" name="Rectangle 10">
+          <p:cNvPr id="49" name="Rectangle 48">
             <a:extLst>
               <a:ext uri="{FF2B5EF4-FFF2-40B4-BE49-F238E27FC236}">
-                <a16:creationId xmlns:a16="http://schemas.microsoft.com/office/drawing/2014/main" id="{A84CFFC6-C59C-48FD-989B-281539EC4B81}"/>
+                <a16:creationId xmlns:a16="http://schemas.microsoft.com/office/drawing/2014/main" id="{F5F80629-605E-4AE7-9D79-5E1678C68F2C}"/>
               </a:ext>
             </a:extLst>
           </p:cNvPr>
@@ -9610,7 +9720,7 @@
         </p:nvSpPr>
         <p:spPr>
           <a:xfrm>
-            <a:off x="690335" y="2887453"/>
+            <a:off x="651783" y="2953674"/>
             <a:ext cx="3251200" cy="288000"/>
           </a:xfrm>
           <a:prstGeom prst="rect">
@@ -9651,12 +9761,42 @@
           </a:p>
         </p:txBody>
       </p:sp>
-      <p:sp>
-        <p:nvSpPr>
-          <p:cNvPr id="28" name="Rectangle 27">
+    </p:spTree>
+    <p:extLst>
+      <p:ext uri="{BB962C8B-B14F-4D97-AF65-F5344CB8AC3E}">
+        <p14:creationId xmlns:p14="http://schemas.microsoft.com/office/powerpoint/2010/main" val="482507622"/>
+      </p:ext>
+    </p:extLst>
+  </p:cSld>
+  <p:clrMapOvr>
+    <a:masterClrMapping/>
+  </p:clrMapOvr>
+</p:sld>
+</file>
+
+<file path=ppt/slides/slide7.xml><?xml version="1.0" encoding="utf-8"?>
+<p:sld xmlns:a="http://schemas.openxmlformats.org/drawingml/2006/main" xmlns:r="http://schemas.openxmlformats.org/officeDocument/2006/relationships" xmlns:p="http://schemas.openxmlformats.org/presentationml/2006/main">
+  <p:cSld>
+    <p:spTree>
+      <p:nvGrpSpPr>
+        <p:cNvPr id="1" name=""/>
+        <p:cNvGrpSpPr/>
+        <p:nvPr/>
+      </p:nvGrpSpPr>
+      <p:grpSpPr>
+        <a:xfrm>
+          <a:off x="0" y="0"/>
+          <a:ext cx="0" cy="0"/>
+          <a:chOff x="0" y="0"/>
+          <a:chExt cx="0" cy="0"/>
+        </a:xfrm>
+      </p:grpSpPr>
+      <p:sp>
+        <p:nvSpPr>
+          <p:cNvPr id="4" name="Rectangle 3">
             <a:extLst>
               <a:ext uri="{FF2B5EF4-FFF2-40B4-BE49-F238E27FC236}">
-                <a16:creationId xmlns:a16="http://schemas.microsoft.com/office/drawing/2014/main" id="{7BB68C9E-C570-4128-A7D2-27F129D7581D}"/>
+                <a16:creationId xmlns:a16="http://schemas.microsoft.com/office/drawing/2014/main" id="{E7952A56-BBF3-442D-9F55-8199822357F1}"/>
               </a:ext>
             </a:extLst>
           </p:cNvPr>
@@ -9665,7 +9805,118 @@
         </p:nvSpPr>
         <p:spPr>
           <a:xfrm>
-            <a:off x="4231367" y="3392278"/>
+            <a:off x="203653" y="140153"/>
+            <a:ext cx="4323897" cy="5571218"/>
+          </a:xfrm>
+          <a:prstGeom prst="rect">
+            <a:avLst/>
+          </a:prstGeom>
+          <a:ln>
+            <a:headEnd type="none" w="med" len="med"/>
+            <a:tailEnd type="none" w="med" len="med"/>
+          </a:ln>
+        </p:spPr>
+        <p:style>
+          <a:lnRef idx="0">
+            <a:schemeClr val="accent1"/>
+          </a:lnRef>
+          <a:fillRef idx="3">
+            <a:schemeClr val="accent1"/>
+          </a:fillRef>
+          <a:effectRef idx="3">
+            <a:schemeClr val="accent1"/>
+          </a:effectRef>
+          <a:fontRef idx="minor">
+            <a:schemeClr val="lt1"/>
+          </a:fontRef>
+        </p:style>
+        <p:txBody>
+          <a:bodyPr rtlCol="0" anchor="t"/>
+          <a:lstStyle/>
+          <a:p>
+            <a:r>
+              <a:rPr lang="en-GB" b="1" dirty="0"/>
+              <a:t>ACCELEROMETER</a:t>
+            </a:r>
+          </a:p>
+        </p:txBody>
+      </p:sp>
+      <p:sp>
+        <p:nvSpPr>
+          <p:cNvPr id="5" name="Rectangle 4">
+            <a:extLst>
+              <a:ext uri="{FF2B5EF4-FFF2-40B4-BE49-F238E27FC236}">
+                <a16:creationId xmlns:a16="http://schemas.microsoft.com/office/drawing/2014/main" id="{2BE87F0C-A5CB-4017-8A8E-EB0F6534576A}"/>
+              </a:ext>
+            </a:extLst>
+          </p:cNvPr>
+          <p:cNvSpPr/>
+          <p:nvPr/>
+        </p:nvSpPr>
+        <p:spPr>
+          <a:xfrm>
+            <a:off x="400503" y="527503"/>
+            <a:ext cx="3879397" cy="4995183"/>
+          </a:xfrm>
+          <a:prstGeom prst="rect">
+            <a:avLst/>
+          </a:prstGeom>
+          <a:solidFill>
+            <a:schemeClr val="accent1">
+              <a:lumMod val="60000"/>
+              <a:lumOff val="40000"/>
+            </a:schemeClr>
+          </a:solidFill>
+          <a:ln>
+            <a:noFill/>
+            <a:headEnd type="none" w="med" len="med"/>
+            <a:tailEnd type="none" w="med" len="med"/>
+          </a:ln>
+        </p:spPr>
+        <p:style>
+          <a:lnRef idx="2">
+            <a:schemeClr val="dk1"/>
+          </a:lnRef>
+          <a:fillRef idx="1">
+            <a:schemeClr val="lt1"/>
+          </a:fillRef>
+          <a:effectRef idx="0">
+            <a:schemeClr val="dk1"/>
+          </a:effectRef>
+          <a:fontRef idx="minor">
+            <a:schemeClr val="dk1"/>
+          </a:fontRef>
+        </p:style>
+        <p:txBody>
+          <a:bodyPr rtlCol="0" anchor="t"/>
+          <a:lstStyle/>
+          <a:p>
+            <a:r>
+              <a:rPr lang="en-GB" dirty="0"/>
+              <a:t>Service  </a:t>
+            </a:r>
+            <a:r>
+              <a:rPr lang="en-GB" b="1" dirty="0"/>
+              <a:t>ACC</a:t>
+            </a:r>
+          </a:p>
+        </p:txBody>
+      </p:sp>
+      <p:sp>
+        <p:nvSpPr>
+          <p:cNvPr id="6" name="Rectangle 5">
+            <a:extLst>
+              <a:ext uri="{FF2B5EF4-FFF2-40B4-BE49-F238E27FC236}">
+                <a16:creationId xmlns:a16="http://schemas.microsoft.com/office/drawing/2014/main" id="{12940A19-02E4-44F9-A22D-785FC7E9FA39}"/>
+              </a:ext>
+            </a:extLst>
+          </p:cNvPr>
+          <p:cNvSpPr/>
+          <p:nvPr/>
+        </p:nvSpPr>
+        <p:spPr>
+          <a:xfrm>
+            <a:off x="585560" y="1321253"/>
             <a:ext cx="3460750" cy="1952625"/>
           </a:xfrm>
           <a:prstGeom prst="rect">
@@ -9709,17 +9960,17 @@
             </a:r>
             <a:r>
               <a:rPr lang="en-GB" b="1" dirty="0"/>
-              <a:t>CLICK</a:t>
-            </a:r>
-          </a:p>
-        </p:txBody>
-      </p:sp>
-      <p:sp>
-        <p:nvSpPr>
-          <p:cNvPr id="29" name="Rectangle 28">
+              <a:t>AXIS XYZ</a:t>
+            </a:r>
+          </a:p>
+        </p:txBody>
+      </p:sp>
+      <p:sp>
+        <p:nvSpPr>
+          <p:cNvPr id="7" name="Rectangle 6">
             <a:extLst>
               <a:ext uri="{FF2B5EF4-FFF2-40B4-BE49-F238E27FC236}">
-                <a16:creationId xmlns:a16="http://schemas.microsoft.com/office/drawing/2014/main" id="{F32D6F95-F257-487F-ABE3-10208EAEA234}"/>
+                <a16:creationId xmlns:a16="http://schemas.microsoft.com/office/drawing/2014/main" id="{1CAD6519-48F5-4C0F-844A-FC274B468F4C}"/>
               </a:ext>
             </a:extLst>
           </p:cNvPr>
@@ -9728,229 +9979,8 @@
         </p:nvSpPr>
         <p:spPr>
           <a:xfrm>
-            <a:off x="4329792" y="3796428"/>
-            <a:ext cx="3251200" cy="288000"/>
-          </a:xfrm>
-          <a:prstGeom prst="rect">
-            <a:avLst/>
-          </a:prstGeom>
-          <a:ln>
-            <a:noFill/>
-            <a:headEnd type="none" w="med" len="med"/>
-            <a:tailEnd type="none" w="med" len="med"/>
-          </a:ln>
-        </p:spPr>
-        <p:style>
-          <a:lnRef idx="2">
-            <a:schemeClr val="dk1"/>
-          </a:lnRef>
-          <a:fillRef idx="1">
-            <a:schemeClr val="lt1"/>
-          </a:fillRef>
-          <a:effectRef idx="0">
-            <a:schemeClr val="dk1"/>
-          </a:effectRef>
-          <a:fontRef idx="minor">
-            <a:schemeClr val="dk1"/>
-          </a:fontRef>
-        </p:style>
-        <p:txBody>
-          <a:bodyPr rtlCol="0" anchor="ctr"/>
-          <a:lstStyle/>
-          <a:p>
-            <a:r>
-              <a:rPr lang="en-GB" b="1" dirty="0"/>
-              <a:t>UUID</a:t>
-            </a:r>
-            <a:r>
-              <a:rPr lang="en-GB" dirty="0"/>
-              <a:t> 0x4ACC</a:t>
-            </a:r>
-          </a:p>
-        </p:txBody>
-      </p:sp>
-      <p:sp>
-        <p:nvSpPr>
-          <p:cNvPr id="30" name="Rectangle 29">
-            <a:extLst>
-              <a:ext uri="{FF2B5EF4-FFF2-40B4-BE49-F238E27FC236}">
-                <a16:creationId xmlns:a16="http://schemas.microsoft.com/office/drawing/2014/main" id="{0B85AD87-CD80-411A-8F99-2AA7CED2F749}"/>
-              </a:ext>
-            </a:extLst>
-          </p:cNvPr>
-          <p:cNvSpPr/>
-          <p:nvPr/>
-        </p:nvSpPr>
-        <p:spPr>
-          <a:xfrm>
-            <a:off x="4336142" y="4183778"/>
-            <a:ext cx="3251200" cy="288000"/>
-          </a:xfrm>
-          <a:prstGeom prst="rect">
-            <a:avLst/>
-          </a:prstGeom>
-          <a:ln>
-            <a:noFill/>
-            <a:headEnd type="none" w="med" len="med"/>
-            <a:tailEnd type="none" w="med" len="med"/>
-          </a:ln>
-        </p:spPr>
-        <p:style>
-          <a:lnRef idx="2">
-            <a:schemeClr val="dk1"/>
-          </a:lnRef>
-          <a:fillRef idx="1">
-            <a:schemeClr val="lt1"/>
-          </a:fillRef>
-          <a:effectRef idx="0">
-            <a:schemeClr val="dk1"/>
-          </a:effectRef>
-          <a:fontRef idx="minor">
-            <a:schemeClr val="dk1"/>
-          </a:fontRef>
-        </p:style>
-        <p:txBody>
-          <a:bodyPr rtlCol="0" anchor="ctr"/>
-          <a:lstStyle/>
-          <a:p>
-            <a:r>
-              <a:rPr lang="en-GB" b="1" dirty="0"/>
-              <a:t>Value </a:t>
-            </a:r>
-            <a:r>
-              <a:rPr lang="en-GB" dirty="0"/>
-              <a:t>Click</a:t>
-            </a:r>
-          </a:p>
-        </p:txBody>
-      </p:sp>
-      <p:sp>
-        <p:nvSpPr>
-          <p:cNvPr id="31" name="Rectangle 30">
-            <a:extLst>
-              <a:ext uri="{FF2B5EF4-FFF2-40B4-BE49-F238E27FC236}">
-                <a16:creationId xmlns:a16="http://schemas.microsoft.com/office/drawing/2014/main" id="{EFFBF358-8A66-4F16-86D9-0C6E7EEAEBF3}"/>
-              </a:ext>
-            </a:extLst>
-          </p:cNvPr>
-          <p:cNvSpPr/>
-          <p:nvPr/>
-        </p:nvSpPr>
-        <p:spPr>
-          <a:xfrm>
-            <a:off x="4336142" y="4571128"/>
-            <a:ext cx="3251200" cy="288000"/>
-          </a:xfrm>
-          <a:prstGeom prst="rect">
-            <a:avLst/>
-          </a:prstGeom>
-          <a:ln>
-            <a:noFill/>
-            <a:headEnd type="none" w="med" len="med"/>
-            <a:tailEnd type="none" w="med" len="med"/>
-          </a:ln>
-        </p:spPr>
-        <p:style>
-          <a:lnRef idx="2">
-            <a:schemeClr val="dk1"/>
-          </a:lnRef>
-          <a:fillRef idx="1">
-            <a:schemeClr val="lt1"/>
-          </a:fillRef>
-          <a:effectRef idx="0">
-            <a:schemeClr val="dk1"/>
-          </a:effectRef>
-          <a:fontRef idx="minor">
-            <a:schemeClr val="dk1"/>
-          </a:fontRef>
-        </p:style>
-        <p:txBody>
-          <a:bodyPr rtlCol="0" anchor="ctr"/>
-          <a:lstStyle/>
-          <a:p>
-            <a:r>
-              <a:rPr lang="en-GB" b="1" dirty="0"/>
-              <a:t>Value type </a:t>
-            </a:r>
-            <a:r>
-              <a:rPr lang="en-GB" dirty="0"/>
-              <a:t>Boolean</a:t>
-            </a:r>
-            <a:endParaRPr lang="en-GB" b="1" dirty="0"/>
-          </a:p>
-        </p:txBody>
-      </p:sp>
-      <p:sp>
-        <p:nvSpPr>
-          <p:cNvPr id="32" name="Rectangle 31">
-            <a:extLst>
-              <a:ext uri="{FF2B5EF4-FFF2-40B4-BE49-F238E27FC236}">
-                <a16:creationId xmlns:a16="http://schemas.microsoft.com/office/drawing/2014/main" id="{05DB0F7F-8D8C-44CB-9FAF-DA0E2B9FBAFC}"/>
-              </a:ext>
-            </a:extLst>
-          </p:cNvPr>
-          <p:cNvSpPr/>
-          <p:nvPr/>
-        </p:nvSpPr>
-        <p:spPr>
-          <a:xfrm>
-            <a:off x="4336142" y="4958478"/>
-            <a:ext cx="3251200" cy="288000"/>
-          </a:xfrm>
-          <a:prstGeom prst="rect">
-            <a:avLst/>
-          </a:prstGeom>
-          <a:ln>
-            <a:noFill/>
-            <a:headEnd type="none" w="med" len="med"/>
-            <a:tailEnd type="none" w="med" len="med"/>
-          </a:ln>
-        </p:spPr>
-        <p:style>
-          <a:lnRef idx="2">
-            <a:schemeClr val="dk1"/>
-          </a:lnRef>
-          <a:fillRef idx="1">
-            <a:schemeClr val="lt1"/>
-          </a:fillRef>
-          <a:effectRef idx="0">
-            <a:schemeClr val="dk1"/>
-          </a:effectRef>
-          <a:fontRef idx="minor">
-            <a:schemeClr val="dk1"/>
-          </a:fontRef>
-        </p:style>
-        <p:txBody>
-          <a:bodyPr rtlCol="0" anchor="ctr"/>
-          <a:lstStyle/>
-          <a:p>
-            <a:r>
-              <a:rPr lang="en-GB" b="1" dirty="0"/>
-              <a:t>Properties </a:t>
-            </a:r>
-            <a:r>
-              <a:rPr lang="en-GB" dirty="0"/>
-              <a:t> NOTIFY</a:t>
-            </a:r>
-          </a:p>
-        </p:txBody>
-      </p:sp>
-      <p:sp>
-        <p:nvSpPr>
-          <p:cNvPr id="39" name="Rectangle 38">
-            <a:extLst>
-              <a:ext uri="{FF2B5EF4-FFF2-40B4-BE49-F238E27FC236}">
-                <a16:creationId xmlns:a16="http://schemas.microsoft.com/office/drawing/2014/main" id="{782CB210-14D4-4703-901A-03C5117366DA}"/>
-              </a:ext>
-            </a:extLst>
-          </p:cNvPr>
-          <p:cNvSpPr/>
-          <p:nvPr/>
-        </p:nvSpPr>
-        <p:spPr>
-          <a:xfrm>
-            <a:off x="4243161" y="1321253"/>
-            <a:ext cx="3460750" cy="1952625"/>
+            <a:off x="585560" y="914853"/>
+            <a:ext cx="3460750" cy="288000"/>
           </a:xfrm>
           <a:prstGeom prst="rect">
             <a:avLst/>
@@ -9984,26 +10014,26 @@
           </a:fontRef>
         </p:style>
         <p:txBody>
-          <a:bodyPr rtlCol="0" anchor="t"/>
-          <a:lstStyle/>
-          <a:p>
+          <a:bodyPr rtlCol="0" anchor="ctr"/>
+          <a:lstStyle/>
+          <a:p>
+            <a:r>
+              <a:rPr lang="en-GB" b="1" dirty="0"/>
+              <a:t>UUID</a:t>
+            </a:r>
             <a:r>
               <a:rPr lang="en-GB" dirty="0"/>
-              <a:t>Characteristic </a:t>
-            </a:r>
-            <a:r>
-              <a:rPr lang="en-GB" b="1" dirty="0"/>
-              <a:t>AXIS Y</a:t>
-            </a:r>
-          </a:p>
-        </p:txBody>
-      </p:sp>
-      <p:sp>
-        <p:nvSpPr>
-          <p:cNvPr id="40" name="Rectangle 39">
+              <a:t> 0x0ACC</a:t>
+            </a:r>
+          </a:p>
+        </p:txBody>
+      </p:sp>
+      <p:sp>
+        <p:nvSpPr>
+          <p:cNvPr id="8" name="Rectangle 7">
             <a:extLst>
               <a:ext uri="{FF2B5EF4-FFF2-40B4-BE49-F238E27FC236}">
-                <a16:creationId xmlns:a16="http://schemas.microsoft.com/office/drawing/2014/main" id="{B365D758-4BE7-4726-98DA-1A53CD3FB02F}"/>
+                <a16:creationId xmlns:a16="http://schemas.microsoft.com/office/drawing/2014/main" id="{31CA1297-75F5-4E9D-A7A6-E9A227907AC7}"/>
               </a:ext>
             </a:extLst>
           </p:cNvPr>
@@ -10012,7 +10042,7 @@
         </p:nvSpPr>
         <p:spPr>
           <a:xfrm>
-            <a:off x="4341586" y="1725403"/>
+            <a:off x="683985" y="1725403"/>
             <a:ext cx="3251200" cy="288000"/>
           </a:xfrm>
           <a:prstGeom prst="rect">
@@ -10048,17 +10078,17 @@
             </a:r>
             <a:r>
               <a:rPr lang="en-GB" dirty="0"/>
-              <a:t> 0x2ACC</a:t>
-            </a:r>
-          </a:p>
-        </p:txBody>
-      </p:sp>
-      <p:sp>
-        <p:nvSpPr>
-          <p:cNvPr id="41" name="Rectangle 40">
+              <a:t> 0x1ACC</a:t>
+            </a:r>
+          </a:p>
+        </p:txBody>
+      </p:sp>
+      <p:sp>
+        <p:nvSpPr>
+          <p:cNvPr id="9" name="Rectangle 8">
             <a:extLst>
               <a:ext uri="{FF2B5EF4-FFF2-40B4-BE49-F238E27FC236}">
-                <a16:creationId xmlns:a16="http://schemas.microsoft.com/office/drawing/2014/main" id="{7CF456EF-3ACD-45D9-8B8A-FB41B60A3F82}"/>
+                <a16:creationId xmlns:a16="http://schemas.microsoft.com/office/drawing/2014/main" id="{AC6853EB-97DA-40F5-8F4D-B41EBBD50E2D}"/>
               </a:ext>
             </a:extLst>
           </p:cNvPr>
@@ -10067,7 +10097,7 @@
         </p:nvSpPr>
         <p:spPr>
           <a:xfrm>
-            <a:off x="4347936" y="2112753"/>
+            <a:off x="690335" y="2112753"/>
             <a:ext cx="3251200" cy="288000"/>
           </a:xfrm>
           <a:prstGeom prst="rect">
@@ -10103,22 +10133,17 @@
             </a:r>
             <a:r>
               <a:rPr lang="en-GB" dirty="0"/>
-              <a:t>Axis Y</a:t>
-            </a:r>
-            <a:r>
-              <a:rPr lang="en-GB" b="1" dirty="0"/>
-              <a:t> </a:t>
-            </a:r>
-            <a:endParaRPr lang="en-GB" dirty="0"/>
-          </a:p>
-        </p:txBody>
-      </p:sp>
-      <p:sp>
-        <p:nvSpPr>
-          <p:cNvPr id="42" name="Rectangle 41">
+              <a:t>Axis XYZ</a:t>
+            </a:r>
+          </a:p>
+        </p:txBody>
+      </p:sp>
+      <p:sp>
+        <p:nvSpPr>
+          <p:cNvPr id="10" name="Rectangle 9">
             <a:extLst>
               <a:ext uri="{FF2B5EF4-FFF2-40B4-BE49-F238E27FC236}">
-                <a16:creationId xmlns:a16="http://schemas.microsoft.com/office/drawing/2014/main" id="{4B7904F3-99DA-4B56-8D02-2A4FA8D31DF7}"/>
+                <a16:creationId xmlns:a16="http://schemas.microsoft.com/office/drawing/2014/main" id="{B1E5C8FD-C826-4D74-9C8D-C668B2313FE4}"/>
               </a:ext>
             </a:extLst>
           </p:cNvPr>
@@ -10127,7 +10152,7 @@
         </p:nvSpPr>
         <p:spPr>
           <a:xfrm>
-            <a:off x="4347936" y="2500103"/>
+            <a:off x="690335" y="2500103"/>
             <a:ext cx="3251200" cy="288000"/>
           </a:xfrm>
           <a:prstGeom prst="rect">
@@ -10163,7 +10188,7 @@
             </a:r>
             <a:r>
               <a:rPr lang="en-GB" dirty="0"/>
-              <a:t>Integer</a:t>
+              <a:t>Integer Array [3] </a:t>
             </a:r>
             <a:endParaRPr lang="en-GB" b="1" dirty="0"/>
           </a:p>
@@ -10171,10 +10196,10 @@
       </p:sp>
       <p:sp>
         <p:nvSpPr>
-          <p:cNvPr id="43" name="Rectangle 42">
+          <p:cNvPr id="11" name="Rectangle 10">
             <a:extLst>
               <a:ext uri="{FF2B5EF4-FFF2-40B4-BE49-F238E27FC236}">
-                <a16:creationId xmlns:a16="http://schemas.microsoft.com/office/drawing/2014/main" id="{F048DEB2-245D-4D2F-A751-05C84AAE77FA}"/>
+                <a16:creationId xmlns:a16="http://schemas.microsoft.com/office/drawing/2014/main" id="{A84CFFC6-C59C-48FD-989B-281539EC4B81}"/>
               </a:ext>
             </a:extLst>
           </p:cNvPr>
@@ -10183,7 +10208,7 @@
         </p:nvSpPr>
         <p:spPr>
           <a:xfrm>
-            <a:off x="4347936" y="2887453"/>
+            <a:off x="690335" y="2887453"/>
             <a:ext cx="3251200" cy="288000"/>
           </a:xfrm>
           <a:prstGeom prst="rect">
@@ -10226,10 +10251,10 @@
       </p:sp>
       <p:sp>
         <p:nvSpPr>
-          <p:cNvPr id="44" name="Rectangle 43">
+          <p:cNvPr id="28" name="Rectangle 27">
             <a:extLst>
               <a:ext uri="{FF2B5EF4-FFF2-40B4-BE49-F238E27FC236}">
-                <a16:creationId xmlns:a16="http://schemas.microsoft.com/office/drawing/2014/main" id="{53576D57-4038-4944-837F-5CC54570C425}"/>
+                <a16:creationId xmlns:a16="http://schemas.microsoft.com/office/drawing/2014/main" id="{7BB68C9E-C570-4128-A7D2-27F129D7581D}"/>
               </a:ext>
             </a:extLst>
           </p:cNvPr>
@@ -10238,7 +10263,7 @@
         </p:nvSpPr>
         <p:spPr>
           <a:xfrm>
-            <a:off x="585560" y="3423786"/>
+            <a:off x="585560" y="3412671"/>
             <a:ext cx="3460750" cy="1952625"/>
           </a:xfrm>
           <a:prstGeom prst="rect">
@@ -10282,17 +10307,17 @@
             </a:r>
             <a:r>
               <a:rPr lang="en-GB" b="1" dirty="0"/>
-              <a:t>AXIS Z</a:t>
-            </a:r>
-          </a:p>
-        </p:txBody>
-      </p:sp>
-      <p:sp>
-        <p:nvSpPr>
-          <p:cNvPr id="45" name="Rectangle 44">
+              <a:t>CLICK</a:t>
+            </a:r>
+          </a:p>
+        </p:txBody>
+      </p:sp>
+      <p:sp>
+        <p:nvSpPr>
+          <p:cNvPr id="29" name="Rectangle 28">
             <a:extLst>
               <a:ext uri="{FF2B5EF4-FFF2-40B4-BE49-F238E27FC236}">
-                <a16:creationId xmlns:a16="http://schemas.microsoft.com/office/drawing/2014/main" id="{77F8FD08-57D5-402B-879C-F710992E57C5}"/>
+                <a16:creationId xmlns:a16="http://schemas.microsoft.com/office/drawing/2014/main" id="{F32D6F95-F257-487F-ABE3-10208EAEA234}"/>
               </a:ext>
             </a:extLst>
           </p:cNvPr>
@@ -10301,7 +10326,7 @@
         </p:nvSpPr>
         <p:spPr>
           <a:xfrm>
-            <a:off x="683985" y="3827936"/>
+            <a:off x="683985" y="3816821"/>
             <a:ext cx="3251200" cy="288000"/>
           </a:xfrm>
           <a:prstGeom prst="rect">
@@ -10337,17 +10362,17 @@
             </a:r>
             <a:r>
               <a:rPr lang="en-GB" dirty="0"/>
-              <a:t> 0x3ACC</a:t>
-            </a:r>
-          </a:p>
-        </p:txBody>
-      </p:sp>
-      <p:sp>
-        <p:nvSpPr>
-          <p:cNvPr id="46" name="Rectangle 45">
+              <a:t> 0x2ACC</a:t>
+            </a:r>
+          </a:p>
+        </p:txBody>
+      </p:sp>
+      <p:sp>
+        <p:nvSpPr>
+          <p:cNvPr id="30" name="Rectangle 29">
             <a:extLst>
               <a:ext uri="{FF2B5EF4-FFF2-40B4-BE49-F238E27FC236}">
-                <a16:creationId xmlns:a16="http://schemas.microsoft.com/office/drawing/2014/main" id="{A183D08B-25AA-4FA5-8220-9E377CB8C57B}"/>
+                <a16:creationId xmlns:a16="http://schemas.microsoft.com/office/drawing/2014/main" id="{0B85AD87-CD80-411A-8F99-2AA7CED2F749}"/>
               </a:ext>
             </a:extLst>
           </p:cNvPr>
@@ -10356,7 +10381,7 @@
         </p:nvSpPr>
         <p:spPr>
           <a:xfrm>
-            <a:off x="690335" y="4215286"/>
+            <a:off x="690335" y="4204171"/>
             <a:ext cx="3251200" cy="288000"/>
           </a:xfrm>
           <a:prstGeom prst="rect">
@@ -10392,22 +10417,17 @@
             </a:r>
             <a:r>
               <a:rPr lang="en-GB" dirty="0"/>
-              <a:t>Axis Z</a:t>
-            </a:r>
-            <a:r>
-              <a:rPr lang="en-GB" b="1" dirty="0"/>
-              <a:t> </a:t>
-            </a:r>
-            <a:endParaRPr lang="en-GB" dirty="0"/>
-          </a:p>
-        </p:txBody>
-      </p:sp>
-      <p:sp>
-        <p:nvSpPr>
-          <p:cNvPr id="47" name="Rectangle 46">
+              <a:t>Click</a:t>
+            </a:r>
+          </a:p>
+        </p:txBody>
+      </p:sp>
+      <p:sp>
+        <p:nvSpPr>
+          <p:cNvPr id="31" name="Rectangle 30">
             <a:extLst>
               <a:ext uri="{FF2B5EF4-FFF2-40B4-BE49-F238E27FC236}">
-                <a16:creationId xmlns:a16="http://schemas.microsoft.com/office/drawing/2014/main" id="{3F5E29FF-0535-4880-ABE7-C023A2000899}"/>
+                <a16:creationId xmlns:a16="http://schemas.microsoft.com/office/drawing/2014/main" id="{EFFBF358-8A66-4F16-86D9-0C6E7EEAEBF3}"/>
               </a:ext>
             </a:extLst>
           </p:cNvPr>
@@ -10416,7 +10436,7 @@
         </p:nvSpPr>
         <p:spPr>
           <a:xfrm>
-            <a:off x="690335" y="4602636"/>
+            <a:off x="690335" y="4591521"/>
             <a:ext cx="3251200" cy="288000"/>
           </a:xfrm>
           <a:prstGeom prst="rect">
@@ -10452,7 +10472,7 @@
             </a:r>
             <a:r>
               <a:rPr lang="en-GB" dirty="0"/>
-              <a:t>Integer</a:t>
+              <a:t>Boolean</a:t>
             </a:r>
             <a:endParaRPr lang="en-GB" b="1" dirty="0"/>
           </a:p>
@@ -10460,10 +10480,10 @@
       </p:sp>
       <p:sp>
         <p:nvSpPr>
-          <p:cNvPr id="48" name="Rectangle 47">
+          <p:cNvPr id="32" name="Rectangle 31">
             <a:extLst>
               <a:ext uri="{FF2B5EF4-FFF2-40B4-BE49-F238E27FC236}">
-                <a16:creationId xmlns:a16="http://schemas.microsoft.com/office/drawing/2014/main" id="{8EA74CFA-407E-4DD2-A3FD-1FE62D71D2CF}"/>
+                <a16:creationId xmlns:a16="http://schemas.microsoft.com/office/drawing/2014/main" id="{05DB0F7F-8D8C-44CB-9FAF-DA0E2B9FBAFC}"/>
               </a:ext>
             </a:extLst>
           </p:cNvPr>
@@ -10472,7 +10492,7 @@
         </p:nvSpPr>
         <p:spPr>
           <a:xfrm>
-            <a:off x="690335" y="4989986"/>
+            <a:off x="690335" y="4978871"/>
             <a:ext cx="3251200" cy="288000"/>
           </a:xfrm>
           <a:prstGeom prst="rect">
@@ -10508,291 +10528,7 @@
             </a:r>
             <a:r>
               <a:rPr lang="en-GB" dirty="0"/>
-              <a:t>R | NOTIFY</a:t>
-            </a:r>
-          </a:p>
-        </p:txBody>
-      </p:sp>
-      <p:sp>
-        <p:nvSpPr>
-          <p:cNvPr id="25" name="Rectangle 24">
-            <a:extLst>
-              <a:ext uri="{FF2B5EF4-FFF2-40B4-BE49-F238E27FC236}">
-                <a16:creationId xmlns:a16="http://schemas.microsoft.com/office/drawing/2014/main" id="{631A6D4F-BDB9-416B-9B91-B6DCBF1BE09A}"/>
-              </a:ext>
-            </a:extLst>
-          </p:cNvPr>
-          <p:cNvSpPr/>
-          <p:nvPr/>
-        </p:nvSpPr>
-        <p:spPr>
-          <a:xfrm>
-            <a:off x="7900762" y="1321253"/>
-            <a:ext cx="3460750" cy="1952625"/>
-          </a:xfrm>
-          <a:prstGeom prst="rect">
-            <a:avLst/>
-          </a:prstGeom>
-          <a:solidFill>
-            <a:schemeClr val="accent1">
-              <a:lumMod val="20000"/>
-              <a:lumOff val="80000"/>
-            </a:schemeClr>
-          </a:solidFill>
-          <a:ln w="9525" cap="flat" cmpd="sng" algn="ctr">
-            <a:noFill/>
-            <a:prstDash val="solid"/>
-            <a:round/>
-            <a:headEnd type="none" w="med" len="med"/>
-            <a:tailEnd type="none" w="med" len="med"/>
-          </a:ln>
-        </p:spPr>
-        <p:style>
-          <a:lnRef idx="0">
-            <a:scrgbClr r="0" g="0" b="0"/>
-          </a:lnRef>
-          <a:fillRef idx="0">
-            <a:scrgbClr r="0" g="0" b="0"/>
-          </a:fillRef>
-          <a:effectRef idx="0">
-            <a:scrgbClr r="0" g="0" b="0"/>
-          </a:effectRef>
-          <a:fontRef idx="minor">
-            <a:schemeClr val="dk1"/>
-          </a:fontRef>
-        </p:style>
-        <p:txBody>
-          <a:bodyPr rtlCol="0" anchor="t"/>
-          <a:lstStyle/>
-          <a:p>
-            <a:r>
-              <a:rPr lang="en-GB" dirty="0"/>
-              <a:t>Characteristic </a:t>
-            </a:r>
-            <a:r>
-              <a:rPr lang="en-GB" b="1" dirty="0"/>
-              <a:t>SLEEP</a:t>
-            </a:r>
-          </a:p>
-        </p:txBody>
-      </p:sp>
-      <p:sp>
-        <p:nvSpPr>
-          <p:cNvPr id="26" name="Rectangle 25">
-            <a:extLst>
-              <a:ext uri="{FF2B5EF4-FFF2-40B4-BE49-F238E27FC236}">
-                <a16:creationId xmlns:a16="http://schemas.microsoft.com/office/drawing/2014/main" id="{E2954E85-782A-4612-B92F-E23DC369B426}"/>
-              </a:ext>
-            </a:extLst>
-          </p:cNvPr>
-          <p:cNvSpPr/>
-          <p:nvPr/>
-        </p:nvSpPr>
-        <p:spPr>
-          <a:xfrm>
-            <a:off x="7999187" y="1725403"/>
-            <a:ext cx="3251200" cy="288000"/>
-          </a:xfrm>
-          <a:prstGeom prst="rect">
-            <a:avLst/>
-          </a:prstGeom>
-          <a:ln>
-            <a:noFill/>
-            <a:headEnd type="none" w="med" len="med"/>
-            <a:tailEnd type="none" w="med" len="med"/>
-          </a:ln>
-        </p:spPr>
-        <p:style>
-          <a:lnRef idx="2">
-            <a:schemeClr val="dk1"/>
-          </a:lnRef>
-          <a:fillRef idx="1">
-            <a:schemeClr val="lt1"/>
-          </a:fillRef>
-          <a:effectRef idx="0">
-            <a:schemeClr val="dk1"/>
-          </a:effectRef>
-          <a:fontRef idx="minor">
-            <a:schemeClr val="dk1"/>
-          </a:fontRef>
-        </p:style>
-        <p:txBody>
-          <a:bodyPr rtlCol="0" anchor="ctr"/>
-          <a:lstStyle/>
-          <a:p>
-            <a:r>
-              <a:rPr lang="en-GB" b="1" dirty="0"/>
-              <a:t>UUID</a:t>
-            </a:r>
-            <a:r>
-              <a:rPr lang="en-GB" dirty="0"/>
-              <a:t> 0x5ACC</a:t>
-            </a:r>
-          </a:p>
-        </p:txBody>
-      </p:sp>
-      <p:sp>
-        <p:nvSpPr>
-          <p:cNvPr id="27" name="Rectangle 26">
-            <a:extLst>
-              <a:ext uri="{FF2B5EF4-FFF2-40B4-BE49-F238E27FC236}">
-                <a16:creationId xmlns:a16="http://schemas.microsoft.com/office/drawing/2014/main" id="{76214DFB-ADEA-40B6-9FDF-98F39A2DE7A6}"/>
-              </a:ext>
-            </a:extLst>
-          </p:cNvPr>
-          <p:cNvSpPr/>
-          <p:nvPr/>
-        </p:nvSpPr>
-        <p:spPr>
-          <a:xfrm>
-            <a:off x="8005537" y="2112753"/>
-            <a:ext cx="3251200" cy="288000"/>
-          </a:xfrm>
-          <a:prstGeom prst="rect">
-            <a:avLst/>
-          </a:prstGeom>
-          <a:ln>
-            <a:noFill/>
-            <a:headEnd type="none" w="med" len="med"/>
-            <a:tailEnd type="none" w="med" len="med"/>
-          </a:ln>
-        </p:spPr>
-        <p:style>
-          <a:lnRef idx="2">
-            <a:schemeClr val="dk1"/>
-          </a:lnRef>
-          <a:fillRef idx="1">
-            <a:schemeClr val="lt1"/>
-          </a:fillRef>
-          <a:effectRef idx="0">
-            <a:schemeClr val="dk1"/>
-          </a:effectRef>
-          <a:fontRef idx="minor">
-            <a:schemeClr val="dk1"/>
-          </a:fontRef>
-        </p:style>
-        <p:txBody>
-          <a:bodyPr rtlCol="0" anchor="ctr"/>
-          <a:lstStyle/>
-          <a:p>
-            <a:r>
-              <a:rPr lang="en-GB" b="1" dirty="0"/>
-              <a:t>Value </a:t>
-            </a:r>
-            <a:r>
-              <a:rPr lang="en-GB" dirty="0"/>
-              <a:t>Sleep</a:t>
-            </a:r>
-          </a:p>
-        </p:txBody>
-      </p:sp>
-      <p:sp>
-        <p:nvSpPr>
-          <p:cNvPr id="33" name="Rectangle 32">
-            <a:extLst>
-              <a:ext uri="{FF2B5EF4-FFF2-40B4-BE49-F238E27FC236}">
-                <a16:creationId xmlns:a16="http://schemas.microsoft.com/office/drawing/2014/main" id="{3CEDB082-4BDE-4E01-B295-35391384F1A3}"/>
-              </a:ext>
-            </a:extLst>
-          </p:cNvPr>
-          <p:cNvSpPr/>
-          <p:nvPr/>
-        </p:nvSpPr>
-        <p:spPr>
-          <a:xfrm>
-            <a:off x="8005537" y="2500103"/>
-            <a:ext cx="3251200" cy="288000"/>
-          </a:xfrm>
-          <a:prstGeom prst="rect">
-            <a:avLst/>
-          </a:prstGeom>
-          <a:ln>
-            <a:noFill/>
-            <a:headEnd type="none" w="med" len="med"/>
-            <a:tailEnd type="none" w="med" len="med"/>
-          </a:ln>
-        </p:spPr>
-        <p:style>
-          <a:lnRef idx="2">
-            <a:schemeClr val="dk1"/>
-          </a:lnRef>
-          <a:fillRef idx="1">
-            <a:schemeClr val="lt1"/>
-          </a:fillRef>
-          <a:effectRef idx="0">
-            <a:schemeClr val="dk1"/>
-          </a:effectRef>
-          <a:fontRef idx="minor">
-            <a:schemeClr val="dk1"/>
-          </a:fontRef>
-        </p:style>
-        <p:txBody>
-          <a:bodyPr rtlCol="0" anchor="ctr"/>
-          <a:lstStyle/>
-          <a:p>
-            <a:r>
-              <a:rPr lang="en-GB" b="1" dirty="0"/>
-              <a:t>Value type </a:t>
-            </a:r>
-            <a:r>
-              <a:rPr lang="en-GB" dirty="0"/>
-              <a:t>Boolean</a:t>
-            </a:r>
-            <a:endParaRPr lang="en-GB" b="1" dirty="0"/>
-          </a:p>
-        </p:txBody>
-      </p:sp>
-      <p:sp>
-        <p:nvSpPr>
-          <p:cNvPr id="34" name="Rectangle 33">
-            <a:extLst>
-              <a:ext uri="{FF2B5EF4-FFF2-40B4-BE49-F238E27FC236}">
-                <a16:creationId xmlns:a16="http://schemas.microsoft.com/office/drawing/2014/main" id="{AA6A75AD-CF70-4D4A-9EFD-6599008DB162}"/>
-              </a:ext>
-            </a:extLst>
-          </p:cNvPr>
-          <p:cNvSpPr/>
-          <p:nvPr/>
-        </p:nvSpPr>
-        <p:spPr>
-          <a:xfrm>
-            <a:off x="8005537" y="2887453"/>
-            <a:ext cx="3251200" cy="288000"/>
-          </a:xfrm>
-          <a:prstGeom prst="rect">
-            <a:avLst/>
-          </a:prstGeom>
-          <a:ln>
-            <a:noFill/>
-            <a:headEnd type="none" w="med" len="med"/>
-            <a:tailEnd type="none" w="med" len="med"/>
-          </a:ln>
-        </p:spPr>
-        <p:style>
-          <a:lnRef idx="2">
-            <a:schemeClr val="dk1"/>
-          </a:lnRef>
-          <a:fillRef idx="1">
-            <a:schemeClr val="lt1"/>
-          </a:fillRef>
-          <a:effectRef idx="0">
-            <a:schemeClr val="dk1"/>
-          </a:effectRef>
-          <a:fontRef idx="minor">
-            <a:schemeClr val="dk1"/>
-          </a:fontRef>
-        </p:style>
-        <p:txBody>
-          <a:bodyPr rtlCol="0" anchor="ctr"/>
-          <a:lstStyle/>
-          <a:p>
-            <a:r>
-              <a:rPr lang="en-GB" b="1" dirty="0"/>
-              <a:t>Properties </a:t>
-            </a:r>
-            <a:r>
-              <a:rPr lang="en-GB" dirty="0"/>
-              <a:t>R | NOTIFY</a:t>
+              <a:t> NOTIFY</a:t>
             </a:r>
           </a:p>
         </p:txBody>
@@ -10801,6 +10537,36 @@
     <p:extLst>
       <p:ext uri="{BB962C8B-B14F-4D97-AF65-F5344CB8AC3E}">
         <p14:creationId xmlns:p14="http://schemas.microsoft.com/office/powerpoint/2010/main" val="1403131863"/>
+      </p:ext>
+    </p:extLst>
+  </p:cSld>
+  <p:clrMapOvr>
+    <a:masterClrMapping/>
+  </p:clrMapOvr>
+</p:sld>
+</file>
+
+<file path=ppt/slides/slide8.xml><?xml version="1.0" encoding="utf-8"?>
+<p:sld xmlns:a="http://schemas.openxmlformats.org/drawingml/2006/main" xmlns:r="http://schemas.openxmlformats.org/officeDocument/2006/relationships" xmlns:p="http://schemas.openxmlformats.org/presentationml/2006/main">
+  <p:cSld>
+    <p:spTree>
+      <p:nvGrpSpPr>
+        <p:cNvPr id="1" name=""/>
+        <p:cNvGrpSpPr/>
+        <p:nvPr/>
+      </p:nvGrpSpPr>
+      <p:grpSpPr>
+        <a:xfrm>
+          <a:off x="0" y="0"/>
+          <a:ext cx="0" cy="0"/>
+          <a:chOff x="0" y="0"/>
+          <a:chExt cx="0" cy="0"/>
+        </a:xfrm>
+      </p:grpSpPr>
+    </p:spTree>
+    <p:extLst>
+      <p:ext uri="{BB962C8B-B14F-4D97-AF65-F5344CB8AC3E}">
+        <p14:creationId xmlns:p14="http://schemas.microsoft.com/office/powerpoint/2010/main" val="1447422639"/>
       </p:ext>
     </p:extLst>
   </p:cSld>

--- a/0_Report/SchemaBlock.pptx
+++ b/0_Report/SchemaBlock.pptx
@@ -13,6 +13,7 @@
     <p:sldId id="260" r:id="rId7"/>
     <p:sldId id="261" r:id="rId8"/>
     <p:sldId id="263" r:id="rId9"/>
+    <p:sldId id="264" r:id="rId10"/>
   </p:sldIdLst>
   <p:sldSz cx="12192000" cy="6858000"/>
   <p:notesSz cx="6858000" cy="9144000"/>
@@ -254,7 +255,7 @@
           <a:p>
             <a:fld id="{8A4BC5C4-3B83-4D40-A2F2-85A6DFEA9E29}" type="datetimeFigureOut">
               <a:rPr lang="en-GB" smtClean="0"/>
-              <a:t>31/07/2017</a:t>
+              <a:t>01/08/2017</a:t>
             </a:fld>
             <a:endParaRPr lang="en-GB"/>
           </a:p>
@@ -424,7 +425,7 @@
           <a:p>
             <a:fld id="{8A4BC5C4-3B83-4D40-A2F2-85A6DFEA9E29}" type="datetimeFigureOut">
               <a:rPr lang="en-GB" smtClean="0"/>
-              <a:t>31/07/2017</a:t>
+              <a:t>01/08/2017</a:t>
             </a:fld>
             <a:endParaRPr lang="en-GB"/>
           </a:p>
@@ -604,7 +605,7 @@
           <a:p>
             <a:fld id="{8A4BC5C4-3B83-4D40-A2F2-85A6DFEA9E29}" type="datetimeFigureOut">
               <a:rPr lang="en-GB" smtClean="0"/>
-              <a:t>31/07/2017</a:t>
+              <a:t>01/08/2017</a:t>
             </a:fld>
             <a:endParaRPr lang="en-GB"/>
           </a:p>
@@ -774,7 +775,7 @@
           <a:p>
             <a:fld id="{8A4BC5C4-3B83-4D40-A2F2-85A6DFEA9E29}" type="datetimeFigureOut">
               <a:rPr lang="en-GB" smtClean="0"/>
-              <a:t>31/07/2017</a:t>
+              <a:t>01/08/2017</a:t>
             </a:fld>
             <a:endParaRPr lang="en-GB"/>
           </a:p>
@@ -1020,7 +1021,7 @@
           <a:p>
             <a:fld id="{8A4BC5C4-3B83-4D40-A2F2-85A6DFEA9E29}" type="datetimeFigureOut">
               <a:rPr lang="en-GB" smtClean="0"/>
-              <a:t>31/07/2017</a:t>
+              <a:t>01/08/2017</a:t>
             </a:fld>
             <a:endParaRPr lang="en-GB"/>
           </a:p>
@@ -1252,7 +1253,7 @@
           <a:p>
             <a:fld id="{8A4BC5C4-3B83-4D40-A2F2-85A6DFEA9E29}" type="datetimeFigureOut">
               <a:rPr lang="en-GB" smtClean="0"/>
-              <a:t>31/07/2017</a:t>
+              <a:t>01/08/2017</a:t>
             </a:fld>
             <a:endParaRPr lang="en-GB"/>
           </a:p>
@@ -1619,7 +1620,7 @@
           <a:p>
             <a:fld id="{8A4BC5C4-3B83-4D40-A2F2-85A6DFEA9E29}" type="datetimeFigureOut">
               <a:rPr lang="en-GB" smtClean="0"/>
-              <a:t>31/07/2017</a:t>
+              <a:t>01/08/2017</a:t>
             </a:fld>
             <a:endParaRPr lang="en-GB"/>
           </a:p>
@@ -1737,7 +1738,7 @@
           <a:p>
             <a:fld id="{8A4BC5C4-3B83-4D40-A2F2-85A6DFEA9E29}" type="datetimeFigureOut">
               <a:rPr lang="en-GB" smtClean="0"/>
-              <a:t>31/07/2017</a:t>
+              <a:t>01/08/2017</a:t>
             </a:fld>
             <a:endParaRPr lang="en-GB"/>
           </a:p>
@@ -1832,7 +1833,7 @@
           <a:p>
             <a:fld id="{8A4BC5C4-3B83-4D40-A2F2-85A6DFEA9E29}" type="datetimeFigureOut">
               <a:rPr lang="en-GB" smtClean="0"/>
-              <a:t>31/07/2017</a:t>
+              <a:t>01/08/2017</a:t>
             </a:fld>
             <a:endParaRPr lang="en-GB"/>
           </a:p>
@@ -2109,7 +2110,7 @@
           <a:p>
             <a:fld id="{8A4BC5C4-3B83-4D40-A2F2-85A6DFEA9E29}" type="datetimeFigureOut">
               <a:rPr lang="en-GB" smtClean="0"/>
-              <a:t>31/07/2017</a:t>
+              <a:t>01/08/2017</a:t>
             </a:fld>
             <a:endParaRPr lang="en-GB"/>
           </a:p>
@@ -2362,7 +2363,7 @@
           <a:p>
             <a:fld id="{8A4BC5C4-3B83-4D40-A2F2-85A6DFEA9E29}" type="datetimeFigureOut">
               <a:rPr lang="en-GB" smtClean="0"/>
-              <a:t>31/07/2017</a:t>
+              <a:t>01/08/2017</a:t>
             </a:fld>
             <a:endParaRPr lang="en-GB"/>
           </a:p>
@@ -2575,7 +2576,7 @@
           <a:p>
             <a:fld id="{8A4BC5C4-3B83-4D40-A2F2-85A6DFEA9E29}" type="datetimeFigureOut">
               <a:rPr lang="en-GB" smtClean="0"/>
-              <a:t>31/07/2017</a:t>
+              <a:t>01/08/2017</a:t>
             </a:fld>
             <a:endParaRPr lang="en-GB"/>
           </a:p>
@@ -10576,6 +10577,82 @@
 </p:sld>
 </file>
 
+<file path=ppt/slides/slide9.xml><?xml version="1.0" encoding="utf-8"?>
+<p:sld xmlns:a="http://schemas.openxmlformats.org/drawingml/2006/main" xmlns:r="http://schemas.openxmlformats.org/officeDocument/2006/relationships" xmlns:p="http://schemas.openxmlformats.org/presentationml/2006/main">
+  <p:cSld>
+    <p:spTree>
+      <p:nvGrpSpPr>
+        <p:cNvPr id="1" name=""/>
+        <p:cNvGrpSpPr/>
+        <p:nvPr/>
+      </p:nvGrpSpPr>
+      <p:grpSpPr>
+        <a:xfrm>
+          <a:off x="0" y="0"/>
+          <a:ext cx="0" cy="0"/>
+          <a:chOff x="0" y="0"/>
+          <a:chExt cx="0" cy="0"/>
+        </a:xfrm>
+      </p:grpSpPr>
+      <p:sp>
+        <p:nvSpPr>
+          <p:cNvPr id="4" name="Rectangle : coins arrondis 3">
+            <a:extLst>
+              <a:ext uri="{FF2B5EF4-FFF2-40B4-BE49-F238E27FC236}">
+                <a16:creationId xmlns:a16="http://schemas.microsoft.com/office/drawing/2014/main" id="{BB75779E-A2CA-4007-AFC1-6CB0A33D837C}"/>
+              </a:ext>
+            </a:extLst>
+          </p:cNvPr>
+          <p:cNvSpPr/>
+          <p:nvPr/>
+        </p:nvSpPr>
+        <p:spPr>
+          <a:xfrm>
+            <a:off x="783771" y="1536441"/>
+            <a:ext cx="4186335" cy="2544147"/>
+          </a:xfrm>
+          <a:prstGeom prst="roundRect">
+            <a:avLst/>
+          </a:prstGeom>
+        </p:spPr>
+        <p:style>
+          <a:lnRef idx="2">
+            <a:schemeClr val="accent1">
+              <a:shade val="50000"/>
+            </a:schemeClr>
+          </a:lnRef>
+          <a:fillRef idx="1">
+            <a:schemeClr val="accent1"/>
+          </a:fillRef>
+          <a:effectRef idx="0">
+            <a:schemeClr val="accent1"/>
+          </a:effectRef>
+          <a:fontRef idx="minor">
+            <a:schemeClr val="lt1"/>
+          </a:fontRef>
+        </p:style>
+        <p:txBody>
+          <a:bodyPr rtlCol="0" anchor="ctr"/>
+          <a:lstStyle/>
+          <a:p>
+            <a:pPr algn="ctr"/>
+            <a:endParaRPr lang="en-GB"/>
+          </a:p>
+        </p:txBody>
+      </p:sp>
+    </p:spTree>
+    <p:extLst>
+      <p:ext uri="{BB962C8B-B14F-4D97-AF65-F5344CB8AC3E}">
+        <p14:creationId xmlns:p14="http://schemas.microsoft.com/office/powerpoint/2010/main" val="2764267465"/>
+      </p:ext>
+    </p:extLst>
+  </p:cSld>
+  <p:clrMapOvr>
+    <a:masterClrMapping/>
+  </p:clrMapOvr>
+</p:sld>
+</file>
+
 <file path=ppt/theme/theme1.xml><?xml version="1.0" encoding="utf-8"?>
 <a:theme xmlns:a="http://schemas.openxmlformats.org/drawingml/2006/main" name="Thème Office">
   <a:themeElements>

--- a/0_Report/SchemaBlock.pptx
+++ b/0_Report/SchemaBlock.pptx
@@ -17806,45 +17806,6 @@
           </a:prstGeom>
         </p:spPr>
       </p:pic>
-      <p:cxnSp>
-        <p:nvCxnSpPr>
-          <p:cNvPr id="6" name="Connecteur droit avec flèche 5">
-            <a:extLst>
-              <a:ext uri="{FF2B5EF4-FFF2-40B4-BE49-F238E27FC236}">
-                <a16:creationId xmlns:a16="http://schemas.microsoft.com/office/drawing/2014/main" id="{431FBCAE-6B92-440A-BB80-4AB510C007FB}"/>
-              </a:ext>
-            </a:extLst>
-          </p:cNvPr>
-          <p:cNvCxnSpPr/>
-          <p:nvPr/>
-        </p:nvCxnSpPr>
-        <p:spPr>
-          <a:xfrm>
-            <a:off x="9755746" y="289775"/>
-            <a:ext cx="0" cy="5190186"/>
-          </a:xfrm>
-          <a:prstGeom prst="straightConnector1">
-            <a:avLst/>
-          </a:prstGeom>
-          <a:ln>
-            <a:tailEnd type="triangle"/>
-          </a:ln>
-        </p:spPr>
-        <p:style>
-          <a:lnRef idx="1">
-            <a:schemeClr val="accent1"/>
-          </a:lnRef>
-          <a:fillRef idx="0">
-            <a:schemeClr val="accent1"/>
-          </a:fillRef>
-          <a:effectRef idx="0">
-            <a:schemeClr val="accent1"/>
-          </a:effectRef>
-          <a:fontRef idx="minor">
-            <a:schemeClr val="tx1"/>
-          </a:fontRef>
-        </p:style>
-      </p:cxnSp>
     </p:spTree>
     <p:extLst>
       <p:ext uri="{BB962C8B-B14F-4D97-AF65-F5344CB8AC3E}">

--- a/0_Report/SchemaBlock.pptx
+++ b/0_Report/SchemaBlock.pptx
@@ -260,7 +260,7 @@
           <a:p>
             <a:fld id="{8A4BC5C4-3B83-4D40-A2F2-85A6DFEA9E29}" type="datetimeFigureOut">
               <a:rPr lang="en-GB" smtClean="0"/>
-              <a:t>07/08/2017</a:t>
+              <a:t>08/08/2017</a:t>
             </a:fld>
             <a:endParaRPr lang="en-GB"/>
           </a:p>
@@ -430,7 +430,7 @@
           <a:p>
             <a:fld id="{8A4BC5C4-3B83-4D40-A2F2-85A6DFEA9E29}" type="datetimeFigureOut">
               <a:rPr lang="en-GB" smtClean="0"/>
-              <a:t>07/08/2017</a:t>
+              <a:t>08/08/2017</a:t>
             </a:fld>
             <a:endParaRPr lang="en-GB"/>
           </a:p>
@@ -610,7 +610,7 @@
           <a:p>
             <a:fld id="{8A4BC5C4-3B83-4D40-A2F2-85A6DFEA9E29}" type="datetimeFigureOut">
               <a:rPr lang="en-GB" smtClean="0"/>
-              <a:t>07/08/2017</a:t>
+              <a:t>08/08/2017</a:t>
             </a:fld>
             <a:endParaRPr lang="en-GB"/>
           </a:p>
@@ -780,7 +780,7 @@
           <a:p>
             <a:fld id="{8A4BC5C4-3B83-4D40-A2F2-85A6DFEA9E29}" type="datetimeFigureOut">
               <a:rPr lang="en-GB" smtClean="0"/>
-              <a:t>07/08/2017</a:t>
+              <a:t>08/08/2017</a:t>
             </a:fld>
             <a:endParaRPr lang="en-GB"/>
           </a:p>
@@ -1026,7 +1026,7 @@
           <a:p>
             <a:fld id="{8A4BC5C4-3B83-4D40-A2F2-85A6DFEA9E29}" type="datetimeFigureOut">
               <a:rPr lang="en-GB" smtClean="0"/>
-              <a:t>07/08/2017</a:t>
+              <a:t>08/08/2017</a:t>
             </a:fld>
             <a:endParaRPr lang="en-GB"/>
           </a:p>
@@ -1258,7 +1258,7 @@
           <a:p>
             <a:fld id="{8A4BC5C4-3B83-4D40-A2F2-85A6DFEA9E29}" type="datetimeFigureOut">
               <a:rPr lang="en-GB" smtClean="0"/>
-              <a:t>07/08/2017</a:t>
+              <a:t>08/08/2017</a:t>
             </a:fld>
             <a:endParaRPr lang="en-GB"/>
           </a:p>
@@ -1625,7 +1625,7 @@
           <a:p>
             <a:fld id="{8A4BC5C4-3B83-4D40-A2F2-85A6DFEA9E29}" type="datetimeFigureOut">
               <a:rPr lang="en-GB" smtClean="0"/>
-              <a:t>07/08/2017</a:t>
+              <a:t>08/08/2017</a:t>
             </a:fld>
             <a:endParaRPr lang="en-GB"/>
           </a:p>
@@ -1743,7 +1743,7 @@
           <a:p>
             <a:fld id="{8A4BC5C4-3B83-4D40-A2F2-85A6DFEA9E29}" type="datetimeFigureOut">
               <a:rPr lang="en-GB" smtClean="0"/>
-              <a:t>07/08/2017</a:t>
+              <a:t>08/08/2017</a:t>
             </a:fld>
             <a:endParaRPr lang="en-GB"/>
           </a:p>
@@ -1838,7 +1838,7 @@
           <a:p>
             <a:fld id="{8A4BC5C4-3B83-4D40-A2F2-85A6DFEA9E29}" type="datetimeFigureOut">
               <a:rPr lang="en-GB" smtClean="0"/>
-              <a:t>07/08/2017</a:t>
+              <a:t>08/08/2017</a:t>
             </a:fld>
             <a:endParaRPr lang="en-GB"/>
           </a:p>
@@ -2115,7 +2115,7 @@
           <a:p>
             <a:fld id="{8A4BC5C4-3B83-4D40-A2F2-85A6DFEA9E29}" type="datetimeFigureOut">
               <a:rPr lang="en-GB" smtClean="0"/>
-              <a:t>07/08/2017</a:t>
+              <a:t>08/08/2017</a:t>
             </a:fld>
             <a:endParaRPr lang="en-GB"/>
           </a:p>
@@ -2368,7 +2368,7 @@
           <a:p>
             <a:fld id="{8A4BC5C4-3B83-4D40-A2F2-85A6DFEA9E29}" type="datetimeFigureOut">
               <a:rPr lang="en-GB" smtClean="0"/>
-              <a:t>07/08/2017</a:t>
+              <a:t>08/08/2017</a:t>
             </a:fld>
             <a:endParaRPr lang="en-GB"/>
           </a:p>
@@ -2581,7 +2581,7 @@
           <a:p>
             <a:fld id="{8A4BC5C4-3B83-4D40-A2F2-85A6DFEA9E29}" type="datetimeFigureOut">
               <a:rPr lang="en-GB" smtClean="0"/>
-              <a:t>07/08/2017</a:t>
+              <a:t>08/08/2017</a:t>
             </a:fld>
             <a:endParaRPr lang="en-GB"/>
           </a:p>
@@ -10866,7 +10866,7 @@
         </p:nvSpPr>
         <p:spPr>
           <a:xfrm>
-            <a:off x="174624" y="517018"/>
+            <a:off x="174624" y="94935"/>
             <a:ext cx="4321175" cy="2018672"/>
           </a:xfrm>
           <a:prstGeom prst="rect">
@@ -10916,7 +10916,7 @@
         </p:nvSpPr>
         <p:spPr>
           <a:xfrm>
-            <a:off x="371474" y="904369"/>
+            <a:off x="371474" y="482286"/>
             <a:ext cx="3879397" cy="391031"/>
           </a:xfrm>
           <a:prstGeom prst="rect">
@@ -10977,7 +10977,7 @@
         </p:nvSpPr>
         <p:spPr>
           <a:xfrm>
-            <a:off x="379980" y="1938579"/>
+            <a:off x="379980" y="1516496"/>
             <a:ext cx="3879397" cy="341124"/>
           </a:xfrm>
           <a:prstGeom prst="rect">
@@ -11035,7 +11035,7 @@
         </p:nvSpPr>
         <p:spPr>
           <a:xfrm>
-            <a:off x="371474" y="2717563"/>
+            <a:off x="371474" y="2295480"/>
             <a:ext cx="3879397" cy="2079172"/>
           </a:xfrm>
           <a:prstGeom prst="rect">
@@ -11093,7 +11093,64 @@
         </p:nvSpPr>
         <p:spPr>
           <a:xfrm>
-            <a:off x="556531" y="3104912"/>
+            <a:off x="556531" y="2682829"/>
+            <a:ext cx="3460750" cy="288000"/>
+          </a:xfrm>
+          <a:prstGeom prst="rect">
+            <a:avLst/>
+          </a:prstGeom>
+          <a:solidFill>
+            <a:schemeClr val="bg1"/>
+          </a:solidFill>
+          <a:ln w="9525" cap="flat" cmpd="sng" algn="ctr">
+            <a:noFill/>
+            <a:prstDash val="solid"/>
+            <a:round/>
+            <a:headEnd type="none" w="med" len="med"/>
+            <a:tailEnd type="none" w="med" len="med"/>
+          </a:ln>
+        </p:spPr>
+        <p:style>
+          <a:lnRef idx="0">
+            <a:scrgbClr r="0" g="0" b="0"/>
+          </a:lnRef>
+          <a:fillRef idx="0">
+            <a:scrgbClr r="0" g="0" b="0"/>
+          </a:fillRef>
+          <a:effectRef idx="0">
+            <a:scrgbClr r="0" g="0" b="0"/>
+          </a:effectRef>
+          <a:fontRef idx="minor">
+            <a:schemeClr val="dk1"/>
+          </a:fontRef>
+        </p:style>
+        <p:txBody>
+          <a:bodyPr rtlCol="0" anchor="ctr"/>
+          <a:lstStyle/>
+          <a:p>
+            <a:r>
+              <a:rPr lang="en-GB" b="1" dirty="0"/>
+              <a:t>UUID</a:t>
+            </a:r>
+            <a:endParaRPr lang="en-GB" dirty="0"/>
+          </a:p>
+        </p:txBody>
+      </p:sp>
+      <p:sp>
+        <p:nvSpPr>
+          <p:cNvPr id="39" name="Rectangle 38">
+            <a:extLst>
+              <a:ext uri="{FF2B5EF4-FFF2-40B4-BE49-F238E27FC236}">
+                <a16:creationId xmlns:a16="http://schemas.microsoft.com/office/drawing/2014/main" id="{4B58F1B9-AE21-4577-A6F9-265C7B073DD6}"/>
+              </a:ext>
+            </a:extLst>
+          </p:cNvPr>
+          <p:cNvSpPr/>
+          <p:nvPr/>
+        </p:nvSpPr>
+        <p:spPr>
+          <a:xfrm>
+            <a:off x="556531" y="3070179"/>
             <a:ext cx="3460750" cy="288000"/>
           </a:xfrm>
           <a:prstGeom prst="rect">
@@ -11133,21 +11190,21 @@
           <a:p>
             <a:r>
               <a:rPr lang="en-GB" b="1" dirty="0"/>
-              <a:t>UUID</a:t>
+              <a:t>Characteristic</a:t>
             </a:r>
             <a:r>
               <a:rPr lang="en-GB" dirty="0"/>
-              <a:t> 0x----</a:t>
-            </a:r>
-          </a:p>
-        </p:txBody>
-      </p:sp>
-      <p:sp>
-        <p:nvSpPr>
-          <p:cNvPr id="39" name="Rectangle 38">
-            <a:extLst>
-              <a:ext uri="{FF2B5EF4-FFF2-40B4-BE49-F238E27FC236}">
-                <a16:creationId xmlns:a16="http://schemas.microsoft.com/office/drawing/2014/main" id="{4B58F1B9-AE21-4577-A6F9-265C7B073DD6}"/>
+              <a:t> 1</a:t>
+            </a:r>
+          </a:p>
+        </p:txBody>
+      </p:sp>
+      <p:sp>
+        <p:nvSpPr>
+          <p:cNvPr id="40" name="Rectangle 39">
+            <a:extLst>
+              <a:ext uri="{FF2B5EF4-FFF2-40B4-BE49-F238E27FC236}">
+                <a16:creationId xmlns:a16="http://schemas.microsoft.com/office/drawing/2014/main" id="{CAA7B6C6-B572-4F2D-A45E-67535A2ED265}"/>
               </a:ext>
             </a:extLst>
           </p:cNvPr>
@@ -11156,7 +11213,7 @@
         </p:nvSpPr>
         <p:spPr>
           <a:xfrm>
-            <a:off x="556531" y="3492262"/>
+            <a:off x="550181" y="3457529"/>
             <a:ext cx="3460750" cy="288000"/>
           </a:xfrm>
           <a:prstGeom prst="rect">
@@ -11195,18 +11252,22 @@
           <a:lstStyle/>
           <a:p>
             <a:r>
+              <a:rPr lang="en-GB" b="1" dirty="0"/>
+              <a:t>Characteristic</a:t>
+            </a:r>
+            <a:r>
               <a:rPr lang="en-GB" dirty="0"/>
-              <a:t>Characteristic 1</a:t>
-            </a:r>
-          </a:p>
-        </p:txBody>
-      </p:sp>
-      <p:sp>
-        <p:nvSpPr>
-          <p:cNvPr id="40" name="Rectangle 39">
-            <a:extLst>
-              <a:ext uri="{FF2B5EF4-FFF2-40B4-BE49-F238E27FC236}">
-                <a16:creationId xmlns:a16="http://schemas.microsoft.com/office/drawing/2014/main" id="{CAA7B6C6-B572-4F2D-A45E-67535A2ED265}"/>
+              <a:t> 2</a:t>
+            </a:r>
+          </a:p>
+        </p:txBody>
+      </p:sp>
+      <p:sp>
+        <p:nvSpPr>
+          <p:cNvPr id="41" name="Rectangle 40">
+            <a:extLst>
+              <a:ext uri="{FF2B5EF4-FFF2-40B4-BE49-F238E27FC236}">
+                <a16:creationId xmlns:a16="http://schemas.microsoft.com/office/drawing/2014/main" id="{EECA6454-ADBC-4BD6-BF82-33E4F2AF9B33}"/>
               </a:ext>
             </a:extLst>
           </p:cNvPr>
@@ -11215,7 +11276,7 @@
         </p:nvSpPr>
         <p:spPr>
           <a:xfrm>
-            <a:off x="550181" y="3879612"/>
+            <a:off x="541563" y="3844879"/>
             <a:ext cx="3460750" cy="288000"/>
           </a:xfrm>
           <a:prstGeom prst="rect">
@@ -11255,17 +11316,17 @@
           <a:p>
             <a:r>
               <a:rPr lang="en-GB" dirty="0"/>
-              <a:t>Characteristic 2</a:t>
-            </a:r>
-          </a:p>
-        </p:txBody>
-      </p:sp>
-      <p:sp>
-        <p:nvSpPr>
-          <p:cNvPr id="41" name="Rectangle 40">
-            <a:extLst>
-              <a:ext uri="{FF2B5EF4-FFF2-40B4-BE49-F238E27FC236}">
-                <a16:creationId xmlns:a16="http://schemas.microsoft.com/office/drawing/2014/main" id="{EECA6454-ADBC-4BD6-BF82-33E4F2AF9B33}"/>
+              <a:t>…</a:t>
+            </a:r>
+          </a:p>
+        </p:txBody>
+      </p:sp>
+      <p:sp>
+        <p:nvSpPr>
+          <p:cNvPr id="60" name="Rectangle 59">
+            <a:extLst>
+              <a:ext uri="{FF2B5EF4-FFF2-40B4-BE49-F238E27FC236}">
+                <a16:creationId xmlns:a16="http://schemas.microsoft.com/office/drawing/2014/main" id="{2B34DD32-D242-4EE2-9ECA-17EF396B509E}"/>
               </a:ext>
             </a:extLst>
           </p:cNvPr>
@@ -11274,8 +11335,69 @@
         </p:nvSpPr>
         <p:spPr>
           <a:xfrm>
-            <a:off x="541563" y="4266962"/>
-            <a:ext cx="3460750" cy="288000"/>
+            <a:off x="371474" y="999391"/>
+            <a:ext cx="3879397" cy="391031"/>
+          </a:xfrm>
+          <a:prstGeom prst="rect">
+            <a:avLst/>
+          </a:prstGeom>
+          <a:solidFill>
+            <a:schemeClr val="accent1">
+              <a:lumMod val="60000"/>
+              <a:lumOff val="40000"/>
+            </a:schemeClr>
+          </a:solidFill>
+          <a:ln>
+            <a:noFill/>
+            <a:headEnd type="none" w="med" len="med"/>
+            <a:tailEnd type="none" w="med" len="med"/>
+          </a:ln>
+        </p:spPr>
+        <p:style>
+          <a:lnRef idx="2">
+            <a:schemeClr val="dk1"/>
+          </a:lnRef>
+          <a:fillRef idx="1">
+            <a:schemeClr val="lt1"/>
+          </a:fillRef>
+          <a:effectRef idx="0">
+            <a:schemeClr val="dk1"/>
+          </a:effectRef>
+          <a:fontRef idx="minor">
+            <a:schemeClr val="dk1"/>
+          </a:fontRef>
+        </p:style>
+        <p:txBody>
+          <a:bodyPr rtlCol="0" anchor="t"/>
+          <a:lstStyle/>
+          <a:p>
+            <a:r>
+              <a:rPr lang="en-GB" dirty="0"/>
+              <a:t>Service  </a:t>
+            </a:r>
+            <a:r>
+              <a:rPr lang="en-GB" b="1" dirty="0"/>
+              <a:t>2</a:t>
+            </a:r>
+          </a:p>
+        </p:txBody>
+      </p:sp>
+      <p:sp>
+        <p:nvSpPr>
+          <p:cNvPr id="61" name="Rectangle 60">
+            <a:extLst>
+              <a:ext uri="{FF2B5EF4-FFF2-40B4-BE49-F238E27FC236}">
+                <a16:creationId xmlns:a16="http://schemas.microsoft.com/office/drawing/2014/main" id="{BCD7B666-9827-4DED-A4F5-E11BC4CE1363}"/>
+              </a:ext>
+            </a:extLst>
+          </p:cNvPr>
+          <p:cNvSpPr/>
+          <p:nvPr/>
+        </p:nvSpPr>
+        <p:spPr>
+          <a:xfrm>
+            <a:off x="4718467" y="3070179"/>
+            <a:ext cx="3460750" cy="3364223"/>
           </a:xfrm>
           <a:prstGeom prst="rect">
             <a:avLst/>
@@ -11309,65 +11431,6 @@
           </a:fontRef>
         </p:style>
         <p:txBody>
-          <a:bodyPr rtlCol="0" anchor="ctr"/>
-          <a:lstStyle/>
-          <a:p>
-            <a:r>
-              <a:rPr lang="en-GB" dirty="0"/>
-              <a:t>…</a:t>
-            </a:r>
-          </a:p>
-        </p:txBody>
-      </p:sp>
-      <p:sp>
-        <p:nvSpPr>
-          <p:cNvPr id="50" name="Rectangle 49">
-            <a:extLst>
-              <a:ext uri="{FF2B5EF4-FFF2-40B4-BE49-F238E27FC236}">
-                <a16:creationId xmlns:a16="http://schemas.microsoft.com/office/drawing/2014/main" id="{4EAA2939-45E2-4186-973F-F09C44DB7CF9}"/>
-              </a:ext>
-            </a:extLst>
-          </p:cNvPr>
-          <p:cNvSpPr/>
-          <p:nvPr/>
-        </p:nvSpPr>
-        <p:spPr>
-          <a:xfrm>
-            <a:off x="5850581" y="153481"/>
-            <a:ext cx="3460750" cy="1952625"/>
-          </a:xfrm>
-          <a:prstGeom prst="rect">
-            <a:avLst/>
-          </a:prstGeom>
-          <a:solidFill>
-            <a:schemeClr val="accent1">
-              <a:lumMod val="20000"/>
-              <a:lumOff val="80000"/>
-            </a:schemeClr>
-          </a:solidFill>
-          <a:ln w="9525" cap="flat" cmpd="sng" algn="ctr">
-            <a:noFill/>
-            <a:prstDash val="solid"/>
-            <a:round/>
-            <a:headEnd type="none" w="med" len="med"/>
-            <a:tailEnd type="none" w="med" len="med"/>
-          </a:ln>
-        </p:spPr>
-        <p:style>
-          <a:lnRef idx="0">
-            <a:scrgbClr r="0" g="0" b="0"/>
-          </a:lnRef>
-          <a:fillRef idx="0">
-            <a:scrgbClr r="0" g="0" b="0"/>
-          </a:fillRef>
-          <a:effectRef idx="0">
-            <a:scrgbClr r="0" g="0" b="0"/>
-          </a:effectRef>
-          <a:fontRef idx="minor">
-            <a:schemeClr val="dk1"/>
-          </a:fontRef>
-        </p:style>
-        <p:txBody>
           <a:bodyPr rtlCol="0" anchor="t"/>
           <a:lstStyle/>
           <a:p>
@@ -11381,10 +11444,10 @@
       </p:sp>
       <p:sp>
         <p:nvSpPr>
-          <p:cNvPr id="51" name="Rectangle 50">
-            <a:extLst>
-              <a:ext uri="{FF2B5EF4-FFF2-40B4-BE49-F238E27FC236}">
-                <a16:creationId xmlns:a16="http://schemas.microsoft.com/office/drawing/2014/main" id="{47674E23-CA20-4B6C-BE3D-31227F6FFAF2}"/>
+          <p:cNvPr id="62" name="Rectangle 61">
+            <a:extLst>
+              <a:ext uri="{FF2B5EF4-FFF2-40B4-BE49-F238E27FC236}">
+                <a16:creationId xmlns:a16="http://schemas.microsoft.com/office/drawing/2014/main" id="{EEA8E08A-8D48-4232-863C-253EFE1B283B}"/>
               </a:ext>
             </a:extLst>
           </p:cNvPr>
@@ -11393,8 +11456,8 @@
         </p:nvSpPr>
         <p:spPr>
           <a:xfrm>
-            <a:off x="5949006" y="557631"/>
-            <a:ext cx="3251200" cy="288000"/>
+            <a:off x="4816892" y="3474330"/>
+            <a:ext cx="3251200" cy="1229859"/>
           </a:xfrm>
           <a:prstGeom prst="rect">
             <a:avLst/>
@@ -11420,26 +11483,43 @@
           </a:fontRef>
         </p:style>
         <p:txBody>
-          <a:bodyPr rtlCol="0" anchor="ctr"/>
+          <a:bodyPr rtlCol="0" anchor="t"/>
           <a:lstStyle/>
           <a:p>
             <a:r>
               <a:rPr lang="en-GB" b="1" dirty="0"/>
+              <a:t>Declaration</a:t>
+            </a:r>
+          </a:p>
+          <a:p>
+            <a:r>
+              <a:rPr lang="en-GB" i="1" dirty="0"/>
               <a:t>UUID</a:t>
             </a:r>
-            <a:r>
-              <a:rPr lang="en-GB" dirty="0"/>
-              <a:t> 0x---</a:t>
-            </a:r>
-          </a:p>
-        </p:txBody>
-      </p:sp>
-      <p:sp>
-        <p:nvSpPr>
-          <p:cNvPr id="52" name="Rectangle 51">
-            <a:extLst>
-              <a:ext uri="{FF2B5EF4-FFF2-40B4-BE49-F238E27FC236}">
-                <a16:creationId xmlns:a16="http://schemas.microsoft.com/office/drawing/2014/main" id="{9E5F5BD6-B283-43C9-B0C6-5C17DF79108A}"/>
+          </a:p>
+          <a:p>
+            <a:r>
+              <a:rPr lang="en-GB" i="1" dirty="0"/>
+              <a:t>Properties</a:t>
+            </a:r>
+          </a:p>
+          <a:p>
+            <a:r>
+              <a:rPr lang="en-GB" i="1" dirty="0"/>
+              <a:t>Value Handle</a:t>
+            </a:r>
+          </a:p>
+          <a:p>
+            <a:endParaRPr lang="en-GB" dirty="0"/>
+          </a:p>
+        </p:txBody>
+      </p:sp>
+      <p:sp>
+        <p:nvSpPr>
+          <p:cNvPr id="63" name="Rectangle 62">
+            <a:extLst>
+              <a:ext uri="{FF2B5EF4-FFF2-40B4-BE49-F238E27FC236}">
+                <a16:creationId xmlns:a16="http://schemas.microsoft.com/office/drawing/2014/main" id="{8CEFD7F4-FF29-4041-B6C7-D5C2CF6A6DD4}"/>
               </a:ext>
             </a:extLst>
           </p:cNvPr>
@@ -11448,8 +11528,8 @@
         </p:nvSpPr>
         <p:spPr>
           <a:xfrm>
-            <a:off x="5955356" y="944981"/>
-            <a:ext cx="3251200" cy="288000"/>
+            <a:off x="4816892" y="4776081"/>
+            <a:ext cx="3251200" cy="332259"/>
           </a:xfrm>
           <a:prstGeom prst="rect">
             <a:avLst/>
@@ -11475,23 +11555,23 @@
           </a:fontRef>
         </p:style>
         <p:txBody>
-          <a:bodyPr rtlCol="0" anchor="ctr"/>
+          <a:bodyPr rtlCol="0" anchor="t"/>
           <a:lstStyle/>
           <a:p>
             <a:r>
               <a:rPr lang="en-GB" b="1" dirty="0"/>
               <a:t>Value</a:t>
             </a:r>
-            <a:endParaRPr lang="en-GB" dirty="0"/>
-          </a:p>
-        </p:txBody>
-      </p:sp>
-      <p:sp>
-        <p:nvSpPr>
-          <p:cNvPr id="53" name="Rectangle 52">
-            <a:extLst>
-              <a:ext uri="{FF2B5EF4-FFF2-40B4-BE49-F238E27FC236}">
-                <a16:creationId xmlns:a16="http://schemas.microsoft.com/office/drawing/2014/main" id="{F1971DFD-3F76-4077-A6E0-749E859B2306}"/>
+            <a:endParaRPr lang="en-GB" i="1" dirty="0"/>
+          </a:p>
+        </p:txBody>
+      </p:sp>
+      <p:sp>
+        <p:nvSpPr>
+          <p:cNvPr id="65" name="Rectangle 64">
+            <a:extLst>
+              <a:ext uri="{FF2B5EF4-FFF2-40B4-BE49-F238E27FC236}">
+                <a16:creationId xmlns:a16="http://schemas.microsoft.com/office/drawing/2014/main" id="{400AC988-5ECB-4D71-943F-498EF3222827}"/>
               </a:ext>
             </a:extLst>
           </p:cNvPr>
@@ -11500,8 +11580,8 @@
         </p:nvSpPr>
         <p:spPr>
           <a:xfrm>
-            <a:off x="5955356" y="1332331"/>
-            <a:ext cx="3251200" cy="288000"/>
+            <a:off x="4816892" y="5180990"/>
+            <a:ext cx="3251200" cy="330683"/>
           </a:xfrm>
           <a:prstGeom prst="rect">
             <a:avLst/>
@@ -11527,22 +11607,23 @@
           </a:fontRef>
         </p:style>
         <p:txBody>
-          <a:bodyPr rtlCol="0" anchor="ctr"/>
+          <a:bodyPr rtlCol="0" anchor="t"/>
           <a:lstStyle/>
           <a:p>
             <a:r>
               <a:rPr lang="en-GB" b="1" dirty="0"/>
-              <a:t>Value type</a:t>
-            </a:r>
-          </a:p>
-        </p:txBody>
-      </p:sp>
-      <p:sp>
-        <p:nvSpPr>
-          <p:cNvPr id="54" name="Rectangle 53">
-            <a:extLst>
-              <a:ext uri="{FF2B5EF4-FFF2-40B4-BE49-F238E27FC236}">
-                <a16:creationId xmlns:a16="http://schemas.microsoft.com/office/drawing/2014/main" id="{4854C288-53F5-43A2-9804-8159F1B2FF93}"/>
+              <a:t>Descriptor 1</a:t>
+            </a:r>
+            <a:endParaRPr lang="en-GB" dirty="0"/>
+          </a:p>
+        </p:txBody>
+      </p:sp>
+      <p:sp>
+        <p:nvSpPr>
+          <p:cNvPr id="66" name="Rectangle 65">
+            <a:extLst>
+              <a:ext uri="{FF2B5EF4-FFF2-40B4-BE49-F238E27FC236}">
+                <a16:creationId xmlns:a16="http://schemas.microsoft.com/office/drawing/2014/main" id="{DCA40000-3192-4489-AFBE-3F499F5ECD0A}"/>
               </a:ext>
             </a:extLst>
           </p:cNvPr>
@@ -11551,8 +11632,8 @@
         </p:nvSpPr>
         <p:spPr>
           <a:xfrm>
-            <a:off x="5955356" y="1719681"/>
-            <a:ext cx="3251200" cy="288000"/>
+            <a:off x="4816892" y="5584323"/>
+            <a:ext cx="3251200" cy="330683"/>
           </a:xfrm>
           <a:prstGeom prst="rect">
             <a:avLst/>
@@ -11578,369 +11659,6 @@
           </a:fontRef>
         </p:style>
         <p:txBody>
-          <a:bodyPr rtlCol="0" anchor="ctr"/>
-          <a:lstStyle/>
-          <a:p>
-            <a:r>
-              <a:rPr lang="en-GB" b="1" dirty="0"/>
-              <a:t>Properties</a:t>
-            </a:r>
-            <a:endParaRPr lang="en-GB" dirty="0"/>
-          </a:p>
-        </p:txBody>
-      </p:sp>
-      <p:sp>
-        <p:nvSpPr>
-          <p:cNvPr id="60" name="Rectangle 59">
-            <a:extLst>
-              <a:ext uri="{FF2B5EF4-FFF2-40B4-BE49-F238E27FC236}">
-                <a16:creationId xmlns:a16="http://schemas.microsoft.com/office/drawing/2014/main" id="{2B34DD32-D242-4EE2-9ECA-17EF396B509E}"/>
-              </a:ext>
-            </a:extLst>
-          </p:cNvPr>
-          <p:cNvSpPr/>
-          <p:nvPr/>
-        </p:nvSpPr>
-        <p:spPr>
-          <a:xfrm>
-            <a:off x="371474" y="1421474"/>
-            <a:ext cx="3879397" cy="391031"/>
-          </a:xfrm>
-          <a:prstGeom prst="rect">
-            <a:avLst/>
-          </a:prstGeom>
-          <a:solidFill>
-            <a:schemeClr val="accent1">
-              <a:lumMod val="60000"/>
-              <a:lumOff val="40000"/>
-            </a:schemeClr>
-          </a:solidFill>
-          <a:ln>
-            <a:noFill/>
-            <a:headEnd type="none" w="med" len="med"/>
-            <a:tailEnd type="none" w="med" len="med"/>
-          </a:ln>
-        </p:spPr>
-        <p:style>
-          <a:lnRef idx="2">
-            <a:schemeClr val="dk1"/>
-          </a:lnRef>
-          <a:fillRef idx="1">
-            <a:schemeClr val="lt1"/>
-          </a:fillRef>
-          <a:effectRef idx="0">
-            <a:schemeClr val="dk1"/>
-          </a:effectRef>
-          <a:fontRef idx="minor">
-            <a:schemeClr val="dk1"/>
-          </a:fontRef>
-        </p:style>
-        <p:txBody>
-          <a:bodyPr rtlCol="0" anchor="t"/>
-          <a:lstStyle/>
-          <a:p>
-            <a:r>
-              <a:rPr lang="en-GB" dirty="0"/>
-              <a:t>Service  </a:t>
-            </a:r>
-            <a:r>
-              <a:rPr lang="en-GB" b="1" dirty="0"/>
-              <a:t>2</a:t>
-            </a:r>
-          </a:p>
-        </p:txBody>
-      </p:sp>
-      <p:sp>
-        <p:nvSpPr>
-          <p:cNvPr id="61" name="Rectangle 60">
-            <a:extLst>
-              <a:ext uri="{FF2B5EF4-FFF2-40B4-BE49-F238E27FC236}">
-                <a16:creationId xmlns:a16="http://schemas.microsoft.com/office/drawing/2014/main" id="{BCD7B666-9827-4DED-A4F5-E11BC4CE1363}"/>
-              </a:ext>
-            </a:extLst>
-          </p:cNvPr>
-          <p:cNvSpPr/>
-          <p:nvPr/>
-        </p:nvSpPr>
-        <p:spPr>
-          <a:xfrm>
-            <a:off x="5850581" y="2426977"/>
-            <a:ext cx="3460750" cy="4237709"/>
-          </a:xfrm>
-          <a:prstGeom prst="rect">
-            <a:avLst/>
-          </a:prstGeom>
-          <a:solidFill>
-            <a:schemeClr val="accent1">
-              <a:lumMod val="20000"/>
-              <a:lumOff val="80000"/>
-            </a:schemeClr>
-          </a:solidFill>
-          <a:ln w="9525" cap="flat" cmpd="sng" algn="ctr">
-            <a:noFill/>
-            <a:prstDash val="solid"/>
-            <a:round/>
-            <a:headEnd type="none" w="med" len="med"/>
-            <a:tailEnd type="none" w="med" len="med"/>
-          </a:ln>
-        </p:spPr>
-        <p:style>
-          <a:lnRef idx="0">
-            <a:scrgbClr r="0" g="0" b="0"/>
-          </a:lnRef>
-          <a:fillRef idx="0">
-            <a:scrgbClr r="0" g="0" b="0"/>
-          </a:fillRef>
-          <a:effectRef idx="0">
-            <a:scrgbClr r="0" g="0" b="0"/>
-          </a:effectRef>
-          <a:fontRef idx="minor">
-            <a:schemeClr val="dk1"/>
-          </a:fontRef>
-        </p:style>
-        <p:txBody>
-          <a:bodyPr rtlCol="0" anchor="t"/>
-          <a:lstStyle/>
-          <a:p>
-            <a:r>
-              <a:rPr lang="en-GB" dirty="0"/>
-              <a:t>Characteristic</a:t>
-            </a:r>
-            <a:endParaRPr lang="en-GB" b="1" dirty="0"/>
-          </a:p>
-        </p:txBody>
-      </p:sp>
-      <p:sp>
-        <p:nvSpPr>
-          <p:cNvPr id="62" name="Rectangle 61">
-            <a:extLst>
-              <a:ext uri="{FF2B5EF4-FFF2-40B4-BE49-F238E27FC236}">
-                <a16:creationId xmlns:a16="http://schemas.microsoft.com/office/drawing/2014/main" id="{EEA8E08A-8D48-4232-863C-253EFE1B283B}"/>
-              </a:ext>
-            </a:extLst>
-          </p:cNvPr>
-          <p:cNvSpPr/>
-          <p:nvPr/>
-        </p:nvSpPr>
-        <p:spPr>
-          <a:xfrm>
-            <a:off x="5949006" y="2831128"/>
-            <a:ext cx="3251200" cy="1229859"/>
-          </a:xfrm>
-          <a:prstGeom prst="rect">
-            <a:avLst/>
-          </a:prstGeom>
-          <a:ln>
-            <a:noFill/>
-            <a:headEnd type="none" w="med" len="med"/>
-            <a:tailEnd type="none" w="med" len="med"/>
-          </a:ln>
-        </p:spPr>
-        <p:style>
-          <a:lnRef idx="2">
-            <a:schemeClr val="dk1"/>
-          </a:lnRef>
-          <a:fillRef idx="1">
-            <a:schemeClr val="lt1"/>
-          </a:fillRef>
-          <a:effectRef idx="0">
-            <a:schemeClr val="dk1"/>
-          </a:effectRef>
-          <a:fontRef idx="minor">
-            <a:schemeClr val="dk1"/>
-          </a:fontRef>
-        </p:style>
-        <p:txBody>
-          <a:bodyPr rtlCol="0" anchor="t"/>
-          <a:lstStyle/>
-          <a:p>
-            <a:r>
-              <a:rPr lang="en-GB" b="1" dirty="0"/>
-              <a:t>Declaration</a:t>
-            </a:r>
-          </a:p>
-          <a:p>
-            <a:r>
-              <a:rPr lang="en-GB" i="1" dirty="0"/>
-              <a:t>UUID: 0x---</a:t>
-            </a:r>
-          </a:p>
-          <a:p>
-            <a:r>
-              <a:rPr lang="en-GB" i="1" dirty="0"/>
-              <a:t>Properties:</a:t>
-            </a:r>
-          </a:p>
-          <a:p>
-            <a:r>
-              <a:rPr lang="en-GB" i="1" dirty="0"/>
-              <a:t>Value Handle:</a:t>
-            </a:r>
-          </a:p>
-          <a:p>
-            <a:endParaRPr lang="en-GB" dirty="0"/>
-          </a:p>
-        </p:txBody>
-      </p:sp>
-      <p:sp>
-        <p:nvSpPr>
-          <p:cNvPr id="63" name="Rectangle 62">
-            <a:extLst>
-              <a:ext uri="{FF2B5EF4-FFF2-40B4-BE49-F238E27FC236}">
-                <a16:creationId xmlns:a16="http://schemas.microsoft.com/office/drawing/2014/main" id="{8CEFD7F4-FF29-4041-B6C7-D5C2CF6A6DD4}"/>
-              </a:ext>
-            </a:extLst>
-          </p:cNvPr>
-          <p:cNvSpPr/>
-          <p:nvPr/>
-        </p:nvSpPr>
-        <p:spPr>
-          <a:xfrm>
-            <a:off x="5949006" y="4132878"/>
-            <a:ext cx="3251200" cy="939353"/>
-          </a:xfrm>
-          <a:prstGeom prst="rect">
-            <a:avLst/>
-          </a:prstGeom>
-          <a:ln>
-            <a:noFill/>
-            <a:headEnd type="none" w="med" len="med"/>
-            <a:tailEnd type="none" w="med" len="med"/>
-          </a:ln>
-        </p:spPr>
-        <p:style>
-          <a:lnRef idx="2">
-            <a:schemeClr val="dk1"/>
-          </a:lnRef>
-          <a:fillRef idx="1">
-            <a:schemeClr val="lt1"/>
-          </a:fillRef>
-          <a:effectRef idx="0">
-            <a:schemeClr val="dk1"/>
-          </a:effectRef>
-          <a:fontRef idx="minor">
-            <a:schemeClr val="dk1"/>
-          </a:fontRef>
-        </p:style>
-        <p:txBody>
-          <a:bodyPr rtlCol="0" anchor="t"/>
-          <a:lstStyle/>
-          <a:p>
-            <a:r>
-              <a:rPr lang="en-GB" b="1" dirty="0"/>
-              <a:t>Value</a:t>
-            </a:r>
-          </a:p>
-          <a:p>
-            <a:r>
-              <a:rPr lang="en-GB" i="1" dirty="0"/>
-              <a:t>Type:</a:t>
-            </a:r>
-          </a:p>
-          <a:p>
-            <a:r>
-              <a:rPr lang="en-GB" i="1" dirty="0"/>
-              <a:t>Value:</a:t>
-            </a:r>
-          </a:p>
-          <a:p>
-            <a:endParaRPr lang="en-GB" i="1" dirty="0"/>
-          </a:p>
-        </p:txBody>
-      </p:sp>
-      <p:sp>
-        <p:nvSpPr>
-          <p:cNvPr id="65" name="Rectangle 64">
-            <a:extLst>
-              <a:ext uri="{FF2B5EF4-FFF2-40B4-BE49-F238E27FC236}">
-                <a16:creationId xmlns:a16="http://schemas.microsoft.com/office/drawing/2014/main" id="{400AC988-5ECB-4D71-943F-498EF3222827}"/>
-              </a:ext>
-            </a:extLst>
-          </p:cNvPr>
-          <p:cNvSpPr/>
-          <p:nvPr/>
-        </p:nvSpPr>
-        <p:spPr>
-          <a:xfrm>
-            <a:off x="5955356" y="5144122"/>
-            <a:ext cx="3251200" cy="330683"/>
-          </a:xfrm>
-          <a:prstGeom prst="rect">
-            <a:avLst/>
-          </a:prstGeom>
-          <a:ln>
-            <a:noFill/>
-            <a:headEnd type="none" w="med" len="med"/>
-            <a:tailEnd type="none" w="med" len="med"/>
-          </a:ln>
-        </p:spPr>
-        <p:style>
-          <a:lnRef idx="2">
-            <a:schemeClr val="dk1"/>
-          </a:lnRef>
-          <a:fillRef idx="1">
-            <a:schemeClr val="lt1"/>
-          </a:fillRef>
-          <a:effectRef idx="0">
-            <a:schemeClr val="dk1"/>
-          </a:effectRef>
-          <a:fontRef idx="minor">
-            <a:schemeClr val="dk1"/>
-          </a:fontRef>
-        </p:style>
-        <p:txBody>
-          <a:bodyPr rtlCol="0" anchor="t"/>
-          <a:lstStyle/>
-          <a:p>
-            <a:r>
-              <a:rPr lang="en-GB" b="1" dirty="0"/>
-              <a:t>Descriptor 1</a:t>
-            </a:r>
-            <a:endParaRPr lang="en-GB" dirty="0"/>
-          </a:p>
-        </p:txBody>
-      </p:sp>
-      <p:sp>
-        <p:nvSpPr>
-          <p:cNvPr id="66" name="Rectangle 65">
-            <a:extLst>
-              <a:ext uri="{FF2B5EF4-FFF2-40B4-BE49-F238E27FC236}">
-                <a16:creationId xmlns:a16="http://schemas.microsoft.com/office/drawing/2014/main" id="{DCA40000-3192-4489-AFBE-3F499F5ECD0A}"/>
-              </a:ext>
-            </a:extLst>
-          </p:cNvPr>
-          <p:cNvSpPr/>
-          <p:nvPr/>
-        </p:nvSpPr>
-        <p:spPr>
-          <a:xfrm>
-            <a:off x="5961706" y="5546697"/>
-            <a:ext cx="3251200" cy="330683"/>
-          </a:xfrm>
-          <a:prstGeom prst="rect">
-            <a:avLst/>
-          </a:prstGeom>
-          <a:ln>
-            <a:noFill/>
-            <a:headEnd type="none" w="med" len="med"/>
-            <a:tailEnd type="none" w="med" len="med"/>
-          </a:ln>
-        </p:spPr>
-        <p:style>
-          <a:lnRef idx="2">
-            <a:schemeClr val="dk1"/>
-          </a:lnRef>
-          <a:fillRef idx="1">
-            <a:schemeClr val="lt1"/>
-          </a:fillRef>
-          <a:effectRef idx="0">
-            <a:schemeClr val="dk1"/>
-          </a:effectRef>
-          <a:fontRef idx="minor">
-            <a:schemeClr val="dk1"/>
-          </a:fontRef>
-        </p:style>
-        <p:txBody>
           <a:bodyPr rtlCol="0" anchor="t"/>
           <a:lstStyle/>
           <a:p>
@@ -11966,7 +11684,7 @@
         </p:nvSpPr>
         <p:spPr>
           <a:xfrm>
-            <a:off x="5961706" y="5949272"/>
+            <a:off x="4816892" y="5987656"/>
             <a:ext cx="3251200" cy="330683"/>
           </a:xfrm>
           <a:prstGeom prst="rect">

--- a/0_Report/SchemaBlock.pptx
+++ b/0_Report/SchemaBlock.pptx
@@ -261,7 +261,7 @@
           <a:p>
             <a:fld id="{8A4BC5C4-3B83-4D40-A2F2-85A6DFEA9E29}" type="datetimeFigureOut">
               <a:rPr lang="en-GB" smtClean="0"/>
-              <a:t>09/08/2017</a:t>
+              <a:t>10/08/2017</a:t>
             </a:fld>
             <a:endParaRPr lang="en-GB"/>
           </a:p>
@@ -431,7 +431,7 @@
           <a:p>
             <a:fld id="{8A4BC5C4-3B83-4D40-A2F2-85A6DFEA9E29}" type="datetimeFigureOut">
               <a:rPr lang="en-GB" smtClean="0"/>
-              <a:t>09/08/2017</a:t>
+              <a:t>10/08/2017</a:t>
             </a:fld>
             <a:endParaRPr lang="en-GB"/>
           </a:p>
@@ -611,7 +611,7 @@
           <a:p>
             <a:fld id="{8A4BC5C4-3B83-4D40-A2F2-85A6DFEA9E29}" type="datetimeFigureOut">
               <a:rPr lang="en-GB" smtClean="0"/>
-              <a:t>09/08/2017</a:t>
+              <a:t>10/08/2017</a:t>
             </a:fld>
             <a:endParaRPr lang="en-GB"/>
           </a:p>
@@ -781,7 +781,7 @@
           <a:p>
             <a:fld id="{8A4BC5C4-3B83-4D40-A2F2-85A6DFEA9E29}" type="datetimeFigureOut">
               <a:rPr lang="en-GB" smtClean="0"/>
-              <a:t>09/08/2017</a:t>
+              <a:t>10/08/2017</a:t>
             </a:fld>
             <a:endParaRPr lang="en-GB"/>
           </a:p>
@@ -1027,7 +1027,7 @@
           <a:p>
             <a:fld id="{8A4BC5C4-3B83-4D40-A2F2-85A6DFEA9E29}" type="datetimeFigureOut">
               <a:rPr lang="en-GB" smtClean="0"/>
-              <a:t>09/08/2017</a:t>
+              <a:t>10/08/2017</a:t>
             </a:fld>
             <a:endParaRPr lang="en-GB"/>
           </a:p>
@@ -1259,7 +1259,7 @@
           <a:p>
             <a:fld id="{8A4BC5C4-3B83-4D40-A2F2-85A6DFEA9E29}" type="datetimeFigureOut">
               <a:rPr lang="en-GB" smtClean="0"/>
-              <a:t>09/08/2017</a:t>
+              <a:t>10/08/2017</a:t>
             </a:fld>
             <a:endParaRPr lang="en-GB"/>
           </a:p>
@@ -1626,7 +1626,7 @@
           <a:p>
             <a:fld id="{8A4BC5C4-3B83-4D40-A2F2-85A6DFEA9E29}" type="datetimeFigureOut">
               <a:rPr lang="en-GB" smtClean="0"/>
-              <a:t>09/08/2017</a:t>
+              <a:t>10/08/2017</a:t>
             </a:fld>
             <a:endParaRPr lang="en-GB"/>
           </a:p>
@@ -1744,7 +1744,7 @@
           <a:p>
             <a:fld id="{8A4BC5C4-3B83-4D40-A2F2-85A6DFEA9E29}" type="datetimeFigureOut">
               <a:rPr lang="en-GB" smtClean="0"/>
-              <a:t>09/08/2017</a:t>
+              <a:t>10/08/2017</a:t>
             </a:fld>
             <a:endParaRPr lang="en-GB"/>
           </a:p>
@@ -1839,7 +1839,7 @@
           <a:p>
             <a:fld id="{8A4BC5C4-3B83-4D40-A2F2-85A6DFEA9E29}" type="datetimeFigureOut">
               <a:rPr lang="en-GB" smtClean="0"/>
-              <a:t>09/08/2017</a:t>
+              <a:t>10/08/2017</a:t>
             </a:fld>
             <a:endParaRPr lang="en-GB"/>
           </a:p>
@@ -2116,7 +2116,7 @@
           <a:p>
             <a:fld id="{8A4BC5C4-3B83-4D40-A2F2-85A6DFEA9E29}" type="datetimeFigureOut">
               <a:rPr lang="en-GB" smtClean="0"/>
-              <a:t>09/08/2017</a:t>
+              <a:t>10/08/2017</a:t>
             </a:fld>
             <a:endParaRPr lang="en-GB"/>
           </a:p>
@@ -2369,7 +2369,7 @@
           <a:p>
             <a:fld id="{8A4BC5C4-3B83-4D40-A2F2-85A6DFEA9E29}" type="datetimeFigureOut">
               <a:rPr lang="en-GB" smtClean="0"/>
-              <a:t>09/08/2017</a:t>
+              <a:t>10/08/2017</a:t>
             </a:fld>
             <a:endParaRPr lang="en-GB"/>
           </a:p>
@@ -2582,7 +2582,7 @@
           <a:p>
             <a:fld id="{8A4BC5C4-3B83-4D40-A2F2-85A6DFEA9E29}" type="datetimeFigureOut">
               <a:rPr lang="en-GB" smtClean="0"/>
-              <a:t>09/08/2017</a:t>
+              <a:t>10/08/2017</a:t>
             </a:fld>
             <a:endParaRPr lang="en-GB"/>
           </a:p>
@@ -15615,7 +15615,7 @@
         </p:nvSpPr>
         <p:spPr>
           <a:xfrm flipV="1">
-            <a:off x="740673" y="4003502"/>
+            <a:off x="740673" y="3971128"/>
             <a:ext cx="8473232" cy="837493"/>
           </a:xfrm>
           <a:prstGeom prst="flowChartProcess">
@@ -15667,8 +15667,8 @@
         </p:nvSpPr>
         <p:spPr>
           <a:xfrm flipV="1">
-            <a:off x="740673" y="4843599"/>
-            <a:ext cx="11251674" cy="837493"/>
+            <a:off x="740673" y="4802392"/>
+            <a:ext cx="11251674" cy="878700"/>
           </a:xfrm>
           <a:prstGeom prst="flowChartProcess">
             <a:avLst/>
@@ -15771,7 +15771,7 @@
         </p:nvSpPr>
         <p:spPr>
           <a:xfrm flipV="1">
-            <a:off x="740673" y="3166882"/>
+            <a:off x="740673" y="3134508"/>
             <a:ext cx="11251671" cy="1674112"/>
           </a:xfrm>
           <a:custGeom>
@@ -15980,7 +15980,7 @@
         </p:nvSpPr>
         <p:spPr>
           <a:xfrm>
-            <a:off x="465236" y="3242732"/>
+            <a:off x="456779" y="3211026"/>
             <a:ext cx="173052" cy="668410"/>
           </a:xfrm>
           <a:prstGeom prst="leftBrace">
@@ -16031,7 +16031,7 @@
         </p:nvSpPr>
         <p:spPr>
           <a:xfrm>
-            <a:off x="465236" y="4081959"/>
+            <a:off x="456779" y="4049893"/>
             <a:ext cx="173052" cy="668410"/>
           </a:xfrm>
           <a:prstGeom prst="leftBrace">
@@ -16184,7 +16184,7 @@
         </p:nvSpPr>
         <p:spPr>
           <a:xfrm rot="16200000">
-            <a:off x="-167524" y="3428977"/>
+            <a:off x="-167524" y="3378818"/>
             <a:ext cx="631904" cy="369332"/>
           </a:xfrm>
           <a:prstGeom prst="rect">
@@ -16276,7 +16276,7 @@
         </p:nvSpPr>
         <p:spPr>
           <a:xfrm>
-            <a:off x="57137" y="1976744"/>
+            <a:off x="237442" y="307504"/>
             <a:ext cx="1986057" cy="923330"/>
           </a:xfrm>
           <a:prstGeom prst="rect">
@@ -16411,8 +16411,8 @@
         </p:nvSpPr>
         <p:spPr>
           <a:xfrm>
-            <a:off x="842780" y="4921186"/>
-            <a:ext cx="1436855" cy="675060"/>
+            <a:off x="865640" y="4905852"/>
+            <a:ext cx="1286807" cy="675060"/>
           </a:xfrm>
           <a:prstGeom prst="rect">
             <a:avLst/>
@@ -16471,7 +16471,7 @@
           <a:p>
             <a:pPr algn="ctr"/>
             <a:r>
-              <a:rPr lang="en-GB" b="1" dirty="0" err="1">
+              <a:rPr lang="en-GB" sz="1600" b="1" dirty="0" err="1">
                 <a:solidFill>
                   <a:schemeClr val="accent3">
                     <a:lumMod val="20000"/>
@@ -16481,7 +16481,7 @@
               </a:rPr>
               <a:t>iSpi</a:t>
             </a:r>
-            <a:endParaRPr lang="en-GB" b="1" dirty="0">
+            <a:endParaRPr lang="en-GB" sz="1600" b="1" dirty="0">
               <a:solidFill>
                 <a:schemeClr val="accent3">
                   <a:lumMod val="20000"/>
@@ -16506,8 +16506,8 @@
         </p:nvSpPr>
         <p:spPr>
           <a:xfrm>
-            <a:off x="2426321" y="4921186"/>
-            <a:ext cx="1454150" cy="675060"/>
+            <a:off x="2253468" y="4905852"/>
+            <a:ext cx="1302295" cy="675060"/>
           </a:xfrm>
           <a:prstGeom prst="rect">
             <a:avLst/>
@@ -16566,7 +16566,7 @@
           <a:p>
             <a:pPr algn="ctr"/>
             <a:r>
-              <a:rPr lang="en-GB" b="1" dirty="0">
+              <a:rPr lang="en-GB" sz="1600" b="1" dirty="0">
                 <a:solidFill>
                   <a:schemeClr val="accent3">
                     <a:lumMod val="20000"/>
@@ -16593,8 +16593,8 @@
         </p:nvSpPr>
         <p:spPr>
           <a:xfrm>
-            <a:off x="4003332" y="4921186"/>
-            <a:ext cx="1454150" cy="675060"/>
+            <a:off x="3655336" y="4908800"/>
+            <a:ext cx="1302295" cy="675060"/>
           </a:xfrm>
           <a:prstGeom prst="rect">
             <a:avLst/>
@@ -16653,7 +16653,7 @@
           <a:p>
             <a:pPr algn="ctr"/>
             <a:r>
-              <a:rPr lang="en-GB" b="1" dirty="0" err="1">
+              <a:rPr lang="en-GB" sz="1600" b="1" dirty="0" err="1">
                 <a:solidFill>
                   <a:schemeClr val="accent3">
                     <a:lumMod val="20000"/>
@@ -16663,7 +16663,7 @@
               </a:rPr>
               <a:t>iGpio</a:t>
             </a:r>
-            <a:endParaRPr lang="en-GB" b="1" dirty="0">
+            <a:endParaRPr lang="en-GB" sz="1600" b="1" dirty="0">
               <a:solidFill>
                 <a:schemeClr val="accent3">
                   <a:lumMod val="20000"/>
@@ -16688,8 +16688,8 @@
         </p:nvSpPr>
         <p:spPr>
           <a:xfrm>
-            <a:off x="5604167" y="4921186"/>
-            <a:ext cx="1454150" cy="675060"/>
+            <a:off x="5055757" y="4905852"/>
+            <a:ext cx="1302295" cy="675060"/>
           </a:xfrm>
           <a:prstGeom prst="rect">
             <a:avLst/>
@@ -16748,7 +16748,7 @@
           <a:p>
             <a:pPr algn="ctr"/>
             <a:r>
-              <a:rPr lang="en-GB" b="1" dirty="0" err="1">
+              <a:rPr lang="en-GB" sz="1600" b="1" dirty="0" err="1">
                 <a:solidFill>
                   <a:schemeClr val="accent3">
                     <a:lumMod val="20000"/>
@@ -16758,7 +16758,7 @@
               </a:rPr>
               <a:t>iEventQueue</a:t>
             </a:r>
-            <a:endParaRPr lang="en-GB" b="1" dirty="0">
+            <a:endParaRPr lang="en-GB" sz="1600" b="1" dirty="0">
               <a:solidFill>
                 <a:schemeClr val="accent3">
                   <a:lumMod val="20000"/>
@@ -16783,8 +16783,8 @@
         </p:nvSpPr>
         <p:spPr>
           <a:xfrm>
-            <a:off x="7212939" y="4921186"/>
-            <a:ext cx="1454150" cy="675060"/>
+            <a:off x="6459073" y="4905879"/>
+            <a:ext cx="1302295" cy="675060"/>
           </a:xfrm>
           <a:prstGeom prst="rect">
             <a:avLst/>
@@ -16843,7 +16843,7 @@
           <a:p>
             <a:pPr algn="ctr"/>
             <a:r>
-              <a:rPr lang="en-GB" b="1" dirty="0" err="1">
+              <a:rPr lang="en-GB" sz="1600" b="1" dirty="0" err="1">
                 <a:solidFill>
                   <a:schemeClr val="accent3">
                     <a:lumMod val="20000"/>
@@ -16853,7 +16853,7 @@
               </a:rPr>
               <a:t>iTimer</a:t>
             </a:r>
-            <a:endParaRPr lang="en-GB" b="1" dirty="0">
+            <a:endParaRPr lang="en-GB" sz="1600" b="1" dirty="0">
               <a:solidFill>
                 <a:schemeClr val="accent3">
                   <a:lumMod val="20000"/>
@@ -16878,8 +16878,8 @@
         </p:nvSpPr>
         <p:spPr>
           <a:xfrm>
-            <a:off x="8817742" y="4921186"/>
-            <a:ext cx="1454150" cy="675060"/>
+            <a:off x="7856600" y="4905852"/>
+            <a:ext cx="1302295" cy="675060"/>
           </a:xfrm>
           <a:prstGeom prst="rect">
             <a:avLst/>
@@ -16938,7 +16938,7 @@
           <a:p>
             <a:pPr algn="ctr"/>
             <a:r>
-              <a:rPr lang="en-GB" b="1" dirty="0" err="1">
+              <a:rPr lang="en-GB" sz="1600" b="1" dirty="0" err="1">
                 <a:solidFill>
                   <a:schemeClr val="accent3">
                     <a:lumMod val="20000"/>
@@ -16948,7 +16948,7 @@
               </a:rPr>
               <a:t>iThread</a:t>
             </a:r>
-            <a:endParaRPr lang="en-GB" b="1" dirty="0">
+            <a:endParaRPr lang="en-GB" sz="1600" b="1" dirty="0">
               <a:solidFill>
                 <a:schemeClr val="accent3">
                   <a:lumMod val="20000"/>
@@ -16973,7 +16973,7 @@
         </p:nvSpPr>
         <p:spPr>
           <a:xfrm>
-            <a:off x="842780" y="4078942"/>
+            <a:off x="842780" y="4046568"/>
             <a:ext cx="2640028" cy="675060"/>
           </a:xfrm>
           <a:prstGeom prst="rect">
@@ -17060,7 +17060,7 @@
         </p:nvSpPr>
         <p:spPr>
           <a:xfrm>
-            <a:off x="3664566" y="4081959"/>
+            <a:off x="3664566" y="4049585"/>
             <a:ext cx="2616204" cy="675060"/>
           </a:xfrm>
           <a:prstGeom prst="rect">
@@ -17147,7 +17147,7 @@
         </p:nvSpPr>
         <p:spPr>
           <a:xfrm>
-            <a:off x="6462528" y="4081959"/>
+            <a:off x="6462528" y="4049585"/>
             <a:ext cx="2616204" cy="675060"/>
           </a:xfrm>
           <a:prstGeom prst="rect">
@@ -17234,8 +17234,8 @@
         </p:nvSpPr>
         <p:spPr>
           <a:xfrm>
-            <a:off x="10422545" y="4921186"/>
-            <a:ext cx="1454150" cy="675060"/>
+            <a:off x="10663232" y="4905852"/>
+            <a:ext cx="1213463" cy="675060"/>
           </a:xfrm>
           <a:prstGeom prst="rect">
             <a:avLst/>
@@ -17294,7 +17294,7 @@
           <a:p>
             <a:pPr algn="ctr"/>
             <a:r>
-              <a:rPr lang="en-GB" b="1" dirty="0" err="1">
+              <a:rPr lang="en-GB" sz="1600" b="1" dirty="0" err="1">
                 <a:solidFill>
                   <a:schemeClr val="accent3">
                     <a:lumMod val="20000"/>
@@ -17302,9 +17302,9 @@
                   </a:schemeClr>
                 </a:solidFill>
               </a:rPr>
-              <a:t>iBle</a:t>
-            </a:r>
-            <a:endParaRPr lang="en-GB" b="1" dirty="0">
+              <a:t>iBleC</a:t>
+            </a:r>
+            <a:endParaRPr lang="en-GB" sz="1600" b="1" dirty="0">
               <a:solidFill>
                 <a:schemeClr val="accent3">
                   <a:lumMod val="20000"/>
@@ -17329,7 +17329,7 @@
         </p:nvSpPr>
         <p:spPr>
           <a:xfrm>
-            <a:off x="842780" y="3241449"/>
+            <a:off x="842780" y="3209075"/>
             <a:ext cx="11033915" cy="1512552"/>
           </a:xfrm>
           <a:custGeom>
@@ -17487,6 +17487,101 @@
               </a:rPr>
               <a:t>Application</a:t>
             </a:r>
+          </a:p>
+        </p:txBody>
+      </p:sp>
+      <p:sp>
+        <p:nvSpPr>
+          <p:cNvPr id="39" name="Rectangle 38">
+            <a:extLst>
+              <a:ext uri="{FF2B5EF4-FFF2-40B4-BE49-F238E27FC236}">
+                <a16:creationId xmlns:a16="http://schemas.microsoft.com/office/drawing/2014/main" id="{36F7AF26-948C-4404-8E3B-305433123F78}"/>
+              </a:ext>
+            </a:extLst>
+          </p:cNvPr>
+          <p:cNvSpPr/>
+          <p:nvPr/>
+        </p:nvSpPr>
+        <p:spPr>
+          <a:xfrm>
+            <a:off x="9259916" y="4905852"/>
+            <a:ext cx="1302295" cy="675060"/>
+          </a:xfrm>
+          <a:prstGeom prst="rect">
+            <a:avLst/>
+          </a:prstGeom>
+          <a:gradFill flip="none" rotWithShape="1">
+            <a:gsLst>
+              <a:gs pos="0">
+                <a:schemeClr val="accent1">
+                  <a:lumMod val="60000"/>
+                  <a:lumOff val="40000"/>
+                  <a:shade val="30000"/>
+                  <a:satMod val="115000"/>
+                </a:schemeClr>
+              </a:gs>
+              <a:gs pos="50000">
+                <a:schemeClr val="accent1">
+                  <a:lumMod val="60000"/>
+                  <a:lumOff val="40000"/>
+                  <a:shade val="67500"/>
+                  <a:satMod val="115000"/>
+                </a:schemeClr>
+              </a:gs>
+              <a:gs pos="100000">
+                <a:schemeClr val="accent1">
+                  <a:lumMod val="60000"/>
+                  <a:lumOff val="40000"/>
+                  <a:shade val="100000"/>
+                  <a:satMod val="115000"/>
+                </a:schemeClr>
+              </a:gs>
+            </a:gsLst>
+            <a:lin ang="16200000" scaled="1"/>
+            <a:tileRect/>
+          </a:gradFill>
+          <a:ln>
+            <a:noFill/>
+          </a:ln>
+        </p:spPr>
+        <p:style>
+          <a:lnRef idx="1">
+            <a:schemeClr val="accent1"/>
+          </a:lnRef>
+          <a:fillRef idx="2">
+            <a:schemeClr val="accent1"/>
+          </a:fillRef>
+          <a:effectRef idx="1">
+            <a:schemeClr val="accent1"/>
+          </a:effectRef>
+          <a:fontRef idx="minor">
+            <a:schemeClr val="dk1"/>
+          </a:fontRef>
+        </p:style>
+        <p:txBody>
+          <a:bodyPr rtlCol="0" anchor="ctr"/>
+          <a:lstStyle/>
+          <a:p>
+            <a:pPr algn="ctr"/>
+            <a:r>
+              <a:rPr lang="en-GB" sz="1600" b="1" dirty="0" err="1">
+                <a:solidFill>
+                  <a:schemeClr val="accent3">
+                    <a:lumMod val="20000"/>
+                    <a:lumOff val="80000"/>
+                  </a:schemeClr>
+                </a:solidFill>
+              </a:rPr>
+              <a:t>iBleP</a:t>
+            </a:r>
+            <a:endParaRPr lang="en-GB" sz="1600" b="1" dirty="0">
+              <a:solidFill>
+                <a:schemeClr val="accent3">
+                  <a:lumMod val="20000"/>
+                  <a:lumOff val="80000"/>
+                </a:schemeClr>
+              </a:solidFill>
+            </a:endParaRPr>
           </a:p>
         </p:txBody>
       </p:sp>

--- a/0_Report/SchemaBlock.pptx
+++ b/0_Report/SchemaBlock.pptx
@@ -266,7 +266,7 @@
           <a:p>
             <a:fld id="{8A4BC5C4-3B83-4D40-A2F2-85A6DFEA9E29}" type="datetimeFigureOut">
               <a:rPr lang="en-GB" smtClean="0"/>
-              <a:t>16/08/2017</a:t>
+              <a:t>19/08/2017</a:t>
             </a:fld>
             <a:endParaRPr lang="en-GB"/>
           </a:p>
@@ -436,7 +436,7 @@
           <a:p>
             <a:fld id="{8A4BC5C4-3B83-4D40-A2F2-85A6DFEA9E29}" type="datetimeFigureOut">
               <a:rPr lang="en-GB" smtClean="0"/>
-              <a:t>16/08/2017</a:t>
+              <a:t>19/08/2017</a:t>
             </a:fld>
             <a:endParaRPr lang="en-GB"/>
           </a:p>
@@ -616,7 +616,7 @@
           <a:p>
             <a:fld id="{8A4BC5C4-3B83-4D40-A2F2-85A6DFEA9E29}" type="datetimeFigureOut">
               <a:rPr lang="en-GB" smtClean="0"/>
-              <a:t>16/08/2017</a:t>
+              <a:t>19/08/2017</a:t>
             </a:fld>
             <a:endParaRPr lang="en-GB"/>
           </a:p>
@@ -786,7 +786,7 @@
           <a:p>
             <a:fld id="{8A4BC5C4-3B83-4D40-A2F2-85A6DFEA9E29}" type="datetimeFigureOut">
               <a:rPr lang="en-GB" smtClean="0"/>
-              <a:t>16/08/2017</a:t>
+              <a:t>19/08/2017</a:t>
             </a:fld>
             <a:endParaRPr lang="en-GB"/>
           </a:p>
@@ -1032,7 +1032,7 @@
           <a:p>
             <a:fld id="{8A4BC5C4-3B83-4D40-A2F2-85A6DFEA9E29}" type="datetimeFigureOut">
               <a:rPr lang="en-GB" smtClean="0"/>
-              <a:t>16/08/2017</a:t>
+              <a:t>19/08/2017</a:t>
             </a:fld>
             <a:endParaRPr lang="en-GB"/>
           </a:p>
@@ -1264,7 +1264,7 @@
           <a:p>
             <a:fld id="{8A4BC5C4-3B83-4D40-A2F2-85A6DFEA9E29}" type="datetimeFigureOut">
               <a:rPr lang="en-GB" smtClean="0"/>
-              <a:t>16/08/2017</a:t>
+              <a:t>19/08/2017</a:t>
             </a:fld>
             <a:endParaRPr lang="en-GB"/>
           </a:p>
@@ -1631,7 +1631,7 @@
           <a:p>
             <a:fld id="{8A4BC5C4-3B83-4D40-A2F2-85A6DFEA9E29}" type="datetimeFigureOut">
               <a:rPr lang="en-GB" smtClean="0"/>
-              <a:t>16/08/2017</a:t>
+              <a:t>19/08/2017</a:t>
             </a:fld>
             <a:endParaRPr lang="en-GB"/>
           </a:p>
@@ -1749,7 +1749,7 @@
           <a:p>
             <a:fld id="{8A4BC5C4-3B83-4D40-A2F2-85A6DFEA9E29}" type="datetimeFigureOut">
               <a:rPr lang="en-GB" smtClean="0"/>
-              <a:t>16/08/2017</a:t>
+              <a:t>19/08/2017</a:t>
             </a:fld>
             <a:endParaRPr lang="en-GB"/>
           </a:p>
@@ -1844,7 +1844,7 @@
           <a:p>
             <a:fld id="{8A4BC5C4-3B83-4D40-A2F2-85A6DFEA9E29}" type="datetimeFigureOut">
               <a:rPr lang="en-GB" smtClean="0"/>
-              <a:t>16/08/2017</a:t>
+              <a:t>19/08/2017</a:t>
             </a:fld>
             <a:endParaRPr lang="en-GB"/>
           </a:p>
@@ -2121,7 +2121,7 @@
           <a:p>
             <a:fld id="{8A4BC5C4-3B83-4D40-A2F2-85A6DFEA9E29}" type="datetimeFigureOut">
               <a:rPr lang="en-GB" smtClean="0"/>
-              <a:t>16/08/2017</a:t>
+              <a:t>19/08/2017</a:t>
             </a:fld>
             <a:endParaRPr lang="en-GB"/>
           </a:p>
@@ -2374,7 +2374,7 @@
           <a:p>
             <a:fld id="{8A4BC5C4-3B83-4D40-A2F2-85A6DFEA9E29}" type="datetimeFigureOut">
               <a:rPr lang="en-GB" smtClean="0"/>
-              <a:t>16/08/2017</a:t>
+              <a:t>19/08/2017</a:t>
             </a:fld>
             <a:endParaRPr lang="en-GB"/>
           </a:p>
@@ -2587,7 +2587,7 @@
           <a:p>
             <a:fld id="{8A4BC5C4-3B83-4D40-A2F2-85A6DFEA9E29}" type="datetimeFigureOut">
               <a:rPr lang="en-GB" smtClean="0"/>
-              <a:t>16/08/2017</a:t>
+              <a:t>19/08/2017</a:t>
             </a:fld>
             <a:endParaRPr lang="en-GB"/>
           </a:p>
@@ -17238,7 +17238,7 @@
         </p:blipFill>
         <p:spPr>
           <a:xfrm>
-            <a:off x="5886269" y="325301"/>
+            <a:off x="6431280" y="0"/>
             <a:ext cx="5760720" cy="2390140"/>
           </a:xfrm>
           <a:prstGeom prst="rect">
@@ -17260,8 +17260,8 @@
         </p:nvSpPr>
         <p:spPr>
           <a:xfrm>
-            <a:off x="4641850" y="5143500"/>
-            <a:ext cx="4654550" cy="495300"/>
+            <a:off x="4249087" y="4861202"/>
+            <a:ext cx="3255333" cy="495300"/>
           </a:xfrm>
           <a:prstGeom prst="rect">
             <a:avLst/>
@@ -17288,10 +17288,724 @@
           <a:lstStyle/>
           <a:p>
             <a:pPr algn="ctr"/>
-            <a:endParaRPr lang="en-GB"/>
-          </a:p>
-        </p:txBody>
-      </p:sp>
+            <a:r>
+              <a:rPr lang="en-GB" dirty="0"/>
+              <a:t>CPU</a:t>
+            </a:r>
+          </a:p>
+        </p:txBody>
+      </p:sp>
+      <p:sp>
+        <p:nvSpPr>
+          <p:cNvPr id="4" name="Rectangle 3">
+            <a:extLst>
+              <a:ext uri="{FF2B5EF4-FFF2-40B4-BE49-F238E27FC236}">
+                <a16:creationId xmlns:a16="http://schemas.microsoft.com/office/drawing/2014/main" id="{A535271F-1C56-469D-A9A2-F7CBDD5AE2BD}"/>
+              </a:ext>
+            </a:extLst>
+          </p:cNvPr>
+          <p:cNvSpPr/>
+          <p:nvPr/>
+        </p:nvSpPr>
+        <p:spPr>
+          <a:xfrm>
+            <a:off x="2068140" y="4861202"/>
+            <a:ext cx="1707691" cy="495300"/>
+          </a:xfrm>
+          <a:prstGeom prst="rect">
+            <a:avLst/>
+          </a:prstGeom>
+        </p:spPr>
+        <p:style>
+          <a:lnRef idx="2">
+            <a:schemeClr val="accent1">
+              <a:shade val="50000"/>
+            </a:schemeClr>
+          </a:lnRef>
+          <a:fillRef idx="1">
+            <a:schemeClr val="accent1"/>
+          </a:fillRef>
+          <a:effectRef idx="0">
+            <a:schemeClr val="accent1"/>
+          </a:effectRef>
+          <a:fontRef idx="minor">
+            <a:schemeClr val="lt1"/>
+          </a:fontRef>
+        </p:style>
+        <p:txBody>
+          <a:bodyPr rtlCol="0" anchor="ctr"/>
+          <a:lstStyle/>
+          <a:p>
+            <a:pPr algn="ctr"/>
+            <a:r>
+              <a:rPr lang="en-GB" dirty="0"/>
+              <a:t>Interrupt Controller</a:t>
+            </a:r>
+          </a:p>
+        </p:txBody>
+      </p:sp>
+      <p:sp>
+        <p:nvSpPr>
+          <p:cNvPr id="6" name="Rectangle 5">
+            <a:extLst>
+              <a:ext uri="{FF2B5EF4-FFF2-40B4-BE49-F238E27FC236}">
+                <a16:creationId xmlns:a16="http://schemas.microsoft.com/office/drawing/2014/main" id="{435AF1EE-253A-4C75-8C76-2516A1E1C28E}"/>
+              </a:ext>
+            </a:extLst>
+          </p:cNvPr>
+          <p:cNvSpPr/>
+          <p:nvPr/>
+        </p:nvSpPr>
+        <p:spPr>
+          <a:xfrm>
+            <a:off x="6110371" y="3933505"/>
+            <a:ext cx="1394049" cy="495300"/>
+          </a:xfrm>
+          <a:prstGeom prst="rect">
+            <a:avLst/>
+          </a:prstGeom>
+        </p:spPr>
+        <p:style>
+          <a:lnRef idx="2">
+            <a:schemeClr val="accent1">
+              <a:shade val="50000"/>
+            </a:schemeClr>
+          </a:lnRef>
+          <a:fillRef idx="1">
+            <a:schemeClr val="accent1"/>
+          </a:fillRef>
+          <a:effectRef idx="0">
+            <a:schemeClr val="accent1"/>
+          </a:effectRef>
+          <a:fontRef idx="minor">
+            <a:schemeClr val="lt1"/>
+          </a:fontRef>
+        </p:style>
+        <p:txBody>
+          <a:bodyPr rtlCol="0" anchor="ctr"/>
+          <a:lstStyle/>
+          <a:p>
+            <a:pPr algn="ctr"/>
+            <a:r>
+              <a:rPr lang="en-GB" dirty="0"/>
+              <a:t>ISR</a:t>
+            </a:r>
+          </a:p>
+        </p:txBody>
+      </p:sp>
+      <p:sp>
+        <p:nvSpPr>
+          <p:cNvPr id="8" name="Rectangle 7">
+            <a:extLst>
+              <a:ext uri="{FF2B5EF4-FFF2-40B4-BE49-F238E27FC236}">
+                <a16:creationId xmlns:a16="http://schemas.microsoft.com/office/drawing/2014/main" id="{17EEF865-39E4-4D34-9F30-47B9F6A222AC}"/>
+              </a:ext>
+            </a:extLst>
+          </p:cNvPr>
+          <p:cNvSpPr/>
+          <p:nvPr/>
+        </p:nvSpPr>
+        <p:spPr>
+          <a:xfrm>
+            <a:off x="4249087" y="3933505"/>
+            <a:ext cx="1394049" cy="495300"/>
+          </a:xfrm>
+          <a:prstGeom prst="rect">
+            <a:avLst/>
+          </a:prstGeom>
+        </p:spPr>
+        <p:style>
+          <a:lnRef idx="2">
+            <a:schemeClr val="accent1">
+              <a:shade val="50000"/>
+            </a:schemeClr>
+          </a:lnRef>
+          <a:fillRef idx="1">
+            <a:schemeClr val="accent1"/>
+          </a:fillRef>
+          <a:effectRef idx="0">
+            <a:schemeClr val="accent1"/>
+          </a:effectRef>
+          <a:fontRef idx="minor">
+            <a:schemeClr val="lt1"/>
+          </a:fontRef>
+        </p:style>
+        <p:txBody>
+          <a:bodyPr rtlCol="0" anchor="ctr"/>
+          <a:lstStyle/>
+          <a:p>
+            <a:pPr algn="ctr"/>
+            <a:r>
+              <a:rPr lang="en-GB" dirty="0"/>
+              <a:t>RTOS</a:t>
+            </a:r>
+          </a:p>
+        </p:txBody>
+      </p:sp>
+      <p:cxnSp>
+        <p:nvCxnSpPr>
+          <p:cNvPr id="10" name="Connecteur droit avec flèche 9">
+            <a:extLst>
+              <a:ext uri="{FF2B5EF4-FFF2-40B4-BE49-F238E27FC236}">
+                <a16:creationId xmlns:a16="http://schemas.microsoft.com/office/drawing/2014/main" id="{927E60DA-E198-4174-8531-0DA3BFE8A612}"/>
+              </a:ext>
+            </a:extLst>
+          </p:cNvPr>
+          <p:cNvCxnSpPr>
+            <a:cxnSpLocks/>
+            <a:stCxn id="4" idx="3"/>
+            <a:endCxn id="3" idx="1"/>
+          </p:cNvCxnSpPr>
+          <p:nvPr/>
+        </p:nvCxnSpPr>
+        <p:spPr>
+          <a:xfrm>
+            <a:off x="3775831" y="5108852"/>
+            <a:ext cx="473256" cy="0"/>
+          </a:xfrm>
+          <a:prstGeom prst="straightConnector1">
+            <a:avLst/>
+          </a:prstGeom>
+          <a:ln w="38100">
+            <a:tailEnd type="triangle"/>
+          </a:ln>
+        </p:spPr>
+        <p:style>
+          <a:lnRef idx="1">
+            <a:schemeClr val="accent1"/>
+          </a:lnRef>
+          <a:fillRef idx="0">
+            <a:schemeClr val="accent1"/>
+          </a:fillRef>
+          <a:effectRef idx="0">
+            <a:schemeClr val="accent1"/>
+          </a:effectRef>
+          <a:fontRef idx="minor">
+            <a:schemeClr val="tx1"/>
+          </a:fontRef>
+        </p:style>
+      </p:cxnSp>
+      <p:cxnSp>
+        <p:nvCxnSpPr>
+          <p:cNvPr id="12" name="Connecteur droit avec flèche 11">
+            <a:extLst>
+              <a:ext uri="{FF2B5EF4-FFF2-40B4-BE49-F238E27FC236}">
+                <a16:creationId xmlns:a16="http://schemas.microsoft.com/office/drawing/2014/main" id="{E49B1157-81A4-48DC-B494-7FF8CF707D93}"/>
+              </a:ext>
+            </a:extLst>
+          </p:cNvPr>
+          <p:cNvCxnSpPr>
+            <a:cxnSpLocks/>
+          </p:cNvCxnSpPr>
+          <p:nvPr/>
+        </p:nvCxnSpPr>
+        <p:spPr>
+          <a:xfrm>
+            <a:off x="5643136" y="4181155"/>
+            <a:ext cx="473256" cy="0"/>
+          </a:xfrm>
+          <a:prstGeom prst="straightConnector1">
+            <a:avLst/>
+          </a:prstGeom>
+          <a:ln w="38100">
+            <a:tailEnd type="triangle"/>
+          </a:ln>
+        </p:spPr>
+        <p:style>
+          <a:lnRef idx="1">
+            <a:schemeClr val="accent1"/>
+          </a:lnRef>
+          <a:fillRef idx="0">
+            <a:schemeClr val="accent1"/>
+          </a:fillRef>
+          <a:effectRef idx="0">
+            <a:schemeClr val="accent1"/>
+          </a:effectRef>
+          <a:fontRef idx="minor">
+            <a:schemeClr val="tx1"/>
+          </a:fontRef>
+        </p:style>
+      </p:cxnSp>
+      <p:cxnSp>
+        <p:nvCxnSpPr>
+          <p:cNvPr id="14" name="Connecteur droit avec flèche 13">
+            <a:extLst>
+              <a:ext uri="{FF2B5EF4-FFF2-40B4-BE49-F238E27FC236}">
+                <a16:creationId xmlns:a16="http://schemas.microsoft.com/office/drawing/2014/main" id="{58044805-5563-4A69-A371-613A6C6BE2F9}"/>
+              </a:ext>
+            </a:extLst>
+          </p:cNvPr>
+          <p:cNvCxnSpPr>
+            <a:cxnSpLocks/>
+            <a:stCxn id="8" idx="2"/>
+          </p:cNvCxnSpPr>
+          <p:nvPr/>
+        </p:nvCxnSpPr>
+        <p:spPr>
+          <a:xfrm flipH="1">
+            <a:off x="4946111" y="4428805"/>
+            <a:ext cx="1" cy="432397"/>
+          </a:xfrm>
+          <a:prstGeom prst="straightConnector1">
+            <a:avLst/>
+          </a:prstGeom>
+          <a:ln w="38100">
+            <a:headEnd type="triangle"/>
+            <a:tailEnd type="triangle"/>
+          </a:ln>
+        </p:spPr>
+        <p:style>
+          <a:lnRef idx="1">
+            <a:schemeClr val="accent1"/>
+          </a:lnRef>
+          <a:fillRef idx="0">
+            <a:schemeClr val="accent1"/>
+          </a:fillRef>
+          <a:effectRef idx="0">
+            <a:schemeClr val="accent1"/>
+          </a:effectRef>
+          <a:fontRef idx="minor">
+            <a:schemeClr val="tx1"/>
+          </a:fontRef>
+        </p:style>
+      </p:cxnSp>
+      <p:cxnSp>
+        <p:nvCxnSpPr>
+          <p:cNvPr id="18" name="Connecteur droit avec flèche 17">
+            <a:extLst>
+              <a:ext uri="{FF2B5EF4-FFF2-40B4-BE49-F238E27FC236}">
+                <a16:creationId xmlns:a16="http://schemas.microsoft.com/office/drawing/2014/main" id="{9C878F2D-3D3F-4CE1-B5B7-29535322E5D0}"/>
+              </a:ext>
+            </a:extLst>
+          </p:cNvPr>
+          <p:cNvCxnSpPr>
+            <a:cxnSpLocks/>
+          </p:cNvCxnSpPr>
+          <p:nvPr/>
+        </p:nvCxnSpPr>
+        <p:spPr>
+          <a:xfrm flipH="1">
+            <a:off x="6799425" y="4428805"/>
+            <a:ext cx="1" cy="432397"/>
+          </a:xfrm>
+          <a:prstGeom prst="straightConnector1">
+            <a:avLst/>
+          </a:prstGeom>
+          <a:ln w="38100">
+            <a:headEnd type="triangle"/>
+            <a:tailEnd type="triangle"/>
+          </a:ln>
+        </p:spPr>
+        <p:style>
+          <a:lnRef idx="1">
+            <a:schemeClr val="accent1"/>
+          </a:lnRef>
+          <a:fillRef idx="0">
+            <a:schemeClr val="accent1"/>
+          </a:fillRef>
+          <a:effectRef idx="0">
+            <a:schemeClr val="accent1"/>
+          </a:effectRef>
+          <a:fontRef idx="minor">
+            <a:schemeClr val="tx1"/>
+          </a:fontRef>
+        </p:style>
+      </p:cxnSp>
+      <p:sp>
+        <p:nvSpPr>
+          <p:cNvPr id="21" name="Rectangle 20">
+            <a:extLst>
+              <a:ext uri="{FF2B5EF4-FFF2-40B4-BE49-F238E27FC236}">
+                <a16:creationId xmlns:a16="http://schemas.microsoft.com/office/drawing/2014/main" id="{8F179FB0-5EC2-496D-8A0C-E624DB7ECC93}"/>
+              </a:ext>
+            </a:extLst>
+          </p:cNvPr>
+          <p:cNvSpPr/>
+          <p:nvPr/>
+        </p:nvSpPr>
+        <p:spPr>
+          <a:xfrm>
+            <a:off x="2071150" y="4861202"/>
+            <a:ext cx="1707691" cy="495300"/>
+          </a:xfrm>
+          <a:prstGeom prst="rect">
+            <a:avLst/>
+          </a:prstGeom>
+        </p:spPr>
+        <p:style>
+          <a:lnRef idx="1">
+            <a:schemeClr val="accent1"/>
+          </a:lnRef>
+          <a:fillRef idx="3">
+            <a:schemeClr val="accent1"/>
+          </a:fillRef>
+          <a:effectRef idx="2">
+            <a:schemeClr val="accent1"/>
+          </a:effectRef>
+          <a:fontRef idx="minor">
+            <a:schemeClr val="lt1"/>
+          </a:fontRef>
+        </p:style>
+        <p:txBody>
+          <a:bodyPr rtlCol="0" anchor="ctr"/>
+          <a:lstStyle/>
+          <a:p>
+            <a:pPr algn="ctr"/>
+            <a:r>
+              <a:rPr lang="en-GB" dirty="0"/>
+              <a:t>Interrupt Controller</a:t>
+            </a:r>
+          </a:p>
+        </p:txBody>
+      </p:sp>
+      <p:sp>
+        <p:nvSpPr>
+          <p:cNvPr id="22" name="Rectangle 21">
+            <a:extLst>
+              <a:ext uri="{FF2B5EF4-FFF2-40B4-BE49-F238E27FC236}">
+                <a16:creationId xmlns:a16="http://schemas.microsoft.com/office/drawing/2014/main" id="{8B9E7CE0-B710-4A9F-BA19-3B5F715D5B0A}"/>
+              </a:ext>
+            </a:extLst>
+          </p:cNvPr>
+          <p:cNvSpPr/>
+          <p:nvPr/>
+        </p:nvSpPr>
+        <p:spPr>
+          <a:xfrm>
+            <a:off x="6113381" y="3933505"/>
+            <a:ext cx="1394049" cy="495300"/>
+          </a:xfrm>
+          <a:prstGeom prst="rect">
+            <a:avLst/>
+          </a:prstGeom>
+        </p:spPr>
+        <p:style>
+          <a:lnRef idx="1">
+            <a:schemeClr val="accent1"/>
+          </a:lnRef>
+          <a:fillRef idx="3">
+            <a:schemeClr val="accent1"/>
+          </a:fillRef>
+          <a:effectRef idx="2">
+            <a:schemeClr val="accent1"/>
+          </a:effectRef>
+          <a:fontRef idx="minor">
+            <a:schemeClr val="lt1"/>
+          </a:fontRef>
+        </p:style>
+        <p:txBody>
+          <a:bodyPr rtlCol="0" anchor="ctr"/>
+          <a:lstStyle/>
+          <a:p>
+            <a:pPr algn="ctr"/>
+            <a:r>
+              <a:rPr lang="en-GB" dirty="0"/>
+              <a:t>ISR</a:t>
+            </a:r>
+          </a:p>
+        </p:txBody>
+      </p:sp>
+      <p:sp>
+        <p:nvSpPr>
+          <p:cNvPr id="23" name="Rectangle 22">
+            <a:extLst>
+              <a:ext uri="{FF2B5EF4-FFF2-40B4-BE49-F238E27FC236}">
+                <a16:creationId xmlns:a16="http://schemas.microsoft.com/office/drawing/2014/main" id="{A5F531F1-2BE7-4A67-861A-FC2CDC765B39}"/>
+              </a:ext>
+            </a:extLst>
+          </p:cNvPr>
+          <p:cNvSpPr/>
+          <p:nvPr/>
+        </p:nvSpPr>
+        <p:spPr>
+          <a:xfrm>
+            <a:off x="4252097" y="3933505"/>
+            <a:ext cx="1394049" cy="495300"/>
+          </a:xfrm>
+          <a:prstGeom prst="rect">
+            <a:avLst/>
+          </a:prstGeom>
+        </p:spPr>
+        <p:style>
+          <a:lnRef idx="1">
+            <a:schemeClr val="accent1"/>
+          </a:lnRef>
+          <a:fillRef idx="3">
+            <a:schemeClr val="accent1"/>
+          </a:fillRef>
+          <a:effectRef idx="2">
+            <a:schemeClr val="accent1"/>
+          </a:effectRef>
+          <a:fontRef idx="minor">
+            <a:schemeClr val="lt1"/>
+          </a:fontRef>
+        </p:style>
+        <p:txBody>
+          <a:bodyPr rtlCol="0" anchor="ctr"/>
+          <a:lstStyle/>
+          <a:p>
+            <a:pPr algn="ctr"/>
+            <a:r>
+              <a:rPr lang="en-GB" dirty="0"/>
+              <a:t>RTOS</a:t>
+            </a:r>
+          </a:p>
+        </p:txBody>
+      </p:sp>
+      <p:cxnSp>
+        <p:nvCxnSpPr>
+          <p:cNvPr id="25" name="Connecteur droit 24">
+            <a:extLst>
+              <a:ext uri="{FF2B5EF4-FFF2-40B4-BE49-F238E27FC236}">
+                <a16:creationId xmlns:a16="http://schemas.microsoft.com/office/drawing/2014/main" id="{28A165EE-E390-462A-9C76-002B1D0F87FB}"/>
+              </a:ext>
+            </a:extLst>
+          </p:cNvPr>
+          <p:cNvCxnSpPr>
+            <a:cxnSpLocks/>
+          </p:cNvCxnSpPr>
+          <p:nvPr/>
+        </p:nvCxnSpPr>
+        <p:spPr>
+          <a:xfrm flipH="1" flipV="1">
+            <a:off x="2070090" y="2758299"/>
+            <a:ext cx="3010" cy="2350412"/>
+          </a:xfrm>
+          <a:prstGeom prst="line">
+            <a:avLst/>
+          </a:prstGeom>
+          <a:ln w="19050">
+            <a:prstDash val="dash"/>
+          </a:ln>
+        </p:spPr>
+        <p:style>
+          <a:lnRef idx="1">
+            <a:schemeClr val="accent1"/>
+          </a:lnRef>
+          <a:fillRef idx="0">
+            <a:schemeClr val="accent1"/>
+          </a:fillRef>
+          <a:effectRef idx="0">
+            <a:schemeClr val="accent1"/>
+          </a:effectRef>
+          <a:fontRef idx="minor">
+            <a:schemeClr val="tx1"/>
+          </a:fontRef>
+        </p:style>
+      </p:cxnSp>
+      <p:sp>
+        <p:nvSpPr>
+          <p:cNvPr id="31" name="Flèche : double flèche horizontale 30">
+            <a:extLst>
+              <a:ext uri="{FF2B5EF4-FFF2-40B4-BE49-F238E27FC236}">
+                <a16:creationId xmlns:a16="http://schemas.microsoft.com/office/drawing/2014/main" id="{ED1916C7-8D1F-40B2-82E1-4E072587D6CB}"/>
+              </a:ext>
+            </a:extLst>
+          </p:cNvPr>
+          <p:cNvSpPr/>
+          <p:nvPr/>
+        </p:nvSpPr>
+        <p:spPr>
+          <a:xfrm>
+            <a:off x="2076110" y="2820319"/>
+            <a:ext cx="5417330" cy="400332"/>
+          </a:xfrm>
+          <a:prstGeom prst="leftRightArrow">
+            <a:avLst/>
+          </a:prstGeom>
+          <a:solidFill>
+            <a:schemeClr val="accent1">
+              <a:lumMod val="60000"/>
+              <a:lumOff val="40000"/>
+            </a:schemeClr>
+          </a:solidFill>
+          <a:ln>
+            <a:noFill/>
+          </a:ln>
+        </p:spPr>
+        <p:style>
+          <a:lnRef idx="2">
+            <a:schemeClr val="accent1">
+              <a:shade val="50000"/>
+            </a:schemeClr>
+          </a:lnRef>
+          <a:fillRef idx="1">
+            <a:schemeClr val="accent1"/>
+          </a:fillRef>
+          <a:effectRef idx="0">
+            <a:schemeClr val="accent1"/>
+          </a:effectRef>
+          <a:fontRef idx="minor">
+            <a:schemeClr val="lt1"/>
+          </a:fontRef>
+        </p:style>
+        <p:txBody>
+          <a:bodyPr rtlCol="0" anchor="ctr"/>
+          <a:lstStyle/>
+          <a:p>
+            <a:pPr algn="ctr"/>
+            <a:r>
+              <a:rPr lang="en-GB" dirty="0">
+                <a:solidFill>
+                  <a:schemeClr val="accent3">
+                    <a:lumMod val="20000"/>
+                    <a:lumOff val="80000"/>
+                  </a:schemeClr>
+                </a:solidFill>
+              </a:rPr>
+              <a:t>Hardwar Interrupt latency</a:t>
+            </a:r>
+          </a:p>
+        </p:txBody>
+      </p:sp>
+      <p:sp>
+        <p:nvSpPr>
+          <p:cNvPr id="32" name="Flèche : double flèche horizontale 31">
+            <a:extLst>
+              <a:ext uri="{FF2B5EF4-FFF2-40B4-BE49-F238E27FC236}">
+                <a16:creationId xmlns:a16="http://schemas.microsoft.com/office/drawing/2014/main" id="{6EE89918-BBEC-4C77-AD48-557BED01CADD}"/>
+              </a:ext>
+            </a:extLst>
+          </p:cNvPr>
+          <p:cNvSpPr/>
+          <p:nvPr/>
+        </p:nvSpPr>
+        <p:spPr>
+          <a:xfrm>
+            <a:off x="4249087" y="3317837"/>
+            <a:ext cx="3233373" cy="398004"/>
+          </a:xfrm>
+          <a:prstGeom prst="leftRightArrow">
+            <a:avLst/>
+          </a:prstGeom>
+          <a:solidFill>
+            <a:schemeClr val="accent1">
+              <a:lumMod val="60000"/>
+              <a:lumOff val="40000"/>
+            </a:schemeClr>
+          </a:solidFill>
+          <a:ln>
+            <a:noFill/>
+          </a:ln>
+        </p:spPr>
+        <p:style>
+          <a:lnRef idx="2">
+            <a:schemeClr val="accent1">
+              <a:shade val="50000"/>
+            </a:schemeClr>
+          </a:lnRef>
+          <a:fillRef idx="1">
+            <a:schemeClr val="accent1"/>
+          </a:fillRef>
+          <a:effectRef idx="0">
+            <a:schemeClr val="accent1"/>
+          </a:effectRef>
+          <a:fontRef idx="minor">
+            <a:schemeClr val="lt1"/>
+          </a:fontRef>
+        </p:style>
+        <p:txBody>
+          <a:bodyPr rtlCol="0" anchor="ctr"/>
+          <a:lstStyle/>
+          <a:p>
+            <a:pPr algn="ctr"/>
+            <a:r>
+              <a:rPr lang="en-GB" dirty="0">
+                <a:solidFill>
+                  <a:schemeClr val="accent3">
+                    <a:lumMod val="20000"/>
+                    <a:lumOff val="80000"/>
+                  </a:schemeClr>
+                </a:solidFill>
+              </a:rPr>
+              <a:t>Software Interrupt latency</a:t>
+            </a:r>
+          </a:p>
+        </p:txBody>
+      </p:sp>
+      <p:cxnSp>
+        <p:nvCxnSpPr>
+          <p:cNvPr id="33" name="Connecteur droit 32">
+            <a:extLst>
+              <a:ext uri="{FF2B5EF4-FFF2-40B4-BE49-F238E27FC236}">
+                <a16:creationId xmlns:a16="http://schemas.microsoft.com/office/drawing/2014/main" id="{18B8C79A-60A9-4A6F-A594-BD4A2174B6D7}"/>
+              </a:ext>
+            </a:extLst>
+          </p:cNvPr>
+          <p:cNvCxnSpPr>
+            <a:cxnSpLocks/>
+            <a:stCxn id="23" idx="1"/>
+          </p:cNvCxnSpPr>
+          <p:nvPr/>
+        </p:nvCxnSpPr>
+        <p:spPr>
+          <a:xfrm flipH="1" flipV="1">
+            <a:off x="4249087" y="3288030"/>
+            <a:ext cx="3010" cy="893125"/>
+          </a:xfrm>
+          <a:prstGeom prst="line">
+            <a:avLst/>
+          </a:prstGeom>
+          <a:ln w="19050">
+            <a:prstDash val="dash"/>
+          </a:ln>
+        </p:spPr>
+        <p:style>
+          <a:lnRef idx="1">
+            <a:schemeClr val="accent1"/>
+          </a:lnRef>
+          <a:fillRef idx="0">
+            <a:schemeClr val="accent1"/>
+          </a:fillRef>
+          <a:effectRef idx="0">
+            <a:schemeClr val="accent1"/>
+          </a:effectRef>
+          <a:fontRef idx="minor">
+            <a:schemeClr val="tx1"/>
+          </a:fontRef>
+        </p:style>
+      </p:cxnSp>
+      <p:cxnSp>
+        <p:nvCxnSpPr>
+          <p:cNvPr id="41" name="Connecteur droit 40">
+            <a:extLst>
+              <a:ext uri="{FF2B5EF4-FFF2-40B4-BE49-F238E27FC236}">
+                <a16:creationId xmlns:a16="http://schemas.microsoft.com/office/drawing/2014/main" id="{C0949B89-AF7E-44F8-9CDC-E41E694CC191}"/>
+              </a:ext>
+            </a:extLst>
+          </p:cNvPr>
+          <p:cNvCxnSpPr>
+            <a:cxnSpLocks/>
+          </p:cNvCxnSpPr>
+          <p:nvPr/>
+        </p:nvCxnSpPr>
+        <p:spPr>
+          <a:xfrm flipH="1" flipV="1">
+            <a:off x="7502915" y="2758299"/>
+            <a:ext cx="3010" cy="2350412"/>
+          </a:xfrm>
+          <a:prstGeom prst="line">
+            <a:avLst/>
+          </a:prstGeom>
+          <a:ln w="19050">
+            <a:prstDash val="dash"/>
+          </a:ln>
+        </p:spPr>
+        <p:style>
+          <a:lnRef idx="1">
+            <a:schemeClr val="accent1"/>
+          </a:lnRef>
+          <a:fillRef idx="0">
+            <a:schemeClr val="accent1"/>
+          </a:fillRef>
+          <a:effectRef idx="0">
+            <a:schemeClr val="accent1"/>
+          </a:effectRef>
+          <a:fontRef idx="minor">
+            <a:schemeClr val="tx1"/>
+          </a:fontRef>
+        </p:style>
+      </p:cxnSp>
     </p:spTree>
     <p:extLst>
       <p:ext uri="{BB962C8B-B14F-4D97-AF65-F5344CB8AC3E}">

--- a/0_Report/SchemaBlock.pptx
+++ b/0_Report/SchemaBlock.pptx
@@ -25,6 +25,7 @@
     <p:sldId id="270" r:id="rId19"/>
     <p:sldId id="269" r:id="rId20"/>
     <p:sldId id="271" r:id="rId21"/>
+    <p:sldId id="279" r:id="rId22"/>
   </p:sldIdLst>
   <p:sldSz cx="12192000" cy="6858000"/>
   <p:notesSz cx="6858000" cy="9144000"/>
@@ -266,7 +267,7 @@
           <a:p>
             <a:fld id="{8A4BC5C4-3B83-4D40-A2F2-85A6DFEA9E29}" type="datetimeFigureOut">
               <a:rPr lang="en-GB" smtClean="0"/>
-              <a:t>19/08/2017</a:t>
+              <a:t>21/08/2017</a:t>
             </a:fld>
             <a:endParaRPr lang="en-GB"/>
           </a:p>
@@ -436,7 +437,7 @@
           <a:p>
             <a:fld id="{8A4BC5C4-3B83-4D40-A2F2-85A6DFEA9E29}" type="datetimeFigureOut">
               <a:rPr lang="en-GB" smtClean="0"/>
-              <a:t>19/08/2017</a:t>
+              <a:t>21/08/2017</a:t>
             </a:fld>
             <a:endParaRPr lang="en-GB"/>
           </a:p>
@@ -616,7 +617,7 @@
           <a:p>
             <a:fld id="{8A4BC5C4-3B83-4D40-A2F2-85A6DFEA9E29}" type="datetimeFigureOut">
               <a:rPr lang="en-GB" smtClean="0"/>
-              <a:t>19/08/2017</a:t>
+              <a:t>21/08/2017</a:t>
             </a:fld>
             <a:endParaRPr lang="en-GB"/>
           </a:p>
@@ -786,7 +787,7 @@
           <a:p>
             <a:fld id="{8A4BC5C4-3B83-4D40-A2F2-85A6DFEA9E29}" type="datetimeFigureOut">
               <a:rPr lang="en-GB" smtClean="0"/>
-              <a:t>19/08/2017</a:t>
+              <a:t>21/08/2017</a:t>
             </a:fld>
             <a:endParaRPr lang="en-GB"/>
           </a:p>
@@ -1032,7 +1033,7 @@
           <a:p>
             <a:fld id="{8A4BC5C4-3B83-4D40-A2F2-85A6DFEA9E29}" type="datetimeFigureOut">
               <a:rPr lang="en-GB" smtClean="0"/>
-              <a:t>19/08/2017</a:t>
+              <a:t>21/08/2017</a:t>
             </a:fld>
             <a:endParaRPr lang="en-GB"/>
           </a:p>
@@ -1264,7 +1265,7 @@
           <a:p>
             <a:fld id="{8A4BC5C4-3B83-4D40-A2F2-85A6DFEA9E29}" type="datetimeFigureOut">
               <a:rPr lang="en-GB" smtClean="0"/>
-              <a:t>19/08/2017</a:t>
+              <a:t>21/08/2017</a:t>
             </a:fld>
             <a:endParaRPr lang="en-GB"/>
           </a:p>
@@ -1631,7 +1632,7 @@
           <a:p>
             <a:fld id="{8A4BC5C4-3B83-4D40-A2F2-85A6DFEA9E29}" type="datetimeFigureOut">
               <a:rPr lang="en-GB" smtClean="0"/>
-              <a:t>19/08/2017</a:t>
+              <a:t>21/08/2017</a:t>
             </a:fld>
             <a:endParaRPr lang="en-GB"/>
           </a:p>
@@ -1749,7 +1750,7 @@
           <a:p>
             <a:fld id="{8A4BC5C4-3B83-4D40-A2F2-85A6DFEA9E29}" type="datetimeFigureOut">
               <a:rPr lang="en-GB" smtClean="0"/>
-              <a:t>19/08/2017</a:t>
+              <a:t>21/08/2017</a:t>
             </a:fld>
             <a:endParaRPr lang="en-GB"/>
           </a:p>
@@ -1844,7 +1845,7 @@
           <a:p>
             <a:fld id="{8A4BC5C4-3B83-4D40-A2F2-85A6DFEA9E29}" type="datetimeFigureOut">
               <a:rPr lang="en-GB" smtClean="0"/>
-              <a:t>19/08/2017</a:t>
+              <a:t>21/08/2017</a:t>
             </a:fld>
             <a:endParaRPr lang="en-GB"/>
           </a:p>
@@ -2121,7 +2122,7 @@
           <a:p>
             <a:fld id="{8A4BC5C4-3B83-4D40-A2F2-85A6DFEA9E29}" type="datetimeFigureOut">
               <a:rPr lang="en-GB" smtClean="0"/>
-              <a:t>19/08/2017</a:t>
+              <a:t>21/08/2017</a:t>
             </a:fld>
             <a:endParaRPr lang="en-GB"/>
           </a:p>
@@ -2374,7 +2375,7 @@
           <a:p>
             <a:fld id="{8A4BC5C4-3B83-4D40-A2F2-85A6DFEA9E29}" type="datetimeFigureOut">
               <a:rPr lang="en-GB" smtClean="0"/>
-              <a:t>19/08/2017</a:t>
+              <a:t>21/08/2017</a:t>
             </a:fld>
             <a:endParaRPr lang="en-GB"/>
           </a:p>
@@ -2587,7 +2588,7 @@
           <a:p>
             <a:fld id="{8A4BC5C4-3B83-4D40-A2F2-85A6DFEA9E29}" type="datetimeFigureOut">
               <a:rPr lang="en-GB" smtClean="0"/>
-              <a:t>19/08/2017</a:t>
+              <a:t>21/08/2017</a:t>
             </a:fld>
             <a:endParaRPr lang="en-GB"/>
           </a:p>
@@ -17853,72 +17854,7 @@
                   </a:schemeClr>
                 </a:solidFill>
               </a:rPr>
-              <a:t>Hardwar Interrupt latency</a:t>
-            </a:r>
-          </a:p>
-        </p:txBody>
-      </p:sp>
-      <p:sp>
-        <p:nvSpPr>
-          <p:cNvPr id="32" name="Flèche : double flèche horizontale 31">
-            <a:extLst>
-              <a:ext uri="{FF2B5EF4-FFF2-40B4-BE49-F238E27FC236}">
-                <a16:creationId xmlns:a16="http://schemas.microsoft.com/office/drawing/2014/main" id="{6EE89918-BBEC-4C77-AD48-557BED01CADD}"/>
-              </a:ext>
-            </a:extLst>
-          </p:cNvPr>
-          <p:cNvSpPr/>
-          <p:nvPr/>
-        </p:nvSpPr>
-        <p:spPr>
-          <a:xfrm>
-            <a:off x="4249087" y="3317837"/>
-            <a:ext cx="3233373" cy="398004"/>
-          </a:xfrm>
-          <a:prstGeom prst="leftRightArrow">
-            <a:avLst/>
-          </a:prstGeom>
-          <a:solidFill>
-            <a:schemeClr val="accent1">
-              <a:lumMod val="60000"/>
-              <a:lumOff val="40000"/>
-            </a:schemeClr>
-          </a:solidFill>
-          <a:ln>
-            <a:noFill/>
-          </a:ln>
-        </p:spPr>
-        <p:style>
-          <a:lnRef idx="2">
-            <a:schemeClr val="accent1">
-              <a:shade val="50000"/>
-            </a:schemeClr>
-          </a:lnRef>
-          <a:fillRef idx="1">
-            <a:schemeClr val="accent1"/>
-          </a:fillRef>
-          <a:effectRef idx="0">
-            <a:schemeClr val="accent1"/>
-          </a:effectRef>
-          <a:fontRef idx="minor">
-            <a:schemeClr val="lt1"/>
-          </a:fontRef>
-        </p:style>
-        <p:txBody>
-          <a:bodyPr rtlCol="0" anchor="ctr"/>
-          <a:lstStyle/>
-          <a:p>
-            <a:pPr algn="ctr"/>
-            <a:r>
-              <a:rPr lang="en-GB" dirty="0">
-                <a:solidFill>
-                  <a:schemeClr val="accent3">
-                    <a:lumMod val="20000"/>
-                    <a:lumOff val="80000"/>
-                  </a:schemeClr>
-                </a:solidFill>
-              </a:rPr>
-              <a:t>Software Interrupt latency</a:t>
+              <a:t>Interrupt latency</a:t>
             </a:r>
           </a:p>
         </p:txBody>
@@ -18010,6 +17946,527 @@
     <p:extLst>
       <p:ext uri="{BB962C8B-B14F-4D97-AF65-F5344CB8AC3E}">
         <p14:creationId xmlns:p14="http://schemas.microsoft.com/office/powerpoint/2010/main" val="2481477340"/>
+      </p:ext>
+    </p:extLst>
+  </p:cSld>
+  <p:clrMapOvr>
+    <a:masterClrMapping/>
+  </p:clrMapOvr>
+</p:sld>
+</file>
+
+<file path=ppt/slides/slide21.xml><?xml version="1.0" encoding="utf-8"?>
+<p:sld xmlns:a="http://schemas.openxmlformats.org/drawingml/2006/main" xmlns:r="http://schemas.openxmlformats.org/officeDocument/2006/relationships" xmlns:p="http://schemas.openxmlformats.org/presentationml/2006/main">
+  <p:cSld>
+    <p:spTree>
+      <p:nvGrpSpPr>
+        <p:cNvPr id="1" name=""/>
+        <p:cNvGrpSpPr/>
+        <p:nvPr/>
+      </p:nvGrpSpPr>
+      <p:grpSpPr>
+        <a:xfrm>
+          <a:off x="0" y="0"/>
+          <a:ext cx="0" cy="0"/>
+          <a:chOff x="0" y="0"/>
+          <a:chExt cx="0" cy="0"/>
+        </a:xfrm>
+      </p:grpSpPr>
+      <p:pic>
+        <p:nvPicPr>
+          <p:cNvPr id="4" name="Image 3">
+            <a:extLst>
+              <a:ext uri="{FF2B5EF4-FFF2-40B4-BE49-F238E27FC236}">
+                <a16:creationId xmlns:a16="http://schemas.microsoft.com/office/drawing/2014/main" id="{4AFFBE4F-E9BF-4D83-9160-F06ECFE56CEB}"/>
+              </a:ext>
+            </a:extLst>
+          </p:cNvPr>
+          <p:cNvPicPr/>
+          <p:nvPr/>
+        </p:nvPicPr>
+        <p:blipFill>
+          <a:blip r:embed="rId2"/>
+          <a:stretch>
+            <a:fillRect/>
+          </a:stretch>
+        </p:blipFill>
+        <p:spPr>
+          <a:xfrm>
+            <a:off x="2153953" y="1489632"/>
+            <a:ext cx="6701612" cy="1523592"/>
+          </a:xfrm>
+          <a:prstGeom prst="rect">
+            <a:avLst/>
+          </a:prstGeom>
+        </p:spPr>
+      </p:pic>
+      <p:cxnSp>
+        <p:nvCxnSpPr>
+          <p:cNvPr id="6" name="Connecteur droit 5">
+            <a:extLst>
+              <a:ext uri="{FF2B5EF4-FFF2-40B4-BE49-F238E27FC236}">
+                <a16:creationId xmlns:a16="http://schemas.microsoft.com/office/drawing/2014/main" id="{35A438D3-E4EB-4130-8985-5C90F525D9D0}"/>
+              </a:ext>
+            </a:extLst>
+          </p:cNvPr>
+          <p:cNvCxnSpPr>
+            <a:cxnSpLocks/>
+          </p:cNvCxnSpPr>
+          <p:nvPr/>
+        </p:nvCxnSpPr>
+        <p:spPr>
+          <a:xfrm>
+            <a:off x="4010025" y="2209800"/>
+            <a:ext cx="0" cy="1356961"/>
+          </a:xfrm>
+          <a:prstGeom prst="line">
+            <a:avLst/>
+          </a:prstGeom>
+          <a:ln w="28575"/>
+        </p:spPr>
+        <p:style>
+          <a:lnRef idx="1">
+            <a:schemeClr val="accent1"/>
+          </a:lnRef>
+          <a:fillRef idx="0">
+            <a:schemeClr val="accent1"/>
+          </a:fillRef>
+          <a:effectRef idx="0">
+            <a:schemeClr val="accent1"/>
+          </a:effectRef>
+          <a:fontRef idx="minor">
+            <a:schemeClr val="tx1"/>
+          </a:fontRef>
+        </p:style>
+      </p:cxnSp>
+      <p:cxnSp>
+        <p:nvCxnSpPr>
+          <p:cNvPr id="8" name="Connecteur droit 7">
+            <a:extLst>
+              <a:ext uri="{FF2B5EF4-FFF2-40B4-BE49-F238E27FC236}">
+                <a16:creationId xmlns:a16="http://schemas.microsoft.com/office/drawing/2014/main" id="{74949F99-C393-4156-8B19-CA6BF0E0B5C5}"/>
+              </a:ext>
+            </a:extLst>
+          </p:cNvPr>
+          <p:cNvCxnSpPr>
+            <a:cxnSpLocks/>
+          </p:cNvCxnSpPr>
+          <p:nvPr/>
+        </p:nvCxnSpPr>
+        <p:spPr>
+          <a:xfrm>
+            <a:off x="8143875" y="2209800"/>
+            <a:ext cx="0" cy="1356961"/>
+          </a:xfrm>
+          <a:prstGeom prst="line">
+            <a:avLst/>
+          </a:prstGeom>
+          <a:ln w="28575"/>
+        </p:spPr>
+        <p:style>
+          <a:lnRef idx="1">
+            <a:schemeClr val="accent1"/>
+          </a:lnRef>
+          <a:fillRef idx="0">
+            <a:schemeClr val="accent1"/>
+          </a:fillRef>
+          <a:effectRef idx="0">
+            <a:schemeClr val="accent1"/>
+          </a:effectRef>
+          <a:fontRef idx="minor">
+            <a:schemeClr val="tx1"/>
+          </a:fontRef>
+        </p:style>
+      </p:cxnSp>
+      <p:sp>
+        <p:nvSpPr>
+          <p:cNvPr id="12" name="Flèche : double flèche horizontale 11">
+            <a:extLst>
+              <a:ext uri="{FF2B5EF4-FFF2-40B4-BE49-F238E27FC236}">
+                <a16:creationId xmlns:a16="http://schemas.microsoft.com/office/drawing/2014/main" id="{88ED88FC-5385-473E-98B0-D499F34A17BF}"/>
+              </a:ext>
+            </a:extLst>
+          </p:cNvPr>
+          <p:cNvSpPr/>
+          <p:nvPr/>
+        </p:nvSpPr>
+        <p:spPr>
+          <a:xfrm>
+            <a:off x="4010025" y="3147661"/>
+            <a:ext cx="4133850" cy="419100"/>
+          </a:xfrm>
+          <a:prstGeom prst="leftRightArrow">
+            <a:avLst/>
+          </a:prstGeom>
+        </p:spPr>
+        <p:style>
+          <a:lnRef idx="2">
+            <a:schemeClr val="accent1">
+              <a:shade val="50000"/>
+            </a:schemeClr>
+          </a:lnRef>
+          <a:fillRef idx="1">
+            <a:schemeClr val="accent1"/>
+          </a:fillRef>
+          <a:effectRef idx="0">
+            <a:schemeClr val="accent1"/>
+          </a:effectRef>
+          <a:fontRef idx="minor">
+            <a:schemeClr val="lt1"/>
+          </a:fontRef>
+        </p:style>
+        <p:txBody>
+          <a:bodyPr rtlCol="0" anchor="ctr"/>
+          <a:lstStyle/>
+          <a:p>
+            <a:pPr algn="ctr"/>
+            <a:r>
+              <a:rPr lang="en-GB" dirty="0"/>
+              <a:t>Connection Interval</a:t>
+            </a:r>
+          </a:p>
+        </p:txBody>
+      </p:sp>
+      <p:cxnSp>
+        <p:nvCxnSpPr>
+          <p:cNvPr id="17" name="Connecteur droit avec flèche 16">
+            <a:extLst>
+              <a:ext uri="{FF2B5EF4-FFF2-40B4-BE49-F238E27FC236}">
+                <a16:creationId xmlns:a16="http://schemas.microsoft.com/office/drawing/2014/main" id="{5957E6C7-EFD1-42E9-B4F1-EF4C2016A1AD}"/>
+              </a:ext>
+            </a:extLst>
+          </p:cNvPr>
+          <p:cNvCxnSpPr>
+            <a:cxnSpLocks/>
+          </p:cNvCxnSpPr>
+          <p:nvPr/>
+        </p:nvCxnSpPr>
+        <p:spPr>
+          <a:xfrm>
+            <a:off x="6134100" y="1297781"/>
+            <a:ext cx="0" cy="1407319"/>
+          </a:xfrm>
+          <a:prstGeom prst="straightConnector1">
+            <a:avLst/>
+          </a:prstGeom>
+          <a:ln w="28575">
+            <a:tailEnd type="triangle"/>
+          </a:ln>
+        </p:spPr>
+        <p:style>
+          <a:lnRef idx="1">
+            <a:schemeClr val="accent1"/>
+          </a:lnRef>
+          <a:fillRef idx="0">
+            <a:schemeClr val="accent1"/>
+          </a:fillRef>
+          <a:effectRef idx="0">
+            <a:schemeClr val="accent1"/>
+          </a:effectRef>
+          <a:fontRef idx="minor">
+            <a:schemeClr val="tx1"/>
+          </a:fontRef>
+        </p:style>
+      </p:cxnSp>
+      <p:sp>
+        <p:nvSpPr>
+          <p:cNvPr id="19" name="ZoneTexte 18">
+            <a:extLst>
+              <a:ext uri="{FF2B5EF4-FFF2-40B4-BE49-F238E27FC236}">
+                <a16:creationId xmlns:a16="http://schemas.microsoft.com/office/drawing/2014/main" id="{F6B2573E-1309-4F82-8907-2D4D40E917D2}"/>
+              </a:ext>
+            </a:extLst>
+          </p:cNvPr>
+          <p:cNvSpPr txBox="1"/>
+          <p:nvPr/>
+        </p:nvSpPr>
+        <p:spPr>
+          <a:xfrm>
+            <a:off x="5753450" y="971405"/>
+            <a:ext cx="761299" cy="369332"/>
+          </a:xfrm>
+          <a:prstGeom prst="rect">
+            <a:avLst/>
+          </a:prstGeom>
+          <a:noFill/>
+        </p:spPr>
+        <p:txBody>
+          <a:bodyPr wrap="none" rtlCol="0">
+            <a:spAutoFit/>
+          </a:bodyPr>
+          <a:lstStyle/>
+          <a:p>
+            <a:r>
+              <a:rPr lang="en-GB" dirty="0"/>
+              <a:t>Notify</a:t>
+            </a:r>
+          </a:p>
+        </p:txBody>
+      </p:sp>
+      <p:sp>
+        <p:nvSpPr>
+          <p:cNvPr id="20" name="ZoneTexte 19">
+            <a:extLst>
+              <a:ext uri="{FF2B5EF4-FFF2-40B4-BE49-F238E27FC236}">
+                <a16:creationId xmlns:a16="http://schemas.microsoft.com/office/drawing/2014/main" id="{AB8A368B-96D4-4202-902B-DEAF607549D8}"/>
+              </a:ext>
+            </a:extLst>
+          </p:cNvPr>
+          <p:cNvSpPr txBox="1"/>
+          <p:nvPr/>
+        </p:nvSpPr>
+        <p:spPr>
+          <a:xfrm>
+            <a:off x="3093010" y="3620613"/>
+            <a:ext cx="1834028" cy="369332"/>
+          </a:xfrm>
+          <a:prstGeom prst="rect">
+            <a:avLst/>
+          </a:prstGeom>
+          <a:noFill/>
+        </p:spPr>
+        <p:txBody>
+          <a:bodyPr wrap="none" rtlCol="0">
+            <a:spAutoFit/>
+          </a:bodyPr>
+          <a:lstStyle/>
+          <a:p>
+            <a:r>
+              <a:rPr lang="en-GB" dirty="0"/>
+              <a:t>Connection Event</a:t>
+            </a:r>
+          </a:p>
+        </p:txBody>
+      </p:sp>
+      <p:sp>
+        <p:nvSpPr>
+          <p:cNvPr id="21" name="ZoneTexte 20">
+            <a:extLst>
+              <a:ext uri="{FF2B5EF4-FFF2-40B4-BE49-F238E27FC236}">
+                <a16:creationId xmlns:a16="http://schemas.microsoft.com/office/drawing/2014/main" id="{7F603C74-E0C6-4FDA-BFA4-C610FF5586B2}"/>
+              </a:ext>
+            </a:extLst>
+          </p:cNvPr>
+          <p:cNvSpPr txBox="1"/>
+          <p:nvPr/>
+        </p:nvSpPr>
+        <p:spPr>
+          <a:xfrm>
+            <a:off x="7226860" y="3620613"/>
+            <a:ext cx="1834028" cy="369332"/>
+          </a:xfrm>
+          <a:prstGeom prst="rect">
+            <a:avLst/>
+          </a:prstGeom>
+          <a:noFill/>
+        </p:spPr>
+        <p:txBody>
+          <a:bodyPr wrap="none" rtlCol="0">
+            <a:spAutoFit/>
+          </a:bodyPr>
+          <a:lstStyle/>
+          <a:p>
+            <a:r>
+              <a:rPr lang="en-GB" dirty="0"/>
+              <a:t>Connection Event</a:t>
+            </a:r>
+          </a:p>
+        </p:txBody>
+      </p:sp>
+      <p:sp>
+        <p:nvSpPr>
+          <p:cNvPr id="37" name="Ellipse 36">
+            <a:extLst>
+              <a:ext uri="{FF2B5EF4-FFF2-40B4-BE49-F238E27FC236}">
+                <a16:creationId xmlns:a16="http://schemas.microsoft.com/office/drawing/2014/main" id="{492D6DC5-93F1-46BD-802A-442F22F58497}"/>
+              </a:ext>
+            </a:extLst>
+          </p:cNvPr>
+          <p:cNvSpPr/>
+          <p:nvPr/>
+        </p:nvSpPr>
+        <p:spPr>
+          <a:xfrm>
+            <a:off x="4010025" y="1340738"/>
+            <a:ext cx="745332" cy="1426162"/>
+          </a:xfrm>
+          <a:prstGeom prst="ellipse">
+            <a:avLst/>
+          </a:prstGeom>
+          <a:noFill/>
+          <a:ln w="9525" cap="flat" cmpd="sng" algn="ctr">
+            <a:solidFill>
+              <a:schemeClr val="accent1"/>
+            </a:solidFill>
+            <a:prstDash val="solid"/>
+            <a:round/>
+            <a:headEnd type="none" w="med" len="med"/>
+            <a:tailEnd type="none" w="med" len="med"/>
+          </a:ln>
+        </p:spPr>
+        <p:style>
+          <a:lnRef idx="0">
+            <a:scrgbClr r="0" g="0" b="0"/>
+          </a:lnRef>
+          <a:fillRef idx="0">
+            <a:scrgbClr r="0" g="0" b="0"/>
+          </a:fillRef>
+          <a:effectRef idx="0">
+            <a:scrgbClr r="0" g="0" b="0"/>
+          </a:effectRef>
+          <a:fontRef idx="minor">
+            <a:schemeClr val="accent1"/>
+          </a:fontRef>
+        </p:style>
+        <p:txBody>
+          <a:bodyPr rtlCol="0" anchor="ctr"/>
+          <a:lstStyle/>
+          <a:p>
+            <a:pPr algn="ctr"/>
+            <a:endParaRPr lang="en-GB"/>
+          </a:p>
+        </p:txBody>
+      </p:sp>
+      <p:sp>
+        <p:nvSpPr>
+          <p:cNvPr id="38" name="Ellipse 37">
+            <a:extLst>
+              <a:ext uri="{FF2B5EF4-FFF2-40B4-BE49-F238E27FC236}">
+                <a16:creationId xmlns:a16="http://schemas.microsoft.com/office/drawing/2014/main" id="{53884D31-72C2-4C98-9724-5B1F6356AE33}"/>
+              </a:ext>
+            </a:extLst>
+          </p:cNvPr>
+          <p:cNvSpPr/>
+          <p:nvPr/>
+        </p:nvSpPr>
+        <p:spPr>
+          <a:xfrm>
+            <a:off x="8143874" y="1297781"/>
+            <a:ext cx="380649" cy="1426162"/>
+          </a:xfrm>
+          <a:prstGeom prst="ellipse">
+            <a:avLst/>
+          </a:prstGeom>
+          <a:noFill/>
+          <a:ln w="9525" cap="flat" cmpd="sng" algn="ctr">
+            <a:solidFill>
+              <a:schemeClr val="accent1"/>
+            </a:solidFill>
+            <a:prstDash val="solid"/>
+            <a:round/>
+            <a:headEnd type="none" w="med" len="med"/>
+            <a:tailEnd type="none" w="med" len="med"/>
+          </a:ln>
+        </p:spPr>
+        <p:style>
+          <a:lnRef idx="0">
+            <a:scrgbClr r="0" g="0" b="0"/>
+          </a:lnRef>
+          <a:fillRef idx="0">
+            <a:scrgbClr r="0" g="0" b="0"/>
+          </a:fillRef>
+          <a:effectRef idx="0">
+            <a:scrgbClr r="0" g="0" b="0"/>
+          </a:effectRef>
+          <a:fontRef idx="minor">
+            <a:schemeClr val="accent1"/>
+          </a:fontRef>
+        </p:style>
+        <p:txBody>
+          <a:bodyPr rtlCol="0" anchor="ctr"/>
+          <a:lstStyle/>
+          <a:p>
+            <a:pPr algn="ctr"/>
+            <a:endParaRPr lang="en-GB"/>
+          </a:p>
+        </p:txBody>
+      </p:sp>
+      <p:sp>
+        <p:nvSpPr>
+          <p:cNvPr id="39" name="ZoneTexte 38">
+            <a:extLst>
+              <a:ext uri="{FF2B5EF4-FFF2-40B4-BE49-F238E27FC236}">
+                <a16:creationId xmlns:a16="http://schemas.microsoft.com/office/drawing/2014/main" id="{FE36B12D-E4F9-49E0-B0E7-190433CD1624}"/>
+              </a:ext>
+            </a:extLst>
+          </p:cNvPr>
+          <p:cNvSpPr txBox="1"/>
+          <p:nvPr/>
+        </p:nvSpPr>
+        <p:spPr>
+          <a:xfrm>
+            <a:off x="3888488" y="893530"/>
+            <a:ext cx="1720151" cy="461665"/>
+          </a:xfrm>
+          <a:prstGeom prst="rect">
+            <a:avLst/>
+          </a:prstGeom>
+          <a:noFill/>
+        </p:spPr>
+        <p:txBody>
+          <a:bodyPr wrap="square" rtlCol="0">
+            <a:spAutoFit/>
+          </a:bodyPr>
+          <a:lstStyle/>
+          <a:p>
+            <a:r>
+              <a:rPr lang="en-GB" sz="1200" dirty="0"/>
+              <a:t>Data sent by </a:t>
+            </a:r>
+          </a:p>
+          <a:p>
+            <a:r>
+              <a:rPr lang="en-GB" sz="1200" dirty="0"/>
+              <a:t>the peripheral</a:t>
+            </a:r>
+          </a:p>
+        </p:txBody>
+      </p:sp>
+      <p:sp>
+        <p:nvSpPr>
+          <p:cNvPr id="40" name="ZoneTexte 39">
+            <a:extLst>
+              <a:ext uri="{FF2B5EF4-FFF2-40B4-BE49-F238E27FC236}">
+                <a16:creationId xmlns:a16="http://schemas.microsoft.com/office/drawing/2014/main" id="{58CDCA8C-8D5E-48E7-A7C3-B1BD2248B9BD}"/>
+              </a:ext>
+            </a:extLst>
+          </p:cNvPr>
+          <p:cNvSpPr txBox="1"/>
+          <p:nvPr/>
+        </p:nvSpPr>
+        <p:spPr>
+          <a:xfrm>
+            <a:off x="7774688" y="836116"/>
+            <a:ext cx="1720151" cy="461665"/>
+          </a:xfrm>
+          <a:prstGeom prst="rect">
+            <a:avLst/>
+          </a:prstGeom>
+          <a:noFill/>
+        </p:spPr>
+        <p:txBody>
+          <a:bodyPr wrap="square" rtlCol="0">
+            <a:spAutoFit/>
+          </a:bodyPr>
+          <a:lstStyle/>
+          <a:p>
+            <a:r>
+              <a:rPr lang="en-GB" sz="1200" dirty="0"/>
+              <a:t>Data sent by </a:t>
+            </a:r>
+          </a:p>
+          <a:p>
+            <a:r>
+              <a:rPr lang="en-GB" sz="1200" dirty="0"/>
+              <a:t>the peripheral</a:t>
+            </a:r>
+          </a:p>
+        </p:txBody>
+      </p:sp>
+    </p:spTree>
+    <p:extLst>
+      <p:ext uri="{BB962C8B-B14F-4D97-AF65-F5344CB8AC3E}">
+        <p14:creationId xmlns:p14="http://schemas.microsoft.com/office/powerpoint/2010/main" val="7415006"/>
       </p:ext>
     </p:extLst>
   </p:cSld>

--- a/0_Report/SchemaBlock.pptx
+++ b/0_Report/SchemaBlock.pptx
@@ -28,6 +28,7 @@
     <p:sldId id="269" r:id="rId22"/>
     <p:sldId id="271" r:id="rId23"/>
     <p:sldId id="279" r:id="rId24"/>
+    <p:sldId id="282" r:id="rId25"/>
   </p:sldIdLst>
   <p:sldSz cx="12192000" cy="6858000"/>
   <p:notesSz cx="6858000" cy="9144000"/>
@@ -269,7 +270,7 @@
           <a:p>
             <a:fld id="{8A4BC5C4-3B83-4D40-A2F2-85A6DFEA9E29}" type="datetimeFigureOut">
               <a:rPr lang="en-GB" smtClean="0"/>
-              <a:t>22/08/2017</a:t>
+              <a:t>23/08/2017</a:t>
             </a:fld>
             <a:endParaRPr lang="en-GB"/>
           </a:p>
@@ -311,7 +312,7 @@
           <a:p>
             <a:fld id="{BB8B8E8B-025C-49EF-ABEA-C5422AF7876E}" type="slidenum">
               <a:rPr lang="en-GB" smtClean="0"/>
-              <a:t>‹N°›</a:t>
+              <a:t>‹#›</a:t>
             </a:fld>
             <a:endParaRPr lang="en-GB"/>
           </a:p>
@@ -439,7 +440,7 @@
           <a:p>
             <a:fld id="{8A4BC5C4-3B83-4D40-A2F2-85A6DFEA9E29}" type="datetimeFigureOut">
               <a:rPr lang="en-GB" smtClean="0"/>
-              <a:t>22/08/2017</a:t>
+              <a:t>23/08/2017</a:t>
             </a:fld>
             <a:endParaRPr lang="en-GB"/>
           </a:p>
@@ -481,7 +482,7 @@
           <a:p>
             <a:fld id="{BB8B8E8B-025C-49EF-ABEA-C5422AF7876E}" type="slidenum">
               <a:rPr lang="en-GB" smtClean="0"/>
-              <a:t>‹N°›</a:t>
+              <a:t>‹#›</a:t>
             </a:fld>
             <a:endParaRPr lang="en-GB"/>
           </a:p>
@@ -619,7 +620,7 @@
           <a:p>
             <a:fld id="{8A4BC5C4-3B83-4D40-A2F2-85A6DFEA9E29}" type="datetimeFigureOut">
               <a:rPr lang="en-GB" smtClean="0"/>
-              <a:t>22/08/2017</a:t>
+              <a:t>23/08/2017</a:t>
             </a:fld>
             <a:endParaRPr lang="en-GB"/>
           </a:p>
@@ -661,7 +662,7 @@
           <a:p>
             <a:fld id="{BB8B8E8B-025C-49EF-ABEA-C5422AF7876E}" type="slidenum">
               <a:rPr lang="en-GB" smtClean="0"/>
-              <a:t>‹N°›</a:t>
+              <a:t>‹#›</a:t>
             </a:fld>
             <a:endParaRPr lang="en-GB"/>
           </a:p>
@@ -789,7 +790,7 @@
           <a:p>
             <a:fld id="{8A4BC5C4-3B83-4D40-A2F2-85A6DFEA9E29}" type="datetimeFigureOut">
               <a:rPr lang="en-GB" smtClean="0"/>
-              <a:t>22/08/2017</a:t>
+              <a:t>23/08/2017</a:t>
             </a:fld>
             <a:endParaRPr lang="en-GB"/>
           </a:p>
@@ -831,7 +832,7 @@
           <a:p>
             <a:fld id="{BB8B8E8B-025C-49EF-ABEA-C5422AF7876E}" type="slidenum">
               <a:rPr lang="en-GB" smtClean="0"/>
-              <a:t>‹N°›</a:t>
+              <a:t>‹#›</a:t>
             </a:fld>
             <a:endParaRPr lang="en-GB"/>
           </a:p>
@@ -1035,7 +1036,7 @@
           <a:p>
             <a:fld id="{8A4BC5C4-3B83-4D40-A2F2-85A6DFEA9E29}" type="datetimeFigureOut">
               <a:rPr lang="en-GB" smtClean="0"/>
-              <a:t>22/08/2017</a:t>
+              <a:t>23/08/2017</a:t>
             </a:fld>
             <a:endParaRPr lang="en-GB"/>
           </a:p>
@@ -1077,7 +1078,7 @@
           <a:p>
             <a:fld id="{BB8B8E8B-025C-49EF-ABEA-C5422AF7876E}" type="slidenum">
               <a:rPr lang="en-GB" smtClean="0"/>
-              <a:t>‹N°›</a:t>
+              <a:t>‹#›</a:t>
             </a:fld>
             <a:endParaRPr lang="en-GB"/>
           </a:p>
@@ -1267,7 +1268,7 @@
           <a:p>
             <a:fld id="{8A4BC5C4-3B83-4D40-A2F2-85A6DFEA9E29}" type="datetimeFigureOut">
               <a:rPr lang="en-GB" smtClean="0"/>
-              <a:t>22/08/2017</a:t>
+              <a:t>23/08/2017</a:t>
             </a:fld>
             <a:endParaRPr lang="en-GB"/>
           </a:p>
@@ -1309,7 +1310,7 @@
           <a:p>
             <a:fld id="{BB8B8E8B-025C-49EF-ABEA-C5422AF7876E}" type="slidenum">
               <a:rPr lang="en-GB" smtClean="0"/>
-              <a:t>‹N°›</a:t>
+              <a:t>‹#›</a:t>
             </a:fld>
             <a:endParaRPr lang="en-GB"/>
           </a:p>
@@ -1634,7 +1635,7 @@
           <a:p>
             <a:fld id="{8A4BC5C4-3B83-4D40-A2F2-85A6DFEA9E29}" type="datetimeFigureOut">
               <a:rPr lang="en-GB" smtClean="0"/>
-              <a:t>22/08/2017</a:t>
+              <a:t>23/08/2017</a:t>
             </a:fld>
             <a:endParaRPr lang="en-GB"/>
           </a:p>
@@ -1676,7 +1677,7 @@
           <a:p>
             <a:fld id="{BB8B8E8B-025C-49EF-ABEA-C5422AF7876E}" type="slidenum">
               <a:rPr lang="en-GB" smtClean="0"/>
-              <a:t>‹N°›</a:t>
+              <a:t>‹#›</a:t>
             </a:fld>
             <a:endParaRPr lang="en-GB"/>
           </a:p>
@@ -1752,7 +1753,7 @@
           <a:p>
             <a:fld id="{8A4BC5C4-3B83-4D40-A2F2-85A6DFEA9E29}" type="datetimeFigureOut">
               <a:rPr lang="en-GB" smtClean="0"/>
-              <a:t>22/08/2017</a:t>
+              <a:t>23/08/2017</a:t>
             </a:fld>
             <a:endParaRPr lang="en-GB"/>
           </a:p>
@@ -1794,7 +1795,7 @@
           <a:p>
             <a:fld id="{BB8B8E8B-025C-49EF-ABEA-C5422AF7876E}" type="slidenum">
               <a:rPr lang="en-GB" smtClean="0"/>
-              <a:t>‹N°›</a:t>
+              <a:t>‹#›</a:t>
             </a:fld>
             <a:endParaRPr lang="en-GB"/>
           </a:p>
@@ -1847,7 +1848,7 @@
           <a:p>
             <a:fld id="{8A4BC5C4-3B83-4D40-A2F2-85A6DFEA9E29}" type="datetimeFigureOut">
               <a:rPr lang="en-GB" smtClean="0"/>
-              <a:t>22/08/2017</a:t>
+              <a:t>23/08/2017</a:t>
             </a:fld>
             <a:endParaRPr lang="en-GB"/>
           </a:p>
@@ -1889,7 +1890,7 @@
           <a:p>
             <a:fld id="{BB8B8E8B-025C-49EF-ABEA-C5422AF7876E}" type="slidenum">
               <a:rPr lang="en-GB" smtClean="0"/>
-              <a:t>‹N°›</a:t>
+              <a:t>‹#›</a:t>
             </a:fld>
             <a:endParaRPr lang="en-GB"/>
           </a:p>
@@ -2124,7 +2125,7 @@
           <a:p>
             <a:fld id="{8A4BC5C4-3B83-4D40-A2F2-85A6DFEA9E29}" type="datetimeFigureOut">
               <a:rPr lang="en-GB" smtClean="0"/>
-              <a:t>22/08/2017</a:t>
+              <a:t>23/08/2017</a:t>
             </a:fld>
             <a:endParaRPr lang="en-GB"/>
           </a:p>
@@ -2166,7 +2167,7 @@
           <a:p>
             <a:fld id="{BB8B8E8B-025C-49EF-ABEA-C5422AF7876E}" type="slidenum">
               <a:rPr lang="en-GB" smtClean="0"/>
-              <a:t>‹N°›</a:t>
+              <a:t>‹#›</a:t>
             </a:fld>
             <a:endParaRPr lang="en-GB"/>
           </a:p>
@@ -2377,7 +2378,7 @@
           <a:p>
             <a:fld id="{8A4BC5C4-3B83-4D40-A2F2-85A6DFEA9E29}" type="datetimeFigureOut">
               <a:rPr lang="en-GB" smtClean="0"/>
-              <a:t>22/08/2017</a:t>
+              <a:t>23/08/2017</a:t>
             </a:fld>
             <a:endParaRPr lang="en-GB"/>
           </a:p>
@@ -2419,7 +2420,7 @@
           <a:p>
             <a:fld id="{BB8B8E8B-025C-49EF-ABEA-C5422AF7876E}" type="slidenum">
               <a:rPr lang="en-GB" smtClean="0"/>
-              <a:t>‹N°›</a:t>
+              <a:t>‹#›</a:t>
             </a:fld>
             <a:endParaRPr lang="en-GB"/>
           </a:p>
@@ -2590,7 +2591,7 @@
           <a:p>
             <a:fld id="{8A4BC5C4-3B83-4D40-A2F2-85A6DFEA9E29}" type="datetimeFigureOut">
               <a:rPr lang="en-GB" smtClean="0"/>
-              <a:t>22/08/2017</a:t>
+              <a:t>23/08/2017</a:t>
             </a:fld>
             <a:endParaRPr lang="en-GB"/>
           </a:p>
@@ -2668,7 +2669,7 @@
           <a:p>
             <a:fld id="{BB8B8E8B-025C-49EF-ABEA-C5422AF7876E}" type="slidenum">
               <a:rPr lang="en-GB" smtClean="0"/>
-              <a:t>‹N°›</a:t>
+              <a:t>‹#›</a:t>
             </a:fld>
             <a:endParaRPr lang="en-GB"/>
           </a:p>
@@ -5224,7 +5225,7 @@
           <p:nvPr/>
         </p:nvPicPr>
         <p:blipFill>
-          <a:blip r:embed="rId3">
+          <a:blip r:embed="rId3" cstate="hqprint">
             <a:extLst>
               <a:ext uri="{28A0092B-C50C-407E-A947-70E740481C1C}">
                 <a14:useLocalDpi xmlns:a14="http://schemas.microsoft.com/office/drawing/2010/main" val="0"/>
@@ -5366,7 +5367,7 @@
           <p:nvPr/>
         </p:nvPicPr>
         <p:blipFill>
-          <a:blip r:embed="rId2">
+          <a:blip r:embed="rId2" cstate="hqprint">
             <a:extLst>
               <a:ext uri="{28A0092B-C50C-407E-A947-70E740481C1C}">
                 <a14:useLocalDpi xmlns:a14="http://schemas.microsoft.com/office/drawing/2010/main" val="0"/>
@@ -5437,7 +5438,7 @@
           <p:nvPr/>
         </p:nvPicPr>
         <p:blipFill>
-          <a:blip r:embed="rId3">
+          <a:blip r:embed="rId4" cstate="hqprint">
             <a:extLst>
               <a:ext uri="{28A0092B-C50C-407E-A947-70E740481C1C}">
                 <a14:useLocalDpi xmlns:a14="http://schemas.microsoft.com/office/drawing/2010/main" val="0"/>
@@ -5508,7 +5509,7 @@
           <p:nvPr/>
         </p:nvPicPr>
         <p:blipFill>
-          <a:blip r:embed="rId4">
+          <a:blip r:embed="rId5">
             <a:extLst>
               <a:ext uri="{28A0092B-C50C-407E-A947-70E740481C1C}">
                 <a14:useLocalDpi xmlns:a14="http://schemas.microsoft.com/office/drawing/2010/main" val="0"/>
@@ -5544,7 +5545,7 @@
           <p:nvPr/>
         </p:nvPicPr>
         <p:blipFill>
-          <a:blip r:embed="rId5">
+          <a:blip r:embed="rId6" cstate="hqprint">
             <a:extLst>
               <a:ext uri="{28A0092B-C50C-407E-A947-70E740481C1C}">
                 <a14:useLocalDpi xmlns:a14="http://schemas.microsoft.com/office/drawing/2010/main" val="0"/>
@@ -5615,7 +5616,7 @@
           <p:nvPr/>
         </p:nvPicPr>
         <p:blipFill>
-          <a:blip r:embed="rId5">
+          <a:blip r:embed="rId7" cstate="hqprint">
             <a:extLst>
               <a:ext uri="{28A0092B-C50C-407E-A947-70E740481C1C}">
                 <a14:useLocalDpi xmlns:a14="http://schemas.microsoft.com/office/drawing/2010/main" val="0"/>
@@ -5686,7 +5687,7 @@
           <p:nvPr/>
         </p:nvPicPr>
         <p:blipFill>
-          <a:blip r:embed="rId5">
+          <a:blip r:embed="rId7" cstate="hqprint">
             <a:extLst>
               <a:ext uri="{28A0092B-C50C-407E-A947-70E740481C1C}">
                 <a14:useLocalDpi xmlns:a14="http://schemas.microsoft.com/office/drawing/2010/main" val="0"/>
@@ -5757,7 +5758,7 @@
           <p:nvPr/>
         </p:nvPicPr>
         <p:blipFill>
-          <a:blip r:embed="rId5">
+          <a:blip r:embed="rId7" cstate="hqprint">
             <a:extLst>
               <a:ext uri="{28A0092B-C50C-407E-A947-70E740481C1C}">
                 <a14:useLocalDpi xmlns:a14="http://schemas.microsoft.com/office/drawing/2010/main" val="0"/>
@@ -5828,7 +5829,7 @@
           <p:nvPr/>
         </p:nvPicPr>
         <p:blipFill>
-          <a:blip r:embed="rId5">
+          <a:blip r:embed="rId7" cstate="hqprint">
             <a:extLst>
               <a:ext uri="{28A0092B-C50C-407E-A947-70E740481C1C}">
                 <a14:useLocalDpi xmlns:a14="http://schemas.microsoft.com/office/drawing/2010/main" val="0"/>
@@ -5970,7 +5971,7 @@
           <p:nvPr/>
         </p:nvPicPr>
         <p:blipFill>
-          <a:blip r:embed="rId3">
+          <a:blip r:embed="rId4" cstate="hqprint">
             <a:extLst>
               <a:ext uri="{28A0092B-C50C-407E-A947-70E740481C1C}">
                 <a14:useLocalDpi xmlns:a14="http://schemas.microsoft.com/office/drawing/2010/main" val="0"/>
@@ -7450,7 +7451,7 @@
           <p:nvPr/>
         </p:nvPicPr>
         <p:blipFill>
-          <a:blip r:embed="rId3">
+          <a:blip r:embed="rId3" cstate="hqprint">
             <a:extLst>
               <a:ext uri="{28A0092B-C50C-407E-A947-70E740481C1C}">
                 <a14:useLocalDpi xmlns:a14="http://schemas.microsoft.com/office/drawing/2010/main" val="0"/>
@@ -7486,7 +7487,7 @@
           <p:nvPr/>
         </p:nvPicPr>
         <p:blipFill>
-          <a:blip r:embed="rId3">
+          <a:blip r:embed="rId3" cstate="hqprint">
             <a:extLst>
               <a:ext uri="{28A0092B-C50C-407E-A947-70E740481C1C}">
                 <a14:useLocalDpi xmlns:a14="http://schemas.microsoft.com/office/drawing/2010/main" val="0"/>
@@ -8817,7 +8818,7 @@
           <p:nvPr/>
         </p:nvPicPr>
         <p:blipFill>
-          <a:blip r:embed="rId3">
+          <a:blip r:embed="rId4" cstate="hqprint">
             <a:extLst>
               <a:ext uri="{28A0092B-C50C-407E-A947-70E740481C1C}">
                 <a14:useLocalDpi xmlns:a14="http://schemas.microsoft.com/office/drawing/2010/main" val="0"/>
@@ -8923,7 +8924,7 @@
           <p:nvPr/>
         </p:nvPicPr>
         <p:blipFill>
-          <a:blip r:embed="rId4">
+          <a:blip r:embed="rId5" cstate="hqprint">
             <a:extLst>
               <a:ext uri="{28A0092B-C50C-407E-A947-70E740481C1C}">
                 <a14:useLocalDpi xmlns:a14="http://schemas.microsoft.com/office/drawing/2010/main" val="0"/>
@@ -8994,7 +8995,7 @@
           <p:nvPr/>
         </p:nvPicPr>
         <p:blipFill>
-          <a:blip r:embed="rId3">
+          <a:blip r:embed="rId3" cstate="hqprint">
             <a:extLst>
               <a:ext uri="{28A0092B-C50C-407E-A947-70E740481C1C}">
                 <a14:useLocalDpi xmlns:a14="http://schemas.microsoft.com/office/drawing/2010/main" val="0"/>
@@ -9065,7 +9066,7 @@
           <p:nvPr/>
         </p:nvPicPr>
         <p:blipFill>
-          <a:blip r:embed="rId5">
+          <a:blip r:embed="rId6">
             <a:extLst>
               <a:ext uri="{28A0092B-C50C-407E-A947-70E740481C1C}">
                 <a14:useLocalDpi xmlns:a14="http://schemas.microsoft.com/office/drawing/2010/main" val="0"/>
@@ -9101,7 +9102,7 @@
           <p:nvPr/>
         </p:nvPicPr>
         <p:blipFill>
-          <a:blip r:embed="rId6">
+          <a:blip r:embed="rId7" cstate="hqprint">
             <a:extLst>
               <a:ext uri="{28A0092B-C50C-407E-A947-70E740481C1C}">
                 <a14:useLocalDpi xmlns:a14="http://schemas.microsoft.com/office/drawing/2010/main" val="0"/>
@@ -9172,7 +9173,7 @@
           <p:nvPr/>
         </p:nvPicPr>
         <p:blipFill>
-          <a:blip r:embed="rId6">
+          <a:blip r:embed="rId8" cstate="hqprint">
             <a:extLst>
               <a:ext uri="{28A0092B-C50C-407E-A947-70E740481C1C}">
                 <a14:useLocalDpi xmlns:a14="http://schemas.microsoft.com/office/drawing/2010/main" val="0"/>
@@ -9243,7 +9244,7 @@
           <p:nvPr/>
         </p:nvPicPr>
         <p:blipFill>
-          <a:blip r:embed="rId6">
+          <a:blip r:embed="rId8" cstate="hqprint">
             <a:extLst>
               <a:ext uri="{28A0092B-C50C-407E-A947-70E740481C1C}">
                 <a14:useLocalDpi xmlns:a14="http://schemas.microsoft.com/office/drawing/2010/main" val="0"/>
@@ -9473,7 +9474,7 @@
           <p:nvPr/>
         </p:nvPicPr>
         <p:blipFill>
-          <a:blip r:embed="rId6">
+          <a:blip r:embed="rId8" cstate="hqprint">
             <a:extLst>
               <a:ext uri="{28A0092B-C50C-407E-A947-70E740481C1C}">
                 <a14:useLocalDpi xmlns:a14="http://schemas.microsoft.com/office/drawing/2010/main" val="0"/>
@@ -10431,7 +10432,7 @@
           <p:nvPr/>
         </p:nvPicPr>
         <p:blipFill>
-          <a:blip r:embed="rId2">
+          <a:blip r:embed="rId2" cstate="hqprint">
             <a:extLst>
               <a:ext uri="{28A0092B-C50C-407E-A947-70E740481C1C}">
                 <a14:useLocalDpi xmlns:a14="http://schemas.microsoft.com/office/drawing/2010/main" val="0"/>
@@ -10502,7 +10503,7 @@
           <p:nvPr/>
         </p:nvPicPr>
         <p:blipFill>
-          <a:blip r:embed="rId3">
+          <a:blip r:embed="rId3" cstate="hqprint">
             <a:extLst>
               <a:ext uri="{28A0092B-C50C-407E-A947-70E740481C1C}">
                 <a14:useLocalDpi xmlns:a14="http://schemas.microsoft.com/office/drawing/2010/main" val="0"/>
@@ -10609,7 +10610,7 @@
           <p:nvPr/>
         </p:nvPicPr>
         <p:blipFill>
-          <a:blip r:embed="rId5">
+          <a:blip r:embed="rId5" cstate="hqprint">
             <a:extLst>
               <a:ext uri="{28A0092B-C50C-407E-A947-70E740481C1C}">
                 <a14:useLocalDpi xmlns:a14="http://schemas.microsoft.com/office/drawing/2010/main" val="0"/>
@@ -10680,7 +10681,7 @@
           <p:nvPr/>
         </p:nvPicPr>
         <p:blipFill>
-          <a:blip r:embed="rId5">
+          <a:blip r:embed="rId6" cstate="hqprint">
             <a:extLst>
               <a:ext uri="{28A0092B-C50C-407E-A947-70E740481C1C}">
                 <a14:useLocalDpi xmlns:a14="http://schemas.microsoft.com/office/drawing/2010/main" val="0"/>
@@ -10751,7 +10752,7 @@
           <p:nvPr/>
         </p:nvPicPr>
         <p:blipFill>
-          <a:blip r:embed="rId5">
+          <a:blip r:embed="rId6" cstate="hqprint">
             <a:extLst>
               <a:ext uri="{28A0092B-C50C-407E-A947-70E740481C1C}">
                 <a14:useLocalDpi xmlns:a14="http://schemas.microsoft.com/office/drawing/2010/main" val="0"/>
@@ -10893,7 +10894,7 @@
           <p:nvPr/>
         </p:nvPicPr>
         <p:blipFill>
-          <a:blip r:embed="rId2">
+          <a:blip r:embed="rId7" cstate="hqprint">
             <a:extLst>
               <a:ext uri="{28A0092B-C50C-407E-A947-70E740481C1C}">
                 <a14:useLocalDpi xmlns:a14="http://schemas.microsoft.com/office/drawing/2010/main" val="0"/>
@@ -11018,7 +11019,7 @@
           <p:nvPr/>
         </p:nvPicPr>
         <p:blipFill>
-          <a:blip r:embed="rId6">
+          <a:blip r:embed="rId8" cstate="hqprint">
             <a:extLst>
               <a:ext uri="{28A0092B-C50C-407E-A947-70E740481C1C}">
                 <a14:useLocalDpi xmlns:a14="http://schemas.microsoft.com/office/drawing/2010/main" val="0"/>
@@ -11125,7 +11126,7 @@
           <p:nvPr/>
         </p:nvPicPr>
         <p:blipFill>
-          <a:blip r:embed="rId6">
+          <a:blip r:embed="rId8" cstate="hqprint">
             <a:extLst>
               <a:ext uri="{28A0092B-C50C-407E-A947-70E740481C1C}">
                 <a14:useLocalDpi xmlns:a14="http://schemas.microsoft.com/office/drawing/2010/main" val="0"/>
@@ -11232,7 +11233,7 @@
           <p:nvPr/>
         </p:nvPicPr>
         <p:blipFill>
-          <a:blip r:embed="rId6">
+          <a:blip r:embed="rId8" cstate="hqprint">
             <a:extLst>
               <a:ext uri="{28A0092B-C50C-407E-A947-70E740481C1C}">
                 <a14:useLocalDpi xmlns:a14="http://schemas.microsoft.com/office/drawing/2010/main" val="0"/>
@@ -11339,7 +11340,7 @@
           <p:nvPr/>
         </p:nvPicPr>
         <p:blipFill>
-          <a:blip r:embed="rId6">
+          <a:blip r:embed="rId8" cstate="hqprint">
             <a:extLst>
               <a:ext uri="{28A0092B-C50C-407E-A947-70E740481C1C}">
                 <a14:useLocalDpi xmlns:a14="http://schemas.microsoft.com/office/drawing/2010/main" val="0"/>
@@ -21397,6 +21398,452 @@
     <p:extLst>
       <p:ext uri="{BB962C8B-B14F-4D97-AF65-F5344CB8AC3E}">
         <p14:creationId xmlns:p14="http://schemas.microsoft.com/office/powerpoint/2010/main" val="7415006"/>
+      </p:ext>
+    </p:extLst>
+  </p:cSld>
+  <p:clrMapOvr>
+    <a:masterClrMapping/>
+  </p:clrMapOvr>
+</p:sld>
+</file>
+
+<file path=ppt/slides/slide24.xml><?xml version="1.0" encoding="utf-8"?>
+<p:sld xmlns:a="http://schemas.openxmlformats.org/drawingml/2006/main" xmlns:r="http://schemas.openxmlformats.org/officeDocument/2006/relationships" xmlns:p="http://schemas.openxmlformats.org/presentationml/2006/main">
+  <p:cSld>
+    <p:spTree>
+      <p:nvGrpSpPr>
+        <p:cNvPr id="1" name=""/>
+        <p:cNvGrpSpPr/>
+        <p:nvPr/>
+      </p:nvGrpSpPr>
+      <p:grpSpPr>
+        <a:xfrm>
+          <a:off x="0" y="0"/>
+          <a:ext cx="0" cy="0"/>
+          <a:chOff x="0" y="0"/>
+          <a:chExt cx="0" cy="0"/>
+        </a:xfrm>
+      </p:grpSpPr>
+      <p:pic>
+        <p:nvPicPr>
+          <p:cNvPr id="10" name="Picture 9"/>
+          <p:cNvPicPr>
+            <a:picLocks noChangeAspect="1"/>
+          </p:cNvPicPr>
+          <p:nvPr/>
+        </p:nvPicPr>
+        <p:blipFill>
+          <a:blip r:embed="rId2"/>
+          <a:stretch>
+            <a:fillRect/>
+          </a:stretch>
+        </p:blipFill>
+        <p:spPr>
+          <a:xfrm>
+            <a:off x="1192054" y="1404938"/>
+            <a:ext cx="10820400" cy="3301566"/>
+          </a:xfrm>
+          <a:prstGeom prst="rect">
+            <a:avLst/>
+          </a:prstGeom>
+        </p:spPr>
+      </p:pic>
+      <p:cxnSp>
+        <p:nvCxnSpPr>
+          <p:cNvPr id="7" name="Straight Connector 6"/>
+          <p:cNvCxnSpPr/>
+          <p:nvPr/>
+        </p:nvCxnSpPr>
+        <p:spPr>
+          <a:xfrm flipH="1">
+            <a:off x="1264446" y="1813560"/>
+            <a:ext cx="474" cy="2824740"/>
+          </a:xfrm>
+          <a:prstGeom prst="line">
+            <a:avLst/>
+          </a:prstGeom>
+          <a:ln w="19050">
+            <a:solidFill>
+              <a:schemeClr val="accent3">
+                <a:lumMod val="60000"/>
+                <a:lumOff val="40000"/>
+              </a:schemeClr>
+            </a:solidFill>
+          </a:ln>
+        </p:spPr>
+        <p:style>
+          <a:lnRef idx="1">
+            <a:schemeClr val="accent1"/>
+          </a:lnRef>
+          <a:fillRef idx="0">
+            <a:schemeClr val="accent1"/>
+          </a:fillRef>
+          <a:effectRef idx="0">
+            <a:schemeClr val="accent1"/>
+          </a:effectRef>
+          <a:fontRef idx="minor">
+            <a:schemeClr val="tx1"/>
+          </a:fontRef>
+        </p:style>
+      </p:cxnSp>
+      <p:cxnSp>
+        <p:nvCxnSpPr>
+          <p:cNvPr id="13" name="Straight Connector 12"/>
+          <p:cNvCxnSpPr/>
+          <p:nvPr/>
+        </p:nvCxnSpPr>
+        <p:spPr>
+          <a:xfrm flipH="1">
+            <a:off x="11932446" y="1813560"/>
+            <a:ext cx="474" cy="2824740"/>
+          </a:xfrm>
+          <a:prstGeom prst="line">
+            <a:avLst/>
+          </a:prstGeom>
+          <a:ln w="19050">
+            <a:solidFill>
+              <a:schemeClr val="accent3">
+                <a:lumMod val="60000"/>
+                <a:lumOff val="40000"/>
+              </a:schemeClr>
+            </a:solidFill>
+          </a:ln>
+        </p:spPr>
+        <p:style>
+          <a:lnRef idx="1">
+            <a:schemeClr val="accent1"/>
+          </a:lnRef>
+          <a:fillRef idx="0">
+            <a:schemeClr val="accent1"/>
+          </a:fillRef>
+          <a:effectRef idx="0">
+            <a:schemeClr val="accent1"/>
+          </a:effectRef>
+          <a:fontRef idx="minor">
+            <a:schemeClr val="tx1"/>
+          </a:fontRef>
+        </p:style>
+      </p:cxnSp>
+      <p:sp>
+        <p:nvSpPr>
+          <p:cNvPr id="14" name="ZoneTexte 40">
+            <a:extLst>
+              <a:ext uri="{FF2B5EF4-FFF2-40B4-BE49-F238E27FC236}">
+                <a16:creationId xmlns:a16="http://schemas.microsoft.com/office/drawing/2014/main" id="{6B619F3F-5425-430D-802E-A424D1230162}"/>
+              </a:ext>
+            </a:extLst>
+          </p:cNvPr>
+          <p:cNvSpPr txBox="1"/>
+          <p:nvPr/>
+        </p:nvSpPr>
+        <p:spPr>
+          <a:xfrm>
+            <a:off x="80901" y="1831172"/>
+            <a:ext cx="1146917" cy="369332"/>
+          </a:xfrm>
+          <a:prstGeom prst="rect">
+            <a:avLst/>
+          </a:prstGeom>
+          <a:noFill/>
+        </p:spPr>
+        <p:txBody>
+          <a:bodyPr wrap="none" rtlCol="0">
+            <a:spAutoFit/>
+          </a:bodyPr>
+          <a:lstStyle/>
+          <a:p>
+            <a:r>
+              <a:rPr lang="en-GB" dirty="0" smtClean="0">
+                <a:latin typeface="Calibri" panose="020F0502020204030204" pitchFamily="34" charset="0"/>
+              </a:rPr>
+              <a:t>Int. </a:t>
+            </a:r>
+            <a:r>
+              <a:rPr lang="en-GB" dirty="0">
+                <a:latin typeface="Calibri" panose="020F0502020204030204" pitchFamily="34" charset="0"/>
+              </a:rPr>
+              <a:t>IRQ →</a:t>
+            </a:r>
+            <a:endParaRPr lang="en-GB" b="1" dirty="0"/>
+          </a:p>
+        </p:txBody>
+      </p:sp>
+      <p:sp>
+        <p:nvSpPr>
+          <p:cNvPr id="15" name="ZoneTexte 40">
+            <a:extLst>
+              <a:ext uri="{FF2B5EF4-FFF2-40B4-BE49-F238E27FC236}">
+                <a16:creationId xmlns:a16="http://schemas.microsoft.com/office/drawing/2014/main" id="{6B619F3F-5425-430D-802E-A424D1230162}"/>
+              </a:ext>
+            </a:extLst>
+          </p:cNvPr>
+          <p:cNvSpPr txBox="1"/>
+          <p:nvPr/>
+        </p:nvSpPr>
+        <p:spPr>
+          <a:xfrm>
+            <a:off x="116665" y="2208498"/>
+            <a:ext cx="1099468" cy="369332"/>
+          </a:xfrm>
+          <a:prstGeom prst="rect">
+            <a:avLst/>
+          </a:prstGeom>
+          <a:noFill/>
+        </p:spPr>
+        <p:txBody>
+          <a:bodyPr wrap="none" rtlCol="0">
+            <a:spAutoFit/>
+          </a:bodyPr>
+          <a:lstStyle/>
+          <a:p>
+            <a:r>
+              <a:rPr lang="en-GB" dirty="0" smtClean="0">
+                <a:latin typeface="Calibri" panose="020F0502020204030204" pitchFamily="34" charset="0"/>
+              </a:rPr>
+              <a:t>Int</a:t>
+            </a:r>
+            <a:r>
+              <a:rPr lang="en-GB" dirty="0">
+                <a:latin typeface="Calibri" panose="020F0502020204030204" pitchFamily="34" charset="0"/>
+              </a:rPr>
+              <a:t>. ISR →</a:t>
+            </a:r>
+            <a:endParaRPr lang="en-GB" b="1" dirty="0"/>
+          </a:p>
+        </p:txBody>
+      </p:sp>
+      <p:sp>
+        <p:nvSpPr>
+          <p:cNvPr id="16" name="ZoneTexte 40">
+            <a:extLst>
+              <a:ext uri="{FF2B5EF4-FFF2-40B4-BE49-F238E27FC236}">
+                <a16:creationId xmlns:a16="http://schemas.microsoft.com/office/drawing/2014/main" id="{6B619F3F-5425-430D-802E-A424D1230162}"/>
+              </a:ext>
+            </a:extLst>
+          </p:cNvPr>
+          <p:cNvSpPr txBox="1"/>
+          <p:nvPr/>
+        </p:nvSpPr>
+        <p:spPr>
+          <a:xfrm>
+            <a:off x="237980" y="2528633"/>
+            <a:ext cx="1043876" cy="369332"/>
+          </a:xfrm>
+          <a:prstGeom prst="rect">
+            <a:avLst/>
+          </a:prstGeom>
+          <a:noFill/>
+        </p:spPr>
+        <p:txBody>
+          <a:bodyPr wrap="none" rtlCol="0">
+            <a:spAutoFit/>
+          </a:bodyPr>
+          <a:lstStyle/>
+          <a:p>
+            <a:r>
+              <a:rPr lang="en-GB" dirty="0">
+                <a:latin typeface="Calibri" panose="020F0502020204030204" pitchFamily="34" charset="0"/>
+              </a:rPr>
+              <a:t>Timer → </a:t>
+            </a:r>
+            <a:endParaRPr lang="en-GB" b="1" dirty="0"/>
+          </a:p>
+        </p:txBody>
+      </p:sp>
+      <p:sp>
+        <p:nvSpPr>
+          <p:cNvPr id="17" name="ZoneTexte 40">
+            <a:extLst>
+              <a:ext uri="{FF2B5EF4-FFF2-40B4-BE49-F238E27FC236}">
+                <a16:creationId xmlns:a16="http://schemas.microsoft.com/office/drawing/2014/main" id="{6B619F3F-5425-430D-802E-A424D1230162}"/>
+              </a:ext>
+            </a:extLst>
+          </p:cNvPr>
+          <p:cNvSpPr txBox="1"/>
+          <p:nvPr/>
+        </p:nvSpPr>
+        <p:spPr>
+          <a:xfrm>
+            <a:off x="537742" y="2888216"/>
+            <a:ext cx="678391" cy="369332"/>
+          </a:xfrm>
+          <a:prstGeom prst="rect">
+            <a:avLst/>
+          </a:prstGeom>
+          <a:noFill/>
+        </p:spPr>
+        <p:txBody>
+          <a:bodyPr wrap="none" rtlCol="0">
+            <a:spAutoFit/>
+          </a:bodyPr>
+          <a:lstStyle/>
+          <a:p>
+            <a:r>
+              <a:rPr lang="en-GB" dirty="0">
+                <a:latin typeface="Calibri" panose="020F0502020204030204" pitchFamily="34" charset="0"/>
+              </a:rPr>
+              <a:t>TX →</a:t>
+            </a:r>
+            <a:endParaRPr lang="en-GB" b="1" dirty="0"/>
+          </a:p>
+        </p:txBody>
+      </p:sp>
+      <p:sp>
+        <p:nvSpPr>
+          <p:cNvPr id="18" name="ZoneTexte 40">
+            <a:extLst>
+              <a:ext uri="{FF2B5EF4-FFF2-40B4-BE49-F238E27FC236}">
+                <a16:creationId xmlns:a16="http://schemas.microsoft.com/office/drawing/2014/main" id="{6B619F3F-5425-430D-802E-A424D1230162}"/>
+              </a:ext>
+            </a:extLst>
+          </p:cNvPr>
+          <p:cNvSpPr txBox="1"/>
+          <p:nvPr/>
+        </p:nvSpPr>
+        <p:spPr>
+          <a:xfrm>
+            <a:off x="537742" y="3235387"/>
+            <a:ext cx="744114" cy="369332"/>
+          </a:xfrm>
+          <a:prstGeom prst="rect">
+            <a:avLst/>
+          </a:prstGeom>
+          <a:noFill/>
+        </p:spPr>
+        <p:txBody>
+          <a:bodyPr wrap="none" rtlCol="0">
+            <a:spAutoFit/>
+          </a:bodyPr>
+          <a:lstStyle/>
+          <a:p>
+            <a:r>
+              <a:rPr lang="en-GB" dirty="0">
+                <a:latin typeface="Calibri" panose="020F0502020204030204" pitchFamily="34" charset="0"/>
+              </a:rPr>
+              <a:t>RX → </a:t>
+            </a:r>
+            <a:endParaRPr lang="en-GB" b="1" dirty="0"/>
+          </a:p>
+        </p:txBody>
+      </p:sp>
+      <p:sp>
+        <p:nvSpPr>
+          <p:cNvPr id="19" name="ZoneTexte 40">
+            <a:extLst>
+              <a:ext uri="{FF2B5EF4-FFF2-40B4-BE49-F238E27FC236}">
+                <a16:creationId xmlns:a16="http://schemas.microsoft.com/office/drawing/2014/main" id="{6B619F3F-5425-430D-802E-A424D1230162}"/>
+              </a:ext>
+            </a:extLst>
+          </p:cNvPr>
+          <p:cNvSpPr txBox="1"/>
+          <p:nvPr/>
+        </p:nvSpPr>
+        <p:spPr>
+          <a:xfrm>
+            <a:off x="237980" y="3586573"/>
+            <a:ext cx="1052083" cy="369332"/>
+          </a:xfrm>
+          <a:prstGeom prst="rect">
+            <a:avLst/>
+          </a:prstGeom>
+          <a:noFill/>
+        </p:spPr>
+        <p:txBody>
+          <a:bodyPr wrap="none" rtlCol="0">
+            <a:spAutoFit/>
+          </a:bodyPr>
+          <a:lstStyle/>
+          <a:p>
+            <a:r>
+              <a:rPr lang="en-GB" dirty="0">
+                <a:latin typeface="Calibri" panose="020F0502020204030204" pitchFamily="34" charset="0"/>
+              </a:rPr>
+              <a:t>Trans. → </a:t>
+            </a:r>
+            <a:endParaRPr lang="en-GB" b="1" dirty="0"/>
+          </a:p>
+        </p:txBody>
+      </p:sp>
+      <p:sp>
+        <p:nvSpPr>
+          <p:cNvPr id="20" name="ZoneTexte 40">
+            <a:extLst>
+              <a:ext uri="{FF2B5EF4-FFF2-40B4-BE49-F238E27FC236}">
+                <a16:creationId xmlns:a16="http://schemas.microsoft.com/office/drawing/2014/main" id="{6B619F3F-5425-430D-802E-A424D1230162}"/>
+              </a:ext>
+            </a:extLst>
+          </p:cNvPr>
+          <p:cNvSpPr txBox="1"/>
+          <p:nvPr/>
+        </p:nvSpPr>
+        <p:spPr>
+          <a:xfrm>
+            <a:off x="222174" y="3933744"/>
+            <a:ext cx="1075487" cy="369332"/>
+          </a:xfrm>
+          <a:prstGeom prst="rect">
+            <a:avLst/>
+          </a:prstGeom>
+          <a:noFill/>
+        </p:spPr>
+        <p:txBody>
+          <a:bodyPr wrap="none" rtlCol="0">
+            <a:spAutoFit/>
+          </a:bodyPr>
+          <a:lstStyle/>
+          <a:p>
+            <a:r>
+              <a:rPr lang="en-GB" dirty="0">
+                <a:latin typeface="Calibri" panose="020F0502020204030204" pitchFamily="34" charset="0"/>
+              </a:rPr>
+              <a:t>Notify → </a:t>
+            </a:r>
+            <a:endParaRPr lang="en-GB" b="1" dirty="0"/>
+          </a:p>
+        </p:txBody>
+      </p:sp>
+      <p:sp>
+        <p:nvSpPr>
+          <p:cNvPr id="21" name="ZoneTexte 40">
+            <a:extLst>
+              <a:ext uri="{FF2B5EF4-FFF2-40B4-BE49-F238E27FC236}">
+                <a16:creationId xmlns:a16="http://schemas.microsoft.com/office/drawing/2014/main" id="{6B619F3F-5425-430D-802E-A424D1230162}"/>
+              </a:ext>
+            </a:extLst>
+          </p:cNvPr>
+          <p:cNvSpPr txBox="1"/>
+          <p:nvPr/>
+        </p:nvSpPr>
+        <p:spPr>
+          <a:xfrm>
+            <a:off x="323564" y="4293327"/>
+            <a:ext cx="916726" cy="369332"/>
+          </a:xfrm>
+          <a:prstGeom prst="rect">
+            <a:avLst/>
+          </a:prstGeom>
+          <a:noFill/>
+        </p:spPr>
+        <p:txBody>
+          <a:bodyPr wrap="none" rtlCol="0">
+            <a:spAutoFit/>
+          </a:bodyPr>
+          <a:lstStyle/>
+          <a:p>
+            <a:r>
+              <a:rPr lang="en-GB" dirty="0">
+                <a:latin typeface="Calibri" panose="020F0502020204030204" pitchFamily="34" charset="0"/>
+              </a:rPr>
+              <a:t>Error →</a:t>
+            </a:r>
+            <a:endParaRPr lang="en-GB" b="1" dirty="0"/>
+          </a:p>
+        </p:txBody>
+      </p:sp>
+    </p:spTree>
+    <p:extLst>
+      <p:ext uri="{BB962C8B-B14F-4D97-AF65-F5344CB8AC3E}">
+        <p14:creationId xmlns:p14="http://schemas.microsoft.com/office/powerpoint/2010/main" val="16336238"/>
       </p:ext>
     </p:extLst>
   </p:cSld>

--- a/0_Report/SchemaBlock.pptx
+++ b/0_Report/SchemaBlock.pptx
@@ -31,6 +31,7 @@
     <p:sldId id="284" r:id="rId25"/>
     <p:sldId id="285" r:id="rId26"/>
     <p:sldId id="286" r:id="rId27"/>
+    <p:sldId id="287" r:id="rId28"/>
   </p:sldIdLst>
   <p:sldSz cx="12192000" cy="6858000"/>
   <p:notesSz cx="6858000" cy="9144000"/>
@@ -272,7 +273,7 @@
           <a:p>
             <a:fld id="{8A4BC5C4-3B83-4D40-A2F2-85A6DFEA9E29}" type="datetimeFigureOut">
               <a:rPr lang="en-GB" smtClean="0"/>
-              <a:t>23/08/2017</a:t>
+              <a:t>24/08/2017</a:t>
             </a:fld>
             <a:endParaRPr lang="en-GB"/>
           </a:p>
@@ -442,7 +443,7 @@
           <a:p>
             <a:fld id="{8A4BC5C4-3B83-4D40-A2F2-85A6DFEA9E29}" type="datetimeFigureOut">
               <a:rPr lang="en-GB" smtClean="0"/>
-              <a:t>23/08/2017</a:t>
+              <a:t>24/08/2017</a:t>
             </a:fld>
             <a:endParaRPr lang="en-GB"/>
           </a:p>
@@ -622,7 +623,7 @@
           <a:p>
             <a:fld id="{8A4BC5C4-3B83-4D40-A2F2-85A6DFEA9E29}" type="datetimeFigureOut">
               <a:rPr lang="en-GB" smtClean="0"/>
-              <a:t>23/08/2017</a:t>
+              <a:t>24/08/2017</a:t>
             </a:fld>
             <a:endParaRPr lang="en-GB"/>
           </a:p>
@@ -792,7 +793,7 @@
           <a:p>
             <a:fld id="{8A4BC5C4-3B83-4D40-A2F2-85A6DFEA9E29}" type="datetimeFigureOut">
               <a:rPr lang="en-GB" smtClean="0"/>
-              <a:t>23/08/2017</a:t>
+              <a:t>24/08/2017</a:t>
             </a:fld>
             <a:endParaRPr lang="en-GB"/>
           </a:p>
@@ -1038,7 +1039,7 @@
           <a:p>
             <a:fld id="{8A4BC5C4-3B83-4D40-A2F2-85A6DFEA9E29}" type="datetimeFigureOut">
               <a:rPr lang="en-GB" smtClean="0"/>
-              <a:t>23/08/2017</a:t>
+              <a:t>24/08/2017</a:t>
             </a:fld>
             <a:endParaRPr lang="en-GB"/>
           </a:p>
@@ -1270,7 +1271,7 @@
           <a:p>
             <a:fld id="{8A4BC5C4-3B83-4D40-A2F2-85A6DFEA9E29}" type="datetimeFigureOut">
               <a:rPr lang="en-GB" smtClean="0"/>
-              <a:t>23/08/2017</a:t>
+              <a:t>24/08/2017</a:t>
             </a:fld>
             <a:endParaRPr lang="en-GB"/>
           </a:p>
@@ -1637,7 +1638,7 @@
           <a:p>
             <a:fld id="{8A4BC5C4-3B83-4D40-A2F2-85A6DFEA9E29}" type="datetimeFigureOut">
               <a:rPr lang="en-GB" smtClean="0"/>
-              <a:t>23/08/2017</a:t>
+              <a:t>24/08/2017</a:t>
             </a:fld>
             <a:endParaRPr lang="en-GB"/>
           </a:p>
@@ -1755,7 +1756,7 @@
           <a:p>
             <a:fld id="{8A4BC5C4-3B83-4D40-A2F2-85A6DFEA9E29}" type="datetimeFigureOut">
               <a:rPr lang="en-GB" smtClean="0"/>
-              <a:t>23/08/2017</a:t>
+              <a:t>24/08/2017</a:t>
             </a:fld>
             <a:endParaRPr lang="en-GB"/>
           </a:p>
@@ -1850,7 +1851,7 @@
           <a:p>
             <a:fld id="{8A4BC5C4-3B83-4D40-A2F2-85A6DFEA9E29}" type="datetimeFigureOut">
               <a:rPr lang="en-GB" smtClean="0"/>
-              <a:t>23/08/2017</a:t>
+              <a:t>24/08/2017</a:t>
             </a:fld>
             <a:endParaRPr lang="en-GB"/>
           </a:p>
@@ -2127,7 +2128,7 @@
           <a:p>
             <a:fld id="{8A4BC5C4-3B83-4D40-A2F2-85A6DFEA9E29}" type="datetimeFigureOut">
               <a:rPr lang="en-GB" smtClean="0"/>
-              <a:t>23/08/2017</a:t>
+              <a:t>24/08/2017</a:t>
             </a:fld>
             <a:endParaRPr lang="en-GB"/>
           </a:p>
@@ -2380,7 +2381,7 @@
           <a:p>
             <a:fld id="{8A4BC5C4-3B83-4D40-A2F2-85A6DFEA9E29}" type="datetimeFigureOut">
               <a:rPr lang="en-GB" smtClean="0"/>
-              <a:t>23/08/2017</a:t>
+              <a:t>24/08/2017</a:t>
             </a:fld>
             <a:endParaRPr lang="en-GB"/>
           </a:p>
@@ -2593,7 +2594,7 @@
           <a:p>
             <a:fld id="{8A4BC5C4-3B83-4D40-A2F2-85A6DFEA9E29}" type="datetimeFigureOut">
               <a:rPr lang="en-GB" smtClean="0"/>
-              <a:t>23/08/2017</a:t>
+              <a:t>24/08/2017</a:t>
             </a:fld>
             <a:endParaRPr lang="en-GB"/>
           </a:p>
@@ -20845,6 +20846,3120 @@
 </p:sld>
 </file>
 
+<file path=ppt/slides/slide27.xml><?xml version="1.0" encoding="utf-8"?>
+<p:sld xmlns:a="http://schemas.openxmlformats.org/drawingml/2006/main" xmlns:r="http://schemas.openxmlformats.org/officeDocument/2006/relationships" xmlns:p="http://schemas.openxmlformats.org/presentationml/2006/main">
+  <p:cSld>
+    <p:spTree>
+      <p:nvGrpSpPr>
+        <p:cNvPr id="1" name=""/>
+        <p:cNvGrpSpPr/>
+        <p:nvPr/>
+      </p:nvGrpSpPr>
+      <p:grpSpPr>
+        <a:xfrm>
+          <a:off x="0" y="0"/>
+          <a:ext cx="0" cy="0"/>
+          <a:chOff x="0" y="0"/>
+          <a:chExt cx="0" cy="0"/>
+        </a:xfrm>
+      </p:grpSpPr>
+      <p:pic>
+        <p:nvPicPr>
+          <p:cNvPr id="5" name="Image 4">
+            <a:extLst>
+              <a:ext uri="{FF2B5EF4-FFF2-40B4-BE49-F238E27FC236}">
+                <a16:creationId xmlns:a16="http://schemas.microsoft.com/office/drawing/2014/main" id="{F7BB3119-EB07-4634-A00C-D557BE18FCA7}"/>
+              </a:ext>
+            </a:extLst>
+          </p:cNvPr>
+          <p:cNvPicPr/>
+          <p:nvPr/>
+        </p:nvPicPr>
+        <p:blipFill>
+          <a:blip r:embed="rId2">
+            <a:extLst>
+              <a:ext uri="{28A0092B-C50C-407E-A947-70E740481C1C}">
+                <a14:useLocalDpi xmlns:a14="http://schemas.microsoft.com/office/drawing/2010/main" val="0"/>
+              </a:ext>
+            </a:extLst>
+          </a:blip>
+          <a:srcRect/>
+          <a:stretch>
+            <a:fillRect/>
+          </a:stretch>
+        </p:blipFill>
+        <p:spPr bwMode="auto">
+          <a:xfrm>
+            <a:off x="1752832" y="5823187"/>
+            <a:ext cx="9354321" cy="2065564"/>
+          </a:xfrm>
+          <a:prstGeom prst="rect">
+            <a:avLst/>
+          </a:prstGeom>
+          <a:noFill/>
+          <a:ln>
+            <a:noFill/>
+          </a:ln>
+        </p:spPr>
+      </p:pic>
+      <p:cxnSp>
+        <p:nvCxnSpPr>
+          <p:cNvPr id="7" name="Connecteur droit 6">
+            <a:extLst>
+              <a:ext uri="{FF2B5EF4-FFF2-40B4-BE49-F238E27FC236}">
+                <a16:creationId xmlns:a16="http://schemas.microsoft.com/office/drawing/2014/main" id="{051F6B0D-6998-40CB-9E95-7420CED743A1}"/>
+              </a:ext>
+            </a:extLst>
+          </p:cNvPr>
+          <p:cNvCxnSpPr/>
+          <p:nvPr/>
+        </p:nvCxnSpPr>
+        <p:spPr>
+          <a:xfrm>
+            <a:off x="2092218" y="662195"/>
+            <a:ext cx="8554857" cy="0"/>
+          </a:xfrm>
+          <a:prstGeom prst="line">
+            <a:avLst/>
+          </a:prstGeom>
+          <a:ln w="19050"/>
+        </p:spPr>
+        <p:style>
+          <a:lnRef idx="1">
+            <a:schemeClr val="accent1"/>
+          </a:lnRef>
+          <a:fillRef idx="0">
+            <a:schemeClr val="accent1"/>
+          </a:fillRef>
+          <a:effectRef idx="0">
+            <a:schemeClr val="accent1"/>
+          </a:effectRef>
+          <a:fontRef idx="minor">
+            <a:schemeClr val="tx1"/>
+          </a:fontRef>
+        </p:style>
+      </p:cxnSp>
+      <p:cxnSp>
+        <p:nvCxnSpPr>
+          <p:cNvPr id="8" name="Connecteur droit 7">
+            <a:extLst>
+              <a:ext uri="{FF2B5EF4-FFF2-40B4-BE49-F238E27FC236}">
+                <a16:creationId xmlns:a16="http://schemas.microsoft.com/office/drawing/2014/main" id="{1BCF35DB-DDB6-4899-9D08-A7549475E90B}"/>
+              </a:ext>
+            </a:extLst>
+          </p:cNvPr>
+          <p:cNvCxnSpPr/>
+          <p:nvPr/>
+        </p:nvCxnSpPr>
+        <p:spPr>
+          <a:xfrm>
+            <a:off x="2092218" y="1784228"/>
+            <a:ext cx="8554857" cy="0"/>
+          </a:xfrm>
+          <a:prstGeom prst="line">
+            <a:avLst/>
+          </a:prstGeom>
+          <a:ln w="19050"/>
+        </p:spPr>
+        <p:style>
+          <a:lnRef idx="1">
+            <a:schemeClr val="accent1"/>
+          </a:lnRef>
+          <a:fillRef idx="0">
+            <a:schemeClr val="accent1"/>
+          </a:fillRef>
+          <a:effectRef idx="0">
+            <a:schemeClr val="accent1"/>
+          </a:effectRef>
+          <a:fontRef idx="minor">
+            <a:schemeClr val="tx1"/>
+          </a:fontRef>
+        </p:style>
+      </p:cxnSp>
+      <p:sp>
+        <p:nvSpPr>
+          <p:cNvPr id="9" name="Rectangle 8">
+            <a:extLst>
+              <a:ext uri="{FF2B5EF4-FFF2-40B4-BE49-F238E27FC236}">
+                <a16:creationId xmlns:a16="http://schemas.microsoft.com/office/drawing/2014/main" id="{91A4B4B6-1F78-47A0-AF2C-6A19F87E54C6}"/>
+              </a:ext>
+            </a:extLst>
+          </p:cNvPr>
+          <p:cNvSpPr/>
+          <p:nvPr/>
+        </p:nvSpPr>
+        <p:spPr>
+          <a:xfrm>
+            <a:off x="2840922" y="1404762"/>
+            <a:ext cx="1669240" cy="379466"/>
+          </a:xfrm>
+          <a:prstGeom prst="rect">
+            <a:avLst/>
+          </a:prstGeom>
+        </p:spPr>
+        <p:style>
+          <a:lnRef idx="2">
+            <a:schemeClr val="accent1">
+              <a:shade val="50000"/>
+            </a:schemeClr>
+          </a:lnRef>
+          <a:fillRef idx="1">
+            <a:schemeClr val="accent1"/>
+          </a:fillRef>
+          <a:effectRef idx="0">
+            <a:schemeClr val="accent1"/>
+          </a:effectRef>
+          <a:fontRef idx="minor">
+            <a:schemeClr val="lt1"/>
+          </a:fontRef>
+        </p:style>
+        <p:txBody>
+          <a:bodyPr rtlCol="0" anchor="ctr"/>
+          <a:lstStyle/>
+          <a:p>
+            <a:pPr algn="ctr"/>
+            <a:endParaRPr lang="en-GB"/>
+          </a:p>
+        </p:txBody>
+      </p:sp>
+      <p:sp>
+        <p:nvSpPr>
+          <p:cNvPr id="11" name="Rectangle 10">
+            <a:extLst>
+              <a:ext uri="{FF2B5EF4-FFF2-40B4-BE49-F238E27FC236}">
+                <a16:creationId xmlns:a16="http://schemas.microsoft.com/office/drawing/2014/main" id="{50560824-40C0-49A7-B30C-856210E45B80}"/>
+              </a:ext>
+            </a:extLst>
+          </p:cNvPr>
+          <p:cNvSpPr/>
+          <p:nvPr/>
+        </p:nvSpPr>
+        <p:spPr>
+          <a:xfrm>
+            <a:off x="5595373" y="1404762"/>
+            <a:ext cx="1669240" cy="379466"/>
+          </a:xfrm>
+          <a:prstGeom prst="rect">
+            <a:avLst/>
+          </a:prstGeom>
+        </p:spPr>
+        <p:style>
+          <a:lnRef idx="2">
+            <a:schemeClr val="accent1">
+              <a:shade val="50000"/>
+            </a:schemeClr>
+          </a:lnRef>
+          <a:fillRef idx="1">
+            <a:schemeClr val="accent1"/>
+          </a:fillRef>
+          <a:effectRef idx="0">
+            <a:schemeClr val="accent1"/>
+          </a:effectRef>
+          <a:fontRef idx="minor">
+            <a:schemeClr val="lt1"/>
+          </a:fontRef>
+        </p:style>
+        <p:txBody>
+          <a:bodyPr rtlCol="0" anchor="ctr"/>
+          <a:lstStyle/>
+          <a:p>
+            <a:pPr algn="ctr"/>
+            <a:endParaRPr lang="en-GB"/>
+          </a:p>
+        </p:txBody>
+      </p:sp>
+      <p:sp>
+        <p:nvSpPr>
+          <p:cNvPr id="12" name="Rectangle 11">
+            <a:extLst>
+              <a:ext uri="{FF2B5EF4-FFF2-40B4-BE49-F238E27FC236}">
+                <a16:creationId xmlns:a16="http://schemas.microsoft.com/office/drawing/2014/main" id="{BBCDEB77-E60E-4B0E-907B-6C8D41DB6960}"/>
+              </a:ext>
+            </a:extLst>
+          </p:cNvPr>
+          <p:cNvSpPr/>
+          <p:nvPr/>
+        </p:nvSpPr>
+        <p:spPr>
+          <a:xfrm>
+            <a:off x="8349824" y="1397603"/>
+            <a:ext cx="1669240" cy="379466"/>
+          </a:xfrm>
+          <a:prstGeom prst="rect">
+            <a:avLst/>
+          </a:prstGeom>
+        </p:spPr>
+        <p:style>
+          <a:lnRef idx="2">
+            <a:schemeClr val="accent1">
+              <a:shade val="50000"/>
+            </a:schemeClr>
+          </a:lnRef>
+          <a:fillRef idx="1">
+            <a:schemeClr val="accent1"/>
+          </a:fillRef>
+          <a:effectRef idx="0">
+            <a:schemeClr val="accent1"/>
+          </a:effectRef>
+          <a:fontRef idx="minor">
+            <a:schemeClr val="lt1"/>
+          </a:fontRef>
+        </p:style>
+        <p:txBody>
+          <a:bodyPr rtlCol="0" anchor="ctr"/>
+          <a:lstStyle/>
+          <a:p>
+            <a:pPr algn="ctr"/>
+            <a:endParaRPr lang="en-GB"/>
+          </a:p>
+        </p:txBody>
+      </p:sp>
+      <p:sp>
+        <p:nvSpPr>
+          <p:cNvPr id="13" name="Rectangle 12">
+            <a:extLst>
+              <a:ext uri="{FF2B5EF4-FFF2-40B4-BE49-F238E27FC236}">
+                <a16:creationId xmlns:a16="http://schemas.microsoft.com/office/drawing/2014/main" id="{10B06BD9-1911-4168-A3B9-D73ACB097210}"/>
+              </a:ext>
+            </a:extLst>
+          </p:cNvPr>
+          <p:cNvSpPr/>
+          <p:nvPr/>
+        </p:nvSpPr>
+        <p:spPr>
+          <a:xfrm>
+            <a:off x="2840922" y="669355"/>
+            <a:ext cx="1050435" cy="379466"/>
+          </a:xfrm>
+          <a:prstGeom prst="rect">
+            <a:avLst/>
+          </a:prstGeom>
+        </p:spPr>
+        <p:style>
+          <a:lnRef idx="2">
+            <a:schemeClr val="accent1">
+              <a:shade val="50000"/>
+            </a:schemeClr>
+          </a:lnRef>
+          <a:fillRef idx="1">
+            <a:schemeClr val="accent1"/>
+          </a:fillRef>
+          <a:effectRef idx="0">
+            <a:schemeClr val="accent1"/>
+          </a:effectRef>
+          <a:fontRef idx="minor">
+            <a:schemeClr val="lt1"/>
+          </a:fontRef>
+        </p:style>
+        <p:txBody>
+          <a:bodyPr rtlCol="0" anchor="ctr"/>
+          <a:lstStyle/>
+          <a:p>
+            <a:pPr algn="ctr"/>
+            <a:endParaRPr lang="en-GB"/>
+          </a:p>
+        </p:txBody>
+      </p:sp>
+      <p:sp>
+        <p:nvSpPr>
+          <p:cNvPr id="15" name="Rectangle 14">
+            <a:extLst>
+              <a:ext uri="{FF2B5EF4-FFF2-40B4-BE49-F238E27FC236}">
+                <a16:creationId xmlns:a16="http://schemas.microsoft.com/office/drawing/2014/main" id="{BFE07282-087D-46DB-8F15-A0398125C5FA}"/>
+              </a:ext>
+            </a:extLst>
+          </p:cNvPr>
+          <p:cNvSpPr/>
+          <p:nvPr/>
+        </p:nvSpPr>
+        <p:spPr>
+          <a:xfrm>
+            <a:off x="4981682" y="669355"/>
+            <a:ext cx="1050435" cy="379466"/>
+          </a:xfrm>
+          <a:prstGeom prst="rect">
+            <a:avLst/>
+          </a:prstGeom>
+        </p:spPr>
+        <p:style>
+          <a:lnRef idx="2">
+            <a:schemeClr val="accent1">
+              <a:shade val="50000"/>
+            </a:schemeClr>
+          </a:lnRef>
+          <a:fillRef idx="1">
+            <a:schemeClr val="accent1"/>
+          </a:fillRef>
+          <a:effectRef idx="0">
+            <a:schemeClr val="accent1"/>
+          </a:effectRef>
+          <a:fontRef idx="minor">
+            <a:schemeClr val="lt1"/>
+          </a:fontRef>
+        </p:style>
+        <p:txBody>
+          <a:bodyPr rtlCol="0" anchor="ctr"/>
+          <a:lstStyle/>
+          <a:p>
+            <a:pPr algn="ctr"/>
+            <a:endParaRPr lang="en-GB"/>
+          </a:p>
+        </p:txBody>
+      </p:sp>
+      <p:sp>
+        <p:nvSpPr>
+          <p:cNvPr id="16" name="Rectangle 15">
+            <a:extLst>
+              <a:ext uri="{FF2B5EF4-FFF2-40B4-BE49-F238E27FC236}">
+                <a16:creationId xmlns:a16="http://schemas.microsoft.com/office/drawing/2014/main" id="{3A1EA509-8AA8-47EC-A5C9-A2599994DF13}"/>
+              </a:ext>
+            </a:extLst>
+          </p:cNvPr>
+          <p:cNvSpPr/>
+          <p:nvPr/>
+        </p:nvSpPr>
+        <p:spPr>
+          <a:xfrm>
+            <a:off x="7122442" y="669355"/>
+            <a:ext cx="1050435" cy="379466"/>
+          </a:xfrm>
+          <a:prstGeom prst="rect">
+            <a:avLst/>
+          </a:prstGeom>
+        </p:spPr>
+        <p:style>
+          <a:lnRef idx="2">
+            <a:schemeClr val="accent1">
+              <a:shade val="50000"/>
+            </a:schemeClr>
+          </a:lnRef>
+          <a:fillRef idx="1">
+            <a:schemeClr val="accent1"/>
+          </a:fillRef>
+          <a:effectRef idx="0">
+            <a:schemeClr val="accent1"/>
+          </a:effectRef>
+          <a:fontRef idx="minor">
+            <a:schemeClr val="lt1"/>
+          </a:fontRef>
+        </p:style>
+        <p:txBody>
+          <a:bodyPr rtlCol="0" anchor="ctr"/>
+          <a:lstStyle/>
+          <a:p>
+            <a:pPr algn="ctr"/>
+            <a:endParaRPr lang="en-GB"/>
+          </a:p>
+        </p:txBody>
+      </p:sp>
+      <p:sp>
+        <p:nvSpPr>
+          <p:cNvPr id="17" name="Rectangle 16">
+            <a:extLst>
+              <a:ext uri="{FF2B5EF4-FFF2-40B4-BE49-F238E27FC236}">
+                <a16:creationId xmlns:a16="http://schemas.microsoft.com/office/drawing/2014/main" id="{09BB9682-23D4-4D67-8EEA-D40D16F524C9}"/>
+              </a:ext>
+            </a:extLst>
+          </p:cNvPr>
+          <p:cNvSpPr/>
+          <p:nvPr/>
+        </p:nvSpPr>
+        <p:spPr>
+          <a:xfrm>
+            <a:off x="9263202" y="669355"/>
+            <a:ext cx="1050435" cy="379466"/>
+          </a:xfrm>
+          <a:prstGeom prst="rect">
+            <a:avLst/>
+          </a:prstGeom>
+        </p:spPr>
+        <p:style>
+          <a:lnRef idx="2">
+            <a:schemeClr val="accent1">
+              <a:shade val="50000"/>
+            </a:schemeClr>
+          </a:lnRef>
+          <a:fillRef idx="1">
+            <a:schemeClr val="accent1"/>
+          </a:fillRef>
+          <a:effectRef idx="0">
+            <a:schemeClr val="accent1"/>
+          </a:effectRef>
+          <a:fontRef idx="minor">
+            <a:schemeClr val="lt1"/>
+          </a:fontRef>
+        </p:style>
+        <p:txBody>
+          <a:bodyPr rtlCol="0" anchor="ctr"/>
+          <a:lstStyle/>
+          <a:p>
+            <a:pPr algn="ctr"/>
+            <a:endParaRPr lang="en-GB"/>
+          </a:p>
+        </p:txBody>
+      </p:sp>
+      <p:cxnSp>
+        <p:nvCxnSpPr>
+          <p:cNvPr id="19" name="Connecteur droit avec flèche 18">
+            <a:extLst>
+              <a:ext uri="{FF2B5EF4-FFF2-40B4-BE49-F238E27FC236}">
+                <a16:creationId xmlns:a16="http://schemas.microsoft.com/office/drawing/2014/main" id="{747E9436-28A4-4128-A052-5861FC898713}"/>
+              </a:ext>
+            </a:extLst>
+          </p:cNvPr>
+          <p:cNvCxnSpPr>
+            <a:cxnSpLocks/>
+          </p:cNvCxnSpPr>
+          <p:nvPr/>
+        </p:nvCxnSpPr>
+        <p:spPr>
+          <a:xfrm>
+            <a:off x="2840922" y="531428"/>
+            <a:ext cx="2140760" cy="0"/>
+          </a:xfrm>
+          <a:prstGeom prst="straightConnector1">
+            <a:avLst/>
+          </a:prstGeom>
+          <a:ln w="12700">
+            <a:headEnd type="triangle"/>
+            <a:tailEnd type="triangle"/>
+          </a:ln>
+        </p:spPr>
+        <p:style>
+          <a:lnRef idx="1">
+            <a:schemeClr val="accent1"/>
+          </a:lnRef>
+          <a:fillRef idx="0">
+            <a:schemeClr val="accent1"/>
+          </a:fillRef>
+          <a:effectRef idx="0">
+            <a:schemeClr val="accent1"/>
+          </a:effectRef>
+          <a:fontRef idx="minor">
+            <a:schemeClr val="tx1"/>
+          </a:fontRef>
+        </p:style>
+      </p:cxnSp>
+      <p:cxnSp>
+        <p:nvCxnSpPr>
+          <p:cNvPr id="22" name="Connecteur droit avec flèche 21">
+            <a:extLst>
+              <a:ext uri="{FF2B5EF4-FFF2-40B4-BE49-F238E27FC236}">
+                <a16:creationId xmlns:a16="http://schemas.microsoft.com/office/drawing/2014/main" id="{66AD61C8-3AE6-46FC-9C32-D4AFEBCBB703}"/>
+              </a:ext>
+            </a:extLst>
+          </p:cNvPr>
+          <p:cNvCxnSpPr>
+            <a:cxnSpLocks/>
+          </p:cNvCxnSpPr>
+          <p:nvPr/>
+        </p:nvCxnSpPr>
+        <p:spPr>
+          <a:xfrm>
+            <a:off x="4981682" y="531428"/>
+            <a:ext cx="2140760" cy="0"/>
+          </a:xfrm>
+          <a:prstGeom prst="straightConnector1">
+            <a:avLst/>
+          </a:prstGeom>
+          <a:ln w="12700">
+            <a:headEnd type="triangle"/>
+            <a:tailEnd type="triangle"/>
+          </a:ln>
+        </p:spPr>
+        <p:style>
+          <a:lnRef idx="1">
+            <a:schemeClr val="accent1"/>
+          </a:lnRef>
+          <a:fillRef idx="0">
+            <a:schemeClr val="accent1"/>
+          </a:fillRef>
+          <a:effectRef idx="0">
+            <a:schemeClr val="accent1"/>
+          </a:effectRef>
+          <a:fontRef idx="minor">
+            <a:schemeClr val="tx1"/>
+          </a:fontRef>
+        </p:style>
+      </p:cxnSp>
+      <p:cxnSp>
+        <p:nvCxnSpPr>
+          <p:cNvPr id="23" name="Connecteur droit avec flèche 22">
+            <a:extLst>
+              <a:ext uri="{FF2B5EF4-FFF2-40B4-BE49-F238E27FC236}">
+                <a16:creationId xmlns:a16="http://schemas.microsoft.com/office/drawing/2014/main" id="{FC346A0E-35D3-42B8-A142-0E3EAE0AE328}"/>
+              </a:ext>
+            </a:extLst>
+          </p:cNvPr>
+          <p:cNvCxnSpPr>
+            <a:cxnSpLocks/>
+          </p:cNvCxnSpPr>
+          <p:nvPr/>
+        </p:nvCxnSpPr>
+        <p:spPr>
+          <a:xfrm>
+            <a:off x="7122442" y="531428"/>
+            <a:ext cx="2140760" cy="0"/>
+          </a:xfrm>
+          <a:prstGeom prst="straightConnector1">
+            <a:avLst/>
+          </a:prstGeom>
+          <a:ln w="12700">
+            <a:headEnd type="triangle"/>
+            <a:tailEnd type="triangle"/>
+          </a:ln>
+        </p:spPr>
+        <p:style>
+          <a:lnRef idx="1">
+            <a:schemeClr val="accent1"/>
+          </a:lnRef>
+          <a:fillRef idx="0">
+            <a:schemeClr val="accent1"/>
+          </a:fillRef>
+          <a:effectRef idx="0">
+            <a:schemeClr val="accent1"/>
+          </a:effectRef>
+          <a:fontRef idx="minor">
+            <a:schemeClr val="tx1"/>
+          </a:fontRef>
+        </p:style>
+      </p:cxnSp>
+      <p:cxnSp>
+        <p:nvCxnSpPr>
+          <p:cNvPr id="24" name="Connecteur droit avec flèche 23">
+            <a:extLst>
+              <a:ext uri="{FF2B5EF4-FFF2-40B4-BE49-F238E27FC236}">
+                <a16:creationId xmlns:a16="http://schemas.microsoft.com/office/drawing/2014/main" id="{CB49B948-1788-4EFF-BDF5-F04908D352BE}"/>
+              </a:ext>
+            </a:extLst>
+          </p:cNvPr>
+          <p:cNvCxnSpPr>
+            <a:cxnSpLocks/>
+          </p:cNvCxnSpPr>
+          <p:nvPr/>
+        </p:nvCxnSpPr>
+        <p:spPr>
+          <a:xfrm>
+            <a:off x="2840922" y="2061220"/>
+            <a:ext cx="1669240" cy="0"/>
+          </a:xfrm>
+          <a:prstGeom prst="straightConnector1">
+            <a:avLst/>
+          </a:prstGeom>
+          <a:ln w="12700">
+            <a:headEnd type="triangle"/>
+            <a:tailEnd type="triangle"/>
+          </a:ln>
+        </p:spPr>
+        <p:style>
+          <a:lnRef idx="1">
+            <a:schemeClr val="accent1"/>
+          </a:lnRef>
+          <a:fillRef idx="0">
+            <a:schemeClr val="accent1"/>
+          </a:fillRef>
+          <a:effectRef idx="0">
+            <a:schemeClr val="accent1"/>
+          </a:effectRef>
+          <a:fontRef idx="minor">
+            <a:schemeClr val="tx1"/>
+          </a:fontRef>
+        </p:style>
+      </p:cxnSp>
+      <p:cxnSp>
+        <p:nvCxnSpPr>
+          <p:cNvPr id="27" name="Connecteur droit avec flèche 26">
+            <a:extLst>
+              <a:ext uri="{FF2B5EF4-FFF2-40B4-BE49-F238E27FC236}">
+                <a16:creationId xmlns:a16="http://schemas.microsoft.com/office/drawing/2014/main" id="{D49AB1C9-C754-435E-BF23-CC6A99601EE8}"/>
+              </a:ext>
+            </a:extLst>
+          </p:cNvPr>
+          <p:cNvCxnSpPr>
+            <a:cxnSpLocks/>
+          </p:cNvCxnSpPr>
+          <p:nvPr/>
+        </p:nvCxnSpPr>
+        <p:spPr>
+          <a:xfrm>
+            <a:off x="5595373" y="2061220"/>
+            <a:ext cx="1669240" cy="0"/>
+          </a:xfrm>
+          <a:prstGeom prst="straightConnector1">
+            <a:avLst/>
+          </a:prstGeom>
+          <a:ln w="12700">
+            <a:headEnd type="triangle"/>
+            <a:tailEnd type="triangle"/>
+          </a:ln>
+        </p:spPr>
+        <p:style>
+          <a:lnRef idx="1">
+            <a:schemeClr val="accent1"/>
+          </a:lnRef>
+          <a:fillRef idx="0">
+            <a:schemeClr val="accent1"/>
+          </a:fillRef>
+          <a:effectRef idx="0">
+            <a:schemeClr val="accent1"/>
+          </a:effectRef>
+          <a:fontRef idx="minor">
+            <a:schemeClr val="tx1"/>
+          </a:fontRef>
+        </p:style>
+      </p:cxnSp>
+      <p:cxnSp>
+        <p:nvCxnSpPr>
+          <p:cNvPr id="28" name="Connecteur droit avec flèche 27">
+            <a:extLst>
+              <a:ext uri="{FF2B5EF4-FFF2-40B4-BE49-F238E27FC236}">
+                <a16:creationId xmlns:a16="http://schemas.microsoft.com/office/drawing/2014/main" id="{E0B26047-AA8F-4665-97A3-B33D06A7F0F8}"/>
+              </a:ext>
+            </a:extLst>
+          </p:cNvPr>
+          <p:cNvCxnSpPr>
+            <a:cxnSpLocks/>
+          </p:cNvCxnSpPr>
+          <p:nvPr/>
+        </p:nvCxnSpPr>
+        <p:spPr>
+          <a:xfrm>
+            <a:off x="8349824" y="2064768"/>
+            <a:ext cx="1669240" cy="0"/>
+          </a:xfrm>
+          <a:prstGeom prst="straightConnector1">
+            <a:avLst/>
+          </a:prstGeom>
+          <a:ln w="12700">
+            <a:headEnd type="triangle"/>
+            <a:tailEnd type="triangle"/>
+          </a:ln>
+        </p:spPr>
+        <p:style>
+          <a:lnRef idx="1">
+            <a:schemeClr val="accent1"/>
+          </a:lnRef>
+          <a:fillRef idx="0">
+            <a:schemeClr val="accent1"/>
+          </a:fillRef>
+          <a:effectRef idx="0">
+            <a:schemeClr val="accent1"/>
+          </a:effectRef>
+          <a:fontRef idx="minor">
+            <a:schemeClr val="tx1"/>
+          </a:fontRef>
+        </p:style>
+      </p:cxnSp>
+      <p:sp>
+        <p:nvSpPr>
+          <p:cNvPr id="29" name="Flèche : double flèche verticale 28">
+            <a:extLst>
+              <a:ext uri="{FF2B5EF4-FFF2-40B4-BE49-F238E27FC236}">
+                <a16:creationId xmlns:a16="http://schemas.microsoft.com/office/drawing/2014/main" id="{D7029ADB-B815-40EE-8EF8-A4B9211E25B8}"/>
+              </a:ext>
+            </a:extLst>
+          </p:cNvPr>
+          <p:cNvSpPr/>
+          <p:nvPr/>
+        </p:nvSpPr>
+        <p:spPr>
+          <a:xfrm>
+            <a:off x="3283769" y="1080414"/>
+            <a:ext cx="164740" cy="285595"/>
+          </a:xfrm>
+          <a:prstGeom prst="upDownArrow">
+            <a:avLst/>
+          </a:prstGeom>
+        </p:spPr>
+        <p:style>
+          <a:lnRef idx="2">
+            <a:schemeClr val="accent1">
+              <a:shade val="50000"/>
+            </a:schemeClr>
+          </a:lnRef>
+          <a:fillRef idx="1">
+            <a:schemeClr val="accent1"/>
+          </a:fillRef>
+          <a:effectRef idx="0">
+            <a:schemeClr val="accent1"/>
+          </a:effectRef>
+          <a:fontRef idx="minor">
+            <a:schemeClr val="lt1"/>
+          </a:fontRef>
+        </p:style>
+        <p:txBody>
+          <a:bodyPr rtlCol="0" anchor="ctr"/>
+          <a:lstStyle/>
+          <a:p>
+            <a:pPr algn="ctr"/>
+            <a:endParaRPr lang="en-GB"/>
+          </a:p>
+        </p:txBody>
+      </p:sp>
+      <p:sp>
+        <p:nvSpPr>
+          <p:cNvPr id="30" name="Flèche : double flèche verticale 29">
+            <a:extLst>
+              <a:ext uri="{FF2B5EF4-FFF2-40B4-BE49-F238E27FC236}">
+                <a16:creationId xmlns:a16="http://schemas.microsoft.com/office/drawing/2014/main" id="{316766C8-6B49-4694-840E-818BD49E7741}"/>
+              </a:ext>
+            </a:extLst>
+          </p:cNvPr>
+          <p:cNvSpPr/>
+          <p:nvPr/>
+        </p:nvSpPr>
+        <p:spPr>
+          <a:xfrm>
+            <a:off x="5761622" y="1080758"/>
+            <a:ext cx="164740" cy="285595"/>
+          </a:xfrm>
+          <a:prstGeom prst="upDownArrow">
+            <a:avLst/>
+          </a:prstGeom>
+        </p:spPr>
+        <p:style>
+          <a:lnRef idx="2">
+            <a:schemeClr val="accent1">
+              <a:shade val="50000"/>
+            </a:schemeClr>
+          </a:lnRef>
+          <a:fillRef idx="1">
+            <a:schemeClr val="accent1"/>
+          </a:fillRef>
+          <a:effectRef idx="0">
+            <a:schemeClr val="accent1"/>
+          </a:effectRef>
+          <a:fontRef idx="minor">
+            <a:schemeClr val="lt1"/>
+          </a:fontRef>
+        </p:style>
+        <p:txBody>
+          <a:bodyPr rtlCol="0" anchor="ctr"/>
+          <a:lstStyle/>
+          <a:p>
+            <a:pPr algn="ctr"/>
+            <a:endParaRPr lang="en-GB"/>
+          </a:p>
+        </p:txBody>
+      </p:sp>
+      <p:sp>
+        <p:nvSpPr>
+          <p:cNvPr id="31" name="Flèche : double flèche verticale 30">
+            <a:extLst>
+              <a:ext uri="{FF2B5EF4-FFF2-40B4-BE49-F238E27FC236}">
+                <a16:creationId xmlns:a16="http://schemas.microsoft.com/office/drawing/2014/main" id="{E76152A4-4AFD-442D-890B-6EBB47E85C4B}"/>
+              </a:ext>
+            </a:extLst>
+          </p:cNvPr>
+          <p:cNvSpPr/>
+          <p:nvPr/>
+        </p:nvSpPr>
+        <p:spPr>
+          <a:xfrm>
+            <a:off x="9556382" y="1080414"/>
+            <a:ext cx="164740" cy="285595"/>
+          </a:xfrm>
+          <a:prstGeom prst="upDownArrow">
+            <a:avLst/>
+          </a:prstGeom>
+        </p:spPr>
+        <p:style>
+          <a:lnRef idx="2">
+            <a:schemeClr val="accent1">
+              <a:shade val="50000"/>
+            </a:schemeClr>
+          </a:lnRef>
+          <a:fillRef idx="1">
+            <a:schemeClr val="accent1"/>
+          </a:fillRef>
+          <a:effectRef idx="0">
+            <a:schemeClr val="accent1"/>
+          </a:effectRef>
+          <a:fontRef idx="minor">
+            <a:schemeClr val="lt1"/>
+          </a:fontRef>
+        </p:style>
+        <p:txBody>
+          <a:bodyPr rtlCol="0" anchor="ctr"/>
+          <a:lstStyle/>
+          <a:p>
+            <a:pPr algn="ctr"/>
+            <a:endParaRPr lang="en-GB"/>
+          </a:p>
+        </p:txBody>
+      </p:sp>
+      <p:cxnSp>
+        <p:nvCxnSpPr>
+          <p:cNvPr id="32" name="Connecteur droit avec flèche 31">
+            <a:extLst>
+              <a:ext uri="{FF2B5EF4-FFF2-40B4-BE49-F238E27FC236}">
+                <a16:creationId xmlns:a16="http://schemas.microsoft.com/office/drawing/2014/main" id="{4E58DF06-02EB-4EEF-A727-B4E6AE243353}"/>
+              </a:ext>
+            </a:extLst>
+          </p:cNvPr>
+          <p:cNvCxnSpPr>
+            <a:cxnSpLocks/>
+          </p:cNvCxnSpPr>
+          <p:nvPr/>
+        </p:nvCxnSpPr>
+        <p:spPr>
+          <a:xfrm>
+            <a:off x="2840922" y="2413646"/>
+            <a:ext cx="2754451" cy="0"/>
+          </a:xfrm>
+          <a:prstGeom prst="straightConnector1">
+            <a:avLst/>
+          </a:prstGeom>
+          <a:ln w="12700">
+            <a:headEnd type="triangle"/>
+            <a:tailEnd type="triangle"/>
+          </a:ln>
+        </p:spPr>
+        <p:style>
+          <a:lnRef idx="1">
+            <a:schemeClr val="accent1"/>
+          </a:lnRef>
+          <a:fillRef idx="0">
+            <a:schemeClr val="accent1"/>
+          </a:fillRef>
+          <a:effectRef idx="0">
+            <a:schemeClr val="accent1"/>
+          </a:effectRef>
+          <a:fontRef idx="minor">
+            <a:schemeClr val="tx1"/>
+          </a:fontRef>
+        </p:style>
+      </p:cxnSp>
+      <p:cxnSp>
+        <p:nvCxnSpPr>
+          <p:cNvPr id="35" name="Connecteur droit avec flèche 34">
+            <a:extLst>
+              <a:ext uri="{FF2B5EF4-FFF2-40B4-BE49-F238E27FC236}">
+                <a16:creationId xmlns:a16="http://schemas.microsoft.com/office/drawing/2014/main" id="{92AE9997-7BC4-43B9-BC56-9487D6C20951}"/>
+              </a:ext>
+            </a:extLst>
+          </p:cNvPr>
+          <p:cNvCxnSpPr>
+            <a:cxnSpLocks/>
+          </p:cNvCxnSpPr>
+          <p:nvPr/>
+        </p:nvCxnSpPr>
+        <p:spPr>
+          <a:xfrm>
+            <a:off x="5595373" y="2413646"/>
+            <a:ext cx="2754451" cy="0"/>
+          </a:xfrm>
+          <a:prstGeom prst="straightConnector1">
+            <a:avLst/>
+          </a:prstGeom>
+          <a:ln w="12700">
+            <a:headEnd type="triangle"/>
+            <a:tailEnd type="triangle"/>
+          </a:ln>
+        </p:spPr>
+        <p:style>
+          <a:lnRef idx="1">
+            <a:schemeClr val="accent1"/>
+          </a:lnRef>
+          <a:fillRef idx="0">
+            <a:schemeClr val="accent1"/>
+          </a:fillRef>
+          <a:effectRef idx="0">
+            <a:schemeClr val="accent1"/>
+          </a:effectRef>
+          <a:fontRef idx="minor">
+            <a:schemeClr val="tx1"/>
+          </a:fontRef>
+        </p:style>
+      </p:cxnSp>
+      <p:sp>
+        <p:nvSpPr>
+          <p:cNvPr id="42" name="ZoneTexte 41">
+            <a:extLst>
+              <a:ext uri="{FF2B5EF4-FFF2-40B4-BE49-F238E27FC236}">
+                <a16:creationId xmlns:a16="http://schemas.microsoft.com/office/drawing/2014/main" id="{132FA3C4-8C4E-493A-8587-D699F4530F59}"/>
+              </a:ext>
+            </a:extLst>
+          </p:cNvPr>
+          <p:cNvSpPr txBox="1"/>
+          <p:nvPr/>
+        </p:nvSpPr>
+        <p:spPr>
+          <a:xfrm>
+            <a:off x="5184822" y="243838"/>
+            <a:ext cx="2369647" cy="338554"/>
+          </a:xfrm>
+          <a:prstGeom prst="rect">
+            <a:avLst/>
+          </a:prstGeom>
+          <a:noFill/>
+        </p:spPr>
+        <p:txBody>
+          <a:bodyPr wrap="square" rtlCol="0">
+            <a:spAutoFit/>
+          </a:bodyPr>
+          <a:lstStyle/>
+          <a:p>
+            <a:r>
+              <a:rPr lang="en-GB" sz="1600" dirty="0"/>
+              <a:t>Advertising Interval</a:t>
+            </a:r>
+          </a:p>
+        </p:txBody>
+      </p:sp>
+      <p:sp>
+        <p:nvSpPr>
+          <p:cNvPr id="43" name="ZoneTexte 42">
+            <a:extLst>
+              <a:ext uri="{FF2B5EF4-FFF2-40B4-BE49-F238E27FC236}">
+                <a16:creationId xmlns:a16="http://schemas.microsoft.com/office/drawing/2014/main" id="{919F35D8-9045-404E-A1AF-33973247787E}"/>
+              </a:ext>
+            </a:extLst>
+          </p:cNvPr>
+          <p:cNvSpPr txBox="1"/>
+          <p:nvPr/>
+        </p:nvSpPr>
+        <p:spPr>
+          <a:xfrm>
+            <a:off x="3033323" y="245993"/>
+            <a:ext cx="2369647" cy="338554"/>
+          </a:xfrm>
+          <a:prstGeom prst="rect">
+            <a:avLst/>
+          </a:prstGeom>
+          <a:noFill/>
+        </p:spPr>
+        <p:txBody>
+          <a:bodyPr wrap="square" rtlCol="0">
+            <a:spAutoFit/>
+          </a:bodyPr>
+          <a:lstStyle/>
+          <a:p>
+            <a:r>
+              <a:rPr lang="en-GB" sz="1600" dirty="0"/>
+              <a:t>Advertising Interval</a:t>
+            </a:r>
+          </a:p>
+        </p:txBody>
+      </p:sp>
+      <p:sp>
+        <p:nvSpPr>
+          <p:cNvPr id="44" name="ZoneTexte 43">
+            <a:extLst>
+              <a:ext uri="{FF2B5EF4-FFF2-40B4-BE49-F238E27FC236}">
+                <a16:creationId xmlns:a16="http://schemas.microsoft.com/office/drawing/2014/main" id="{FB837AD0-5DFC-4B2F-B8F3-30F92A3B1852}"/>
+              </a:ext>
+            </a:extLst>
+          </p:cNvPr>
+          <p:cNvSpPr txBox="1"/>
+          <p:nvPr/>
+        </p:nvSpPr>
+        <p:spPr>
+          <a:xfrm>
+            <a:off x="7231219" y="239776"/>
+            <a:ext cx="2369647" cy="338554"/>
+          </a:xfrm>
+          <a:prstGeom prst="rect">
+            <a:avLst/>
+          </a:prstGeom>
+          <a:noFill/>
+        </p:spPr>
+        <p:txBody>
+          <a:bodyPr wrap="square" rtlCol="0">
+            <a:spAutoFit/>
+          </a:bodyPr>
+          <a:lstStyle/>
+          <a:p>
+            <a:r>
+              <a:rPr lang="en-GB" sz="1600" dirty="0"/>
+              <a:t>Advertising Interval</a:t>
+            </a:r>
+          </a:p>
+        </p:txBody>
+      </p:sp>
+      <p:sp>
+        <p:nvSpPr>
+          <p:cNvPr id="45" name="ZoneTexte 44">
+            <a:extLst>
+              <a:ext uri="{FF2B5EF4-FFF2-40B4-BE49-F238E27FC236}">
+                <a16:creationId xmlns:a16="http://schemas.microsoft.com/office/drawing/2014/main" id="{B0EA59E4-3D53-4CD8-97AB-398C0F5A1463}"/>
+              </a:ext>
+            </a:extLst>
+          </p:cNvPr>
+          <p:cNvSpPr txBox="1"/>
+          <p:nvPr/>
+        </p:nvSpPr>
+        <p:spPr>
+          <a:xfrm>
+            <a:off x="2971410" y="1780426"/>
+            <a:ext cx="2369647" cy="338554"/>
+          </a:xfrm>
+          <a:prstGeom prst="rect">
+            <a:avLst/>
+          </a:prstGeom>
+          <a:noFill/>
+        </p:spPr>
+        <p:txBody>
+          <a:bodyPr wrap="square" rtlCol="0">
+            <a:spAutoFit/>
+          </a:bodyPr>
+          <a:lstStyle/>
+          <a:p>
+            <a:r>
+              <a:rPr lang="en-GB" sz="1600" dirty="0"/>
+              <a:t>Scan Window</a:t>
+            </a:r>
+          </a:p>
+        </p:txBody>
+      </p:sp>
+      <p:sp>
+        <p:nvSpPr>
+          <p:cNvPr id="46" name="ZoneTexte 45">
+            <a:extLst>
+              <a:ext uri="{FF2B5EF4-FFF2-40B4-BE49-F238E27FC236}">
+                <a16:creationId xmlns:a16="http://schemas.microsoft.com/office/drawing/2014/main" id="{F4B6A7D7-D235-481D-B131-30569C9F73DF}"/>
+              </a:ext>
+            </a:extLst>
+          </p:cNvPr>
+          <p:cNvSpPr txBox="1"/>
+          <p:nvPr/>
+        </p:nvSpPr>
+        <p:spPr>
+          <a:xfrm>
+            <a:off x="5773458" y="1772853"/>
+            <a:ext cx="2369647" cy="338554"/>
+          </a:xfrm>
+          <a:prstGeom prst="rect">
+            <a:avLst/>
+          </a:prstGeom>
+          <a:noFill/>
+        </p:spPr>
+        <p:txBody>
+          <a:bodyPr wrap="square" rtlCol="0">
+            <a:spAutoFit/>
+          </a:bodyPr>
+          <a:lstStyle/>
+          <a:p>
+            <a:r>
+              <a:rPr lang="en-GB" sz="1600" dirty="0"/>
+              <a:t>Scan Window</a:t>
+            </a:r>
+          </a:p>
+        </p:txBody>
+      </p:sp>
+      <p:sp>
+        <p:nvSpPr>
+          <p:cNvPr id="47" name="ZoneTexte 46">
+            <a:extLst>
+              <a:ext uri="{FF2B5EF4-FFF2-40B4-BE49-F238E27FC236}">
+                <a16:creationId xmlns:a16="http://schemas.microsoft.com/office/drawing/2014/main" id="{663BBEE9-514E-4F19-8F14-2A192AA02038}"/>
+              </a:ext>
+            </a:extLst>
+          </p:cNvPr>
+          <p:cNvSpPr txBox="1"/>
+          <p:nvPr/>
+        </p:nvSpPr>
+        <p:spPr>
+          <a:xfrm>
+            <a:off x="8566538" y="1766467"/>
+            <a:ext cx="2369647" cy="338554"/>
+          </a:xfrm>
+          <a:prstGeom prst="rect">
+            <a:avLst/>
+          </a:prstGeom>
+          <a:noFill/>
+        </p:spPr>
+        <p:txBody>
+          <a:bodyPr wrap="square" rtlCol="0">
+            <a:spAutoFit/>
+          </a:bodyPr>
+          <a:lstStyle/>
+          <a:p>
+            <a:r>
+              <a:rPr lang="en-GB" sz="1600" dirty="0"/>
+              <a:t>Scan Window</a:t>
+            </a:r>
+          </a:p>
+        </p:txBody>
+      </p:sp>
+      <p:sp>
+        <p:nvSpPr>
+          <p:cNvPr id="48" name="ZoneTexte 47">
+            <a:extLst>
+              <a:ext uri="{FF2B5EF4-FFF2-40B4-BE49-F238E27FC236}">
+                <a16:creationId xmlns:a16="http://schemas.microsoft.com/office/drawing/2014/main" id="{A67CA883-EB7A-4093-87BD-D434F6630290}"/>
+              </a:ext>
+            </a:extLst>
+          </p:cNvPr>
+          <p:cNvSpPr txBox="1"/>
+          <p:nvPr/>
+        </p:nvSpPr>
+        <p:spPr>
+          <a:xfrm>
+            <a:off x="3508763" y="2118342"/>
+            <a:ext cx="1433125" cy="338554"/>
+          </a:xfrm>
+          <a:prstGeom prst="rect">
+            <a:avLst/>
+          </a:prstGeom>
+          <a:noFill/>
+        </p:spPr>
+        <p:txBody>
+          <a:bodyPr wrap="square" rtlCol="0">
+            <a:spAutoFit/>
+          </a:bodyPr>
+          <a:lstStyle/>
+          <a:p>
+            <a:r>
+              <a:rPr lang="en-GB" sz="1600" dirty="0"/>
+              <a:t>Scan Interval</a:t>
+            </a:r>
+          </a:p>
+        </p:txBody>
+      </p:sp>
+      <p:sp>
+        <p:nvSpPr>
+          <p:cNvPr id="49" name="ZoneTexte 48">
+            <a:extLst>
+              <a:ext uri="{FF2B5EF4-FFF2-40B4-BE49-F238E27FC236}">
+                <a16:creationId xmlns:a16="http://schemas.microsoft.com/office/drawing/2014/main" id="{BEFE6D54-8327-4748-88AE-EFF056A6EDC9}"/>
+              </a:ext>
+            </a:extLst>
+          </p:cNvPr>
+          <p:cNvSpPr txBox="1"/>
+          <p:nvPr/>
+        </p:nvSpPr>
+        <p:spPr>
+          <a:xfrm>
+            <a:off x="6241718" y="2109187"/>
+            <a:ext cx="1433125" cy="338554"/>
+          </a:xfrm>
+          <a:prstGeom prst="rect">
+            <a:avLst/>
+          </a:prstGeom>
+          <a:noFill/>
+        </p:spPr>
+        <p:txBody>
+          <a:bodyPr wrap="square" rtlCol="0">
+            <a:spAutoFit/>
+          </a:bodyPr>
+          <a:lstStyle/>
+          <a:p>
+            <a:r>
+              <a:rPr lang="en-GB" sz="1600" dirty="0"/>
+              <a:t>Scan Interval</a:t>
+            </a:r>
+          </a:p>
+        </p:txBody>
+      </p:sp>
+      <p:cxnSp>
+        <p:nvCxnSpPr>
+          <p:cNvPr id="51" name="Connecteur droit 50">
+            <a:extLst>
+              <a:ext uri="{FF2B5EF4-FFF2-40B4-BE49-F238E27FC236}">
+                <a16:creationId xmlns:a16="http://schemas.microsoft.com/office/drawing/2014/main" id="{FAADF4D1-D70B-4FC6-9623-5686EB119E95}"/>
+              </a:ext>
+            </a:extLst>
+          </p:cNvPr>
+          <p:cNvCxnSpPr>
+            <a:cxnSpLocks/>
+            <a:stCxn id="13" idx="1"/>
+          </p:cNvCxnSpPr>
+          <p:nvPr/>
+        </p:nvCxnSpPr>
+        <p:spPr>
+          <a:xfrm flipV="1">
+            <a:off x="2840922" y="453134"/>
+            <a:ext cx="0" cy="405954"/>
+          </a:xfrm>
+          <a:prstGeom prst="line">
+            <a:avLst/>
+          </a:prstGeom>
+          <a:ln>
+            <a:prstDash val="dash"/>
+          </a:ln>
+        </p:spPr>
+        <p:style>
+          <a:lnRef idx="1">
+            <a:schemeClr val="accent1"/>
+          </a:lnRef>
+          <a:fillRef idx="0">
+            <a:schemeClr val="accent1"/>
+          </a:fillRef>
+          <a:effectRef idx="0">
+            <a:schemeClr val="accent1"/>
+          </a:effectRef>
+          <a:fontRef idx="minor">
+            <a:schemeClr val="tx1"/>
+          </a:fontRef>
+        </p:style>
+      </p:cxnSp>
+      <p:cxnSp>
+        <p:nvCxnSpPr>
+          <p:cNvPr id="54" name="Connecteur droit 53">
+            <a:extLst>
+              <a:ext uri="{FF2B5EF4-FFF2-40B4-BE49-F238E27FC236}">
+                <a16:creationId xmlns:a16="http://schemas.microsoft.com/office/drawing/2014/main" id="{F3AE6067-3E55-4C5C-9C98-6022448E372E}"/>
+              </a:ext>
+            </a:extLst>
+          </p:cNvPr>
+          <p:cNvCxnSpPr>
+            <a:cxnSpLocks/>
+          </p:cNvCxnSpPr>
+          <p:nvPr/>
+        </p:nvCxnSpPr>
+        <p:spPr>
+          <a:xfrm flipV="1">
+            <a:off x="4981682" y="475204"/>
+            <a:ext cx="0" cy="405954"/>
+          </a:xfrm>
+          <a:prstGeom prst="line">
+            <a:avLst/>
+          </a:prstGeom>
+          <a:ln>
+            <a:prstDash val="dash"/>
+          </a:ln>
+        </p:spPr>
+        <p:style>
+          <a:lnRef idx="1">
+            <a:schemeClr val="accent1"/>
+          </a:lnRef>
+          <a:fillRef idx="0">
+            <a:schemeClr val="accent1"/>
+          </a:fillRef>
+          <a:effectRef idx="0">
+            <a:schemeClr val="accent1"/>
+          </a:effectRef>
+          <a:fontRef idx="minor">
+            <a:schemeClr val="tx1"/>
+          </a:fontRef>
+        </p:style>
+      </p:cxnSp>
+      <p:cxnSp>
+        <p:nvCxnSpPr>
+          <p:cNvPr id="55" name="Connecteur droit 54">
+            <a:extLst>
+              <a:ext uri="{FF2B5EF4-FFF2-40B4-BE49-F238E27FC236}">
+                <a16:creationId xmlns:a16="http://schemas.microsoft.com/office/drawing/2014/main" id="{64511AD0-3D37-41EC-8B44-9B40BB45B07C}"/>
+              </a:ext>
+            </a:extLst>
+          </p:cNvPr>
+          <p:cNvCxnSpPr>
+            <a:cxnSpLocks/>
+          </p:cNvCxnSpPr>
+          <p:nvPr/>
+        </p:nvCxnSpPr>
+        <p:spPr>
+          <a:xfrm flipV="1">
+            <a:off x="7122442" y="472322"/>
+            <a:ext cx="0" cy="405954"/>
+          </a:xfrm>
+          <a:prstGeom prst="line">
+            <a:avLst/>
+          </a:prstGeom>
+          <a:ln>
+            <a:prstDash val="dash"/>
+          </a:ln>
+        </p:spPr>
+        <p:style>
+          <a:lnRef idx="1">
+            <a:schemeClr val="accent1"/>
+          </a:lnRef>
+          <a:fillRef idx="0">
+            <a:schemeClr val="accent1"/>
+          </a:fillRef>
+          <a:effectRef idx="0">
+            <a:schemeClr val="accent1"/>
+          </a:effectRef>
+          <a:fontRef idx="minor">
+            <a:schemeClr val="tx1"/>
+          </a:fontRef>
+        </p:style>
+      </p:cxnSp>
+      <p:cxnSp>
+        <p:nvCxnSpPr>
+          <p:cNvPr id="56" name="Connecteur droit 55">
+            <a:extLst>
+              <a:ext uri="{FF2B5EF4-FFF2-40B4-BE49-F238E27FC236}">
+                <a16:creationId xmlns:a16="http://schemas.microsoft.com/office/drawing/2014/main" id="{11784B33-F824-44BF-AD79-91EFA6C8A7B0}"/>
+              </a:ext>
+            </a:extLst>
+          </p:cNvPr>
+          <p:cNvCxnSpPr>
+            <a:cxnSpLocks/>
+          </p:cNvCxnSpPr>
+          <p:nvPr/>
+        </p:nvCxnSpPr>
+        <p:spPr>
+          <a:xfrm flipV="1">
+            <a:off x="9263202" y="466378"/>
+            <a:ext cx="0" cy="405954"/>
+          </a:xfrm>
+          <a:prstGeom prst="line">
+            <a:avLst/>
+          </a:prstGeom>
+          <a:ln>
+            <a:prstDash val="dash"/>
+          </a:ln>
+        </p:spPr>
+        <p:style>
+          <a:lnRef idx="1">
+            <a:schemeClr val="accent1"/>
+          </a:lnRef>
+          <a:fillRef idx="0">
+            <a:schemeClr val="accent1"/>
+          </a:fillRef>
+          <a:effectRef idx="0">
+            <a:schemeClr val="accent1"/>
+          </a:effectRef>
+          <a:fontRef idx="minor">
+            <a:schemeClr val="tx1"/>
+          </a:fontRef>
+        </p:style>
+      </p:cxnSp>
+      <p:cxnSp>
+        <p:nvCxnSpPr>
+          <p:cNvPr id="57" name="Connecteur droit 56">
+            <a:extLst>
+              <a:ext uri="{FF2B5EF4-FFF2-40B4-BE49-F238E27FC236}">
+                <a16:creationId xmlns:a16="http://schemas.microsoft.com/office/drawing/2014/main" id="{6B8E683B-6BEE-4EB5-AFEA-10DAB55FDFDC}"/>
+              </a:ext>
+            </a:extLst>
+          </p:cNvPr>
+          <p:cNvCxnSpPr>
+            <a:cxnSpLocks/>
+          </p:cNvCxnSpPr>
+          <p:nvPr/>
+        </p:nvCxnSpPr>
+        <p:spPr>
+          <a:xfrm flipV="1">
+            <a:off x="2840922" y="1587336"/>
+            <a:ext cx="0" cy="869560"/>
+          </a:xfrm>
+          <a:prstGeom prst="line">
+            <a:avLst/>
+          </a:prstGeom>
+          <a:ln>
+            <a:prstDash val="dash"/>
+          </a:ln>
+        </p:spPr>
+        <p:style>
+          <a:lnRef idx="1">
+            <a:schemeClr val="accent1"/>
+          </a:lnRef>
+          <a:fillRef idx="0">
+            <a:schemeClr val="accent1"/>
+          </a:fillRef>
+          <a:effectRef idx="0">
+            <a:schemeClr val="accent1"/>
+          </a:effectRef>
+          <a:fontRef idx="minor">
+            <a:schemeClr val="tx1"/>
+          </a:fontRef>
+        </p:style>
+      </p:cxnSp>
+      <p:cxnSp>
+        <p:nvCxnSpPr>
+          <p:cNvPr id="59" name="Connecteur droit 58">
+            <a:extLst>
+              <a:ext uri="{FF2B5EF4-FFF2-40B4-BE49-F238E27FC236}">
+                <a16:creationId xmlns:a16="http://schemas.microsoft.com/office/drawing/2014/main" id="{DE4FFD26-6202-464C-9F96-B971AE7084EB}"/>
+              </a:ext>
+            </a:extLst>
+          </p:cNvPr>
+          <p:cNvCxnSpPr>
+            <a:cxnSpLocks/>
+          </p:cNvCxnSpPr>
+          <p:nvPr/>
+        </p:nvCxnSpPr>
+        <p:spPr>
+          <a:xfrm flipV="1">
+            <a:off x="5595373" y="1594495"/>
+            <a:ext cx="0" cy="869560"/>
+          </a:xfrm>
+          <a:prstGeom prst="line">
+            <a:avLst/>
+          </a:prstGeom>
+          <a:ln>
+            <a:prstDash val="dash"/>
+          </a:ln>
+        </p:spPr>
+        <p:style>
+          <a:lnRef idx="1">
+            <a:schemeClr val="accent1"/>
+          </a:lnRef>
+          <a:fillRef idx="0">
+            <a:schemeClr val="accent1"/>
+          </a:fillRef>
+          <a:effectRef idx="0">
+            <a:schemeClr val="accent1"/>
+          </a:effectRef>
+          <a:fontRef idx="minor">
+            <a:schemeClr val="tx1"/>
+          </a:fontRef>
+        </p:style>
+      </p:cxnSp>
+      <p:cxnSp>
+        <p:nvCxnSpPr>
+          <p:cNvPr id="60" name="Connecteur droit 59">
+            <a:extLst>
+              <a:ext uri="{FF2B5EF4-FFF2-40B4-BE49-F238E27FC236}">
+                <a16:creationId xmlns:a16="http://schemas.microsoft.com/office/drawing/2014/main" id="{B2B8676A-7140-4AA4-8A7F-91C2C3291C84}"/>
+              </a:ext>
+            </a:extLst>
+          </p:cNvPr>
+          <p:cNvCxnSpPr>
+            <a:cxnSpLocks/>
+          </p:cNvCxnSpPr>
+          <p:nvPr/>
+        </p:nvCxnSpPr>
+        <p:spPr>
+          <a:xfrm flipV="1">
+            <a:off x="8349824" y="1594966"/>
+            <a:ext cx="0" cy="869560"/>
+          </a:xfrm>
+          <a:prstGeom prst="line">
+            <a:avLst/>
+          </a:prstGeom>
+          <a:ln>
+            <a:prstDash val="dash"/>
+          </a:ln>
+        </p:spPr>
+        <p:style>
+          <a:lnRef idx="1">
+            <a:schemeClr val="accent1"/>
+          </a:lnRef>
+          <a:fillRef idx="0">
+            <a:schemeClr val="accent1"/>
+          </a:fillRef>
+          <a:effectRef idx="0">
+            <a:schemeClr val="accent1"/>
+          </a:effectRef>
+          <a:fontRef idx="minor">
+            <a:schemeClr val="tx1"/>
+          </a:fontRef>
+        </p:style>
+      </p:cxnSp>
+      <p:cxnSp>
+        <p:nvCxnSpPr>
+          <p:cNvPr id="61" name="Connecteur droit 60">
+            <a:extLst>
+              <a:ext uri="{FF2B5EF4-FFF2-40B4-BE49-F238E27FC236}">
+                <a16:creationId xmlns:a16="http://schemas.microsoft.com/office/drawing/2014/main" id="{457C89B2-EF37-4F9C-ADA8-5D4E3A74094B}"/>
+              </a:ext>
+            </a:extLst>
+          </p:cNvPr>
+          <p:cNvCxnSpPr/>
+          <p:nvPr/>
+        </p:nvCxnSpPr>
+        <p:spPr>
+          <a:xfrm>
+            <a:off x="2098833" y="3055724"/>
+            <a:ext cx="8554857" cy="0"/>
+          </a:xfrm>
+          <a:prstGeom prst="line">
+            <a:avLst/>
+          </a:prstGeom>
+          <a:ln w="19050"/>
+        </p:spPr>
+        <p:style>
+          <a:lnRef idx="1">
+            <a:schemeClr val="accent1"/>
+          </a:lnRef>
+          <a:fillRef idx="0">
+            <a:schemeClr val="accent1"/>
+          </a:fillRef>
+          <a:effectRef idx="0">
+            <a:schemeClr val="accent1"/>
+          </a:effectRef>
+          <a:fontRef idx="minor">
+            <a:schemeClr val="tx1"/>
+          </a:fontRef>
+        </p:style>
+      </p:cxnSp>
+      <p:cxnSp>
+        <p:nvCxnSpPr>
+          <p:cNvPr id="62" name="Connecteur droit 61">
+            <a:extLst>
+              <a:ext uri="{FF2B5EF4-FFF2-40B4-BE49-F238E27FC236}">
+                <a16:creationId xmlns:a16="http://schemas.microsoft.com/office/drawing/2014/main" id="{96427D85-6A39-4128-9C5F-94FFFB9EC674}"/>
+              </a:ext>
+            </a:extLst>
+          </p:cNvPr>
+          <p:cNvCxnSpPr/>
+          <p:nvPr/>
+        </p:nvCxnSpPr>
+        <p:spPr>
+          <a:xfrm>
+            <a:off x="2098833" y="4177757"/>
+            <a:ext cx="8554857" cy="0"/>
+          </a:xfrm>
+          <a:prstGeom prst="line">
+            <a:avLst/>
+          </a:prstGeom>
+          <a:ln w="19050"/>
+        </p:spPr>
+        <p:style>
+          <a:lnRef idx="1">
+            <a:schemeClr val="accent1"/>
+          </a:lnRef>
+          <a:fillRef idx="0">
+            <a:schemeClr val="accent1"/>
+          </a:fillRef>
+          <a:effectRef idx="0">
+            <a:schemeClr val="accent1"/>
+          </a:effectRef>
+          <a:fontRef idx="minor">
+            <a:schemeClr val="tx1"/>
+          </a:fontRef>
+        </p:style>
+      </p:cxnSp>
+      <p:sp>
+        <p:nvSpPr>
+          <p:cNvPr id="63" name="Rectangle 62">
+            <a:extLst>
+              <a:ext uri="{FF2B5EF4-FFF2-40B4-BE49-F238E27FC236}">
+                <a16:creationId xmlns:a16="http://schemas.microsoft.com/office/drawing/2014/main" id="{2C43F53A-08B9-4BC4-A53B-44E2DF8F270A}"/>
+              </a:ext>
+            </a:extLst>
+          </p:cNvPr>
+          <p:cNvSpPr/>
+          <p:nvPr/>
+        </p:nvSpPr>
+        <p:spPr>
+          <a:xfrm>
+            <a:off x="2847537" y="3798291"/>
+            <a:ext cx="1188916" cy="379466"/>
+          </a:xfrm>
+          <a:prstGeom prst="rect">
+            <a:avLst/>
+          </a:prstGeom>
+        </p:spPr>
+        <p:style>
+          <a:lnRef idx="2">
+            <a:schemeClr val="accent1">
+              <a:shade val="50000"/>
+            </a:schemeClr>
+          </a:lnRef>
+          <a:fillRef idx="1">
+            <a:schemeClr val="accent1"/>
+          </a:fillRef>
+          <a:effectRef idx="0">
+            <a:schemeClr val="accent1"/>
+          </a:effectRef>
+          <a:fontRef idx="minor">
+            <a:schemeClr val="lt1"/>
+          </a:fontRef>
+        </p:style>
+        <p:txBody>
+          <a:bodyPr rtlCol="0" anchor="ctr"/>
+          <a:lstStyle/>
+          <a:p>
+            <a:pPr algn="ctr"/>
+            <a:endParaRPr lang="en-GB"/>
+          </a:p>
+        </p:txBody>
+      </p:sp>
+      <p:sp>
+        <p:nvSpPr>
+          <p:cNvPr id="66" name="Rectangle 65">
+            <a:extLst>
+              <a:ext uri="{FF2B5EF4-FFF2-40B4-BE49-F238E27FC236}">
+                <a16:creationId xmlns:a16="http://schemas.microsoft.com/office/drawing/2014/main" id="{852E2139-B9D5-4C61-BD08-5B4035F9C110}"/>
+              </a:ext>
+            </a:extLst>
+          </p:cNvPr>
+          <p:cNvSpPr/>
+          <p:nvPr/>
+        </p:nvSpPr>
+        <p:spPr>
+          <a:xfrm>
+            <a:off x="2971410" y="3052880"/>
+            <a:ext cx="1065043" cy="379466"/>
+          </a:xfrm>
+          <a:prstGeom prst="rect">
+            <a:avLst/>
+          </a:prstGeom>
+        </p:spPr>
+        <p:style>
+          <a:lnRef idx="2">
+            <a:schemeClr val="accent1">
+              <a:shade val="50000"/>
+            </a:schemeClr>
+          </a:lnRef>
+          <a:fillRef idx="1">
+            <a:schemeClr val="accent1"/>
+          </a:fillRef>
+          <a:effectRef idx="0">
+            <a:schemeClr val="accent1"/>
+          </a:effectRef>
+          <a:fontRef idx="minor">
+            <a:schemeClr val="lt1"/>
+          </a:fontRef>
+        </p:style>
+        <p:txBody>
+          <a:bodyPr rtlCol="0" anchor="ctr"/>
+          <a:lstStyle/>
+          <a:p>
+            <a:pPr algn="ctr"/>
+            <a:endParaRPr lang="en-GB"/>
+          </a:p>
+        </p:txBody>
+      </p:sp>
+      <p:cxnSp>
+        <p:nvCxnSpPr>
+          <p:cNvPr id="73" name="Connecteur droit avec flèche 72">
+            <a:extLst>
+              <a:ext uri="{FF2B5EF4-FFF2-40B4-BE49-F238E27FC236}">
+                <a16:creationId xmlns:a16="http://schemas.microsoft.com/office/drawing/2014/main" id="{8BD20C78-9796-45C6-9735-887502E64725}"/>
+              </a:ext>
+            </a:extLst>
+          </p:cNvPr>
+          <p:cNvCxnSpPr>
+            <a:cxnSpLocks/>
+          </p:cNvCxnSpPr>
+          <p:nvPr/>
+        </p:nvCxnSpPr>
+        <p:spPr>
+          <a:xfrm>
+            <a:off x="2847537" y="4454749"/>
+            <a:ext cx="1188916" cy="0"/>
+          </a:xfrm>
+          <a:prstGeom prst="straightConnector1">
+            <a:avLst/>
+          </a:prstGeom>
+          <a:ln w="12700">
+            <a:headEnd type="triangle"/>
+            <a:tailEnd type="triangle"/>
+          </a:ln>
+        </p:spPr>
+        <p:style>
+          <a:lnRef idx="1">
+            <a:schemeClr val="accent1"/>
+          </a:lnRef>
+          <a:fillRef idx="0">
+            <a:schemeClr val="accent1"/>
+          </a:fillRef>
+          <a:effectRef idx="0">
+            <a:schemeClr val="accent1"/>
+          </a:effectRef>
+          <a:fontRef idx="minor">
+            <a:schemeClr val="tx1"/>
+          </a:fontRef>
+        </p:style>
+      </p:cxnSp>
+      <p:sp>
+        <p:nvSpPr>
+          <p:cNvPr id="76" name="Flèche : double flèche verticale 75">
+            <a:extLst>
+              <a:ext uri="{FF2B5EF4-FFF2-40B4-BE49-F238E27FC236}">
+                <a16:creationId xmlns:a16="http://schemas.microsoft.com/office/drawing/2014/main" id="{02675E84-5478-4FAA-88B5-EDAE7AAD383B}"/>
+              </a:ext>
+            </a:extLst>
+          </p:cNvPr>
+          <p:cNvSpPr/>
+          <p:nvPr/>
+        </p:nvSpPr>
+        <p:spPr>
+          <a:xfrm>
+            <a:off x="2895655" y="3478946"/>
+            <a:ext cx="164740" cy="285595"/>
+          </a:xfrm>
+          <a:prstGeom prst="upDownArrow">
+            <a:avLst/>
+          </a:prstGeom>
+        </p:spPr>
+        <p:style>
+          <a:lnRef idx="2">
+            <a:schemeClr val="accent1">
+              <a:shade val="50000"/>
+            </a:schemeClr>
+          </a:lnRef>
+          <a:fillRef idx="1">
+            <a:schemeClr val="accent1"/>
+          </a:fillRef>
+          <a:effectRef idx="0">
+            <a:schemeClr val="accent1"/>
+          </a:effectRef>
+          <a:fontRef idx="minor">
+            <a:schemeClr val="lt1"/>
+          </a:fontRef>
+        </p:style>
+        <p:txBody>
+          <a:bodyPr rtlCol="0" anchor="ctr"/>
+          <a:lstStyle/>
+          <a:p>
+            <a:pPr algn="ctr"/>
+            <a:endParaRPr lang="en-GB"/>
+          </a:p>
+        </p:txBody>
+      </p:sp>
+      <p:cxnSp>
+        <p:nvCxnSpPr>
+          <p:cNvPr id="79" name="Connecteur droit avec flèche 78">
+            <a:extLst>
+              <a:ext uri="{FF2B5EF4-FFF2-40B4-BE49-F238E27FC236}">
+                <a16:creationId xmlns:a16="http://schemas.microsoft.com/office/drawing/2014/main" id="{8ECF444F-FDFD-447A-BC17-D2F01827439D}"/>
+              </a:ext>
+            </a:extLst>
+          </p:cNvPr>
+          <p:cNvCxnSpPr>
+            <a:cxnSpLocks/>
+          </p:cNvCxnSpPr>
+          <p:nvPr/>
+        </p:nvCxnSpPr>
+        <p:spPr>
+          <a:xfrm>
+            <a:off x="2847537" y="4807175"/>
+            <a:ext cx="2201225" cy="0"/>
+          </a:xfrm>
+          <a:prstGeom prst="straightConnector1">
+            <a:avLst/>
+          </a:prstGeom>
+          <a:ln w="12700">
+            <a:headEnd type="triangle"/>
+            <a:tailEnd type="triangle"/>
+          </a:ln>
+        </p:spPr>
+        <p:style>
+          <a:lnRef idx="1">
+            <a:schemeClr val="accent1"/>
+          </a:lnRef>
+          <a:fillRef idx="0">
+            <a:schemeClr val="accent1"/>
+          </a:fillRef>
+          <a:effectRef idx="0">
+            <a:schemeClr val="accent1"/>
+          </a:effectRef>
+          <a:fontRef idx="minor">
+            <a:schemeClr val="tx1"/>
+          </a:fontRef>
+        </p:style>
+      </p:cxnSp>
+      <p:cxnSp>
+        <p:nvCxnSpPr>
+          <p:cNvPr id="80" name="Connecteur droit avec flèche 79">
+            <a:extLst>
+              <a:ext uri="{FF2B5EF4-FFF2-40B4-BE49-F238E27FC236}">
+                <a16:creationId xmlns:a16="http://schemas.microsoft.com/office/drawing/2014/main" id="{36928C98-F1DE-4708-BD6C-4DA355AD4E36}"/>
+              </a:ext>
+            </a:extLst>
+          </p:cNvPr>
+          <p:cNvCxnSpPr>
+            <a:cxnSpLocks/>
+          </p:cNvCxnSpPr>
+          <p:nvPr/>
+        </p:nvCxnSpPr>
+        <p:spPr>
+          <a:xfrm>
+            <a:off x="5048762" y="4807175"/>
+            <a:ext cx="2196814" cy="0"/>
+          </a:xfrm>
+          <a:prstGeom prst="straightConnector1">
+            <a:avLst/>
+          </a:prstGeom>
+          <a:ln w="12700">
+            <a:headEnd type="triangle"/>
+            <a:tailEnd type="triangle"/>
+          </a:ln>
+        </p:spPr>
+        <p:style>
+          <a:lnRef idx="1">
+            <a:schemeClr val="accent1"/>
+          </a:lnRef>
+          <a:fillRef idx="0">
+            <a:schemeClr val="accent1"/>
+          </a:fillRef>
+          <a:effectRef idx="0">
+            <a:schemeClr val="accent1"/>
+          </a:effectRef>
+          <a:fontRef idx="minor">
+            <a:schemeClr val="tx1"/>
+          </a:fontRef>
+        </p:style>
+      </p:cxnSp>
+      <p:sp>
+        <p:nvSpPr>
+          <p:cNvPr id="81" name="ZoneTexte 80">
+            <a:extLst>
+              <a:ext uri="{FF2B5EF4-FFF2-40B4-BE49-F238E27FC236}">
+                <a16:creationId xmlns:a16="http://schemas.microsoft.com/office/drawing/2014/main" id="{FE72AF14-C7BC-4867-99C1-565B5D30228E}"/>
+              </a:ext>
+            </a:extLst>
+          </p:cNvPr>
+          <p:cNvSpPr txBox="1"/>
+          <p:nvPr/>
+        </p:nvSpPr>
+        <p:spPr>
+          <a:xfrm>
+            <a:off x="1923613" y="3809750"/>
+            <a:ext cx="935256" cy="400110"/>
+          </a:xfrm>
+          <a:prstGeom prst="rect">
+            <a:avLst/>
+          </a:prstGeom>
+          <a:noFill/>
+        </p:spPr>
+        <p:txBody>
+          <a:bodyPr wrap="none" rtlCol="0">
+            <a:spAutoFit/>
+          </a:bodyPr>
+          <a:lstStyle/>
+          <a:p>
+            <a:r>
+              <a:rPr lang="en-GB" sz="2000" dirty="0"/>
+              <a:t>Central</a:t>
+            </a:r>
+          </a:p>
+        </p:txBody>
+      </p:sp>
+      <p:sp>
+        <p:nvSpPr>
+          <p:cNvPr id="82" name="ZoneTexte 81">
+            <a:extLst>
+              <a:ext uri="{FF2B5EF4-FFF2-40B4-BE49-F238E27FC236}">
+                <a16:creationId xmlns:a16="http://schemas.microsoft.com/office/drawing/2014/main" id="{35D9DAE5-8E4B-4D1B-A4D7-C9B02E040A6D}"/>
+              </a:ext>
+            </a:extLst>
+          </p:cNvPr>
+          <p:cNvSpPr txBox="1"/>
+          <p:nvPr/>
+        </p:nvSpPr>
+        <p:spPr>
+          <a:xfrm>
+            <a:off x="1715248" y="3074991"/>
+            <a:ext cx="1254702" cy="400110"/>
+          </a:xfrm>
+          <a:prstGeom prst="rect">
+            <a:avLst/>
+          </a:prstGeom>
+          <a:noFill/>
+        </p:spPr>
+        <p:txBody>
+          <a:bodyPr wrap="none" rtlCol="0">
+            <a:spAutoFit/>
+          </a:bodyPr>
+          <a:lstStyle/>
+          <a:p>
+            <a:r>
+              <a:rPr lang="en-GB" sz="2000" dirty="0"/>
+              <a:t>Peripheral</a:t>
+            </a:r>
+          </a:p>
+        </p:txBody>
+      </p:sp>
+      <p:sp>
+        <p:nvSpPr>
+          <p:cNvPr id="86" name="ZoneTexte 85">
+            <a:extLst>
+              <a:ext uri="{FF2B5EF4-FFF2-40B4-BE49-F238E27FC236}">
+                <a16:creationId xmlns:a16="http://schemas.microsoft.com/office/drawing/2014/main" id="{C848031A-4B73-46F7-8E62-164C2DCAF477}"/>
+              </a:ext>
+            </a:extLst>
+          </p:cNvPr>
+          <p:cNvSpPr txBox="1"/>
+          <p:nvPr/>
+        </p:nvSpPr>
+        <p:spPr>
+          <a:xfrm>
+            <a:off x="585208" y="4171840"/>
+            <a:ext cx="2445459" cy="338554"/>
+          </a:xfrm>
+          <a:prstGeom prst="rect">
+            <a:avLst/>
+          </a:prstGeom>
+          <a:noFill/>
+        </p:spPr>
+        <p:txBody>
+          <a:bodyPr wrap="square" rtlCol="0">
+            <a:spAutoFit/>
+          </a:bodyPr>
+          <a:lstStyle/>
+          <a:p>
+            <a:r>
+              <a:rPr lang="en-GB" sz="1600" dirty="0"/>
+              <a:t>Connection Event Interval</a:t>
+            </a:r>
+          </a:p>
+        </p:txBody>
+      </p:sp>
+      <p:sp>
+        <p:nvSpPr>
+          <p:cNvPr id="89" name="ZoneTexte 88">
+            <a:extLst>
+              <a:ext uri="{FF2B5EF4-FFF2-40B4-BE49-F238E27FC236}">
+                <a16:creationId xmlns:a16="http://schemas.microsoft.com/office/drawing/2014/main" id="{65CF8CBF-0117-45BC-9337-C4D82D7108F3}"/>
+              </a:ext>
+            </a:extLst>
+          </p:cNvPr>
+          <p:cNvSpPr txBox="1"/>
+          <p:nvPr/>
+        </p:nvSpPr>
+        <p:spPr>
+          <a:xfrm>
+            <a:off x="3047686" y="4508110"/>
+            <a:ext cx="1950742" cy="338554"/>
+          </a:xfrm>
+          <a:prstGeom prst="rect">
+            <a:avLst/>
+          </a:prstGeom>
+          <a:noFill/>
+        </p:spPr>
+        <p:txBody>
+          <a:bodyPr wrap="square" rtlCol="0">
+            <a:spAutoFit/>
+          </a:bodyPr>
+          <a:lstStyle/>
+          <a:p>
+            <a:r>
+              <a:rPr lang="en-GB" sz="1600" dirty="0"/>
+              <a:t>Connection Interval</a:t>
+            </a:r>
+          </a:p>
+        </p:txBody>
+      </p:sp>
+      <p:cxnSp>
+        <p:nvCxnSpPr>
+          <p:cNvPr id="95" name="Connecteur droit 94">
+            <a:extLst>
+              <a:ext uri="{FF2B5EF4-FFF2-40B4-BE49-F238E27FC236}">
+                <a16:creationId xmlns:a16="http://schemas.microsoft.com/office/drawing/2014/main" id="{A85BCA82-4065-42B9-A92F-B87A07698B0A}"/>
+              </a:ext>
+            </a:extLst>
+          </p:cNvPr>
+          <p:cNvCxnSpPr>
+            <a:cxnSpLocks/>
+          </p:cNvCxnSpPr>
+          <p:nvPr/>
+        </p:nvCxnSpPr>
+        <p:spPr>
+          <a:xfrm flipV="1">
+            <a:off x="2847537" y="3980865"/>
+            <a:ext cx="0" cy="869560"/>
+          </a:xfrm>
+          <a:prstGeom prst="line">
+            <a:avLst/>
+          </a:prstGeom>
+          <a:ln>
+            <a:prstDash val="dash"/>
+          </a:ln>
+        </p:spPr>
+        <p:style>
+          <a:lnRef idx="1">
+            <a:schemeClr val="accent1"/>
+          </a:lnRef>
+          <a:fillRef idx="0">
+            <a:schemeClr val="accent1"/>
+          </a:fillRef>
+          <a:effectRef idx="0">
+            <a:schemeClr val="accent1"/>
+          </a:effectRef>
+          <a:fontRef idx="minor">
+            <a:schemeClr val="tx1"/>
+          </a:fontRef>
+        </p:style>
+      </p:cxnSp>
+      <p:cxnSp>
+        <p:nvCxnSpPr>
+          <p:cNvPr id="96" name="Connecteur droit 95">
+            <a:extLst>
+              <a:ext uri="{FF2B5EF4-FFF2-40B4-BE49-F238E27FC236}">
+                <a16:creationId xmlns:a16="http://schemas.microsoft.com/office/drawing/2014/main" id="{499631BD-BE7D-41CE-8A83-F768B232E12F}"/>
+              </a:ext>
+            </a:extLst>
+          </p:cNvPr>
+          <p:cNvCxnSpPr>
+            <a:cxnSpLocks/>
+          </p:cNvCxnSpPr>
+          <p:nvPr/>
+        </p:nvCxnSpPr>
+        <p:spPr>
+          <a:xfrm flipV="1">
+            <a:off x="5048762" y="3971710"/>
+            <a:ext cx="0" cy="869560"/>
+          </a:xfrm>
+          <a:prstGeom prst="line">
+            <a:avLst/>
+          </a:prstGeom>
+          <a:ln>
+            <a:prstDash val="dash"/>
+          </a:ln>
+        </p:spPr>
+        <p:style>
+          <a:lnRef idx="1">
+            <a:schemeClr val="accent1"/>
+          </a:lnRef>
+          <a:fillRef idx="0">
+            <a:schemeClr val="accent1"/>
+          </a:fillRef>
+          <a:effectRef idx="0">
+            <a:schemeClr val="accent1"/>
+          </a:effectRef>
+          <a:fontRef idx="minor">
+            <a:schemeClr val="tx1"/>
+          </a:fontRef>
+        </p:style>
+      </p:cxnSp>
+      <p:cxnSp>
+        <p:nvCxnSpPr>
+          <p:cNvPr id="97" name="Connecteur droit 96">
+            <a:extLst>
+              <a:ext uri="{FF2B5EF4-FFF2-40B4-BE49-F238E27FC236}">
+                <a16:creationId xmlns:a16="http://schemas.microsoft.com/office/drawing/2014/main" id="{C48FA286-76C3-412B-8E28-165F6A5C391E}"/>
+              </a:ext>
+            </a:extLst>
+          </p:cNvPr>
+          <p:cNvCxnSpPr>
+            <a:cxnSpLocks/>
+          </p:cNvCxnSpPr>
+          <p:nvPr/>
+        </p:nvCxnSpPr>
+        <p:spPr>
+          <a:xfrm flipV="1">
+            <a:off x="7250495" y="3971710"/>
+            <a:ext cx="0" cy="869560"/>
+          </a:xfrm>
+          <a:prstGeom prst="line">
+            <a:avLst/>
+          </a:prstGeom>
+          <a:ln>
+            <a:prstDash val="dash"/>
+          </a:ln>
+        </p:spPr>
+        <p:style>
+          <a:lnRef idx="1">
+            <a:schemeClr val="accent1"/>
+          </a:lnRef>
+          <a:fillRef idx="0">
+            <a:schemeClr val="accent1"/>
+          </a:fillRef>
+          <a:effectRef idx="0">
+            <a:schemeClr val="accent1"/>
+          </a:effectRef>
+          <a:fontRef idx="minor">
+            <a:schemeClr val="tx1"/>
+          </a:fontRef>
+        </p:style>
+      </p:cxnSp>
+      <p:sp>
+        <p:nvSpPr>
+          <p:cNvPr id="100" name="Rectangle 99">
+            <a:extLst>
+              <a:ext uri="{FF2B5EF4-FFF2-40B4-BE49-F238E27FC236}">
+                <a16:creationId xmlns:a16="http://schemas.microsoft.com/office/drawing/2014/main" id="{2D5F79AA-CE7C-4149-AF25-B26C8469FFDA}"/>
+              </a:ext>
+            </a:extLst>
+          </p:cNvPr>
+          <p:cNvSpPr/>
+          <p:nvPr/>
+        </p:nvSpPr>
+        <p:spPr>
+          <a:xfrm>
+            <a:off x="5048762" y="3798291"/>
+            <a:ext cx="1188916" cy="379466"/>
+          </a:xfrm>
+          <a:prstGeom prst="rect">
+            <a:avLst/>
+          </a:prstGeom>
+        </p:spPr>
+        <p:style>
+          <a:lnRef idx="2">
+            <a:schemeClr val="accent1">
+              <a:shade val="50000"/>
+            </a:schemeClr>
+          </a:lnRef>
+          <a:fillRef idx="1">
+            <a:schemeClr val="accent1"/>
+          </a:fillRef>
+          <a:effectRef idx="0">
+            <a:schemeClr val="accent1"/>
+          </a:effectRef>
+          <a:fontRef idx="minor">
+            <a:schemeClr val="lt1"/>
+          </a:fontRef>
+        </p:style>
+        <p:txBody>
+          <a:bodyPr rtlCol="0" anchor="ctr"/>
+          <a:lstStyle/>
+          <a:p>
+            <a:pPr algn="ctr"/>
+            <a:endParaRPr lang="en-GB"/>
+          </a:p>
+        </p:txBody>
+      </p:sp>
+      <p:sp>
+        <p:nvSpPr>
+          <p:cNvPr id="101" name="Rectangle 100">
+            <a:extLst>
+              <a:ext uri="{FF2B5EF4-FFF2-40B4-BE49-F238E27FC236}">
+                <a16:creationId xmlns:a16="http://schemas.microsoft.com/office/drawing/2014/main" id="{4BC6E10A-5535-48A0-8AE7-C38DDC15B94F}"/>
+              </a:ext>
+            </a:extLst>
+          </p:cNvPr>
+          <p:cNvSpPr/>
+          <p:nvPr/>
+        </p:nvSpPr>
+        <p:spPr>
+          <a:xfrm>
+            <a:off x="5172635" y="3052880"/>
+            <a:ext cx="1065043" cy="379466"/>
+          </a:xfrm>
+          <a:prstGeom prst="rect">
+            <a:avLst/>
+          </a:prstGeom>
+        </p:spPr>
+        <p:style>
+          <a:lnRef idx="2">
+            <a:schemeClr val="accent1">
+              <a:shade val="50000"/>
+            </a:schemeClr>
+          </a:lnRef>
+          <a:fillRef idx="1">
+            <a:schemeClr val="accent1"/>
+          </a:fillRef>
+          <a:effectRef idx="0">
+            <a:schemeClr val="accent1"/>
+          </a:effectRef>
+          <a:fontRef idx="minor">
+            <a:schemeClr val="lt1"/>
+          </a:fontRef>
+        </p:style>
+        <p:txBody>
+          <a:bodyPr rtlCol="0" anchor="ctr"/>
+          <a:lstStyle/>
+          <a:p>
+            <a:pPr algn="ctr"/>
+            <a:endParaRPr lang="en-GB"/>
+          </a:p>
+        </p:txBody>
+      </p:sp>
+      <p:sp>
+        <p:nvSpPr>
+          <p:cNvPr id="102" name="Flèche : double flèche verticale 101">
+            <a:extLst>
+              <a:ext uri="{FF2B5EF4-FFF2-40B4-BE49-F238E27FC236}">
+                <a16:creationId xmlns:a16="http://schemas.microsoft.com/office/drawing/2014/main" id="{49702959-7E9F-4FDB-8623-41AD0526A065}"/>
+              </a:ext>
+            </a:extLst>
+          </p:cNvPr>
+          <p:cNvSpPr/>
+          <p:nvPr/>
+        </p:nvSpPr>
+        <p:spPr>
+          <a:xfrm>
+            <a:off x="5096880" y="3478946"/>
+            <a:ext cx="164740" cy="285595"/>
+          </a:xfrm>
+          <a:prstGeom prst="upDownArrow">
+            <a:avLst/>
+          </a:prstGeom>
+        </p:spPr>
+        <p:style>
+          <a:lnRef idx="2">
+            <a:schemeClr val="accent1">
+              <a:shade val="50000"/>
+            </a:schemeClr>
+          </a:lnRef>
+          <a:fillRef idx="1">
+            <a:schemeClr val="accent1"/>
+          </a:fillRef>
+          <a:effectRef idx="0">
+            <a:schemeClr val="accent1"/>
+          </a:effectRef>
+          <a:fontRef idx="minor">
+            <a:schemeClr val="lt1"/>
+          </a:fontRef>
+        </p:style>
+        <p:txBody>
+          <a:bodyPr rtlCol="0" anchor="ctr"/>
+          <a:lstStyle/>
+          <a:p>
+            <a:pPr algn="ctr"/>
+            <a:endParaRPr lang="en-GB"/>
+          </a:p>
+        </p:txBody>
+      </p:sp>
+      <p:sp>
+        <p:nvSpPr>
+          <p:cNvPr id="103" name="Rectangle 102">
+            <a:extLst>
+              <a:ext uri="{FF2B5EF4-FFF2-40B4-BE49-F238E27FC236}">
+                <a16:creationId xmlns:a16="http://schemas.microsoft.com/office/drawing/2014/main" id="{B3EA0D09-3418-4F68-9F02-0BC74BA4F936}"/>
+              </a:ext>
+            </a:extLst>
+          </p:cNvPr>
+          <p:cNvSpPr/>
+          <p:nvPr/>
+        </p:nvSpPr>
+        <p:spPr>
+          <a:xfrm>
+            <a:off x="7245576" y="3793676"/>
+            <a:ext cx="1188916" cy="379466"/>
+          </a:xfrm>
+          <a:prstGeom prst="rect">
+            <a:avLst/>
+          </a:prstGeom>
+        </p:spPr>
+        <p:style>
+          <a:lnRef idx="2">
+            <a:schemeClr val="accent1">
+              <a:shade val="50000"/>
+            </a:schemeClr>
+          </a:lnRef>
+          <a:fillRef idx="1">
+            <a:schemeClr val="accent1"/>
+          </a:fillRef>
+          <a:effectRef idx="0">
+            <a:schemeClr val="accent1"/>
+          </a:effectRef>
+          <a:fontRef idx="minor">
+            <a:schemeClr val="lt1"/>
+          </a:fontRef>
+        </p:style>
+        <p:txBody>
+          <a:bodyPr rtlCol="0" anchor="ctr"/>
+          <a:lstStyle/>
+          <a:p>
+            <a:pPr algn="ctr"/>
+            <a:endParaRPr lang="en-GB"/>
+          </a:p>
+        </p:txBody>
+      </p:sp>
+      <p:sp>
+        <p:nvSpPr>
+          <p:cNvPr id="104" name="Rectangle 103">
+            <a:extLst>
+              <a:ext uri="{FF2B5EF4-FFF2-40B4-BE49-F238E27FC236}">
+                <a16:creationId xmlns:a16="http://schemas.microsoft.com/office/drawing/2014/main" id="{380780E3-30A8-4AB6-A02D-579EC27F6F0A}"/>
+              </a:ext>
+            </a:extLst>
+          </p:cNvPr>
+          <p:cNvSpPr/>
+          <p:nvPr/>
+        </p:nvSpPr>
+        <p:spPr>
+          <a:xfrm>
+            <a:off x="7369449" y="3048265"/>
+            <a:ext cx="1065043" cy="379466"/>
+          </a:xfrm>
+          <a:prstGeom prst="rect">
+            <a:avLst/>
+          </a:prstGeom>
+        </p:spPr>
+        <p:style>
+          <a:lnRef idx="2">
+            <a:schemeClr val="accent1">
+              <a:shade val="50000"/>
+            </a:schemeClr>
+          </a:lnRef>
+          <a:fillRef idx="1">
+            <a:schemeClr val="accent1"/>
+          </a:fillRef>
+          <a:effectRef idx="0">
+            <a:schemeClr val="accent1"/>
+          </a:effectRef>
+          <a:fontRef idx="minor">
+            <a:schemeClr val="lt1"/>
+          </a:fontRef>
+        </p:style>
+        <p:txBody>
+          <a:bodyPr rtlCol="0" anchor="ctr"/>
+          <a:lstStyle/>
+          <a:p>
+            <a:pPr algn="ctr"/>
+            <a:endParaRPr lang="en-GB"/>
+          </a:p>
+        </p:txBody>
+      </p:sp>
+      <p:sp>
+        <p:nvSpPr>
+          <p:cNvPr id="105" name="Flèche : double flèche verticale 104">
+            <a:extLst>
+              <a:ext uri="{FF2B5EF4-FFF2-40B4-BE49-F238E27FC236}">
+                <a16:creationId xmlns:a16="http://schemas.microsoft.com/office/drawing/2014/main" id="{83555ADA-332C-48A2-A6AC-C1C3E18039CB}"/>
+              </a:ext>
+            </a:extLst>
+          </p:cNvPr>
+          <p:cNvSpPr/>
+          <p:nvPr/>
+        </p:nvSpPr>
+        <p:spPr>
+          <a:xfrm>
+            <a:off x="7293694" y="3474331"/>
+            <a:ext cx="164740" cy="285595"/>
+          </a:xfrm>
+          <a:prstGeom prst="upDownArrow">
+            <a:avLst/>
+          </a:prstGeom>
+        </p:spPr>
+        <p:style>
+          <a:lnRef idx="2">
+            <a:schemeClr val="accent1">
+              <a:shade val="50000"/>
+            </a:schemeClr>
+          </a:lnRef>
+          <a:fillRef idx="1">
+            <a:schemeClr val="accent1"/>
+          </a:fillRef>
+          <a:effectRef idx="0">
+            <a:schemeClr val="accent1"/>
+          </a:effectRef>
+          <a:fontRef idx="minor">
+            <a:schemeClr val="lt1"/>
+          </a:fontRef>
+        </p:style>
+        <p:txBody>
+          <a:bodyPr rtlCol="0" anchor="ctr"/>
+          <a:lstStyle/>
+          <a:p>
+            <a:pPr algn="ctr"/>
+            <a:endParaRPr lang="en-GB"/>
+          </a:p>
+        </p:txBody>
+      </p:sp>
+      <p:sp>
+        <p:nvSpPr>
+          <p:cNvPr id="106" name="Rectangle 105">
+            <a:extLst>
+              <a:ext uri="{FF2B5EF4-FFF2-40B4-BE49-F238E27FC236}">
+                <a16:creationId xmlns:a16="http://schemas.microsoft.com/office/drawing/2014/main" id="{EBF6CFCF-DB64-4825-922F-2EA6A28A3DA6}"/>
+              </a:ext>
+            </a:extLst>
+          </p:cNvPr>
+          <p:cNvSpPr/>
+          <p:nvPr/>
+        </p:nvSpPr>
+        <p:spPr>
+          <a:xfrm>
+            <a:off x="9566781" y="3804683"/>
+            <a:ext cx="1188916" cy="379466"/>
+          </a:xfrm>
+          <a:prstGeom prst="rect">
+            <a:avLst/>
+          </a:prstGeom>
+        </p:spPr>
+        <p:style>
+          <a:lnRef idx="2">
+            <a:schemeClr val="accent1">
+              <a:shade val="50000"/>
+            </a:schemeClr>
+          </a:lnRef>
+          <a:fillRef idx="1">
+            <a:schemeClr val="accent1"/>
+          </a:fillRef>
+          <a:effectRef idx="0">
+            <a:schemeClr val="accent1"/>
+          </a:effectRef>
+          <a:fontRef idx="minor">
+            <a:schemeClr val="lt1"/>
+          </a:fontRef>
+        </p:style>
+        <p:txBody>
+          <a:bodyPr rtlCol="0" anchor="ctr"/>
+          <a:lstStyle/>
+          <a:p>
+            <a:pPr algn="ctr"/>
+            <a:endParaRPr lang="en-GB"/>
+          </a:p>
+        </p:txBody>
+      </p:sp>
+      <p:sp>
+        <p:nvSpPr>
+          <p:cNvPr id="107" name="Rectangle 106">
+            <a:extLst>
+              <a:ext uri="{FF2B5EF4-FFF2-40B4-BE49-F238E27FC236}">
+                <a16:creationId xmlns:a16="http://schemas.microsoft.com/office/drawing/2014/main" id="{93782FD3-A3EA-4F58-992B-B7A7B39F5129}"/>
+              </a:ext>
+            </a:extLst>
+          </p:cNvPr>
+          <p:cNvSpPr/>
+          <p:nvPr/>
+        </p:nvSpPr>
+        <p:spPr>
+          <a:xfrm>
+            <a:off x="9690654" y="3059272"/>
+            <a:ext cx="1065043" cy="379466"/>
+          </a:xfrm>
+          <a:prstGeom prst="rect">
+            <a:avLst/>
+          </a:prstGeom>
+        </p:spPr>
+        <p:style>
+          <a:lnRef idx="2">
+            <a:schemeClr val="accent1">
+              <a:shade val="50000"/>
+            </a:schemeClr>
+          </a:lnRef>
+          <a:fillRef idx="1">
+            <a:schemeClr val="accent1"/>
+          </a:fillRef>
+          <a:effectRef idx="0">
+            <a:schemeClr val="accent1"/>
+          </a:effectRef>
+          <a:fontRef idx="minor">
+            <a:schemeClr val="lt1"/>
+          </a:fontRef>
+        </p:style>
+        <p:txBody>
+          <a:bodyPr rtlCol="0" anchor="ctr"/>
+          <a:lstStyle/>
+          <a:p>
+            <a:pPr algn="ctr"/>
+            <a:endParaRPr lang="en-GB"/>
+          </a:p>
+        </p:txBody>
+      </p:sp>
+      <p:sp>
+        <p:nvSpPr>
+          <p:cNvPr id="108" name="Flèche : double flèche verticale 107">
+            <a:extLst>
+              <a:ext uri="{FF2B5EF4-FFF2-40B4-BE49-F238E27FC236}">
+                <a16:creationId xmlns:a16="http://schemas.microsoft.com/office/drawing/2014/main" id="{423CD6BD-D232-47F9-997F-C72C0300E6CD}"/>
+              </a:ext>
+            </a:extLst>
+          </p:cNvPr>
+          <p:cNvSpPr/>
+          <p:nvPr/>
+        </p:nvSpPr>
+        <p:spPr>
+          <a:xfrm>
+            <a:off x="9614899" y="3485338"/>
+            <a:ext cx="164740" cy="285595"/>
+          </a:xfrm>
+          <a:prstGeom prst="upDownArrow">
+            <a:avLst/>
+          </a:prstGeom>
+        </p:spPr>
+        <p:style>
+          <a:lnRef idx="2">
+            <a:schemeClr val="accent1">
+              <a:shade val="50000"/>
+            </a:schemeClr>
+          </a:lnRef>
+          <a:fillRef idx="1">
+            <a:schemeClr val="accent1"/>
+          </a:fillRef>
+          <a:effectRef idx="0">
+            <a:schemeClr val="accent1"/>
+          </a:effectRef>
+          <a:fontRef idx="minor">
+            <a:schemeClr val="lt1"/>
+          </a:fontRef>
+        </p:style>
+        <p:txBody>
+          <a:bodyPr rtlCol="0" anchor="ctr"/>
+          <a:lstStyle/>
+          <a:p>
+            <a:pPr algn="ctr"/>
+            <a:endParaRPr lang="en-GB"/>
+          </a:p>
+        </p:txBody>
+      </p:sp>
+      <p:cxnSp>
+        <p:nvCxnSpPr>
+          <p:cNvPr id="109" name="Connecteur droit 108">
+            <a:extLst>
+              <a:ext uri="{FF2B5EF4-FFF2-40B4-BE49-F238E27FC236}">
+                <a16:creationId xmlns:a16="http://schemas.microsoft.com/office/drawing/2014/main" id="{30A8FD4B-166D-4425-BA88-641EF050516E}"/>
+              </a:ext>
+            </a:extLst>
+          </p:cNvPr>
+          <p:cNvCxnSpPr>
+            <a:cxnSpLocks/>
+          </p:cNvCxnSpPr>
+          <p:nvPr/>
+        </p:nvCxnSpPr>
+        <p:spPr>
+          <a:xfrm flipV="1">
+            <a:off x="4510162" y="1544086"/>
+            <a:ext cx="0" cy="595864"/>
+          </a:xfrm>
+          <a:prstGeom prst="line">
+            <a:avLst/>
+          </a:prstGeom>
+          <a:ln>
+            <a:prstDash val="dash"/>
+          </a:ln>
+        </p:spPr>
+        <p:style>
+          <a:lnRef idx="1">
+            <a:schemeClr val="accent1"/>
+          </a:lnRef>
+          <a:fillRef idx="0">
+            <a:schemeClr val="accent1"/>
+          </a:fillRef>
+          <a:effectRef idx="0">
+            <a:schemeClr val="accent1"/>
+          </a:effectRef>
+          <a:fontRef idx="minor">
+            <a:schemeClr val="tx1"/>
+          </a:fontRef>
+        </p:style>
+      </p:cxnSp>
+      <p:cxnSp>
+        <p:nvCxnSpPr>
+          <p:cNvPr id="111" name="Connecteur droit 110">
+            <a:extLst>
+              <a:ext uri="{FF2B5EF4-FFF2-40B4-BE49-F238E27FC236}">
+                <a16:creationId xmlns:a16="http://schemas.microsoft.com/office/drawing/2014/main" id="{A93BFF19-70D4-49CC-9C2C-7463509770F1}"/>
+              </a:ext>
+            </a:extLst>
+          </p:cNvPr>
+          <p:cNvCxnSpPr>
+            <a:cxnSpLocks/>
+          </p:cNvCxnSpPr>
+          <p:nvPr/>
+        </p:nvCxnSpPr>
+        <p:spPr>
+          <a:xfrm flipV="1">
+            <a:off x="7264613" y="1544086"/>
+            <a:ext cx="0" cy="595864"/>
+          </a:xfrm>
+          <a:prstGeom prst="line">
+            <a:avLst/>
+          </a:prstGeom>
+          <a:ln>
+            <a:prstDash val="dash"/>
+          </a:ln>
+        </p:spPr>
+        <p:style>
+          <a:lnRef idx="1">
+            <a:schemeClr val="accent1"/>
+          </a:lnRef>
+          <a:fillRef idx="0">
+            <a:schemeClr val="accent1"/>
+          </a:fillRef>
+          <a:effectRef idx="0">
+            <a:schemeClr val="accent1"/>
+          </a:effectRef>
+          <a:fontRef idx="minor">
+            <a:schemeClr val="tx1"/>
+          </a:fontRef>
+        </p:style>
+      </p:cxnSp>
+      <p:cxnSp>
+        <p:nvCxnSpPr>
+          <p:cNvPr id="112" name="Connecteur droit 111">
+            <a:extLst>
+              <a:ext uri="{FF2B5EF4-FFF2-40B4-BE49-F238E27FC236}">
+                <a16:creationId xmlns:a16="http://schemas.microsoft.com/office/drawing/2014/main" id="{205A9125-FCF7-4E41-AC0D-CB1B1A6EEFB9}"/>
+              </a:ext>
+            </a:extLst>
+          </p:cNvPr>
+          <p:cNvCxnSpPr>
+            <a:cxnSpLocks/>
+          </p:cNvCxnSpPr>
+          <p:nvPr/>
+        </p:nvCxnSpPr>
+        <p:spPr>
+          <a:xfrm flipV="1">
+            <a:off x="10019064" y="1587336"/>
+            <a:ext cx="0" cy="595864"/>
+          </a:xfrm>
+          <a:prstGeom prst="line">
+            <a:avLst/>
+          </a:prstGeom>
+          <a:ln>
+            <a:prstDash val="dash"/>
+          </a:ln>
+        </p:spPr>
+        <p:style>
+          <a:lnRef idx="1">
+            <a:schemeClr val="accent1"/>
+          </a:lnRef>
+          <a:fillRef idx="0">
+            <a:schemeClr val="accent1"/>
+          </a:fillRef>
+          <a:effectRef idx="0">
+            <a:schemeClr val="accent1"/>
+          </a:effectRef>
+          <a:fontRef idx="minor">
+            <a:schemeClr val="tx1"/>
+          </a:fontRef>
+        </p:style>
+      </p:cxnSp>
+      <p:cxnSp>
+        <p:nvCxnSpPr>
+          <p:cNvPr id="113" name="Connecteur droit 112">
+            <a:extLst>
+              <a:ext uri="{FF2B5EF4-FFF2-40B4-BE49-F238E27FC236}">
+                <a16:creationId xmlns:a16="http://schemas.microsoft.com/office/drawing/2014/main" id="{214C6B66-239F-4A7F-AEBE-DCCA6F556966}"/>
+              </a:ext>
+            </a:extLst>
+          </p:cNvPr>
+          <p:cNvCxnSpPr>
+            <a:cxnSpLocks/>
+          </p:cNvCxnSpPr>
+          <p:nvPr/>
+        </p:nvCxnSpPr>
+        <p:spPr>
+          <a:xfrm flipV="1">
+            <a:off x="9566781" y="3971710"/>
+            <a:ext cx="0" cy="869560"/>
+          </a:xfrm>
+          <a:prstGeom prst="line">
+            <a:avLst/>
+          </a:prstGeom>
+          <a:ln>
+            <a:prstDash val="dash"/>
+          </a:ln>
+        </p:spPr>
+        <p:style>
+          <a:lnRef idx="1">
+            <a:schemeClr val="accent1"/>
+          </a:lnRef>
+          <a:fillRef idx="0">
+            <a:schemeClr val="accent1"/>
+          </a:fillRef>
+          <a:effectRef idx="0">
+            <a:schemeClr val="accent1"/>
+          </a:effectRef>
+          <a:fontRef idx="minor">
+            <a:schemeClr val="tx1"/>
+          </a:fontRef>
+        </p:style>
+      </p:cxnSp>
+      <p:cxnSp>
+        <p:nvCxnSpPr>
+          <p:cNvPr id="115" name="Connecteur droit 114">
+            <a:extLst>
+              <a:ext uri="{FF2B5EF4-FFF2-40B4-BE49-F238E27FC236}">
+                <a16:creationId xmlns:a16="http://schemas.microsoft.com/office/drawing/2014/main" id="{AD11DA03-D425-4789-A49F-99DB7C1A6E68}"/>
+              </a:ext>
+            </a:extLst>
+          </p:cNvPr>
+          <p:cNvCxnSpPr>
+            <a:cxnSpLocks/>
+          </p:cNvCxnSpPr>
+          <p:nvPr/>
+        </p:nvCxnSpPr>
+        <p:spPr>
+          <a:xfrm flipV="1">
+            <a:off x="4036453" y="3963268"/>
+            <a:ext cx="0" cy="595864"/>
+          </a:xfrm>
+          <a:prstGeom prst="line">
+            <a:avLst/>
+          </a:prstGeom>
+          <a:ln>
+            <a:prstDash val="dash"/>
+          </a:ln>
+        </p:spPr>
+        <p:style>
+          <a:lnRef idx="1">
+            <a:schemeClr val="accent1"/>
+          </a:lnRef>
+          <a:fillRef idx="0">
+            <a:schemeClr val="accent1"/>
+          </a:fillRef>
+          <a:effectRef idx="0">
+            <a:schemeClr val="accent1"/>
+          </a:effectRef>
+          <a:fontRef idx="minor">
+            <a:schemeClr val="tx1"/>
+          </a:fontRef>
+        </p:style>
+      </p:cxnSp>
+      <p:cxnSp>
+        <p:nvCxnSpPr>
+          <p:cNvPr id="116" name="Connecteur droit 115">
+            <a:extLst>
+              <a:ext uri="{FF2B5EF4-FFF2-40B4-BE49-F238E27FC236}">
+                <a16:creationId xmlns:a16="http://schemas.microsoft.com/office/drawing/2014/main" id="{BACEDB2D-1CA0-408B-B2BD-F152B5C595D4}"/>
+              </a:ext>
+            </a:extLst>
+          </p:cNvPr>
+          <p:cNvCxnSpPr>
+            <a:cxnSpLocks/>
+          </p:cNvCxnSpPr>
+          <p:nvPr/>
+        </p:nvCxnSpPr>
+        <p:spPr>
+          <a:xfrm flipV="1">
+            <a:off x="6237678" y="3980865"/>
+            <a:ext cx="0" cy="595864"/>
+          </a:xfrm>
+          <a:prstGeom prst="line">
+            <a:avLst/>
+          </a:prstGeom>
+          <a:ln>
+            <a:prstDash val="dash"/>
+          </a:ln>
+        </p:spPr>
+        <p:style>
+          <a:lnRef idx="1">
+            <a:schemeClr val="accent1"/>
+          </a:lnRef>
+          <a:fillRef idx="0">
+            <a:schemeClr val="accent1"/>
+          </a:fillRef>
+          <a:effectRef idx="0">
+            <a:schemeClr val="accent1"/>
+          </a:effectRef>
+          <a:fontRef idx="minor">
+            <a:schemeClr val="tx1"/>
+          </a:fontRef>
+        </p:style>
+      </p:cxnSp>
+      <p:cxnSp>
+        <p:nvCxnSpPr>
+          <p:cNvPr id="117" name="Connecteur droit 116">
+            <a:extLst>
+              <a:ext uri="{FF2B5EF4-FFF2-40B4-BE49-F238E27FC236}">
+                <a16:creationId xmlns:a16="http://schemas.microsoft.com/office/drawing/2014/main" id="{AB098855-8C6D-45AE-AFF0-B341DE878073}"/>
+              </a:ext>
+            </a:extLst>
+          </p:cNvPr>
+          <p:cNvCxnSpPr>
+            <a:cxnSpLocks/>
+          </p:cNvCxnSpPr>
+          <p:nvPr/>
+        </p:nvCxnSpPr>
+        <p:spPr>
+          <a:xfrm flipV="1">
+            <a:off x="8442820" y="3953372"/>
+            <a:ext cx="0" cy="595864"/>
+          </a:xfrm>
+          <a:prstGeom prst="line">
+            <a:avLst/>
+          </a:prstGeom>
+          <a:ln>
+            <a:prstDash val="dash"/>
+          </a:ln>
+        </p:spPr>
+        <p:style>
+          <a:lnRef idx="1">
+            <a:schemeClr val="accent1"/>
+          </a:lnRef>
+          <a:fillRef idx="0">
+            <a:schemeClr val="accent1"/>
+          </a:fillRef>
+          <a:effectRef idx="0">
+            <a:schemeClr val="accent1"/>
+          </a:effectRef>
+          <a:fontRef idx="minor">
+            <a:schemeClr val="tx1"/>
+          </a:fontRef>
+        </p:style>
+      </p:cxnSp>
+      <p:cxnSp>
+        <p:nvCxnSpPr>
+          <p:cNvPr id="121" name="Connecteur droit avec flèche 120">
+            <a:extLst>
+              <a:ext uri="{FF2B5EF4-FFF2-40B4-BE49-F238E27FC236}">
+                <a16:creationId xmlns:a16="http://schemas.microsoft.com/office/drawing/2014/main" id="{9F09A90E-6AF3-4CF1-AA91-51EB367680EC}"/>
+              </a:ext>
+            </a:extLst>
+          </p:cNvPr>
+          <p:cNvCxnSpPr>
+            <a:cxnSpLocks/>
+          </p:cNvCxnSpPr>
+          <p:nvPr/>
+        </p:nvCxnSpPr>
+        <p:spPr>
+          <a:xfrm>
+            <a:off x="7245576" y="4807175"/>
+            <a:ext cx="2310806" cy="0"/>
+          </a:xfrm>
+          <a:prstGeom prst="straightConnector1">
+            <a:avLst/>
+          </a:prstGeom>
+          <a:ln w="12700">
+            <a:headEnd type="triangle"/>
+            <a:tailEnd type="triangle"/>
+          </a:ln>
+        </p:spPr>
+        <p:style>
+          <a:lnRef idx="1">
+            <a:schemeClr val="accent1"/>
+          </a:lnRef>
+          <a:fillRef idx="0">
+            <a:schemeClr val="accent1"/>
+          </a:fillRef>
+          <a:effectRef idx="0">
+            <a:schemeClr val="accent1"/>
+          </a:effectRef>
+          <a:fontRef idx="minor">
+            <a:schemeClr val="tx1"/>
+          </a:fontRef>
+        </p:style>
+      </p:cxnSp>
+      <p:cxnSp>
+        <p:nvCxnSpPr>
+          <p:cNvPr id="124" name="Connecteur droit avec flèche 123">
+            <a:extLst>
+              <a:ext uri="{FF2B5EF4-FFF2-40B4-BE49-F238E27FC236}">
+                <a16:creationId xmlns:a16="http://schemas.microsoft.com/office/drawing/2014/main" id="{BF4329C3-CBF4-48C4-AC1B-EA38AA804F75}"/>
+              </a:ext>
+            </a:extLst>
+          </p:cNvPr>
+          <p:cNvCxnSpPr>
+            <a:cxnSpLocks/>
+          </p:cNvCxnSpPr>
+          <p:nvPr/>
+        </p:nvCxnSpPr>
+        <p:spPr>
+          <a:xfrm>
+            <a:off x="5048762" y="4485229"/>
+            <a:ext cx="1188916" cy="0"/>
+          </a:xfrm>
+          <a:prstGeom prst="straightConnector1">
+            <a:avLst/>
+          </a:prstGeom>
+          <a:ln w="12700">
+            <a:headEnd type="triangle"/>
+            <a:tailEnd type="triangle"/>
+          </a:ln>
+        </p:spPr>
+        <p:style>
+          <a:lnRef idx="1">
+            <a:schemeClr val="accent1"/>
+          </a:lnRef>
+          <a:fillRef idx="0">
+            <a:schemeClr val="accent1"/>
+          </a:fillRef>
+          <a:effectRef idx="0">
+            <a:schemeClr val="accent1"/>
+          </a:effectRef>
+          <a:fontRef idx="minor">
+            <a:schemeClr val="tx1"/>
+          </a:fontRef>
+        </p:style>
+      </p:cxnSp>
+      <p:cxnSp>
+        <p:nvCxnSpPr>
+          <p:cNvPr id="125" name="Connecteur droit avec flèche 124">
+            <a:extLst>
+              <a:ext uri="{FF2B5EF4-FFF2-40B4-BE49-F238E27FC236}">
+                <a16:creationId xmlns:a16="http://schemas.microsoft.com/office/drawing/2014/main" id="{BE7122B1-7081-4A48-82D2-69035045220D}"/>
+              </a:ext>
+            </a:extLst>
+          </p:cNvPr>
+          <p:cNvCxnSpPr>
+            <a:cxnSpLocks/>
+          </p:cNvCxnSpPr>
+          <p:nvPr/>
+        </p:nvCxnSpPr>
+        <p:spPr>
+          <a:xfrm>
+            <a:off x="7245576" y="4482278"/>
+            <a:ext cx="1188916" cy="0"/>
+          </a:xfrm>
+          <a:prstGeom prst="straightConnector1">
+            <a:avLst/>
+          </a:prstGeom>
+          <a:ln w="12700">
+            <a:headEnd type="triangle"/>
+            <a:tailEnd type="triangle"/>
+          </a:ln>
+        </p:spPr>
+        <p:style>
+          <a:lnRef idx="1">
+            <a:schemeClr val="accent1"/>
+          </a:lnRef>
+          <a:fillRef idx="0">
+            <a:schemeClr val="accent1"/>
+          </a:fillRef>
+          <a:effectRef idx="0">
+            <a:schemeClr val="accent1"/>
+          </a:effectRef>
+          <a:fontRef idx="minor">
+            <a:schemeClr val="tx1"/>
+          </a:fontRef>
+        </p:style>
+      </p:cxnSp>
+      <p:sp>
+        <p:nvSpPr>
+          <p:cNvPr id="127" name="ZoneTexte 126">
+            <a:extLst>
+              <a:ext uri="{FF2B5EF4-FFF2-40B4-BE49-F238E27FC236}">
+                <a16:creationId xmlns:a16="http://schemas.microsoft.com/office/drawing/2014/main" id="{1A0FD185-722D-49E7-A1C5-A146E931D0E0}"/>
+              </a:ext>
+            </a:extLst>
+          </p:cNvPr>
+          <p:cNvSpPr txBox="1"/>
+          <p:nvPr/>
+        </p:nvSpPr>
+        <p:spPr>
+          <a:xfrm>
+            <a:off x="5265715" y="4503429"/>
+            <a:ext cx="1950742" cy="338554"/>
+          </a:xfrm>
+          <a:prstGeom prst="rect">
+            <a:avLst/>
+          </a:prstGeom>
+          <a:noFill/>
+        </p:spPr>
+        <p:txBody>
+          <a:bodyPr wrap="square" rtlCol="0">
+            <a:spAutoFit/>
+          </a:bodyPr>
+          <a:lstStyle/>
+          <a:p>
+            <a:r>
+              <a:rPr lang="en-GB" sz="1600" dirty="0"/>
+              <a:t>Connection Interval</a:t>
+            </a:r>
+          </a:p>
+        </p:txBody>
+      </p:sp>
+      <p:sp>
+        <p:nvSpPr>
+          <p:cNvPr id="128" name="ZoneTexte 127">
+            <a:extLst>
+              <a:ext uri="{FF2B5EF4-FFF2-40B4-BE49-F238E27FC236}">
+                <a16:creationId xmlns:a16="http://schemas.microsoft.com/office/drawing/2014/main" id="{59EFDF5F-CA28-4AD5-8829-9267428C7A71}"/>
+              </a:ext>
+            </a:extLst>
+          </p:cNvPr>
+          <p:cNvSpPr txBox="1"/>
+          <p:nvPr/>
+        </p:nvSpPr>
+        <p:spPr>
+          <a:xfrm>
+            <a:off x="7512863" y="4518455"/>
+            <a:ext cx="1950742" cy="338554"/>
+          </a:xfrm>
+          <a:prstGeom prst="rect">
+            <a:avLst/>
+          </a:prstGeom>
+          <a:noFill/>
+        </p:spPr>
+        <p:txBody>
+          <a:bodyPr wrap="square" rtlCol="0">
+            <a:spAutoFit/>
+          </a:bodyPr>
+          <a:lstStyle/>
+          <a:p>
+            <a:r>
+              <a:rPr lang="en-GB" sz="1600" dirty="0"/>
+              <a:t>Connection Interval</a:t>
+            </a:r>
+          </a:p>
+        </p:txBody>
+      </p:sp>
+      <p:cxnSp>
+        <p:nvCxnSpPr>
+          <p:cNvPr id="130" name="Connecteur droit 129">
+            <a:extLst>
+              <a:ext uri="{FF2B5EF4-FFF2-40B4-BE49-F238E27FC236}">
+                <a16:creationId xmlns:a16="http://schemas.microsoft.com/office/drawing/2014/main" id="{E186FE27-54E4-462E-9BD4-28B0E335E060}"/>
+              </a:ext>
+            </a:extLst>
+          </p:cNvPr>
+          <p:cNvCxnSpPr>
+            <a:cxnSpLocks/>
+          </p:cNvCxnSpPr>
+          <p:nvPr/>
+        </p:nvCxnSpPr>
+        <p:spPr>
+          <a:xfrm flipH="1">
+            <a:off x="809625" y="4454749"/>
+            <a:ext cx="2037912" cy="0"/>
+          </a:xfrm>
+          <a:prstGeom prst="line">
+            <a:avLst/>
+          </a:prstGeom>
+          <a:ln w="12700"/>
+        </p:spPr>
+        <p:style>
+          <a:lnRef idx="1">
+            <a:schemeClr val="accent1"/>
+          </a:lnRef>
+          <a:fillRef idx="0">
+            <a:schemeClr val="accent1"/>
+          </a:fillRef>
+          <a:effectRef idx="0">
+            <a:schemeClr val="accent1"/>
+          </a:effectRef>
+          <a:fontRef idx="minor">
+            <a:schemeClr val="tx1"/>
+          </a:fontRef>
+        </p:style>
+      </p:cxnSp>
+      <p:sp>
+        <p:nvSpPr>
+          <p:cNvPr id="132" name="ZoneTexte 131">
+            <a:extLst>
+              <a:ext uri="{FF2B5EF4-FFF2-40B4-BE49-F238E27FC236}">
+                <a16:creationId xmlns:a16="http://schemas.microsoft.com/office/drawing/2014/main" id="{61D6942B-A12C-4D1C-BC1D-3B54090A7C5D}"/>
+              </a:ext>
+            </a:extLst>
+          </p:cNvPr>
+          <p:cNvSpPr txBox="1"/>
+          <p:nvPr/>
+        </p:nvSpPr>
+        <p:spPr>
+          <a:xfrm>
+            <a:off x="1604167" y="650990"/>
+            <a:ext cx="1254702" cy="400110"/>
+          </a:xfrm>
+          <a:prstGeom prst="rect">
+            <a:avLst/>
+          </a:prstGeom>
+          <a:noFill/>
+        </p:spPr>
+        <p:txBody>
+          <a:bodyPr wrap="none" rtlCol="0">
+            <a:spAutoFit/>
+          </a:bodyPr>
+          <a:lstStyle/>
+          <a:p>
+            <a:r>
+              <a:rPr lang="en-GB" sz="2000" dirty="0"/>
+              <a:t>Peripheral</a:t>
+            </a:r>
+          </a:p>
+        </p:txBody>
+      </p:sp>
+      <p:sp>
+        <p:nvSpPr>
+          <p:cNvPr id="133" name="ZoneTexte 132">
+            <a:extLst>
+              <a:ext uri="{FF2B5EF4-FFF2-40B4-BE49-F238E27FC236}">
+                <a16:creationId xmlns:a16="http://schemas.microsoft.com/office/drawing/2014/main" id="{968B6627-DFAD-42B3-91F6-4CB1320947A8}"/>
+              </a:ext>
+            </a:extLst>
+          </p:cNvPr>
+          <p:cNvSpPr txBox="1"/>
+          <p:nvPr/>
+        </p:nvSpPr>
+        <p:spPr>
+          <a:xfrm>
+            <a:off x="1872595" y="1385749"/>
+            <a:ext cx="935256" cy="400110"/>
+          </a:xfrm>
+          <a:prstGeom prst="rect">
+            <a:avLst/>
+          </a:prstGeom>
+          <a:noFill/>
+        </p:spPr>
+        <p:txBody>
+          <a:bodyPr wrap="none" rtlCol="0">
+            <a:spAutoFit/>
+          </a:bodyPr>
+          <a:lstStyle/>
+          <a:p>
+            <a:r>
+              <a:rPr lang="en-GB" sz="2000" dirty="0"/>
+              <a:t>Central</a:t>
+            </a:r>
+          </a:p>
+        </p:txBody>
+      </p:sp>
+    </p:spTree>
+    <p:extLst>
+      <p:ext uri="{BB962C8B-B14F-4D97-AF65-F5344CB8AC3E}">
+        <p14:creationId xmlns:p14="http://schemas.microsoft.com/office/powerpoint/2010/main" val="3960225761"/>
+      </p:ext>
+    </p:extLst>
+  </p:cSld>
+  <p:clrMapOvr>
+    <a:masterClrMapping/>
+  </p:clrMapOvr>
+</p:sld>
+</file>
+
 <file path=ppt/slides/slide3.xml><?xml version="1.0" encoding="utf-8"?>
 <p:sld xmlns:a="http://schemas.openxmlformats.org/drawingml/2006/main" xmlns:r="http://schemas.openxmlformats.org/officeDocument/2006/relationships" xmlns:p="http://schemas.openxmlformats.org/presentationml/2006/main">
   <p:cSld>
